--- a/hw01.pptx
+++ b/hw01.pptx
@@ -6,6 +6,7 @@
   </p:sldMasterIdLst>
   <p:sldIdLst>
     <p:sldId id="256" r:id="rId2"/>
+    <p:sldId id="257" r:id="rId3"/>
   </p:sldIdLst>
   <p:sldSz cx="12192000" cy="6858000"/>
   <p:notesSz cx="6858000" cy="9144000"/>
@@ -104,6 +105,11 @@
       </a:defRPr>
     </a:lvl9pPr>
   </p:defaultTextStyle>
+  <p:extLst>
+    <p:ext uri="{EFAFB233-063F-42B5-8137-9DF3F51BA10A}">
+      <p15:sldGuideLst xmlns:p15="http://schemas.microsoft.com/office/powerpoint/2012/main"/>
+    </p:ext>
+  </p:extLst>
 </p:presentation>
 </file>
 
@@ -129,7 +135,7 @@
           <p:cNvPr id="2" name="標題 1">
             <a:extLst>
               <a:ext uri="{FF2B5EF4-FFF2-40B4-BE49-F238E27FC236}">
-                <a16:creationId xmlns:a16="http://schemas.microsoft.com/office/drawing/2014/main" id="{EB5CC918-B447-434E-B98E-5847BB49C259}"/>
+                <a16:creationId xmlns:a16="http://schemas.microsoft.com/office/drawing/2014/main" id="{26F59B31-4D6A-4C5D-8B66-84BDE03DDDAF}"/>
               </a:ext>
             </a:extLst>
           </p:cNvPr>
@@ -166,7 +172,7 @@
           <p:cNvPr id="3" name="副標題 2">
             <a:extLst>
               <a:ext uri="{FF2B5EF4-FFF2-40B4-BE49-F238E27FC236}">
-                <a16:creationId xmlns:a16="http://schemas.microsoft.com/office/drawing/2014/main" id="{817FCC70-CC4E-4CB6-B2CF-9FDA5AC4D346}"/>
+                <a16:creationId xmlns:a16="http://schemas.microsoft.com/office/drawing/2014/main" id="{F08D2595-8944-434C-96EF-E08CDD314BCF}"/>
               </a:ext>
             </a:extLst>
           </p:cNvPr>
@@ -236,7 +242,7 @@
           <p:cNvPr id="4" name="日期版面配置區 3">
             <a:extLst>
               <a:ext uri="{FF2B5EF4-FFF2-40B4-BE49-F238E27FC236}">
-                <a16:creationId xmlns:a16="http://schemas.microsoft.com/office/drawing/2014/main" id="{BD08F018-0004-4322-AD0F-E6E740964233}"/>
+                <a16:creationId xmlns:a16="http://schemas.microsoft.com/office/drawing/2014/main" id="{0E7CD340-7CE6-4C91-A935-F6241C59C2CC}"/>
               </a:ext>
             </a:extLst>
           </p:cNvPr>
@@ -252,9 +258,9 @@
           <a:bodyPr/>
           <a:lstStyle/>
           <a:p>
-            <a:fld id="{C3C90D7E-32D6-4894-AE08-7BBB3E610FC9}" type="datetimeFigureOut">
+            <a:fld id="{17501BA0-6145-4220-BB20-E24A3FFD92E2}" type="datetimeFigureOut">
               <a:rPr lang="zh-TW" altLang="en-US" smtClean="0"/>
-              <a:t>2024/9/16</a:t>
+              <a:t>2024/10/12</a:t>
             </a:fld>
             <a:endParaRPr lang="zh-TW" altLang="en-US"/>
           </a:p>
@@ -265,7 +271,7 @@
           <p:cNvPr id="5" name="頁尾版面配置區 4">
             <a:extLst>
               <a:ext uri="{FF2B5EF4-FFF2-40B4-BE49-F238E27FC236}">
-                <a16:creationId xmlns:a16="http://schemas.microsoft.com/office/drawing/2014/main" id="{30427B34-CB13-41C7-B2F2-CED9BDC5B595}"/>
+                <a16:creationId xmlns:a16="http://schemas.microsoft.com/office/drawing/2014/main" id="{C6C3F656-3A20-4C83-9F11-AB6816D14CDD}"/>
               </a:ext>
             </a:extLst>
           </p:cNvPr>
@@ -290,7 +296,7 @@
           <p:cNvPr id="6" name="投影片編號版面配置區 5">
             <a:extLst>
               <a:ext uri="{FF2B5EF4-FFF2-40B4-BE49-F238E27FC236}">
-                <a16:creationId xmlns:a16="http://schemas.microsoft.com/office/drawing/2014/main" id="{76FA962E-5B03-439A-928C-87366876542D}"/>
+                <a16:creationId xmlns:a16="http://schemas.microsoft.com/office/drawing/2014/main" id="{383466B5-FBD5-49E2-8419-ED19C45AB032}"/>
               </a:ext>
             </a:extLst>
           </p:cNvPr>
@@ -306,7 +312,7 @@
           <a:bodyPr/>
           <a:lstStyle/>
           <a:p>
-            <a:fld id="{E31EC408-072F-4346-BD0A-D6AA5788A305}" type="slidenum">
+            <a:fld id="{06B2F8F9-DF5B-4DDB-8915-1478D7FF7E48}" type="slidenum">
               <a:rPr lang="zh-TW" altLang="en-US" smtClean="0"/>
               <a:t>‹#›</a:t>
             </a:fld>
@@ -317,7 +323,7 @@
     </p:spTree>
     <p:extLst>
       <p:ext uri="{BB962C8B-B14F-4D97-AF65-F5344CB8AC3E}">
-        <p14:creationId xmlns:p14="http://schemas.microsoft.com/office/powerpoint/2010/main" val="2963035110"/>
+        <p14:creationId xmlns:p14="http://schemas.microsoft.com/office/powerpoint/2010/main" val="3495634319"/>
       </p:ext>
     </p:extLst>
   </p:cSld>
@@ -349,7 +355,7 @@
           <p:cNvPr id="2" name="標題 1">
             <a:extLst>
               <a:ext uri="{FF2B5EF4-FFF2-40B4-BE49-F238E27FC236}">
-                <a16:creationId xmlns:a16="http://schemas.microsoft.com/office/drawing/2014/main" id="{A02F0018-7F8E-4206-A929-07CDC6B5F34A}"/>
+                <a16:creationId xmlns:a16="http://schemas.microsoft.com/office/drawing/2014/main" id="{6CFE6575-9FB0-461B-8F07-B4F7C4BFFE03}"/>
               </a:ext>
             </a:extLst>
           </p:cNvPr>
@@ -377,7 +383,7 @@
           <p:cNvPr id="3" name="直排文字版面配置區 2">
             <a:extLst>
               <a:ext uri="{FF2B5EF4-FFF2-40B4-BE49-F238E27FC236}">
-                <a16:creationId xmlns:a16="http://schemas.microsoft.com/office/drawing/2014/main" id="{9B801E88-34C3-4545-A358-81F5614FED64}"/>
+                <a16:creationId xmlns:a16="http://schemas.microsoft.com/office/drawing/2014/main" id="{AE514D5B-B1B7-4DC7-8A9A-54673CE75D91}"/>
               </a:ext>
             </a:extLst>
           </p:cNvPr>
@@ -434,7 +440,7 @@
           <p:cNvPr id="4" name="日期版面配置區 3">
             <a:extLst>
               <a:ext uri="{FF2B5EF4-FFF2-40B4-BE49-F238E27FC236}">
-                <a16:creationId xmlns:a16="http://schemas.microsoft.com/office/drawing/2014/main" id="{60AFD716-8B99-4230-B55F-C8B88ECBB171}"/>
+                <a16:creationId xmlns:a16="http://schemas.microsoft.com/office/drawing/2014/main" id="{E446D806-AD0B-4EC5-ABD1-B3A9BEEB607A}"/>
               </a:ext>
             </a:extLst>
           </p:cNvPr>
@@ -450,9 +456,9 @@
           <a:bodyPr/>
           <a:lstStyle/>
           <a:p>
-            <a:fld id="{C3C90D7E-32D6-4894-AE08-7BBB3E610FC9}" type="datetimeFigureOut">
+            <a:fld id="{17501BA0-6145-4220-BB20-E24A3FFD92E2}" type="datetimeFigureOut">
               <a:rPr lang="zh-TW" altLang="en-US" smtClean="0"/>
-              <a:t>2024/9/16</a:t>
+              <a:t>2024/10/12</a:t>
             </a:fld>
             <a:endParaRPr lang="zh-TW" altLang="en-US"/>
           </a:p>
@@ -463,7 +469,7 @@
           <p:cNvPr id="5" name="頁尾版面配置區 4">
             <a:extLst>
               <a:ext uri="{FF2B5EF4-FFF2-40B4-BE49-F238E27FC236}">
-                <a16:creationId xmlns:a16="http://schemas.microsoft.com/office/drawing/2014/main" id="{EA374743-76D9-4BF8-A60C-2F50B2636A8A}"/>
+                <a16:creationId xmlns:a16="http://schemas.microsoft.com/office/drawing/2014/main" id="{97297FBD-7B43-4C32-B635-6A5C63481B1F}"/>
               </a:ext>
             </a:extLst>
           </p:cNvPr>
@@ -488,7 +494,7 @@
           <p:cNvPr id="6" name="投影片編號版面配置區 5">
             <a:extLst>
               <a:ext uri="{FF2B5EF4-FFF2-40B4-BE49-F238E27FC236}">
-                <a16:creationId xmlns:a16="http://schemas.microsoft.com/office/drawing/2014/main" id="{00454594-6C11-4013-A666-A151E960EC9B}"/>
+                <a16:creationId xmlns:a16="http://schemas.microsoft.com/office/drawing/2014/main" id="{D140D6CD-C4F8-4F92-A6B4-C5A916F81EE1}"/>
               </a:ext>
             </a:extLst>
           </p:cNvPr>
@@ -504,7 +510,7 @@
           <a:bodyPr/>
           <a:lstStyle/>
           <a:p>
-            <a:fld id="{E31EC408-072F-4346-BD0A-D6AA5788A305}" type="slidenum">
+            <a:fld id="{06B2F8F9-DF5B-4DDB-8915-1478D7FF7E48}" type="slidenum">
               <a:rPr lang="zh-TW" altLang="en-US" smtClean="0"/>
               <a:t>‹#›</a:t>
             </a:fld>
@@ -515,7 +521,7 @@
     </p:spTree>
     <p:extLst>
       <p:ext uri="{BB962C8B-B14F-4D97-AF65-F5344CB8AC3E}">
-        <p14:creationId xmlns:p14="http://schemas.microsoft.com/office/powerpoint/2010/main" val="188953001"/>
+        <p14:creationId xmlns:p14="http://schemas.microsoft.com/office/powerpoint/2010/main" val="3225417347"/>
       </p:ext>
     </p:extLst>
   </p:cSld>
@@ -547,7 +553,7 @@
           <p:cNvPr id="2" name="直排標題 1">
             <a:extLst>
               <a:ext uri="{FF2B5EF4-FFF2-40B4-BE49-F238E27FC236}">
-                <a16:creationId xmlns:a16="http://schemas.microsoft.com/office/drawing/2014/main" id="{70F760AC-E708-4605-85E2-7D0F424B3E29}"/>
+                <a16:creationId xmlns:a16="http://schemas.microsoft.com/office/drawing/2014/main" id="{D960645C-8D1D-4587-AB68-6441BFDF43D1}"/>
               </a:ext>
             </a:extLst>
           </p:cNvPr>
@@ -580,7 +586,7 @@
           <p:cNvPr id="3" name="直排文字版面配置區 2">
             <a:extLst>
               <a:ext uri="{FF2B5EF4-FFF2-40B4-BE49-F238E27FC236}">
-                <a16:creationId xmlns:a16="http://schemas.microsoft.com/office/drawing/2014/main" id="{84BECF48-F3B6-4D47-82A8-C6AE92EDC2F0}"/>
+                <a16:creationId xmlns:a16="http://schemas.microsoft.com/office/drawing/2014/main" id="{DC0D7C25-D2A5-4F6A-8A73-FD6666A0E9C4}"/>
               </a:ext>
             </a:extLst>
           </p:cNvPr>
@@ -642,7 +648,7 @@
           <p:cNvPr id="4" name="日期版面配置區 3">
             <a:extLst>
               <a:ext uri="{FF2B5EF4-FFF2-40B4-BE49-F238E27FC236}">
-                <a16:creationId xmlns:a16="http://schemas.microsoft.com/office/drawing/2014/main" id="{215DE52A-093E-4116-A2FE-F61BA999B89F}"/>
+                <a16:creationId xmlns:a16="http://schemas.microsoft.com/office/drawing/2014/main" id="{CEBF5321-AAB9-4B67-ABFE-3F527C50EE01}"/>
               </a:ext>
             </a:extLst>
           </p:cNvPr>
@@ -658,9 +664,9 @@
           <a:bodyPr/>
           <a:lstStyle/>
           <a:p>
-            <a:fld id="{C3C90D7E-32D6-4894-AE08-7BBB3E610FC9}" type="datetimeFigureOut">
+            <a:fld id="{17501BA0-6145-4220-BB20-E24A3FFD92E2}" type="datetimeFigureOut">
               <a:rPr lang="zh-TW" altLang="en-US" smtClean="0"/>
-              <a:t>2024/9/16</a:t>
+              <a:t>2024/10/12</a:t>
             </a:fld>
             <a:endParaRPr lang="zh-TW" altLang="en-US"/>
           </a:p>
@@ -671,7 +677,7 @@
           <p:cNvPr id="5" name="頁尾版面配置區 4">
             <a:extLst>
               <a:ext uri="{FF2B5EF4-FFF2-40B4-BE49-F238E27FC236}">
-                <a16:creationId xmlns:a16="http://schemas.microsoft.com/office/drawing/2014/main" id="{34553FE1-A5D9-4070-AA9C-378F491D4677}"/>
+                <a16:creationId xmlns:a16="http://schemas.microsoft.com/office/drawing/2014/main" id="{206ABF0F-CD0C-4970-A6C8-712F669A87A5}"/>
               </a:ext>
             </a:extLst>
           </p:cNvPr>
@@ -696,7 +702,7 @@
           <p:cNvPr id="6" name="投影片編號版面配置區 5">
             <a:extLst>
               <a:ext uri="{FF2B5EF4-FFF2-40B4-BE49-F238E27FC236}">
-                <a16:creationId xmlns:a16="http://schemas.microsoft.com/office/drawing/2014/main" id="{928EFDDC-5B11-4543-8144-518625EDA57F}"/>
+                <a16:creationId xmlns:a16="http://schemas.microsoft.com/office/drawing/2014/main" id="{ED2F8652-06EB-473B-A467-4DA1BF4BC8E1}"/>
               </a:ext>
             </a:extLst>
           </p:cNvPr>
@@ -712,7 +718,7 @@
           <a:bodyPr/>
           <a:lstStyle/>
           <a:p>
-            <a:fld id="{E31EC408-072F-4346-BD0A-D6AA5788A305}" type="slidenum">
+            <a:fld id="{06B2F8F9-DF5B-4DDB-8915-1478D7FF7E48}" type="slidenum">
               <a:rPr lang="zh-TW" altLang="en-US" smtClean="0"/>
               <a:t>‹#›</a:t>
             </a:fld>
@@ -723,7 +729,7 @@
     </p:spTree>
     <p:extLst>
       <p:ext uri="{BB962C8B-B14F-4D97-AF65-F5344CB8AC3E}">
-        <p14:creationId xmlns:p14="http://schemas.microsoft.com/office/powerpoint/2010/main" val="2483123943"/>
+        <p14:creationId xmlns:p14="http://schemas.microsoft.com/office/powerpoint/2010/main" val="341785149"/>
       </p:ext>
     </p:extLst>
   </p:cSld>
@@ -755,7 +761,7 @@
           <p:cNvPr id="2" name="標題 1">
             <a:extLst>
               <a:ext uri="{FF2B5EF4-FFF2-40B4-BE49-F238E27FC236}">
-                <a16:creationId xmlns:a16="http://schemas.microsoft.com/office/drawing/2014/main" id="{A1BFCF4C-FB58-444C-B754-A594851E4C7B}"/>
+                <a16:creationId xmlns:a16="http://schemas.microsoft.com/office/drawing/2014/main" id="{0C622660-2751-4C1A-BC26-220BE7CCCB90}"/>
               </a:ext>
             </a:extLst>
           </p:cNvPr>
@@ -783,7 +789,7 @@
           <p:cNvPr id="3" name="內容版面配置區 2">
             <a:extLst>
               <a:ext uri="{FF2B5EF4-FFF2-40B4-BE49-F238E27FC236}">
-                <a16:creationId xmlns:a16="http://schemas.microsoft.com/office/drawing/2014/main" id="{987C475D-648F-4511-A6FE-04B04F755F93}"/>
+                <a16:creationId xmlns:a16="http://schemas.microsoft.com/office/drawing/2014/main" id="{4B7E4553-A33A-48B0-BC24-1B4C08A2F6F0}"/>
               </a:ext>
             </a:extLst>
           </p:cNvPr>
@@ -840,7 +846,7 @@
           <p:cNvPr id="4" name="日期版面配置區 3">
             <a:extLst>
               <a:ext uri="{FF2B5EF4-FFF2-40B4-BE49-F238E27FC236}">
-                <a16:creationId xmlns:a16="http://schemas.microsoft.com/office/drawing/2014/main" id="{F511FCF8-D8F7-4914-920F-D63F2D97F713}"/>
+                <a16:creationId xmlns:a16="http://schemas.microsoft.com/office/drawing/2014/main" id="{91A8FC36-8967-4491-A669-1EECDC57503B}"/>
               </a:ext>
             </a:extLst>
           </p:cNvPr>
@@ -856,9 +862,9 @@
           <a:bodyPr/>
           <a:lstStyle/>
           <a:p>
-            <a:fld id="{C3C90D7E-32D6-4894-AE08-7BBB3E610FC9}" type="datetimeFigureOut">
+            <a:fld id="{17501BA0-6145-4220-BB20-E24A3FFD92E2}" type="datetimeFigureOut">
               <a:rPr lang="zh-TW" altLang="en-US" smtClean="0"/>
-              <a:t>2024/9/16</a:t>
+              <a:t>2024/10/12</a:t>
             </a:fld>
             <a:endParaRPr lang="zh-TW" altLang="en-US"/>
           </a:p>
@@ -869,7 +875,7 @@
           <p:cNvPr id="5" name="頁尾版面配置區 4">
             <a:extLst>
               <a:ext uri="{FF2B5EF4-FFF2-40B4-BE49-F238E27FC236}">
-                <a16:creationId xmlns:a16="http://schemas.microsoft.com/office/drawing/2014/main" id="{7E1D3E8F-338D-4B4D-B411-5282866FF95D}"/>
+                <a16:creationId xmlns:a16="http://schemas.microsoft.com/office/drawing/2014/main" id="{DCF2C8C8-0AB0-4030-B50E-021131D13234}"/>
               </a:ext>
             </a:extLst>
           </p:cNvPr>
@@ -894,7 +900,7 @@
           <p:cNvPr id="6" name="投影片編號版面配置區 5">
             <a:extLst>
               <a:ext uri="{FF2B5EF4-FFF2-40B4-BE49-F238E27FC236}">
-                <a16:creationId xmlns:a16="http://schemas.microsoft.com/office/drawing/2014/main" id="{F7DF3AD5-06B6-42D8-AEDF-66CCE6582524}"/>
+                <a16:creationId xmlns:a16="http://schemas.microsoft.com/office/drawing/2014/main" id="{96CA1FC6-1EC1-4B08-9CD5-0DED183953F2}"/>
               </a:ext>
             </a:extLst>
           </p:cNvPr>
@@ -910,7 +916,7 @@
           <a:bodyPr/>
           <a:lstStyle/>
           <a:p>
-            <a:fld id="{E31EC408-072F-4346-BD0A-D6AA5788A305}" type="slidenum">
+            <a:fld id="{06B2F8F9-DF5B-4DDB-8915-1478D7FF7E48}" type="slidenum">
               <a:rPr lang="zh-TW" altLang="en-US" smtClean="0"/>
               <a:t>‹#›</a:t>
             </a:fld>
@@ -921,7 +927,7 @@
     </p:spTree>
     <p:extLst>
       <p:ext uri="{BB962C8B-B14F-4D97-AF65-F5344CB8AC3E}">
-        <p14:creationId xmlns:p14="http://schemas.microsoft.com/office/powerpoint/2010/main" val="4198509733"/>
+        <p14:creationId xmlns:p14="http://schemas.microsoft.com/office/powerpoint/2010/main" val="1142680640"/>
       </p:ext>
     </p:extLst>
   </p:cSld>
@@ -953,7 +959,7 @@
           <p:cNvPr id="2" name="標題 1">
             <a:extLst>
               <a:ext uri="{FF2B5EF4-FFF2-40B4-BE49-F238E27FC236}">
-                <a16:creationId xmlns:a16="http://schemas.microsoft.com/office/drawing/2014/main" id="{5986B870-2B24-4658-9AEB-3C92E8E40B41}"/>
+                <a16:creationId xmlns:a16="http://schemas.microsoft.com/office/drawing/2014/main" id="{C6F90C30-60E4-45D6-9918-3E7EEABD9B4D}"/>
               </a:ext>
             </a:extLst>
           </p:cNvPr>
@@ -990,7 +996,7 @@
           <p:cNvPr id="3" name="文字版面配置區 2">
             <a:extLst>
               <a:ext uri="{FF2B5EF4-FFF2-40B4-BE49-F238E27FC236}">
-                <a16:creationId xmlns:a16="http://schemas.microsoft.com/office/drawing/2014/main" id="{90235018-E757-4630-8511-F466B919268F}"/>
+                <a16:creationId xmlns:a16="http://schemas.microsoft.com/office/drawing/2014/main" id="{75EAB70C-C2AF-4AE5-82D3-41BFF0D53F49}"/>
               </a:ext>
             </a:extLst>
           </p:cNvPr>
@@ -1115,7 +1121,7 @@
           <p:cNvPr id="4" name="日期版面配置區 3">
             <a:extLst>
               <a:ext uri="{FF2B5EF4-FFF2-40B4-BE49-F238E27FC236}">
-                <a16:creationId xmlns:a16="http://schemas.microsoft.com/office/drawing/2014/main" id="{37546C76-CF19-433D-9070-0A54A149F1B2}"/>
+                <a16:creationId xmlns:a16="http://schemas.microsoft.com/office/drawing/2014/main" id="{439B3752-5FAC-4622-A034-E6DC23EA815A}"/>
               </a:ext>
             </a:extLst>
           </p:cNvPr>
@@ -1131,9 +1137,9 @@
           <a:bodyPr/>
           <a:lstStyle/>
           <a:p>
-            <a:fld id="{C3C90D7E-32D6-4894-AE08-7BBB3E610FC9}" type="datetimeFigureOut">
+            <a:fld id="{17501BA0-6145-4220-BB20-E24A3FFD92E2}" type="datetimeFigureOut">
               <a:rPr lang="zh-TW" altLang="en-US" smtClean="0"/>
-              <a:t>2024/9/16</a:t>
+              <a:t>2024/10/12</a:t>
             </a:fld>
             <a:endParaRPr lang="zh-TW" altLang="en-US"/>
           </a:p>
@@ -1144,7 +1150,7 @@
           <p:cNvPr id="5" name="頁尾版面配置區 4">
             <a:extLst>
               <a:ext uri="{FF2B5EF4-FFF2-40B4-BE49-F238E27FC236}">
-                <a16:creationId xmlns:a16="http://schemas.microsoft.com/office/drawing/2014/main" id="{9C9DC25F-827C-4564-AD0E-7FD815D53AF7}"/>
+                <a16:creationId xmlns:a16="http://schemas.microsoft.com/office/drawing/2014/main" id="{657385F2-1F61-4068-9DB4-BA0A63946A8D}"/>
               </a:ext>
             </a:extLst>
           </p:cNvPr>
@@ -1169,7 +1175,7 @@
           <p:cNvPr id="6" name="投影片編號版面配置區 5">
             <a:extLst>
               <a:ext uri="{FF2B5EF4-FFF2-40B4-BE49-F238E27FC236}">
-                <a16:creationId xmlns:a16="http://schemas.microsoft.com/office/drawing/2014/main" id="{8C0653A6-68AA-4213-8D62-EAF9243D6998}"/>
+                <a16:creationId xmlns:a16="http://schemas.microsoft.com/office/drawing/2014/main" id="{1A961273-15C1-4E4D-BC7F-1B585615A2E7}"/>
               </a:ext>
             </a:extLst>
           </p:cNvPr>
@@ -1185,7 +1191,7 @@
           <a:bodyPr/>
           <a:lstStyle/>
           <a:p>
-            <a:fld id="{E31EC408-072F-4346-BD0A-D6AA5788A305}" type="slidenum">
+            <a:fld id="{06B2F8F9-DF5B-4DDB-8915-1478D7FF7E48}" type="slidenum">
               <a:rPr lang="zh-TW" altLang="en-US" smtClean="0"/>
               <a:t>‹#›</a:t>
             </a:fld>
@@ -1196,7 +1202,7 @@
     </p:spTree>
     <p:extLst>
       <p:ext uri="{BB962C8B-B14F-4D97-AF65-F5344CB8AC3E}">
-        <p14:creationId xmlns:p14="http://schemas.microsoft.com/office/powerpoint/2010/main" val="3126775509"/>
+        <p14:creationId xmlns:p14="http://schemas.microsoft.com/office/powerpoint/2010/main" val="3696286858"/>
       </p:ext>
     </p:extLst>
   </p:cSld>
@@ -1228,7 +1234,7 @@
           <p:cNvPr id="2" name="標題 1">
             <a:extLst>
               <a:ext uri="{FF2B5EF4-FFF2-40B4-BE49-F238E27FC236}">
-                <a16:creationId xmlns:a16="http://schemas.microsoft.com/office/drawing/2014/main" id="{F8A74D77-9E6E-4FD1-97AD-0ADC1228B6AF}"/>
+                <a16:creationId xmlns:a16="http://schemas.microsoft.com/office/drawing/2014/main" id="{D71F3F37-8092-43CD-9B06-2E2C33BB47E5}"/>
               </a:ext>
             </a:extLst>
           </p:cNvPr>
@@ -1256,7 +1262,7 @@
           <p:cNvPr id="3" name="內容版面配置區 2">
             <a:extLst>
               <a:ext uri="{FF2B5EF4-FFF2-40B4-BE49-F238E27FC236}">
-                <a16:creationId xmlns:a16="http://schemas.microsoft.com/office/drawing/2014/main" id="{9FDE4E9B-689C-4373-B281-9636BE211982}"/>
+                <a16:creationId xmlns:a16="http://schemas.microsoft.com/office/drawing/2014/main" id="{61552486-5FC0-4012-A15E-7BCBB5BED922}"/>
               </a:ext>
             </a:extLst>
           </p:cNvPr>
@@ -1318,7 +1324,7 @@
           <p:cNvPr id="4" name="內容版面配置區 3">
             <a:extLst>
               <a:ext uri="{FF2B5EF4-FFF2-40B4-BE49-F238E27FC236}">
-                <a16:creationId xmlns:a16="http://schemas.microsoft.com/office/drawing/2014/main" id="{CD25EC10-0BDA-4ECA-AB8E-059AC3378E22}"/>
+                <a16:creationId xmlns:a16="http://schemas.microsoft.com/office/drawing/2014/main" id="{2426C81E-11C6-4C59-B728-6A5D02615523}"/>
               </a:ext>
             </a:extLst>
           </p:cNvPr>
@@ -1380,7 +1386,7 @@
           <p:cNvPr id="5" name="日期版面配置區 4">
             <a:extLst>
               <a:ext uri="{FF2B5EF4-FFF2-40B4-BE49-F238E27FC236}">
-                <a16:creationId xmlns:a16="http://schemas.microsoft.com/office/drawing/2014/main" id="{63DAF127-0983-4C38-869C-C0A513FA9147}"/>
+                <a16:creationId xmlns:a16="http://schemas.microsoft.com/office/drawing/2014/main" id="{DFF15FCB-27EC-450D-A4DF-FB7EF2AA2DD7}"/>
               </a:ext>
             </a:extLst>
           </p:cNvPr>
@@ -1396,9 +1402,9 @@
           <a:bodyPr/>
           <a:lstStyle/>
           <a:p>
-            <a:fld id="{C3C90D7E-32D6-4894-AE08-7BBB3E610FC9}" type="datetimeFigureOut">
+            <a:fld id="{17501BA0-6145-4220-BB20-E24A3FFD92E2}" type="datetimeFigureOut">
               <a:rPr lang="zh-TW" altLang="en-US" smtClean="0"/>
-              <a:t>2024/9/16</a:t>
+              <a:t>2024/10/12</a:t>
             </a:fld>
             <a:endParaRPr lang="zh-TW" altLang="en-US"/>
           </a:p>
@@ -1409,7 +1415,7 @@
           <p:cNvPr id="6" name="頁尾版面配置區 5">
             <a:extLst>
               <a:ext uri="{FF2B5EF4-FFF2-40B4-BE49-F238E27FC236}">
-                <a16:creationId xmlns:a16="http://schemas.microsoft.com/office/drawing/2014/main" id="{E014CBA6-CCE3-4CF4-8E13-D895EDBD8F25}"/>
+                <a16:creationId xmlns:a16="http://schemas.microsoft.com/office/drawing/2014/main" id="{98150553-CA2E-48E4-BA28-9893D1ABDD9B}"/>
               </a:ext>
             </a:extLst>
           </p:cNvPr>
@@ -1434,7 +1440,7 @@
           <p:cNvPr id="7" name="投影片編號版面配置區 6">
             <a:extLst>
               <a:ext uri="{FF2B5EF4-FFF2-40B4-BE49-F238E27FC236}">
-                <a16:creationId xmlns:a16="http://schemas.microsoft.com/office/drawing/2014/main" id="{5CEAA8E5-79B3-445E-B8C3-29BD56CE6D7A}"/>
+                <a16:creationId xmlns:a16="http://schemas.microsoft.com/office/drawing/2014/main" id="{4865B6B9-13C3-42AB-8D90-4457731E6175}"/>
               </a:ext>
             </a:extLst>
           </p:cNvPr>
@@ -1450,7 +1456,7 @@
           <a:bodyPr/>
           <a:lstStyle/>
           <a:p>
-            <a:fld id="{E31EC408-072F-4346-BD0A-D6AA5788A305}" type="slidenum">
+            <a:fld id="{06B2F8F9-DF5B-4DDB-8915-1478D7FF7E48}" type="slidenum">
               <a:rPr lang="zh-TW" altLang="en-US" smtClean="0"/>
               <a:t>‹#›</a:t>
             </a:fld>
@@ -1461,7 +1467,7 @@
     </p:spTree>
     <p:extLst>
       <p:ext uri="{BB962C8B-B14F-4D97-AF65-F5344CB8AC3E}">
-        <p14:creationId xmlns:p14="http://schemas.microsoft.com/office/powerpoint/2010/main" val="3858213488"/>
+        <p14:creationId xmlns:p14="http://schemas.microsoft.com/office/powerpoint/2010/main" val="2121872040"/>
       </p:ext>
     </p:extLst>
   </p:cSld>
@@ -1493,7 +1499,7 @@
           <p:cNvPr id="2" name="標題 1">
             <a:extLst>
               <a:ext uri="{FF2B5EF4-FFF2-40B4-BE49-F238E27FC236}">
-                <a16:creationId xmlns:a16="http://schemas.microsoft.com/office/drawing/2014/main" id="{A00F76B6-8DEC-4A74-A06A-BA0146321CD8}"/>
+                <a16:creationId xmlns:a16="http://schemas.microsoft.com/office/drawing/2014/main" id="{12ECC823-3F13-43E4-B599-FF331BFE99C4}"/>
               </a:ext>
             </a:extLst>
           </p:cNvPr>
@@ -1526,7 +1532,7 @@
           <p:cNvPr id="3" name="文字版面配置區 2">
             <a:extLst>
               <a:ext uri="{FF2B5EF4-FFF2-40B4-BE49-F238E27FC236}">
-                <a16:creationId xmlns:a16="http://schemas.microsoft.com/office/drawing/2014/main" id="{EF00F5C5-99A7-4F16-855A-F170362659F7}"/>
+                <a16:creationId xmlns:a16="http://schemas.microsoft.com/office/drawing/2014/main" id="{2D9CF210-FF7C-4334-B374-C2AD8BC3CFF5}"/>
               </a:ext>
             </a:extLst>
           </p:cNvPr>
@@ -1597,7 +1603,7 @@
           <p:cNvPr id="4" name="內容版面配置區 3">
             <a:extLst>
               <a:ext uri="{FF2B5EF4-FFF2-40B4-BE49-F238E27FC236}">
-                <a16:creationId xmlns:a16="http://schemas.microsoft.com/office/drawing/2014/main" id="{6722BEB2-C9B4-4C14-8234-D17E84349984}"/>
+                <a16:creationId xmlns:a16="http://schemas.microsoft.com/office/drawing/2014/main" id="{B58A68A0-4A3C-4136-B0F5-0D2D1D5B81CE}"/>
               </a:ext>
             </a:extLst>
           </p:cNvPr>
@@ -1659,7 +1665,7 @@
           <p:cNvPr id="5" name="文字版面配置區 4">
             <a:extLst>
               <a:ext uri="{FF2B5EF4-FFF2-40B4-BE49-F238E27FC236}">
-                <a16:creationId xmlns:a16="http://schemas.microsoft.com/office/drawing/2014/main" id="{E4A41162-A0AC-4211-940F-4B92208F9B0E}"/>
+                <a16:creationId xmlns:a16="http://schemas.microsoft.com/office/drawing/2014/main" id="{66518372-4903-47AB-B5DF-3758E85EB69B}"/>
               </a:ext>
             </a:extLst>
           </p:cNvPr>
@@ -1730,7 +1736,7 @@
           <p:cNvPr id="6" name="內容版面配置區 5">
             <a:extLst>
               <a:ext uri="{FF2B5EF4-FFF2-40B4-BE49-F238E27FC236}">
-                <a16:creationId xmlns:a16="http://schemas.microsoft.com/office/drawing/2014/main" id="{E8EA159A-F9D7-4F58-A7C3-6E5B65E42266}"/>
+                <a16:creationId xmlns:a16="http://schemas.microsoft.com/office/drawing/2014/main" id="{CC72F7C7-A71D-4C0E-BB1C-70866F137269}"/>
               </a:ext>
             </a:extLst>
           </p:cNvPr>
@@ -1792,7 +1798,7 @@
           <p:cNvPr id="7" name="日期版面配置區 6">
             <a:extLst>
               <a:ext uri="{FF2B5EF4-FFF2-40B4-BE49-F238E27FC236}">
-                <a16:creationId xmlns:a16="http://schemas.microsoft.com/office/drawing/2014/main" id="{AE973E80-9141-48B7-A9D7-605A4541768F}"/>
+                <a16:creationId xmlns:a16="http://schemas.microsoft.com/office/drawing/2014/main" id="{DB238099-80C6-43F8-B90B-0939FB145506}"/>
               </a:ext>
             </a:extLst>
           </p:cNvPr>
@@ -1808,9 +1814,9 @@
           <a:bodyPr/>
           <a:lstStyle/>
           <a:p>
-            <a:fld id="{C3C90D7E-32D6-4894-AE08-7BBB3E610FC9}" type="datetimeFigureOut">
+            <a:fld id="{17501BA0-6145-4220-BB20-E24A3FFD92E2}" type="datetimeFigureOut">
               <a:rPr lang="zh-TW" altLang="en-US" smtClean="0"/>
-              <a:t>2024/9/16</a:t>
+              <a:t>2024/10/12</a:t>
             </a:fld>
             <a:endParaRPr lang="zh-TW" altLang="en-US"/>
           </a:p>
@@ -1821,7 +1827,7 @@
           <p:cNvPr id="8" name="頁尾版面配置區 7">
             <a:extLst>
               <a:ext uri="{FF2B5EF4-FFF2-40B4-BE49-F238E27FC236}">
-                <a16:creationId xmlns:a16="http://schemas.microsoft.com/office/drawing/2014/main" id="{6520B07A-79F8-43E7-8013-632DD2AED223}"/>
+                <a16:creationId xmlns:a16="http://schemas.microsoft.com/office/drawing/2014/main" id="{35C1BDF0-B242-4755-B1A0-C773868E8A80}"/>
               </a:ext>
             </a:extLst>
           </p:cNvPr>
@@ -1846,7 +1852,7 @@
           <p:cNvPr id="9" name="投影片編號版面配置區 8">
             <a:extLst>
               <a:ext uri="{FF2B5EF4-FFF2-40B4-BE49-F238E27FC236}">
-                <a16:creationId xmlns:a16="http://schemas.microsoft.com/office/drawing/2014/main" id="{3B997D8F-4F1C-4DE6-A82C-3E0C38ACAE96}"/>
+                <a16:creationId xmlns:a16="http://schemas.microsoft.com/office/drawing/2014/main" id="{7970A7D2-88B2-429B-B0A8-34C9641C25B1}"/>
               </a:ext>
             </a:extLst>
           </p:cNvPr>
@@ -1862,7 +1868,7 @@
           <a:bodyPr/>
           <a:lstStyle/>
           <a:p>
-            <a:fld id="{E31EC408-072F-4346-BD0A-D6AA5788A305}" type="slidenum">
+            <a:fld id="{06B2F8F9-DF5B-4DDB-8915-1478D7FF7E48}" type="slidenum">
               <a:rPr lang="zh-TW" altLang="en-US" smtClean="0"/>
               <a:t>‹#›</a:t>
             </a:fld>
@@ -1873,7 +1879,7 @@
     </p:spTree>
     <p:extLst>
       <p:ext uri="{BB962C8B-B14F-4D97-AF65-F5344CB8AC3E}">
-        <p14:creationId xmlns:p14="http://schemas.microsoft.com/office/powerpoint/2010/main" val="3379995638"/>
+        <p14:creationId xmlns:p14="http://schemas.microsoft.com/office/powerpoint/2010/main" val="2829724210"/>
       </p:ext>
     </p:extLst>
   </p:cSld>
@@ -1905,7 +1911,7 @@
           <p:cNvPr id="2" name="標題 1">
             <a:extLst>
               <a:ext uri="{FF2B5EF4-FFF2-40B4-BE49-F238E27FC236}">
-                <a16:creationId xmlns:a16="http://schemas.microsoft.com/office/drawing/2014/main" id="{6CE04611-FD10-429D-89AA-73C259B64293}"/>
+                <a16:creationId xmlns:a16="http://schemas.microsoft.com/office/drawing/2014/main" id="{2BEC9CDE-77D2-46ED-8587-0FD927F77C6B}"/>
               </a:ext>
             </a:extLst>
           </p:cNvPr>
@@ -1933,7 +1939,7 @@
           <p:cNvPr id="3" name="日期版面配置區 2">
             <a:extLst>
               <a:ext uri="{FF2B5EF4-FFF2-40B4-BE49-F238E27FC236}">
-                <a16:creationId xmlns:a16="http://schemas.microsoft.com/office/drawing/2014/main" id="{2D9009F3-A280-4DA8-ACC4-187DE2172BCA}"/>
+                <a16:creationId xmlns:a16="http://schemas.microsoft.com/office/drawing/2014/main" id="{141F444D-26D4-461F-BABF-D3518CC43653}"/>
               </a:ext>
             </a:extLst>
           </p:cNvPr>
@@ -1949,9 +1955,9 @@
           <a:bodyPr/>
           <a:lstStyle/>
           <a:p>
-            <a:fld id="{C3C90D7E-32D6-4894-AE08-7BBB3E610FC9}" type="datetimeFigureOut">
+            <a:fld id="{17501BA0-6145-4220-BB20-E24A3FFD92E2}" type="datetimeFigureOut">
               <a:rPr lang="zh-TW" altLang="en-US" smtClean="0"/>
-              <a:t>2024/9/16</a:t>
+              <a:t>2024/10/12</a:t>
             </a:fld>
             <a:endParaRPr lang="zh-TW" altLang="en-US"/>
           </a:p>
@@ -1962,7 +1968,7 @@
           <p:cNvPr id="4" name="頁尾版面配置區 3">
             <a:extLst>
               <a:ext uri="{FF2B5EF4-FFF2-40B4-BE49-F238E27FC236}">
-                <a16:creationId xmlns:a16="http://schemas.microsoft.com/office/drawing/2014/main" id="{F8FD791E-F627-4DDB-AD69-F7639FDD1767}"/>
+                <a16:creationId xmlns:a16="http://schemas.microsoft.com/office/drawing/2014/main" id="{1E19368B-1AC6-4B78-BF3B-4372AA07DBE9}"/>
               </a:ext>
             </a:extLst>
           </p:cNvPr>
@@ -1987,7 +1993,7 @@
           <p:cNvPr id="5" name="投影片編號版面配置區 4">
             <a:extLst>
               <a:ext uri="{FF2B5EF4-FFF2-40B4-BE49-F238E27FC236}">
-                <a16:creationId xmlns:a16="http://schemas.microsoft.com/office/drawing/2014/main" id="{CE9C3C73-9A1B-4A20-B40C-BF8E0726E9AE}"/>
+                <a16:creationId xmlns:a16="http://schemas.microsoft.com/office/drawing/2014/main" id="{C90FF671-EDDE-4E48-B1F8-FEAB1333108E}"/>
               </a:ext>
             </a:extLst>
           </p:cNvPr>
@@ -2003,7 +2009,7 @@
           <a:bodyPr/>
           <a:lstStyle/>
           <a:p>
-            <a:fld id="{E31EC408-072F-4346-BD0A-D6AA5788A305}" type="slidenum">
+            <a:fld id="{06B2F8F9-DF5B-4DDB-8915-1478D7FF7E48}" type="slidenum">
               <a:rPr lang="zh-TW" altLang="en-US" smtClean="0"/>
               <a:t>‹#›</a:t>
             </a:fld>
@@ -2014,7 +2020,7 @@
     </p:spTree>
     <p:extLst>
       <p:ext uri="{BB962C8B-B14F-4D97-AF65-F5344CB8AC3E}">
-        <p14:creationId xmlns:p14="http://schemas.microsoft.com/office/powerpoint/2010/main" val="3116621787"/>
+        <p14:creationId xmlns:p14="http://schemas.microsoft.com/office/powerpoint/2010/main" val="2677562337"/>
       </p:ext>
     </p:extLst>
   </p:cSld>
@@ -2046,7 +2052,7 @@
           <p:cNvPr id="2" name="日期版面配置區 1">
             <a:extLst>
               <a:ext uri="{FF2B5EF4-FFF2-40B4-BE49-F238E27FC236}">
-                <a16:creationId xmlns:a16="http://schemas.microsoft.com/office/drawing/2014/main" id="{1E1D8EED-F2A7-4221-9887-0DBB62EB3F80}"/>
+                <a16:creationId xmlns:a16="http://schemas.microsoft.com/office/drawing/2014/main" id="{41F5370D-32D5-47FC-99D6-F9400D35B5F7}"/>
               </a:ext>
             </a:extLst>
           </p:cNvPr>
@@ -2062,9 +2068,9 @@
           <a:bodyPr/>
           <a:lstStyle/>
           <a:p>
-            <a:fld id="{C3C90D7E-32D6-4894-AE08-7BBB3E610FC9}" type="datetimeFigureOut">
+            <a:fld id="{17501BA0-6145-4220-BB20-E24A3FFD92E2}" type="datetimeFigureOut">
               <a:rPr lang="zh-TW" altLang="en-US" smtClean="0"/>
-              <a:t>2024/9/16</a:t>
+              <a:t>2024/10/12</a:t>
             </a:fld>
             <a:endParaRPr lang="zh-TW" altLang="en-US"/>
           </a:p>
@@ -2075,7 +2081,7 @@
           <p:cNvPr id="3" name="頁尾版面配置區 2">
             <a:extLst>
               <a:ext uri="{FF2B5EF4-FFF2-40B4-BE49-F238E27FC236}">
-                <a16:creationId xmlns:a16="http://schemas.microsoft.com/office/drawing/2014/main" id="{10593B39-DC86-45A7-85EF-B4DB9C28DC80}"/>
+                <a16:creationId xmlns:a16="http://schemas.microsoft.com/office/drawing/2014/main" id="{16853467-990A-46B1-971F-BFE04DA42B60}"/>
               </a:ext>
             </a:extLst>
           </p:cNvPr>
@@ -2100,7 +2106,7 @@
           <p:cNvPr id="4" name="投影片編號版面配置區 3">
             <a:extLst>
               <a:ext uri="{FF2B5EF4-FFF2-40B4-BE49-F238E27FC236}">
-                <a16:creationId xmlns:a16="http://schemas.microsoft.com/office/drawing/2014/main" id="{3D9056B2-6966-4CAF-94D1-2295A737E168}"/>
+                <a16:creationId xmlns:a16="http://schemas.microsoft.com/office/drawing/2014/main" id="{85CA8711-CA6A-4F86-BBDE-B06A925E2232}"/>
               </a:ext>
             </a:extLst>
           </p:cNvPr>
@@ -2116,7 +2122,7 @@
           <a:bodyPr/>
           <a:lstStyle/>
           <a:p>
-            <a:fld id="{E31EC408-072F-4346-BD0A-D6AA5788A305}" type="slidenum">
+            <a:fld id="{06B2F8F9-DF5B-4DDB-8915-1478D7FF7E48}" type="slidenum">
               <a:rPr lang="zh-TW" altLang="en-US" smtClean="0"/>
               <a:t>‹#›</a:t>
             </a:fld>
@@ -2127,7 +2133,7 @@
     </p:spTree>
     <p:extLst>
       <p:ext uri="{BB962C8B-B14F-4D97-AF65-F5344CB8AC3E}">
-        <p14:creationId xmlns:p14="http://schemas.microsoft.com/office/powerpoint/2010/main" val="3887241942"/>
+        <p14:creationId xmlns:p14="http://schemas.microsoft.com/office/powerpoint/2010/main" val="2123554615"/>
       </p:ext>
     </p:extLst>
   </p:cSld>
@@ -2159,7 +2165,7 @@
           <p:cNvPr id="2" name="標題 1">
             <a:extLst>
               <a:ext uri="{FF2B5EF4-FFF2-40B4-BE49-F238E27FC236}">
-                <a16:creationId xmlns:a16="http://schemas.microsoft.com/office/drawing/2014/main" id="{5C3076DF-D16B-4600-9550-96C6A8DD7F1A}"/>
+                <a16:creationId xmlns:a16="http://schemas.microsoft.com/office/drawing/2014/main" id="{5F384F45-A49C-415C-A2D2-4E7FD6735664}"/>
               </a:ext>
             </a:extLst>
           </p:cNvPr>
@@ -2196,7 +2202,7 @@
           <p:cNvPr id="3" name="內容版面配置區 2">
             <a:extLst>
               <a:ext uri="{FF2B5EF4-FFF2-40B4-BE49-F238E27FC236}">
-                <a16:creationId xmlns:a16="http://schemas.microsoft.com/office/drawing/2014/main" id="{9CD3D667-FDE5-4F5D-9495-588EC18912CE}"/>
+                <a16:creationId xmlns:a16="http://schemas.microsoft.com/office/drawing/2014/main" id="{FEE6A667-1670-414E-8904-88534C8D14CC}"/>
               </a:ext>
             </a:extLst>
           </p:cNvPr>
@@ -2286,7 +2292,7 @@
           <p:cNvPr id="4" name="文字版面配置區 3">
             <a:extLst>
               <a:ext uri="{FF2B5EF4-FFF2-40B4-BE49-F238E27FC236}">
-                <a16:creationId xmlns:a16="http://schemas.microsoft.com/office/drawing/2014/main" id="{22F511E7-BEEF-4F51-BA0E-52C1908D5608}"/>
+                <a16:creationId xmlns:a16="http://schemas.microsoft.com/office/drawing/2014/main" id="{FCADE8ED-F567-46B3-9B46-AE66112FEC2C}"/>
               </a:ext>
             </a:extLst>
           </p:cNvPr>
@@ -2357,7 +2363,7 @@
           <p:cNvPr id="5" name="日期版面配置區 4">
             <a:extLst>
               <a:ext uri="{FF2B5EF4-FFF2-40B4-BE49-F238E27FC236}">
-                <a16:creationId xmlns:a16="http://schemas.microsoft.com/office/drawing/2014/main" id="{88060697-A92E-4178-A790-FCBB90D70573}"/>
+                <a16:creationId xmlns:a16="http://schemas.microsoft.com/office/drawing/2014/main" id="{696ADBB2-87BB-4684-8831-0B47B0D5A8D9}"/>
               </a:ext>
             </a:extLst>
           </p:cNvPr>
@@ -2373,9 +2379,9 @@
           <a:bodyPr/>
           <a:lstStyle/>
           <a:p>
-            <a:fld id="{C3C90D7E-32D6-4894-AE08-7BBB3E610FC9}" type="datetimeFigureOut">
+            <a:fld id="{17501BA0-6145-4220-BB20-E24A3FFD92E2}" type="datetimeFigureOut">
               <a:rPr lang="zh-TW" altLang="en-US" smtClean="0"/>
-              <a:t>2024/9/16</a:t>
+              <a:t>2024/10/12</a:t>
             </a:fld>
             <a:endParaRPr lang="zh-TW" altLang="en-US"/>
           </a:p>
@@ -2386,7 +2392,7 @@
           <p:cNvPr id="6" name="頁尾版面配置區 5">
             <a:extLst>
               <a:ext uri="{FF2B5EF4-FFF2-40B4-BE49-F238E27FC236}">
-                <a16:creationId xmlns:a16="http://schemas.microsoft.com/office/drawing/2014/main" id="{2A8E3F57-A99A-4C4C-BF14-EE42AB99CE78}"/>
+                <a16:creationId xmlns:a16="http://schemas.microsoft.com/office/drawing/2014/main" id="{9196133B-7591-4DD9-91D6-19AB540A808F}"/>
               </a:ext>
             </a:extLst>
           </p:cNvPr>
@@ -2411,7 +2417,7 @@
           <p:cNvPr id="7" name="投影片編號版面配置區 6">
             <a:extLst>
               <a:ext uri="{FF2B5EF4-FFF2-40B4-BE49-F238E27FC236}">
-                <a16:creationId xmlns:a16="http://schemas.microsoft.com/office/drawing/2014/main" id="{39234440-6924-48D7-AC1A-200D5946BCA9}"/>
+                <a16:creationId xmlns:a16="http://schemas.microsoft.com/office/drawing/2014/main" id="{95503367-147F-4B87-B214-551A22CB0F20}"/>
               </a:ext>
             </a:extLst>
           </p:cNvPr>
@@ -2427,7 +2433,7 @@
           <a:bodyPr/>
           <a:lstStyle/>
           <a:p>
-            <a:fld id="{E31EC408-072F-4346-BD0A-D6AA5788A305}" type="slidenum">
+            <a:fld id="{06B2F8F9-DF5B-4DDB-8915-1478D7FF7E48}" type="slidenum">
               <a:rPr lang="zh-TW" altLang="en-US" smtClean="0"/>
               <a:t>‹#›</a:t>
             </a:fld>
@@ -2438,7 +2444,7 @@
     </p:spTree>
     <p:extLst>
       <p:ext uri="{BB962C8B-B14F-4D97-AF65-F5344CB8AC3E}">
-        <p14:creationId xmlns:p14="http://schemas.microsoft.com/office/powerpoint/2010/main" val="2036183199"/>
+        <p14:creationId xmlns:p14="http://schemas.microsoft.com/office/powerpoint/2010/main" val="1939062309"/>
       </p:ext>
     </p:extLst>
   </p:cSld>
@@ -2470,7 +2476,7 @@
           <p:cNvPr id="2" name="標題 1">
             <a:extLst>
               <a:ext uri="{FF2B5EF4-FFF2-40B4-BE49-F238E27FC236}">
-                <a16:creationId xmlns:a16="http://schemas.microsoft.com/office/drawing/2014/main" id="{B2E81694-0B93-4D65-9DA3-21597478A96C}"/>
+                <a16:creationId xmlns:a16="http://schemas.microsoft.com/office/drawing/2014/main" id="{402B2450-7307-49AF-B52E-B5DBCC93D303}"/>
               </a:ext>
             </a:extLst>
           </p:cNvPr>
@@ -2507,7 +2513,7 @@
           <p:cNvPr id="3" name="圖片版面配置區 2">
             <a:extLst>
               <a:ext uri="{FF2B5EF4-FFF2-40B4-BE49-F238E27FC236}">
-                <a16:creationId xmlns:a16="http://schemas.microsoft.com/office/drawing/2014/main" id="{23E4D718-8CB0-4334-BB8A-FB8B57D7CDC6}"/>
+                <a16:creationId xmlns:a16="http://schemas.microsoft.com/office/drawing/2014/main" id="{FDCE1B2B-BE00-4122-A932-6205A82A94C1}"/>
               </a:ext>
             </a:extLst>
           </p:cNvPr>
@@ -2574,7 +2580,7 @@
           <p:cNvPr id="4" name="文字版面配置區 3">
             <a:extLst>
               <a:ext uri="{FF2B5EF4-FFF2-40B4-BE49-F238E27FC236}">
-                <a16:creationId xmlns:a16="http://schemas.microsoft.com/office/drawing/2014/main" id="{0DC47463-53E7-4FE3-B60B-1657D11127BD}"/>
+                <a16:creationId xmlns:a16="http://schemas.microsoft.com/office/drawing/2014/main" id="{029F404E-FCF8-438B-BC69-A1D008246EB6}"/>
               </a:ext>
             </a:extLst>
           </p:cNvPr>
@@ -2645,7 +2651,7 @@
           <p:cNvPr id="5" name="日期版面配置區 4">
             <a:extLst>
               <a:ext uri="{FF2B5EF4-FFF2-40B4-BE49-F238E27FC236}">
-                <a16:creationId xmlns:a16="http://schemas.microsoft.com/office/drawing/2014/main" id="{28875DC5-6AFF-40C0-8C77-F81A0A3E1B0F}"/>
+                <a16:creationId xmlns:a16="http://schemas.microsoft.com/office/drawing/2014/main" id="{4C9797EB-21A2-4EB2-BEBF-61C300AF35DC}"/>
               </a:ext>
             </a:extLst>
           </p:cNvPr>
@@ -2661,9 +2667,9 @@
           <a:bodyPr/>
           <a:lstStyle/>
           <a:p>
-            <a:fld id="{C3C90D7E-32D6-4894-AE08-7BBB3E610FC9}" type="datetimeFigureOut">
+            <a:fld id="{17501BA0-6145-4220-BB20-E24A3FFD92E2}" type="datetimeFigureOut">
               <a:rPr lang="zh-TW" altLang="en-US" smtClean="0"/>
-              <a:t>2024/9/16</a:t>
+              <a:t>2024/10/12</a:t>
             </a:fld>
             <a:endParaRPr lang="zh-TW" altLang="en-US"/>
           </a:p>
@@ -2674,7 +2680,7 @@
           <p:cNvPr id="6" name="頁尾版面配置區 5">
             <a:extLst>
               <a:ext uri="{FF2B5EF4-FFF2-40B4-BE49-F238E27FC236}">
-                <a16:creationId xmlns:a16="http://schemas.microsoft.com/office/drawing/2014/main" id="{24F8A973-6D07-4F0C-97A0-280FEFC238E0}"/>
+                <a16:creationId xmlns:a16="http://schemas.microsoft.com/office/drawing/2014/main" id="{D06E0AD7-0BB8-4477-88A2-7069324C46F2}"/>
               </a:ext>
             </a:extLst>
           </p:cNvPr>
@@ -2699,7 +2705,7 @@
           <p:cNvPr id="7" name="投影片編號版面配置區 6">
             <a:extLst>
               <a:ext uri="{FF2B5EF4-FFF2-40B4-BE49-F238E27FC236}">
-                <a16:creationId xmlns:a16="http://schemas.microsoft.com/office/drawing/2014/main" id="{DB60BB1E-F41B-40F0-929B-5208374980BF}"/>
+                <a16:creationId xmlns:a16="http://schemas.microsoft.com/office/drawing/2014/main" id="{875FE7DB-3D74-4410-8729-6141062B7CF1}"/>
               </a:ext>
             </a:extLst>
           </p:cNvPr>
@@ -2715,7 +2721,7 @@
           <a:bodyPr/>
           <a:lstStyle/>
           <a:p>
-            <a:fld id="{E31EC408-072F-4346-BD0A-D6AA5788A305}" type="slidenum">
+            <a:fld id="{06B2F8F9-DF5B-4DDB-8915-1478D7FF7E48}" type="slidenum">
               <a:rPr lang="zh-TW" altLang="en-US" smtClean="0"/>
               <a:t>‹#›</a:t>
             </a:fld>
@@ -2726,7 +2732,7 @@
     </p:spTree>
     <p:extLst>
       <p:ext uri="{BB962C8B-B14F-4D97-AF65-F5344CB8AC3E}">
-        <p14:creationId xmlns:p14="http://schemas.microsoft.com/office/powerpoint/2010/main" val="3148270851"/>
+        <p14:creationId xmlns:p14="http://schemas.microsoft.com/office/powerpoint/2010/main" val="3936667982"/>
       </p:ext>
     </p:extLst>
   </p:cSld>
@@ -2763,7 +2769,7 @@
           <p:cNvPr id="2" name="標題版面配置區 1">
             <a:extLst>
               <a:ext uri="{FF2B5EF4-FFF2-40B4-BE49-F238E27FC236}">
-                <a16:creationId xmlns:a16="http://schemas.microsoft.com/office/drawing/2014/main" id="{B8575AAC-624C-4B52-ABD4-699B1E35D2CF}"/>
+                <a16:creationId xmlns:a16="http://schemas.microsoft.com/office/drawing/2014/main" id="{EEF9B211-CB91-49AD-B0F9-7463B6F8A2BD}"/>
               </a:ext>
             </a:extLst>
           </p:cNvPr>
@@ -2801,7 +2807,7 @@
           <p:cNvPr id="3" name="文字版面配置區 2">
             <a:extLst>
               <a:ext uri="{FF2B5EF4-FFF2-40B4-BE49-F238E27FC236}">
-                <a16:creationId xmlns:a16="http://schemas.microsoft.com/office/drawing/2014/main" id="{76722991-C57D-471F-8271-C419A1CFB074}"/>
+                <a16:creationId xmlns:a16="http://schemas.microsoft.com/office/drawing/2014/main" id="{F8556B3D-5E88-42AB-94C0-5D0A19E8B88F}"/>
               </a:ext>
             </a:extLst>
           </p:cNvPr>
@@ -2868,7 +2874,7 @@
           <p:cNvPr id="4" name="日期版面配置區 3">
             <a:extLst>
               <a:ext uri="{FF2B5EF4-FFF2-40B4-BE49-F238E27FC236}">
-                <a16:creationId xmlns:a16="http://schemas.microsoft.com/office/drawing/2014/main" id="{85C839DD-8CBF-4E23-A0C7-7C039E950BB8}"/>
+                <a16:creationId xmlns:a16="http://schemas.microsoft.com/office/drawing/2014/main" id="{D4DEBF4A-5ECF-4F49-861E-AC303DACDA63}"/>
               </a:ext>
             </a:extLst>
           </p:cNvPr>
@@ -2902,9 +2908,9 @@
             </a:lvl1pPr>
           </a:lstStyle>
           <a:p>
-            <a:fld id="{C3C90D7E-32D6-4894-AE08-7BBB3E610FC9}" type="datetimeFigureOut">
+            <a:fld id="{17501BA0-6145-4220-BB20-E24A3FFD92E2}" type="datetimeFigureOut">
               <a:rPr lang="zh-TW" altLang="en-US" smtClean="0"/>
-              <a:t>2024/9/16</a:t>
+              <a:t>2024/10/12</a:t>
             </a:fld>
             <a:endParaRPr lang="zh-TW" altLang="en-US"/>
           </a:p>
@@ -2915,7 +2921,7 @@
           <p:cNvPr id="5" name="頁尾版面配置區 4">
             <a:extLst>
               <a:ext uri="{FF2B5EF4-FFF2-40B4-BE49-F238E27FC236}">
-                <a16:creationId xmlns:a16="http://schemas.microsoft.com/office/drawing/2014/main" id="{12802D8A-77D4-418C-8190-43B6ADED2131}"/>
+                <a16:creationId xmlns:a16="http://schemas.microsoft.com/office/drawing/2014/main" id="{030EBA93-6A8B-4847-A692-E319B8836AD8}"/>
               </a:ext>
             </a:extLst>
           </p:cNvPr>
@@ -2958,7 +2964,7 @@
           <p:cNvPr id="6" name="投影片編號版面配置區 5">
             <a:extLst>
               <a:ext uri="{FF2B5EF4-FFF2-40B4-BE49-F238E27FC236}">
-                <a16:creationId xmlns:a16="http://schemas.microsoft.com/office/drawing/2014/main" id="{7072B55E-2BE2-4AF4-AFF8-2A716F492F1C}"/>
+                <a16:creationId xmlns:a16="http://schemas.microsoft.com/office/drawing/2014/main" id="{1DA7AFAA-F83F-44BC-9180-CB06E2B78729}"/>
               </a:ext>
             </a:extLst>
           </p:cNvPr>
@@ -2992,7 +2998,7 @@
             </a:lvl1pPr>
           </a:lstStyle>
           <a:p>
-            <a:fld id="{E31EC408-072F-4346-BD0A-D6AA5788A305}" type="slidenum">
+            <a:fld id="{06B2F8F9-DF5B-4DDB-8915-1478D7FF7E48}" type="slidenum">
               <a:rPr lang="zh-TW" altLang="en-US" smtClean="0"/>
               <a:t>‹#›</a:t>
             </a:fld>
@@ -3003,7 +3009,7 @@
     </p:spTree>
     <p:extLst>
       <p:ext uri="{BB962C8B-B14F-4D97-AF65-F5344CB8AC3E}">
-        <p14:creationId xmlns:p14="http://schemas.microsoft.com/office/powerpoint/2010/main" val="2016052060"/>
+        <p14:creationId xmlns:p14="http://schemas.microsoft.com/office/powerpoint/2010/main" val="1431051187"/>
       </p:ext>
     </p:extLst>
   </p:cSld>
@@ -3323,58 +3329,133 @@
       </p:grpSpPr>
       <p:sp>
         <p:nvSpPr>
-          <p:cNvPr id="2" name="標題 1">
-            <a:extLst>
-              <a:ext uri="{FF2B5EF4-FFF2-40B4-BE49-F238E27FC236}">
-                <a16:creationId xmlns:a16="http://schemas.microsoft.com/office/drawing/2014/main" id="{32532283-9F93-4E44-8138-32796965361F}"/>
-              </a:ext>
-            </a:extLst>
-          </p:cNvPr>
-          <p:cNvSpPr>
-            <a:spLocks noGrp="1"/>
-          </p:cNvSpPr>
-          <p:nvPr>
-            <p:ph type="ctrTitle"/>
-          </p:nvPr>
-        </p:nvSpPr>
-        <p:spPr/>
-        <p:txBody>
-          <a:bodyPr/>
-          <a:lstStyle/>
-          <a:p>
-            <a:endParaRPr lang="zh-TW" altLang="en-US"/>
-          </a:p>
-        </p:txBody>
-      </p:sp>
-      <p:sp>
-        <p:nvSpPr>
-          <p:cNvPr id="3" name="副標題 2">
-            <a:extLst>
-              <a:ext uri="{FF2B5EF4-FFF2-40B4-BE49-F238E27FC236}">
-                <a16:creationId xmlns:a16="http://schemas.microsoft.com/office/drawing/2014/main" id="{8C946F38-524D-4B98-B9CB-80AEE57E455A}"/>
-              </a:ext>
-            </a:extLst>
-          </p:cNvPr>
-          <p:cNvSpPr>
-            <a:spLocks noGrp="1"/>
-          </p:cNvSpPr>
-          <p:nvPr>
-            <p:ph type="subTitle" idx="1"/>
-          </p:nvPr>
-        </p:nvSpPr>
-        <p:spPr/>
-        <p:txBody>
-          <a:bodyPr/>
-          <a:lstStyle/>
-          <a:p>
-            <a:endParaRPr lang="zh-TW" altLang="en-US"/>
+          <p:cNvPr id="4" name="文字方塊 3">
+            <a:extLst>
+              <a:ext uri="{FF2B5EF4-FFF2-40B4-BE49-F238E27FC236}">
+                <a16:creationId xmlns:a16="http://schemas.microsoft.com/office/drawing/2014/main" id="{E062AE0F-222B-44C2-A398-F1559C975C48}"/>
+              </a:ext>
+            </a:extLst>
+          </p:cNvPr>
+          <p:cNvSpPr txBox="1"/>
+          <p:nvPr/>
+        </p:nvSpPr>
+        <p:spPr>
+          <a:xfrm>
+            <a:off x="581891" y="550718"/>
+            <a:ext cx="6380018" cy="1323439"/>
+          </a:xfrm>
+          <a:prstGeom prst="rect">
+            <a:avLst/>
+          </a:prstGeom>
+          <a:noFill/>
+        </p:spPr>
+        <p:txBody>
+          <a:bodyPr wrap="square" rtlCol="0">
+            <a:spAutoFit/>
+          </a:bodyPr>
+          <a:lstStyle/>
+          <a:p>
+            <a:pPr algn="ctr"/>
+            <a:r>
+              <a:rPr lang="zh-TW" altLang="en-US" sz="4000" dirty="0"/>
+              <a:t>自我介紹</a:t>
+            </a:r>
+            <a:endParaRPr lang="en-US" altLang="zh-TW" sz="4000" dirty="0"/>
+          </a:p>
+          <a:p>
+            <a:pPr algn="ctr"/>
+            <a:r>
+              <a:rPr lang="en-US" altLang="zh-TW" sz="4000"/>
+              <a:t>()</a:t>
+            </a:r>
+            <a:endParaRPr lang="zh-TW" altLang="en-US" sz="4000"/>
           </a:p>
         </p:txBody>
       </p:sp>
     </p:spTree>
     <p:extLst>
       <p:ext uri="{BB962C8B-B14F-4D97-AF65-F5344CB8AC3E}">
-        <p14:creationId xmlns:p14="http://schemas.microsoft.com/office/powerpoint/2010/main" val="1328321055"/>
+        <p14:creationId xmlns:p14="http://schemas.microsoft.com/office/powerpoint/2010/main" val="1655986831"/>
+      </p:ext>
+    </p:extLst>
+  </p:cSld>
+  <p:clrMapOvr>
+    <a:masterClrMapping/>
+  </p:clrMapOvr>
+</p:sld>
+</file>
+
+<file path=ppt/slides/slide2.xml><?xml version="1.0" encoding="utf-8"?>
+<p:sld xmlns:a="http://schemas.openxmlformats.org/drawingml/2006/main" xmlns:r="http://schemas.openxmlformats.org/officeDocument/2006/relationships" xmlns:p="http://schemas.openxmlformats.org/presentationml/2006/main">
+  <p:cSld>
+    <p:spTree>
+      <p:nvGrpSpPr>
+        <p:cNvPr id="1" name=""/>
+        <p:cNvGrpSpPr/>
+        <p:nvPr/>
+      </p:nvGrpSpPr>
+      <p:grpSpPr>
+        <a:xfrm>
+          <a:off x="0" y="0"/>
+          <a:ext cx="0" cy="0"/>
+          <a:chOff x="0" y="0"/>
+          <a:chExt cx="0" cy="0"/>
+        </a:xfrm>
+      </p:grpSpPr>
+      <p:sp>
+        <p:nvSpPr>
+          <p:cNvPr id="2" name="標題 1">
+            <a:extLst>
+              <a:ext uri="{FF2B5EF4-FFF2-40B4-BE49-F238E27FC236}">
+                <a16:creationId xmlns:a16="http://schemas.microsoft.com/office/drawing/2014/main" id="{FFE1D6E0-4BC1-4A17-87A8-C24F197B75A5}"/>
+              </a:ext>
+            </a:extLst>
+          </p:cNvPr>
+          <p:cNvSpPr>
+            <a:spLocks noGrp="1"/>
+          </p:cNvSpPr>
+          <p:nvPr>
+            <p:ph type="title"/>
+          </p:nvPr>
+        </p:nvSpPr>
+        <p:spPr/>
+        <p:txBody>
+          <a:bodyPr/>
+          <a:lstStyle/>
+          <a:p>
+            <a:endParaRPr lang="zh-TW" altLang="en-US"/>
+          </a:p>
+        </p:txBody>
+      </p:sp>
+      <p:sp>
+        <p:nvSpPr>
+          <p:cNvPr id="3" name="內容版面配置區 2">
+            <a:extLst>
+              <a:ext uri="{FF2B5EF4-FFF2-40B4-BE49-F238E27FC236}">
+                <a16:creationId xmlns:a16="http://schemas.microsoft.com/office/drawing/2014/main" id="{ACDB14CE-3EA9-46D4-A649-66979E5115D1}"/>
+              </a:ext>
+            </a:extLst>
+          </p:cNvPr>
+          <p:cNvSpPr>
+            <a:spLocks noGrp="1"/>
+          </p:cNvSpPr>
+          <p:nvPr>
+            <p:ph idx="1"/>
+          </p:nvPr>
+        </p:nvSpPr>
+        <p:spPr/>
+        <p:txBody>
+          <a:bodyPr/>
+          <a:lstStyle/>
+          <a:p>
+            <a:endParaRPr lang="zh-TW" altLang="en-US"/>
+          </a:p>
+        </p:txBody>
+      </p:sp>
+    </p:spTree>
+    <p:extLst>
+      <p:ext uri="{BB962C8B-B14F-4D97-AF65-F5344CB8AC3E}">
+        <p14:creationId xmlns:p14="http://schemas.microsoft.com/office/powerpoint/2010/main" val="94873832"/>
       </p:ext>
     </p:extLst>
   </p:cSld>

--- a/hw01.pptx
+++ b/hw01.pptx
@@ -2,19 +2,22 @@
 <file path=ppt/presentation.xml><?xml version="1.0" encoding="utf-8"?>
 <p:presentation xmlns:a="http://schemas.openxmlformats.org/drawingml/2006/main" xmlns:r="http://schemas.openxmlformats.org/officeDocument/2006/relationships" xmlns:p="http://schemas.openxmlformats.org/presentationml/2006/main" saveSubsetFonts="1">
   <p:sldMasterIdLst>
-    <p:sldMasterId id="2147483648" r:id="rId1"/>
+    <p:sldMasterId id="2147483762" r:id="rId1"/>
   </p:sldMasterIdLst>
   <p:sldIdLst>
     <p:sldId id="256" r:id="rId2"/>
     <p:sldId id="257" r:id="rId3"/>
+    <p:sldId id="260" r:id="rId4"/>
+    <p:sldId id="259" r:id="rId5"/>
+    <p:sldId id="258" r:id="rId6"/>
   </p:sldIdLst>
   <p:sldSz cx="12192000" cy="6858000"/>
   <p:notesSz cx="6858000" cy="9144000"/>
   <p:defaultTextStyle>
     <a:defPPr>
-      <a:defRPr lang="zh-TW"/>
+      <a:defRPr lang="en-US"/>
     </a:defPPr>
-    <a:lvl1pPr marL="0" algn="l" defTabSz="914400" rtl="0" eaLnBrk="1" latinLnBrk="0" hangingPunct="1">
+    <a:lvl1pPr marL="0" algn="l" defTabSz="457200" rtl="0" eaLnBrk="1" latinLnBrk="0" hangingPunct="1">
       <a:defRPr sz="1800" kern="1200">
         <a:solidFill>
           <a:schemeClr val="tx1"/>
@@ -24,7 +27,7 @@
         <a:cs typeface="+mn-cs"/>
       </a:defRPr>
     </a:lvl1pPr>
-    <a:lvl2pPr marL="457200" algn="l" defTabSz="914400" rtl="0" eaLnBrk="1" latinLnBrk="0" hangingPunct="1">
+    <a:lvl2pPr marL="457200" algn="l" defTabSz="457200" rtl="0" eaLnBrk="1" latinLnBrk="0" hangingPunct="1">
       <a:defRPr sz="1800" kern="1200">
         <a:solidFill>
           <a:schemeClr val="tx1"/>
@@ -34,7 +37,7 @@
         <a:cs typeface="+mn-cs"/>
       </a:defRPr>
     </a:lvl2pPr>
-    <a:lvl3pPr marL="914400" algn="l" defTabSz="914400" rtl="0" eaLnBrk="1" latinLnBrk="0" hangingPunct="1">
+    <a:lvl3pPr marL="914400" algn="l" defTabSz="457200" rtl="0" eaLnBrk="1" latinLnBrk="0" hangingPunct="1">
       <a:defRPr sz="1800" kern="1200">
         <a:solidFill>
           <a:schemeClr val="tx1"/>
@@ -44,7 +47,7 @@
         <a:cs typeface="+mn-cs"/>
       </a:defRPr>
     </a:lvl3pPr>
-    <a:lvl4pPr marL="1371600" algn="l" defTabSz="914400" rtl="0" eaLnBrk="1" latinLnBrk="0" hangingPunct="1">
+    <a:lvl4pPr marL="1371600" algn="l" defTabSz="457200" rtl="0" eaLnBrk="1" latinLnBrk="0" hangingPunct="1">
       <a:defRPr sz="1800" kern="1200">
         <a:solidFill>
           <a:schemeClr val="tx1"/>
@@ -54,7 +57,7 @@
         <a:cs typeface="+mn-cs"/>
       </a:defRPr>
     </a:lvl4pPr>
-    <a:lvl5pPr marL="1828800" algn="l" defTabSz="914400" rtl="0" eaLnBrk="1" latinLnBrk="0" hangingPunct="1">
+    <a:lvl5pPr marL="1828800" algn="l" defTabSz="457200" rtl="0" eaLnBrk="1" latinLnBrk="0" hangingPunct="1">
       <a:defRPr sz="1800" kern="1200">
         <a:solidFill>
           <a:schemeClr val="tx1"/>
@@ -64,7 +67,7 @@
         <a:cs typeface="+mn-cs"/>
       </a:defRPr>
     </a:lvl5pPr>
-    <a:lvl6pPr marL="2286000" algn="l" defTabSz="914400" rtl="0" eaLnBrk="1" latinLnBrk="0" hangingPunct="1">
+    <a:lvl6pPr marL="2286000" algn="l" defTabSz="457200" rtl="0" eaLnBrk="1" latinLnBrk="0" hangingPunct="1">
       <a:defRPr sz="1800" kern="1200">
         <a:solidFill>
           <a:schemeClr val="tx1"/>
@@ -74,7 +77,7 @@
         <a:cs typeface="+mn-cs"/>
       </a:defRPr>
     </a:lvl6pPr>
-    <a:lvl7pPr marL="2743200" algn="l" defTabSz="914400" rtl="0" eaLnBrk="1" latinLnBrk="0" hangingPunct="1">
+    <a:lvl7pPr marL="2743200" algn="l" defTabSz="457200" rtl="0" eaLnBrk="1" latinLnBrk="0" hangingPunct="1">
       <a:defRPr sz="1800" kern="1200">
         <a:solidFill>
           <a:schemeClr val="tx1"/>
@@ -84,7 +87,7 @@
         <a:cs typeface="+mn-cs"/>
       </a:defRPr>
     </a:lvl7pPr>
-    <a:lvl8pPr marL="3200400" algn="l" defTabSz="914400" rtl="0" eaLnBrk="1" latinLnBrk="0" hangingPunct="1">
+    <a:lvl8pPr marL="3200400" algn="l" defTabSz="457200" rtl="0" eaLnBrk="1" latinLnBrk="0" hangingPunct="1">
       <a:defRPr sz="1800" kern="1200">
         <a:solidFill>
           <a:schemeClr val="tx1"/>
@@ -94,7 +97,7 @@
         <a:cs typeface="+mn-cs"/>
       </a:defRPr>
     </a:lvl8pPr>
-    <a:lvl9pPr marL="3657600" algn="l" defTabSz="914400" rtl="0" eaLnBrk="1" latinLnBrk="0" hangingPunct="1">
+    <a:lvl9pPr marL="3657600" algn="l" defTabSz="457200" rtl="0" eaLnBrk="1" latinLnBrk="0" hangingPunct="1">
       <a:defRPr sz="1800" kern="1200">
         <a:solidFill>
           <a:schemeClr val="tx1"/>
@@ -116,6 +119,14 @@
 <file path=ppt/slideLayouts/slideLayout1.xml><?xml version="1.0" encoding="utf-8"?>
 <p:sldLayout xmlns:a="http://schemas.openxmlformats.org/drawingml/2006/main" xmlns:r="http://schemas.openxmlformats.org/officeDocument/2006/relationships" xmlns:p="http://schemas.openxmlformats.org/presentationml/2006/main" type="title" preserve="1">
   <p:cSld name="標題投影片">
+    <p:bg>
+      <p:bgPr>
+        <a:solidFill>
+          <a:schemeClr val="accent2"/>
+        </a:solidFill>
+        <a:effectLst/>
+      </p:bgPr>
+    </p:bg>
     <p:spTree>
       <p:nvGrpSpPr>
         <p:cNvPr id="1" name=""/>
@@ -132,69 +143,82 @@
       </p:grpSpPr>
       <p:sp>
         <p:nvSpPr>
-          <p:cNvPr id="2" name="標題 1">
-            <a:extLst>
-              <a:ext uri="{FF2B5EF4-FFF2-40B4-BE49-F238E27FC236}">
-                <a16:creationId xmlns:a16="http://schemas.microsoft.com/office/drawing/2014/main" id="{26F59B31-4D6A-4C5D-8B66-84BDE03DDDAF}"/>
-              </a:ext>
-            </a:extLst>
-          </p:cNvPr>
+          <p:cNvPr id="2" name="Title 1"/>
           <p:cNvSpPr>
             <a:spLocks noGrp="1"/>
           </p:cNvSpPr>
           <p:nvPr>
             <p:ph type="ctrTitle"/>
+          </p:nvPr>
+        </p:nvSpPr>
+        <p:spPr bwMode="blackWhite">
+          <a:xfrm>
+            <a:off x="1600200" y="2386744"/>
+            <a:ext cx="8991600" cy="1645920"/>
+          </a:xfrm>
+          <a:solidFill>
+            <a:srgbClr val="FFFFFF"/>
+          </a:solidFill>
+          <a:ln w="38100">
+            <a:solidFill>
+              <a:srgbClr val="404040"/>
+            </a:solidFill>
+          </a:ln>
+        </p:spPr>
+        <p:txBody>
+          <a:bodyPr lIns="274320" rIns="274320" anchor="ctr" anchorCtr="1">
+            <a:normAutofit/>
+          </a:bodyPr>
+          <a:lstStyle>
+            <a:lvl1pPr algn="ctr">
+              <a:defRPr sz="3800">
+                <a:solidFill>
+                  <a:srgbClr val="262626"/>
+                </a:solidFill>
+              </a:defRPr>
+            </a:lvl1pPr>
+          </a:lstStyle>
+          <a:p>
+            <a:r>
+              <a:rPr lang="zh-TW" altLang="en-US"/>
+              <a:t>按一下以編輯母片標題樣式</a:t>
+            </a:r>
+            <a:endParaRPr lang="en-US" dirty="0"/>
+          </a:p>
+        </p:txBody>
+      </p:sp>
+      <p:sp>
+        <p:nvSpPr>
+          <p:cNvPr id="3" name="Subtitle 2"/>
+          <p:cNvSpPr>
+            <a:spLocks noGrp="1"/>
+          </p:cNvSpPr>
+          <p:nvPr>
+            <p:ph type="subTitle" idx="1"/>
           </p:nvPr>
         </p:nvSpPr>
         <p:spPr>
           <a:xfrm>
-            <a:off x="1524000" y="1122363"/>
-            <a:ext cx="9144000" cy="2387600"/>
+            <a:off x="2695194" y="4352544"/>
+            <a:ext cx="6801612" cy="1239894"/>
           </a:xfrm>
+          <a:noFill/>
         </p:spPr>
         <p:txBody>
-          <a:bodyPr anchor="b"/>
-          <a:lstStyle>
-            <a:lvl1pPr algn="ctr">
-              <a:defRPr sz="6000"/>
-            </a:lvl1pPr>
-          </a:lstStyle>
-          <a:p>
-            <a:r>
-              <a:rPr lang="zh-TW" altLang="en-US"/>
-              <a:t>按一下以編輯母片標題樣式</a:t>
-            </a:r>
-          </a:p>
-        </p:txBody>
-      </p:sp>
-      <p:sp>
-        <p:nvSpPr>
-          <p:cNvPr id="3" name="副標題 2">
-            <a:extLst>
-              <a:ext uri="{FF2B5EF4-FFF2-40B4-BE49-F238E27FC236}">
-                <a16:creationId xmlns:a16="http://schemas.microsoft.com/office/drawing/2014/main" id="{F08D2595-8944-434C-96EF-E08CDD314BCF}"/>
-              </a:ext>
-            </a:extLst>
-          </p:cNvPr>
-          <p:cNvSpPr>
-            <a:spLocks noGrp="1"/>
-          </p:cNvSpPr>
-          <p:nvPr>
-            <p:ph type="subTitle" idx="1"/>
-          </p:nvPr>
-        </p:nvSpPr>
-        <p:spPr>
-          <a:xfrm>
-            <a:off x="1524000" y="3602038"/>
-            <a:ext cx="9144000" cy="1655762"/>
-          </a:xfrm>
-        </p:spPr>
-        <p:txBody>
-          <a:bodyPr/>
+          <a:bodyPr>
+            <a:normAutofit/>
+          </a:bodyPr>
           <a:lstStyle>
             <a:lvl1pPr marL="0" indent="0" algn="ctr">
               <a:buNone/>
-              <a:defRPr sz="2400"/>
+              <a:defRPr sz="2000">
+                <a:solidFill>
+                  <a:schemeClr val="tx1">
+                    <a:lumMod val="75000"/>
+                    <a:lumOff val="25000"/>
+                  </a:schemeClr>
+                </a:solidFill>
+              </a:defRPr>
             </a:lvl1pPr>
             <a:lvl2pPr marL="457200" indent="0" algn="ctr">
               <a:buNone/>
@@ -234,18 +258,13 @@
               <a:rPr lang="zh-TW" altLang="en-US"/>
               <a:t>按一下以編輯母片子標題樣式</a:t>
             </a:r>
-          </a:p>
-        </p:txBody>
-      </p:sp>
-      <p:sp>
-        <p:nvSpPr>
-          <p:cNvPr id="4" name="日期版面配置區 3">
-            <a:extLst>
-              <a:ext uri="{FF2B5EF4-FFF2-40B4-BE49-F238E27FC236}">
-                <a16:creationId xmlns:a16="http://schemas.microsoft.com/office/drawing/2014/main" id="{0E7CD340-7CE6-4C91-A935-F6241C59C2CC}"/>
-              </a:ext>
-            </a:extLst>
-          </p:cNvPr>
+            <a:endParaRPr lang="en-US" dirty="0"/>
+          </a:p>
+        </p:txBody>
+      </p:sp>
+      <p:sp>
+        <p:nvSpPr>
+          <p:cNvPr id="7" name="Date Placeholder 6"/>
           <p:cNvSpPr>
             <a:spLocks noGrp="1"/>
           </p:cNvSpPr>
@@ -268,13 +287,7 @@
       </p:sp>
       <p:sp>
         <p:nvSpPr>
-          <p:cNvPr id="5" name="頁尾版面配置區 4">
-            <a:extLst>
-              <a:ext uri="{FF2B5EF4-FFF2-40B4-BE49-F238E27FC236}">
-                <a16:creationId xmlns:a16="http://schemas.microsoft.com/office/drawing/2014/main" id="{C6C3F656-3A20-4C83-9F11-AB6816D14CDD}"/>
-              </a:ext>
-            </a:extLst>
-          </p:cNvPr>
+          <p:cNvPr id="8" name="Footer Placeholder 7"/>
           <p:cNvSpPr>
             <a:spLocks noGrp="1"/>
           </p:cNvSpPr>
@@ -293,13 +306,7 @@
       </p:sp>
       <p:sp>
         <p:nvSpPr>
-          <p:cNvPr id="6" name="投影片編號版面配置區 5">
-            <a:extLst>
-              <a:ext uri="{FF2B5EF4-FFF2-40B4-BE49-F238E27FC236}">
-                <a16:creationId xmlns:a16="http://schemas.microsoft.com/office/drawing/2014/main" id="{383466B5-FBD5-49E2-8419-ED19C45AB032}"/>
-              </a:ext>
-            </a:extLst>
-          </p:cNvPr>
+          <p:cNvPr id="9" name="Slide Number Placeholder 8"/>
           <p:cNvSpPr>
             <a:spLocks noGrp="1"/>
           </p:cNvSpPr>
@@ -323,7 +330,7 @@
     </p:spTree>
     <p:extLst>
       <p:ext uri="{BB962C8B-B14F-4D97-AF65-F5344CB8AC3E}">
-        <p14:creationId xmlns:p14="http://schemas.microsoft.com/office/powerpoint/2010/main" val="3495634319"/>
+        <p14:creationId xmlns:p14="http://schemas.microsoft.com/office/powerpoint/2010/main" val="3194707512"/>
       </p:ext>
     </p:extLst>
   </p:cSld>
@@ -352,13 +359,7 @@
       </p:grpSpPr>
       <p:sp>
         <p:nvSpPr>
-          <p:cNvPr id="2" name="標題 1">
-            <a:extLst>
-              <a:ext uri="{FF2B5EF4-FFF2-40B4-BE49-F238E27FC236}">
-                <a16:creationId xmlns:a16="http://schemas.microsoft.com/office/drawing/2014/main" id="{6CFE6575-9FB0-461B-8F07-B4F7C4BFFE03}"/>
-              </a:ext>
-            </a:extLst>
-          </p:cNvPr>
+          <p:cNvPr id="2" name="Title 1"/>
           <p:cNvSpPr>
             <a:spLocks noGrp="1"/>
           </p:cNvSpPr>
@@ -375,18 +376,13 @@
               <a:rPr lang="zh-TW" altLang="en-US"/>
               <a:t>按一下以編輯母片標題樣式</a:t>
             </a:r>
-          </a:p>
-        </p:txBody>
-      </p:sp>
-      <p:sp>
-        <p:nvSpPr>
-          <p:cNvPr id="3" name="直排文字版面配置區 2">
-            <a:extLst>
-              <a:ext uri="{FF2B5EF4-FFF2-40B4-BE49-F238E27FC236}">
-                <a16:creationId xmlns:a16="http://schemas.microsoft.com/office/drawing/2014/main" id="{AE514D5B-B1B7-4DC7-8A9A-54673CE75D91}"/>
-              </a:ext>
-            </a:extLst>
-          </p:cNvPr>
+            <a:endParaRPr lang="en-US" dirty="0"/>
+          </a:p>
+        </p:txBody>
+      </p:sp>
+      <p:sp>
+        <p:nvSpPr>
+          <p:cNvPr id="3" name="Vertical Text Placeholder 2"/>
           <p:cNvSpPr>
             <a:spLocks noGrp="1"/>
           </p:cNvSpPr>
@@ -432,18 +428,13 @@
               <a:rPr lang="zh-TW" altLang="en-US"/>
               <a:t>第五層</a:t>
             </a:r>
-          </a:p>
-        </p:txBody>
-      </p:sp>
-      <p:sp>
-        <p:nvSpPr>
-          <p:cNvPr id="4" name="日期版面配置區 3">
-            <a:extLst>
-              <a:ext uri="{FF2B5EF4-FFF2-40B4-BE49-F238E27FC236}">
-                <a16:creationId xmlns:a16="http://schemas.microsoft.com/office/drawing/2014/main" id="{E446D806-AD0B-4EC5-ABD1-B3A9BEEB607A}"/>
-              </a:ext>
-            </a:extLst>
-          </p:cNvPr>
+            <a:endParaRPr lang="en-US" dirty="0"/>
+          </a:p>
+        </p:txBody>
+      </p:sp>
+      <p:sp>
+        <p:nvSpPr>
+          <p:cNvPr id="4" name="Date Placeholder 3"/>
           <p:cNvSpPr>
             <a:spLocks noGrp="1"/>
           </p:cNvSpPr>
@@ -466,13 +457,7 @@
       </p:sp>
       <p:sp>
         <p:nvSpPr>
-          <p:cNvPr id="5" name="頁尾版面配置區 4">
-            <a:extLst>
-              <a:ext uri="{FF2B5EF4-FFF2-40B4-BE49-F238E27FC236}">
-                <a16:creationId xmlns:a16="http://schemas.microsoft.com/office/drawing/2014/main" id="{97297FBD-7B43-4C32-B635-6A5C63481B1F}"/>
-              </a:ext>
-            </a:extLst>
-          </p:cNvPr>
+          <p:cNvPr id="5" name="Footer Placeholder 4"/>
           <p:cNvSpPr>
             <a:spLocks noGrp="1"/>
           </p:cNvSpPr>
@@ -491,13 +476,7 @@
       </p:sp>
       <p:sp>
         <p:nvSpPr>
-          <p:cNvPr id="6" name="投影片編號版面配置區 5">
-            <a:extLst>
-              <a:ext uri="{FF2B5EF4-FFF2-40B4-BE49-F238E27FC236}">
-                <a16:creationId xmlns:a16="http://schemas.microsoft.com/office/drawing/2014/main" id="{D140D6CD-C4F8-4F92-A6B4-C5A916F81EE1}"/>
-              </a:ext>
-            </a:extLst>
-          </p:cNvPr>
+          <p:cNvPr id="6" name="Slide Number Placeholder 5"/>
           <p:cNvSpPr>
             <a:spLocks noGrp="1"/>
           </p:cNvSpPr>
@@ -521,7 +500,7 @@
     </p:spTree>
     <p:extLst>
       <p:ext uri="{BB962C8B-B14F-4D97-AF65-F5344CB8AC3E}">
-        <p14:creationId xmlns:p14="http://schemas.microsoft.com/office/powerpoint/2010/main" val="3225417347"/>
+        <p14:creationId xmlns:p14="http://schemas.microsoft.com/office/powerpoint/2010/main" val="767076292"/>
       </p:ext>
     </p:extLst>
   </p:cSld>
@@ -550,13 +529,7 @@
       </p:grpSpPr>
       <p:sp>
         <p:nvSpPr>
-          <p:cNvPr id="2" name="直排標題 1">
-            <a:extLst>
-              <a:ext uri="{FF2B5EF4-FFF2-40B4-BE49-F238E27FC236}">
-                <a16:creationId xmlns:a16="http://schemas.microsoft.com/office/drawing/2014/main" id="{D960645C-8D1D-4587-AB68-6441BFDF43D1}"/>
-              </a:ext>
-            </a:extLst>
-          </p:cNvPr>
+          <p:cNvPr id="2" name="Vertical Title 1"/>
           <p:cNvSpPr>
             <a:spLocks noGrp="1"/>
           </p:cNvSpPr>
@@ -566,8 +539,8 @@
         </p:nvSpPr>
         <p:spPr>
           <a:xfrm>
-            <a:off x="8724900" y="365125"/>
-            <a:ext cx="2628900" cy="5811838"/>
+            <a:off x="8653112" y="937260"/>
+            <a:ext cx="1298608" cy="4983480"/>
           </a:xfrm>
         </p:spPr>
         <p:txBody>
@@ -578,18 +551,13 @@
               <a:rPr lang="zh-TW" altLang="en-US"/>
               <a:t>按一下以編輯母片標題樣式</a:t>
             </a:r>
-          </a:p>
-        </p:txBody>
-      </p:sp>
-      <p:sp>
-        <p:nvSpPr>
-          <p:cNvPr id="3" name="直排文字版面配置區 2">
-            <a:extLst>
-              <a:ext uri="{FF2B5EF4-FFF2-40B4-BE49-F238E27FC236}">
-                <a16:creationId xmlns:a16="http://schemas.microsoft.com/office/drawing/2014/main" id="{DC0D7C25-D2A5-4F6A-8A73-FD6666A0E9C4}"/>
-              </a:ext>
-            </a:extLst>
-          </p:cNvPr>
+            <a:endParaRPr lang="en-US" dirty="0"/>
+          </a:p>
+        </p:txBody>
+      </p:sp>
+      <p:sp>
+        <p:nvSpPr>
+          <p:cNvPr id="3" name="Vertical Text Placeholder 2"/>
           <p:cNvSpPr>
             <a:spLocks noGrp="1"/>
           </p:cNvSpPr>
@@ -599,8 +567,8 @@
         </p:nvSpPr>
         <p:spPr>
           <a:xfrm>
-            <a:off x="838200" y="365125"/>
-            <a:ext cx="7734300" cy="5811838"/>
+            <a:off x="2231136" y="937260"/>
+            <a:ext cx="6198489" cy="4983480"/>
           </a:xfrm>
         </p:spPr>
         <p:txBody>
@@ -640,18 +608,13 @@
               <a:rPr lang="zh-TW" altLang="en-US"/>
               <a:t>第五層</a:t>
             </a:r>
-          </a:p>
-        </p:txBody>
-      </p:sp>
-      <p:sp>
-        <p:nvSpPr>
-          <p:cNvPr id="4" name="日期版面配置區 3">
-            <a:extLst>
-              <a:ext uri="{FF2B5EF4-FFF2-40B4-BE49-F238E27FC236}">
-                <a16:creationId xmlns:a16="http://schemas.microsoft.com/office/drawing/2014/main" id="{CEBF5321-AAB9-4B67-ABFE-3F527C50EE01}"/>
-              </a:ext>
-            </a:extLst>
-          </p:cNvPr>
+            <a:endParaRPr lang="en-US" dirty="0"/>
+          </a:p>
+        </p:txBody>
+      </p:sp>
+      <p:sp>
+        <p:nvSpPr>
+          <p:cNvPr id="4" name="Date Placeholder 3"/>
           <p:cNvSpPr>
             <a:spLocks noGrp="1"/>
           </p:cNvSpPr>
@@ -674,13 +637,7 @@
       </p:sp>
       <p:sp>
         <p:nvSpPr>
-          <p:cNvPr id="5" name="頁尾版面配置區 4">
-            <a:extLst>
-              <a:ext uri="{FF2B5EF4-FFF2-40B4-BE49-F238E27FC236}">
-                <a16:creationId xmlns:a16="http://schemas.microsoft.com/office/drawing/2014/main" id="{206ABF0F-CD0C-4970-A6C8-712F669A87A5}"/>
-              </a:ext>
-            </a:extLst>
-          </p:cNvPr>
+          <p:cNvPr id="5" name="Footer Placeholder 4"/>
           <p:cNvSpPr>
             <a:spLocks noGrp="1"/>
           </p:cNvSpPr>
@@ -699,13 +656,7 @@
       </p:sp>
       <p:sp>
         <p:nvSpPr>
-          <p:cNvPr id="6" name="投影片編號版面配置區 5">
-            <a:extLst>
-              <a:ext uri="{FF2B5EF4-FFF2-40B4-BE49-F238E27FC236}">
-                <a16:creationId xmlns:a16="http://schemas.microsoft.com/office/drawing/2014/main" id="{ED2F8652-06EB-473B-A467-4DA1BF4BC8E1}"/>
-              </a:ext>
-            </a:extLst>
-          </p:cNvPr>
+          <p:cNvPr id="6" name="Slide Number Placeholder 5"/>
           <p:cNvSpPr>
             <a:spLocks noGrp="1"/>
           </p:cNvSpPr>
@@ -729,7 +680,7 @@
     </p:spTree>
     <p:extLst>
       <p:ext uri="{BB962C8B-B14F-4D97-AF65-F5344CB8AC3E}">
-        <p14:creationId xmlns:p14="http://schemas.microsoft.com/office/powerpoint/2010/main" val="341785149"/>
+        <p14:creationId xmlns:p14="http://schemas.microsoft.com/office/powerpoint/2010/main" val="1283827952"/>
       </p:ext>
     </p:extLst>
   </p:cSld>
@@ -758,13 +709,7 @@
       </p:grpSpPr>
       <p:sp>
         <p:nvSpPr>
-          <p:cNvPr id="2" name="標題 1">
-            <a:extLst>
-              <a:ext uri="{FF2B5EF4-FFF2-40B4-BE49-F238E27FC236}">
-                <a16:creationId xmlns:a16="http://schemas.microsoft.com/office/drawing/2014/main" id="{0C622660-2751-4C1A-BC26-220BE7CCCB90}"/>
-              </a:ext>
-            </a:extLst>
-          </p:cNvPr>
+          <p:cNvPr id="2" name="Title 1"/>
           <p:cNvSpPr>
             <a:spLocks noGrp="1"/>
           </p:cNvSpPr>
@@ -781,18 +726,13 @@
               <a:rPr lang="zh-TW" altLang="en-US"/>
               <a:t>按一下以編輯母片標題樣式</a:t>
             </a:r>
-          </a:p>
-        </p:txBody>
-      </p:sp>
-      <p:sp>
-        <p:nvSpPr>
-          <p:cNvPr id="3" name="內容版面配置區 2">
-            <a:extLst>
-              <a:ext uri="{FF2B5EF4-FFF2-40B4-BE49-F238E27FC236}">
-                <a16:creationId xmlns:a16="http://schemas.microsoft.com/office/drawing/2014/main" id="{4B7E4553-A33A-48B0-BC24-1B4C08A2F6F0}"/>
-              </a:ext>
-            </a:extLst>
-          </p:cNvPr>
+            <a:endParaRPr lang="en-US" dirty="0"/>
+          </a:p>
+        </p:txBody>
+      </p:sp>
+      <p:sp>
+        <p:nvSpPr>
+          <p:cNvPr id="3" name="Content Placeholder 2"/>
           <p:cNvSpPr>
             <a:spLocks noGrp="1"/>
           </p:cNvSpPr>
@@ -838,18 +778,13 @@
               <a:rPr lang="zh-TW" altLang="en-US"/>
               <a:t>第五層</a:t>
             </a:r>
-          </a:p>
-        </p:txBody>
-      </p:sp>
-      <p:sp>
-        <p:nvSpPr>
-          <p:cNvPr id="4" name="日期版面配置區 3">
-            <a:extLst>
-              <a:ext uri="{FF2B5EF4-FFF2-40B4-BE49-F238E27FC236}">
-                <a16:creationId xmlns:a16="http://schemas.microsoft.com/office/drawing/2014/main" id="{91A8FC36-8967-4491-A669-1EECDC57503B}"/>
-              </a:ext>
-            </a:extLst>
-          </p:cNvPr>
+            <a:endParaRPr lang="en-US" dirty="0"/>
+          </a:p>
+        </p:txBody>
+      </p:sp>
+      <p:sp>
+        <p:nvSpPr>
+          <p:cNvPr id="7" name="Date Placeholder 6"/>
           <p:cNvSpPr>
             <a:spLocks noGrp="1"/>
           </p:cNvSpPr>
@@ -872,13 +807,7 @@
       </p:sp>
       <p:sp>
         <p:nvSpPr>
-          <p:cNvPr id="5" name="頁尾版面配置區 4">
-            <a:extLst>
-              <a:ext uri="{FF2B5EF4-FFF2-40B4-BE49-F238E27FC236}">
-                <a16:creationId xmlns:a16="http://schemas.microsoft.com/office/drawing/2014/main" id="{DCF2C8C8-0AB0-4030-B50E-021131D13234}"/>
-              </a:ext>
-            </a:extLst>
-          </p:cNvPr>
+          <p:cNvPr id="8" name="Footer Placeholder 7"/>
           <p:cNvSpPr>
             <a:spLocks noGrp="1"/>
           </p:cNvSpPr>
@@ -897,13 +826,7 @@
       </p:sp>
       <p:sp>
         <p:nvSpPr>
-          <p:cNvPr id="6" name="投影片編號版面配置區 5">
-            <a:extLst>
-              <a:ext uri="{FF2B5EF4-FFF2-40B4-BE49-F238E27FC236}">
-                <a16:creationId xmlns:a16="http://schemas.microsoft.com/office/drawing/2014/main" id="{96CA1FC6-1EC1-4B08-9CD5-0DED183953F2}"/>
-              </a:ext>
-            </a:extLst>
-          </p:cNvPr>
+          <p:cNvPr id="9" name="Slide Number Placeholder 8"/>
           <p:cNvSpPr>
             <a:spLocks noGrp="1"/>
           </p:cNvSpPr>
@@ -927,7 +850,7 @@
     </p:spTree>
     <p:extLst>
       <p:ext uri="{BB962C8B-B14F-4D97-AF65-F5344CB8AC3E}">
-        <p14:creationId xmlns:p14="http://schemas.microsoft.com/office/powerpoint/2010/main" val="1142680640"/>
+        <p14:creationId xmlns:p14="http://schemas.microsoft.com/office/powerpoint/2010/main" val="1049163020"/>
       </p:ext>
     </p:extLst>
   </p:cSld>
@@ -940,6 +863,14 @@
 <file path=ppt/slideLayouts/slideLayout3.xml><?xml version="1.0" encoding="utf-8"?>
 <p:sldLayout xmlns:a="http://schemas.openxmlformats.org/drawingml/2006/main" xmlns:r="http://schemas.openxmlformats.org/officeDocument/2006/relationships" xmlns:p="http://schemas.openxmlformats.org/presentationml/2006/main" type="secHead" preserve="1">
   <p:cSld name="章節標題">
+    <p:bg>
+      <p:bgPr>
+        <a:solidFill>
+          <a:schemeClr val="accent1"/>
+        </a:solidFill>
+        <a:effectLst/>
+      </p:bgPr>
+    </p:bg>
     <p:spTree>
       <p:nvGrpSpPr>
         <p:cNvPr id="1" name=""/>
@@ -956,73 +887,76 @@
       </p:grpSpPr>
       <p:sp>
         <p:nvSpPr>
-          <p:cNvPr id="2" name="標題 1">
-            <a:extLst>
-              <a:ext uri="{FF2B5EF4-FFF2-40B4-BE49-F238E27FC236}">
-                <a16:creationId xmlns:a16="http://schemas.microsoft.com/office/drawing/2014/main" id="{C6F90C30-60E4-45D6-9918-3E7EEABD9B4D}"/>
-              </a:ext>
-            </a:extLst>
-          </p:cNvPr>
+          <p:cNvPr id="2" name="Title 1"/>
           <p:cNvSpPr>
             <a:spLocks noGrp="1"/>
           </p:cNvSpPr>
           <p:nvPr>
             <p:ph type="title"/>
+          </p:nvPr>
+        </p:nvSpPr>
+        <p:spPr bwMode="blackWhite">
+          <a:xfrm>
+            <a:off x="1600200" y="2386744"/>
+            <a:ext cx="8991600" cy="1645920"/>
+          </a:xfrm>
+          <a:solidFill>
+            <a:srgbClr val="FFFFFF"/>
+          </a:solidFill>
+          <a:ln w="38100">
+            <a:solidFill>
+              <a:srgbClr val="404040"/>
+            </a:solidFill>
+          </a:ln>
+        </p:spPr>
+        <p:txBody>
+          <a:bodyPr lIns="274320" rIns="274320" anchor="ctr" anchorCtr="1">
+            <a:normAutofit/>
+          </a:bodyPr>
+          <a:lstStyle>
+            <a:lvl1pPr>
+              <a:defRPr sz="3800">
+                <a:solidFill>
+                  <a:srgbClr val="262626"/>
+                </a:solidFill>
+              </a:defRPr>
+            </a:lvl1pPr>
+          </a:lstStyle>
+          <a:p>
+            <a:r>
+              <a:rPr lang="zh-TW" altLang="en-US"/>
+              <a:t>按一下以編輯母片標題樣式</a:t>
+            </a:r>
+            <a:endParaRPr lang="en-US" dirty="0"/>
+          </a:p>
+        </p:txBody>
+      </p:sp>
+      <p:sp>
+        <p:nvSpPr>
+          <p:cNvPr id="3" name="Text Placeholder 2"/>
+          <p:cNvSpPr>
+            <a:spLocks noGrp="1"/>
+          </p:cNvSpPr>
+          <p:nvPr>
+            <p:ph type="body" idx="1"/>
           </p:nvPr>
         </p:nvSpPr>
         <p:spPr>
           <a:xfrm>
-            <a:off x="831850" y="1709738"/>
-            <a:ext cx="10515600" cy="2852737"/>
+            <a:off x="2695194" y="4352465"/>
+            <a:ext cx="6801612" cy="1265082"/>
           </a:xfrm>
         </p:spPr>
         <p:txBody>
-          <a:bodyPr anchor="b"/>
-          <a:lstStyle>
-            <a:lvl1pPr>
-              <a:defRPr sz="6000"/>
-            </a:lvl1pPr>
-          </a:lstStyle>
-          <a:p>
-            <a:r>
-              <a:rPr lang="zh-TW" altLang="en-US"/>
-              <a:t>按一下以編輯母片標題樣式</a:t>
-            </a:r>
-          </a:p>
-        </p:txBody>
-      </p:sp>
-      <p:sp>
-        <p:nvSpPr>
-          <p:cNvPr id="3" name="文字版面配置區 2">
-            <a:extLst>
-              <a:ext uri="{FF2B5EF4-FFF2-40B4-BE49-F238E27FC236}">
-                <a16:creationId xmlns:a16="http://schemas.microsoft.com/office/drawing/2014/main" id="{75EAB70C-C2AF-4AE5-82D3-41BFF0D53F49}"/>
-              </a:ext>
-            </a:extLst>
-          </p:cNvPr>
-          <p:cNvSpPr>
-            <a:spLocks noGrp="1"/>
-          </p:cNvSpPr>
-          <p:nvPr>
-            <p:ph type="body" idx="1"/>
-          </p:nvPr>
-        </p:nvSpPr>
-        <p:spPr>
-          <a:xfrm>
-            <a:off x="831850" y="4589463"/>
-            <a:ext cx="10515600" cy="1500187"/>
-          </a:xfrm>
-        </p:spPr>
-        <p:txBody>
-          <a:bodyPr/>
+          <a:bodyPr anchor="t" anchorCtr="1">
+            <a:normAutofit/>
+          </a:bodyPr>
           <a:lstStyle>
             <a:lvl1pPr marL="0" indent="0">
               <a:buNone/>
-              <a:defRPr sz="2400">
+              <a:defRPr sz="2000">
                 <a:solidFill>
-                  <a:schemeClr val="tx1">
-                    <a:tint val="75000"/>
-                  </a:schemeClr>
+                  <a:schemeClr val="tx1"/>
                 </a:solidFill>
               </a:defRPr>
             </a:lvl1pPr>
@@ -1118,13 +1052,7 @@
       </p:sp>
       <p:sp>
         <p:nvSpPr>
-          <p:cNvPr id="4" name="日期版面配置區 3">
-            <a:extLst>
-              <a:ext uri="{FF2B5EF4-FFF2-40B4-BE49-F238E27FC236}">
-                <a16:creationId xmlns:a16="http://schemas.microsoft.com/office/drawing/2014/main" id="{439B3752-5FAC-4622-A034-E6DC23EA815A}"/>
-              </a:ext>
-            </a:extLst>
-          </p:cNvPr>
+          <p:cNvPr id="7" name="Date Placeholder 6"/>
           <p:cNvSpPr>
             <a:spLocks noGrp="1"/>
           </p:cNvSpPr>
@@ -1147,13 +1075,7 @@
       </p:sp>
       <p:sp>
         <p:nvSpPr>
-          <p:cNvPr id="5" name="頁尾版面配置區 4">
-            <a:extLst>
-              <a:ext uri="{FF2B5EF4-FFF2-40B4-BE49-F238E27FC236}">
-                <a16:creationId xmlns:a16="http://schemas.microsoft.com/office/drawing/2014/main" id="{657385F2-1F61-4068-9DB4-BA0A63946A8D}"/>
-              </a:ext>
-            </a:extLst>
-          </p:cNvPr>
+          <p:cNvPr id="8" name="Footer Placeholder 7"/>
           <p:cNvSpPr>
             <a:spLocks noGrp="1"/>
           </p:cNvSpPr>
@@ -1172,13 +1094,7 @@
       </p:sp>
       <p:sp>
         <p:nvSpPr>
-          <p:cNvPr id="6" name="投影片編號版面配置區 5">
-            <a:extLst>
-              <a:ext uri="{FF2B5EF4-FFF2-40B4-BE49-F238E27FC236}">
-                <a16:creationId xmlns:a16="http://schemas.microsoft.com/office/drawing/2014/main" id="{1A961273-15C1-4E4D-BC7F-1B585615A2E7}"/>
-              </a:ext>
-            </a:extLst>
-          </p:cNvPr>
+          <p:cNvPr id="9" name="Slide Number Placeholder 8"/>
           <p:cNvSpPr>
             <a:spLocks noGrp="1"/>
           </p:cNvSpPr>
@@ -1202,7 +1118,7 @@
     </p:spTree>
     <p:extLst>
       <p:ext uri="{BB962C8B-B14F-4D97-AF65-F5344CB8AC3E}">
-        <p14:creationId xmlns:p14="http://schemas.microsoft.com/office/powerpoint/2010/main" val="3696286858"/>
+        <p14:creationId xmlns:p14="http://schemas.microsoft.com/office/powerpoint/2010/main" val="1320912007"/>
       </p:ext>
     </p:extLst>
   </p:cSld>
@@ -1231,13 +1147,7 @@
       </p:grpSpPr>
       <p:sp>
         <p:nvSpPr>
-          <p:cNvPr id="2" name="標題 1">
-            <a:extLst>
-              <a:ext uri="{FF2B5EF4-FFF2-40B4-BE49-F238E27FC236}">
-                <a16:creationId xmlns:a16="http://schemas.microsoft.com/office/drawing/2014/main" id="{D71F3F37-8092-43CD-9B06-2E2C33BB47E5}"/>
-              </a:ext>
-            </a:extLst>
-          </p:cNvPr>
+          <p:cNvPr id="2" name="Title 1"/>
           <p:cNvSpPr>
             <a:spLocks noGrp="1"/>
           </p:cNvSpPr>
@@ -1254,18 +1164,13 @@
               <a:rPr lang="zh-TW" altLang="en-US"/>
               <a:t>按一下以編輯母片標題樣式</a:t>
             </a:r>
-          </a:p>
-        </p:txBody>
-      </p:sp>
-      <p:sp>
-        <p:nvSpPr>
-          <p:cNvPr id="3" name="內容版面配置區 2">
-            <a:extLst>
-              <a:ext uri="{FF2B5EF4-FFF2-40B4-BE49-F238E27FC236}">
-                <a16:creationId xmlns:a16="http://schemas.microsoft.com/office/drawing/2014/main" id="{61552486-5FC0-4012-A15E-7BCBB5BED922}"/>
-              </a:ext>
-            </a:extLst>
-          </p:cNvPr>
+            <a:endParaRPr lang="en-US" dirty="0"/>
+          </a:p>
+        </p:txBody>
+      </p:sp>
+      <p:sp>
+        <p:nvSpPr>
+          <p:cNvPr id="3" name="Content Placeholder 2"/>
           <p:cNvSpPr>
             <a:spLocks noGrp="1"/>
           </p:cNvSpPr>
@@ -1275,8 +1180,8 @@
         </p:nvSpPr>
         <p:spPr>
           <a:xfrm>
-            <a:off x="838200" y="1825625"/>
-            <a:ext cx="5181600" cy="4351338"/>
+            <a:off x="1581912" y="2638044"/>
+            <a:ext cx="4271771" cy="3101982"/>
           </a:xfrm>
         </p:spPr>
         <p:txBody>
@@ -1316,18 +1221,13 @@
               <a:rPr lang="zh-TW" altLang="en-US"/>
               <a:t>第五層</a:t>
             </a:r>
-          </a:p>
-        </p:txBody>
-      </p:sp>
-      <p:sp>
-        <p:nvSpPr>
-          <p:cNvPr id="4" name="內容版面配置區 3">
-            <a:extLst>
-              <a:ext uri="{FF2B5EF4-FFF2-40B4-BE49-F238E27FC236}">
-                <a16:creationId xmlns:a16="http://schemas.microsoft.com/office/drawing/2014/main" id="{2426C81E-11C6-4C59-B728-6A5D02615523}"/>
-              </a:ext>
-            </a:extLst>
-          </p:cNvPr>
+            <a:endParaRPr lang="en-US" dirty="0"/>
+          </a:p>
+        </p:txBody>
+      </p:sp>
+      <p:sp>
+        <p:nvSpPr>
+          <p:cNvPr id="4" name="Content Placeholder 3"/>
           <p:cNvSpPr>
             <a:spLocks noGrp="1"/>
           </p:cNvSpPr>
@@ -1337,8 +1237,8 @@
         </p:nvSpPr>
         <p:spPr>
           <a:xfrm>
-            <a:off x="6172200" y="1825625"/>
-            <a:ext cx="5181600" cy="4351338"/>
+            <a:off x="6338315" y="2638044"/>
+            <a:ext cx="4270247" cy="3101982"/>
           </a:xfrm>
         </p:spPr>
         <p:txBody>
@@ -1378,18 +1278,13 @@
               <a:rPr lang="zh-TW" altLang="en-US"/>
               <a:t>第五層</a:t>
             </a:r>
-          </a:p>
-        </p:txBody>
-      </p:sp>
-      <p:sp>
-        <p:nvSpPr>
-          <p:cNvPr id="5" name="日期版面配置區 4">
-            <a:extLst>
-              <a:ext uri="{FF2B5EF4-FFF2-40B4-BE49-F238E27FC236}">
-                <a16:creationId xmlns:a16="http://schemas.microsoft.com/office/drawing/2014/main" id="{DFF15FCB-27EC-450D-A4DF-FB7EF2AA2DD7}"/>
-              </a:ext>
-            </a:extLst>
-          </p:cNvPr>
+            <a:endParaRPr lang="en-US" dirty="0"/>
+          </a:p>
+        </p:txBody>
+      </p:sp>
+      <p:sp>
+        <p:nvSpPr>
+          <p:cNvPr id="8" name="Date Placeholder 7"/>
           <p:cNvSpPr>
             <a:spLocks noGrp="1"/>
           </p:cNvSpPr>
@@ -1412,13 +1307,7 @@
       </p:sp>
       <p:sp>
         <p:nvSpPr>
-          <p:cNvPr id="6" name="頁尾版面配置區 5">
-            <a:extLst>
-              <a:ext uri="{FF2B5EF4-FFF2-40B4-BE49-F238E27FC236}">
-                <a16:creationId xmlns:a16="http://schemas.microsoft.com/office/drawing/2014/main" id="{98150553-CA2E-48E4-BA28-9893D1ABDD9B}"/>
-              </a:ext>
-            </a:extLst>
-          </p:cNvPr>
+          <p:cNvPr id="9" name="Footer Placeholder 8"/>
           <p:cNvSpPr>
             <a:spLocks noGrp="1"/>
           </p:cNvSpPr>
@@ -1437,13 +1326,7 @@
       </p:sp>
       <p:sp>
         <p:nvSpPr>
-          <p:cNvPr id="7" name="投影片編號版面配置區 6">
-            <a:extLst>
-              <a:ext uri="{FF2B5EF4-FFF2-40B4-BE49-F238E27FC236}">
-                <a16:creationId xmlns:a16="http://schemas.microsoft.com/office/drawing/2014/main" id="{4865B6B9-13C3-42AB-8D90-4457731E6175}"/>
-              </a:ext>
-            </a:extLst>
-          </p:cNvPr>
+          <p:cNvPr id="10" name="Slide Number Placeholder 9"/>
           <p:cNvSpPr>
             <a:spLocks noGrp="1"/>
           </p:cNvSpPr>
@@ -1467,7 +1350,7 @@
     </p:spTree>
     <p:extLst>
       <p:ext uri="{BB962C8B-B14F-4D97-AF65-F5344CB8AC3E}">
-        <p14:creationId xmlns:p14="http://schemas.microsoft.com/office/powerpoint/2010/main" val="2121872040"/>
+        <p14:creationId xmlns:p14="http://schemas.microsoft.com/office/powerpoint/2010/main" val="4147372388"/>
       </p:ext>
     </p:extLst>
   </p:cSld>
@@ -1496,69 +1379,36 @@
       </p:grpSpPr>
       <p:sp>
         <p:nvSpPr>
-          <p:cNvPr id="2" name="標題 1">
-            <a:extLst>
-              <a:ext uri="{FF2B5EF4-FFF2-40B4-BE49-F238E27FC236}">
-                <a16:creationId xmlns:a16="http://schemas.microsoft.com/office/drawing/2014/main" id="{12ECC823-3F13-43E4-B599-FF331BFE99C4}"/>
-              </a:ext>
-            </a:extLst>
-          </p:cNvPr>
-          <p:cNvSpPr>
-            <a:spLocks noGrp="1"/>
-          </p:cNvSpPr>
-          <p:nvPr>
-            <p:ph type="title"/>
+          <p:cNvPr id="3" name="Text Placeholder 2"/>
+          <p:cNvSpPr>
+            <a:spLocks noGrp="1"/>
+          </p:cNvSpPr>
+          <p:nvPr>
+            <p:ph type="body" idx="1"/>
           </p:nvPr>
         </p:nvSpPr>
         <p:spPr>
           <a:xfrm>
-            <a:off x="839788" y="365125"/>
-            <a:ext cx="10515600" cy="1325563"/>
+            <a:off x="1583436" y="2313433"/>
+            <a:ext cx="4270248" cy="704087"/>
           </a:xfrm>
         </p:spPr>
         <p:txBody>
-          <a:bodyPr/>
-          <a:lstStyle/>
-          <a:p>
-            <a:r>
-              <a:rPr lang="zh-TW" altLang="en-US"/>
-              <a:t>按一下以編輯母片標題樣式</a:t>
-            </a:r>
-          </a:p>
-        </p:txBody>
-      </p:sp>
-      <p:sp>
-        <p:nvSpPr>
-          <p:cNvPr id="3" name="文字版面配置區 2">
-            <a:extLst>
-              <a:ext uri="{FF2B5EF4-FFF2-40B4-BE49-F238E27FC236}">
-                <a16:creationId xmlns:a16="http://schemas.microsoft.com/office/drawing/2014/main" id="{2D9CF210-FF7C-4334-B374-C2AD8BC3CFF5}"/>
-              </a:ext>
-            </a:extLst>
-          </p:cNvPr>
-          <p:cNvSpPr>
-            <a:spLocks noGrp="1"/>
-          </p:cNvSpPr>
-          <p:nvPr>
-            <p:ph type="body" idx="1"/>
-          </p:nvPr>
-        </p:nvSpPr>
-        <p:spPr>
-          <a:xfrm>
-            <a:off x="839788" y="1681163"/>
-            <a:ext cx="5157787" cy="823912"/>
-          </a:xfrm>
-        </p:spPr>
-        <p:txBody>
-          <a:bodyPr anchor="b"/>
+          <a:bodyPr anchor="b" anchorCtr="1">
+            <a:normAutofit/>
+          </a:bodyPr>
           <a:lstStyle>
-            <a:lvl1pPr marL="0" indent="0">
-              <a:buNone/>
-              <a:defRPr sz="2400" b="1"/>
+            <a:lvl1pPr marL="0" indent="0" algn="ctr">
+              <a:buNone/>
+              <a:defRPr sz="1900" b="0" cap="all" spc="100" baseline="0">
+                <a:solidFill>
+                  <a:schemeClr val="accent2"/>
+                </a:solidFill>
+              </a:defRPr>
             </a:lvl1pPr>
             <a:lvl2pPr marL="457200" indent="0">
               <a:buNone/>
-              <a:defRPr sz="2000" b="1"/>
+              <a:defRPr sz="1900" b="1"/>
             </a:lvl2pPr>
             <a:lvl3pPr marL="914400" indent="0">
               <a:buNone/>
@@ -1600,13 +1450,7 @@
       </p:sp>
       <p:sp>
         <p:nvSpPr>
-          <p:cNvPr id="4" name="內容版面配置區 3">
-            <a:extLst>
-              <a:ext uri="{FF2B5EF4-FFF2-40B4-BE49-F238E27FC236}">
-                <a16:creationId xmlns:a16="http://schemas.microsoft.com/office/drawing/2014/main" id="{B58A68A0-4A3C-4136-B0F5-0D2D1D5B81CE}"/>
-              </a:ext>
-            </a:extLst>
-          </p:cNvPr>
+          <p:cNvPr id="4" name="Content Placeholder 3"/>
           <p:cNvSpPr>
             <a:spLocks noGrp="1"/>
           </p:cNvSpPr>
@@ -1616,8 +1460,8 @@
         </p:nvSpPr>
         <p:spPr>
           <a:xfrm>
-            <a:off x="839788" y="2505075"/>
-            <a:ext cx="5157787" cy="3684588"/>
+            <a:off x="1583436" y="3143250"/>
+            <a:ext cx="4270248" cy="2596776"/>
           </a:xfrm>
         </p:spPr>
         <p:txBody>
@@ -1657,41 +1501,103 @@
               <a:rPr lang="zh-TW" altLang="en-US"/>
               <a:t>第五層</a:t>
             </a:r>
-          </a:p>
-        </p:txBody>
-      </p:sp>
-      <p:sp>
-        <p:nvSpPr>
-          <p:cNvPr id="5" name="文字版面配置區 4">
-            <a:extLst>
-              <a:ext uri="{FF2B5EF4-FFF2-40B4-BE49-F238E27FC236}">
-                <a16:creationId xmlns:a16="http://schemas.microsoft.com/office/drawing/2014/main" id="{66518372-4903-47AB-B5DF-3758E85EB69B}"/>
-              </a:ext>
-            </a:extLst>
-          </p:cNvPr>
-          <p:cNvSpPr>
-            <a:spLocks noGrp="1"/>
-          </p:cNvSpPr>
-          <p:nvPr>
-            <p:ph type="body" sz="quarter" idx="3"/>
+            <a:endParaRPr lang="en-US" dirty="0"/>
+          </a:p>
+        </p:txBody>
+      </p:sp>
+      <p:sp>
+        <p:nvSpPr>
+          <p:cNvPr id="6" name="Content Placeholder 5"/>
+          <p:cNvSpPr>
+            <a:spLocks noGrp="1"/>
+          </p:cNvSpPr>
+          <p:nvPr>
+            <p:ph sz="quarter" idx="4"/>
           </p:nvPr>
         </p:nvSpPr>
         <p:spPr>
           <a:xfrm>
-            <a:off x="6172200" y="1681163"/>
-            <a:ext cx="5183188" cy="823912"/>
+            <a:off x="6338316" y="3143250"/>
+            <a:ext cx="4253484" cy="2596776"/>
           </a:xfrm>
         </p:spPr>
         <p:txBody>
-          <a:bodyPr anchor="b"/>
+          <a:bodyPr/>
           <a:lstStyle>
-            <a:lvl1pPr marL="0" indent="0">
-              <a:buNone/>
-              <a:defRPr sz="2400" b="1"/>
+            <a:lvl5pPr>
+              <a:defRPr/>
+            </a:lvl5pPr>
+          </a:lstStyle>
+          <a:p>
+            <a:pPr lvl="0"/>
+            <a:r>
+              <a:rPr lang="zh-TW" altLang="en-US"/>
+              <a:t>按一下以編輯母片文字樣式</a:t>
+            </a:r>
+          </a:p>
+          <a:p>
+            <a:pPr lvl="1"/>
+            <a:r>
+              <a:rPr lang="zh-TW" altLang="en-US"/>
+              <a:t>第二層</a:t>
+            </a:r>
+          </a:p>
+          <a:p>
+            <a:pPr lvl="2"/>
+            <a:r>
+              <a:rPr lang="zh-TW" altLang="en-US"/>
+              <a:t>第三層</a:t>
+            </a:r>
+          </a:p>
+          <a:p>
+            <a:pPr lvl="3"/>
+            <a:r>
+              <a:rPr lang="zh-TW" altLang="en-US"/>
+              <a:t>第四層</a:t>
+            </a:r>
+          </a:p>
+          <a:p>
+            <a:pPr lvl="4"/>
+            <a:r>
+              <a:rPr lang="zh-TW" altLang="en-US"/>
+              <a:t>第五層</a:t>
+            </a:r>
+            <a:endParaRPr lang="en-US" dirty="0"/>
+          </a:p>
+        </p:txBody>
+      </p:sp>
+      <p:sp>
+        <p:nvSpPr>
+          <p:cNvPr id="11" name="Text Placeholder 4"/>
+          <p:cNvSpPr>
+            <a:spLocks noGrp="1"/>
+          </p:cNvSpPr>
+          <p:nvPr>
+            <p:ph type="body" sz="quarter" idx="13"/>
+          </p:nvPr>
+        </p:nvSpPr>
+        <p:spPr>
+          <a:xfrm>
+            <a:off x="6338316" y="2313433"/>
+            <a:ext cx="4270248" cy="704087"/>
+          </a:xfrm>
+        </p:spPr>
+        <p:txBody>
+          <a:bodyPr anchor="b" anchorCtr="1">
+            <a:normAutofit/>
+          </a:bodyPr>
+          <a:lstStyle>
+            <a:lvl1pPr marL="0" indent="0" algn="ctr">
+              <a:buNone/>
+              <a:defRPr sz="1900" b="0" cap="all" spc="100" baseline="0">
+                <a:solidFill>
+                  <a:schemeClr val="accent2"/>
+                </a:solidFill>
+              </a:defRPr>
             </a:lvl1pPr>
             <a:lvl2pPr marL="457200" indent="0">
               <a:buNone/>
-              <a:defRPr sz="2000" b="1"/>
+              <a:defRPr sz="1900" b="1"/>
             </a:lvl2pPr>
             <a:lvl3pPr marL="914400" indent="0">
               <a:buNone/>
@@ -1733,75 +1639,7 @@
       </p:sp>
       <p:sp>
         <p:nvSpPr>
-          <p:cNvPr id="6" name="內容版面配置區 5">
-            <a:extLst>
-              <a:ext uri="{FF2B5EF4-FFF2-40B4-BE49-F238E27FC236}">
-                <a16:creationId xmlns:a16="http://schemas.microsoft.com/office/drawing/2014/main" id="{CC72F7C7-A71D-4C0E-BB1C-70866F137269}"/>
-              </a:ext>
-            </a:extLst>
-          </p:cNvPr>
-          <p:cNvSpPr>
-            <a:spLocks noGrp="1"/>
-          </p:cNvSpPr>
-          <p:nvPr>
-            <p:ph sz="quarter" idx="4"/>
-          </p:nvPr>
-        </p:nvSpPr>
-        <p:spPr>
-          <a:xfrm>
-            <a:off x="6172200" y="2505075"/>
-            <a:ext cx="5183188" cy="3684588"/>
-          </a:xfrm>
-        </p:spPr>
-        <p:txBody>
-          <a:bodyPr/>
-          <a:lstStyle/>
-          <a:p>
-            <a:pPr lvl="0"/>
-            <a:r>
-              <a:rPr lang="zh-TW" altLang="en-US"/>
-              <a:t>按一下以編輯母片文字樣式</a:t>
-            </a:r>
-          </a:p>
-          <a:p>
-            <a:pPr lvl="1"/>
-            <a:r>
-              <a:rPr lang="zh-TW" altLang="en-US"/>
-              <a:t>第二層</a:t>
-            </a:r>
-          </a:p>
-          <a:p>
-            <a:pPr lvl="2"/>
-            <a:r>
-              <a:rPr lang="zh-TW" altLang="en-US"/>
-              <a:t>第三層</a:t>
-            </a:r>
-          </a:p>
-          <a:p>
-            <a:pPr lvl="3"/>
-            <a:r>
-              <a:rPr lang="zh-TW" altLang="en-US"/>
-              <a:t>第四層</a:t>
-            </a:r>
-          </a:p>
-          <a:p>
-            <a:pPr lvl="4"/>
-            <a:r>
-              <a:rPr lang="zh-TW" altLang="en-US"/>
-              <a:t>第五層</a:t>
-            </a:r>
-          </a:p>
-        </p:txBody>
-      </p:sp>
-      <p:sp>
-        <p:nvSpPr>
-          <p:cNvPr id="7" name="日期版面配置區 6">
-            <a:extLst>
-              <a:ext uri="{FF2B5EF4-FFF2-40B4-BE49-F238E27FC236}">
-                <a16:creationId xmlns:a16="http://schemas.microsoft.com/office/drawing/2014/main" id="{DB238099-80C6-43F8-B90B-0939FB145506}"/>
-              </a:ext>
-            </a:extLst>
-          </p:cNvPr>
+          <p:cNvPr id="7" name="Date Placeholder 6"/>
           <p:cNvSpPr>
             <a:spLocks noGrp="1"/>
           </p:cNvSpPr>
@@ -1824,13 +1662,7 @@
       </p:sp>
       <p:sp>
         <p:nvSpPr>
-          <p:cNvPr id="8" name="頁尾版面配置區 7">
-            <a:extLst>
-              <a:ext uri="{FF2B5EF4-FFF2-40B4-BE49-F238E27FC236}">
-                <a16:creationId xmlns:a16="http://schemas.microsoft.com/office/drawing/2014/main" id="{35C1BDF0-B242-4755-B1A0-C773868E8A80}"/>
-              </a:ext>
-            </a:extLst>
-          </p:cNvPr>
+          <p:cNvPr id="8" name="Footer Placeholder 7"/>
           <p:cNvSpPr>
             <a:spLocks noGrp="1"/>
           </p:cNvSpPr>
@@ -1849,13 +1681,7 @@
       </p:sp>
       <p:sp>
         <p:nvSpPr>
-          <p:cNvPr id="9" name="投影片編號版面配置區 8">
-            <a:extLst>
-              <a:ext uri="{FF2B5EF4-FFF2-40B4-BE49-F238E27FC236}">
-                <a16:creationId xmlns:a16="http://schemas.microsoft.com/office/drawing/2014/main" id="{7970A7D2-88B2-429B-B0A8-34C9641C25B1}"/>
-              </a:ext>
-            </a:extLst>
-          </p:cNvPr>
+          <p:cNvPr id="9" name="Slide Number Placeholder 8"/>
           <p:cNvSpPr>
             <a:spLocks noGrp="1"/>
           </p:cNvSpPr>
@@ -1876,10 +1702,33 @@
           </a:p>
         </p:txBody>
       </p:sp>
+      <p:sp>
+        <p:nvSpPr>
+          <p:cNvPr id="10" name="Title 9"/>
+          <p:cNvSpPr>
+            <a:spLocks noGrp="1"/>
+          </p:cNvSpPr>
+          <p:nvPr>
+            <p:ph type="title"/>
+          </p:nvPr>
+        </p:nvSpPr>
+        <p:spPr/>
+        <p:txBody>
+          <a:bodyPr/>
+          <a:lstStyle/>
+          <a:p>
+            <a:r>
+              <a:rPr lang="zh-TW" altLang="en-US"/>
+              <a:t>按一下以編輯母片標題樣式</a:t>
+            </a:r>
+            <a:endParaRPr lang="en-US" dirty="0"/>
+          </a:p>
+        </p:txBody>
+      </p:sp>
     </p:spTree>
     <p:extLst>
       <p:ext uri="{BB962C8B-B14F-4D97-AF65-F5344CB8AC3E}">
-        <p14:creationId xmlns:p14="http://schemas.microsoft.com/office/powerpoint/2010/main" val="2829724210"/>
+        <p14:creationId xmlns:p14="http://schemas.microsoft.com/office/powerpoint/2010/main" val="1598466512"/>
       </p:ext>
     </p:extLst>
   </p:cSld>
@@ -1908,13 +1757,7 @@
       </p:grpSpPr>
       <p:sp>
         <p:nvSpPr>
-          <p:cNvPr id="2" name="標題 1">
-            <a:extLst>
-              <a:ext uri="{FF2B5EF4-FFF2-40B4-BE49-F238E27FC236}">
-                <a16:creationId xmlns:a16="http://schemas.microsoft.com/office/drawing/2014/main" id="{2BEC9CDE-77D2-46ED-8587-0FD927F77C6B}"/>
-              </a:ext>
-            </a:extLst>
-          </p:cNvPr>
+          <p:cNvPr id="2" name="Title 1"/>
           <p:cNvSpPr>
             <a:spLocks noGrp="1"/>
           </p:cNvSpPr>
@@ -1931,18 +1774,13 @@
               <a:rPr lang="zh-TW" altLang="en-US"/>
               <a:t>按一下以編輯母片標題樣式</a:t>
             </a:r>
-          </a:p>
-        </p:txBody>
-      </p:sp>
-      <p:sp>
-        <p:nvSpPr>
-          <p:cNvPr id="3" name="日期版面配置區 2">
-            <a:extLst>
-              <a:ext uri="{FF2B5EF4-FFF2-40B4-BE49-F238E27FC236}">
-                <a16:creationId xmlns:a16="http://schemas.microsoft.com/office/drawing/2014/main" id="{141F444D-26D4-461F-BABF-D3518CC43653}"/>
-              </a:ext>
-            </a:extLst>
-          </p:cNvPr>
+            <a:endParaRPr lang="en-US" dirty="0"/>
+          </a:p>
+        </p:txBody>
+      </p:sp>
+      <p:sp>
+        <p:nvSpPr>
+          <p:cNvPr id="3" name="Date Placeholder 2"/>
           <p:cNvSpPr>
             <a:spLocks noGrp="1"/>
           </p:cNvSpPr>
@@ -1965,13 +1803,7 @@
       </p:sp>
       <p:sp>
         <p:nvSpPr>
-          <p:cNvPr id="4" name="頁尾版面配置區 3">
-            <a:extLst>
-              <a:ext uri="{FF2B5EF4-FFF2-40B4-BE49-F238E27FC236}">
-                <a16:creationId xmlns:a16="http://schemas.microsoft.com/office/drawing/2014/main" id="{1E19368B-1AC6-4B78-BF3B-4372AA07DBE9}"/>
-              </a:ext>
-            </a:extLst>
-          </p:cNvPr>
+          <p:cNvPr id="4" name="Footer Placeholder 3"/>
           <p:cNvSpPr>
             <a:spLocks noGrp="1"/>
           </p:cNvSpPr>
@@ -1990,13 +1822,7 @@
       </p:sp>
       <p:sp>
         <p:nvSpPr>
-          <p:cNvPr id="5" name="投影片編號版面配置區 4">
-            <a:extLst>
-              <a:ext uri="{FF2B5EF4-FFF2-40B4-BE49-F238E27FC236}">
-                <a16:creationId xmlns:a16="http://schemas.microsoft.com/office/drawing/2014/main" id="{C90FF671-EDDE-4E48-B1F8-FEAB1333108E}"/>
-              </a:ext>
-            </a:extLst>
-          </p:cNvPr>
+          <p:cNvPr id="5" name="Slide Number Placeholder 4"/>
           <p:cNvSpPr>
             <a:spLocks noGrp="1"/>
           </p:cNvSpPr>
@@ -2020,7 +1846,7 @@
     </p:spTree>
     <p:extLst>
       <p:ext uri="{BB962C8B-B14F-4D97-AF65-F5344CB8AC3E}">
-        <p14:creationId xmlns:p14="http://schemas.microsoft.com/office/powerpoint/2010/main" val="2677562337"/>
+        <p14:creationId xmlns:p14="http://schemas.microsoft.com/office/powerpoint/2010/main" val="3526774236"/>
       </p:ext>
     </p:extLst>
   </p:cSld>
@@ -2049,13 +1875,7 @@
       </p:grpSpPr>
       <p:sp>
         <p:nvSpPr>
-          <p:cNvPr id="2" name="日期版面配置區 1">
-            <a:extLst>
-              <a:ext uri="{FF2B5EF4-FFF2-40B4-BE49-F238E27FC236}">
-                <a16:creationId xmlns:a16="http://schemas.microsoft.com/office/drawing/2014/main" id="{41F5370D-32D5-47FC-99D6-F9400D35B5F7}"/>
-              </a:ext>
-            </a:extLst>
-          </p:cNvPr>
+          <p:cNvPr id="2" name="Date Placeholder 1"/>
           <p:cNvSpPr>
             <a:spLocks noGrp="1"/>
           </p:cNvSpPr>
@@ -2078,13 +1898,7 @@
       </p:sp>
       <p:sp>
         <p:nvSpPr>
-          <p:cNvPr id="3" name="頁尾版面配置區 2">
-            <a:extLst>
-              <a:ext uri="{FF2B5EF4-FFF2-40B4-BE49-F238E27FC236}">
-                <a16:creationId xmlns:a16="http://schemas.microsoft.com/office/drawing/2014/main" id="{16853467-990A-46B1-971F-BFE04DA42B60}"/>
-              </a:ext>
-            </a:extLst>
-          </p:cNvPr>
+          <p:cNvPr id="3" name="Footer Placeholder 2"/>
           <p:cNvSpPr>
             <a:spLocks noGrp="1"/>
           </p:cNvSpPr>
@@ -2103,13 +1917,7 @@
       </p:sp>
       <p:sp>
         <p:nvSpPr>
-          <p:cNvPr id="4" name="投影片編號版面配置區 3">
-            <a:extLst>
-              <a:ext uri="{FF2B5EF4-FFF2-40B4-BE49-F238E27FC236}">
-                <a16:creationId xmlns:a16="http://schemas.microsoft.com/office/drawing/2014/main" id="{85CA8711-CA6A-4F86-BBDE-B06A925E2232}"/>
-              </a:ext>
-            </a:extLst>
-          </p:cNvPr>
+          <p:cNvPr id="4" name="Slide Number Placeholder 3"/>
           <p:cNvSpPr>
             <a:spLocks noGrp="1"/>
           </p:cNvSpPr>
@@ -2133,7 +1941,7 @@
     </p:spTree>
     <p:extLst>
       <p:ext uri="{BB962C8B-B14F-4D97-AF65-F5344CB8AC3E}">
-        <p14:creationId xmlns:p14="http://schemas.microsoft.com/office/powerpoint/2010/main" val="2123554615"/>
+        <p14:creationId xmlns:p14="http://schemas.microsoft.com/office/powerpoint/2010/main" val="200270732"/>
       </p:ext>
     </p:extLst>
   </p:cSld>
@@ -2146,608 +1954,9 @@
 <file path=ppt/slideLayouts/slideLayout8.xml><?xml version="1.0" encoding="utf-8"?>
 <p:sldLayout xmlns:a="http://schemas.openxmlformats.org/drawingml/2006/main" xmlns:r="http://schemas.openxmlformats.org/officeDocument/2006/relationships" xmlns:p="http://schemas.openxmlformats.org/presentationml/2006/main" type="objTx" preserve="1">
   <p:cSld name="含輔助字幕的內容">
-    <p:spTree>
-      <p:nvGrpSpPr>
-        <p:cNvPr id="1" name=""/>
-        <p:cNvGrpSpPr/>
-        <p:nvPr/>
-      </p:nvGrpSpPr>
-      <p:grpSpPr>
-        <a:xfrm>
-          <a:off x="0" y="0"/>
-          <a:ext cx="0" cy="0"/>
-          <a:chOff x="0" y="0"/>
-          <a:chExt cx="0" cy="0"/>
-        </a:xfrm>
-      </p:grpSpPr>
-      <p:sp>
-        <p:nvSpPr>
-          <p:cNvPr id="2" name="標題 1">
-            <a:extLst>
-              <a:ext uri="{FF2B5EF4-FFF2-40B4-BE49-F238E27FC236}">
-                <a16:creationId xmlns:a16="http://schemas.microsoft.com/office/drawing/2014/main" id="{5F384F45-A49C-415C-A2D2-4E7FD6735664}"/>
-              </a:ext>
-            </a:extLst>
-          </p:cNvPr>
-          <p:cNvSpPr>
-            <a:spLocks noGrp="1"/>
-          </p:cNvSpPr>
-          <p:nvPr>
-            <p:ph type="title"/>
-          </p:nvPr>
-        </p:nvSpPr>
-        <p:spPr>
-          <a:xfrm>
-            <a:off x="839788" y="457200"/>
-            <a:ext cx="3932237" cy="1600200"/>
-          </a:xfrm>
-        </p:spPr>
-        <p:txBody>
-          <a:bodyPr anchor="b"/>
-          <a:lstStyle>
-            <a:lvl1pPr>
-              <a:defRPr sz="3200"/>
-            </a:lvl1pPr>
-          </a:lstStyle>
-          <a:p>
-            <a:r>
-              <a:rPr lang="zh-TW" altLang="en-US"/>
-              <a:t>按一下以編輯母片標題樣式</a:t>
-            </a:r>
-          </a:p>
-        </p:txBody>
-      </p:sp>
-      <p:sp>
-        <p:nvSpPr>
-          <p:cNvPr id="3" name="內容版面配置區 2">
-            <a:extLst>
-              <a:ext uri="{FF2B5EF4-FFF2-40B4-BE49-F238E27FC236}">
-                <a16:creationId xmlns:a16="http://schemas.microsoft.com/office/drawing/2014/main" id="{FEE6A667-1670-414E-8904-88534C8D14CC}"/>
-              </a:ext>
-            </a:extLst>
-          </p:cNvPr>
-          <p:cNvSpPr>
-            <a:spLocks noGrp="1"/>
-          </p:cNvSpPr>
-          <p:nvPr>
-            <p:ph idx="1"/>
-          </p:nvPr>
-        </p:nvSpPr>
-        <p:spPr>
-          <a:xfrm>
-            <a:off x="5183188" y="987425"/>
-            <a:ext cx="6172200" cy="4873625"/>
-          </a:xfrm>
-        </p:spPr>
-        <p:txBody>
-          <a:bodyPr/>
-          <a:lstStyle>
-            <a:lvl1pPr>
-              <a:defRPr sz="3200"/>
-            </a:lvl1pPr>
-            <a:lvl2pPr>
-              <a:defRPr sz="2800"/>
-            </a:lvl2pPr>
-            <a:lvl3pPr>
-              <a:defRPr sz="2400"/>
-            </a:lvl3pPr>
-            <a:lvl4pPr>
-              <a:defRPr sz="2000"/>
-            </a:lvl4pPr>
-            <a:lvl5pPr>
-              <a:defRPr sz="2000"/>
-            </a:lvl5pPr>
-            <a:lvl6pPr>
-              <a:defRPr sz="2000"/>
-            </a:lvl6pPr>
-            <a:lvl7pPr>
-              <a:defRPr sz="2000"/>
-            </a:lvl7pPr>
-            <a:lvl8pPr>
-              <a:defRPr sz="2000"/>
-            </a:lvl8pPr>
-            <a:lvl9pPr>
-              <a:defRPr sz="2000"/>
-            </a:lvl9pPr>
-          </a:lstStyle>
-          <a:p>
-            <a:pPr lvl="0"/>
-            <a:r>
-              <a:rPr lang="zh-TW" altLang="en-US"/>
-              <a:t>按一下以編輯母片文字樣式</a:t>
-            </a:r>
-          </a:p>
-          <a:p>
-            <a:pPr lvl="1"/>
-            <a:r>
-              <a:rPr lang="zh-TW" altLang="en-US"/>
-              <a:t>第二層</a:t>
-            </a:r>
-          </a:p>
-          <a:p>
-            <a:pPr lvl="2"/>
-            <a:r>
-              <a:rPr lang="zh-TW" altLang="en-US"/>
-              <a:t>第三層</a:t>
-            </a:r>
-          </a:p>
-          <a:p>
-            <a:pPr lvl="3"/>
-            <a:r>
-              <a:rPr lang="zh-TW" altLang="en-US"/>
-              <a:t>第四層</a:t>
-            </a:r>
-          </a:p>
-          <a:p>
-            <a:pPr lvl="4"/>
-            <a:r>
-              <a:rPr lang="zh-TW" altLang="en-US"/>
-              <a:t>第五層</a:t>
-            </a:r>
-          </a:p>
-        </p:txBody>
-      </p:sp>
-      <p:sp>
-        <p:nvSpPr>
-          <p:cNvPr id="4" name="文字版面配置區 3">
-            <a:extLst>
-              <a:ext uri="{FF2B5EF4-FFF2-40B4-BE49-F238E27FC236}">
-                <a16:creationId xmlns:a16="http://schemas.microsoft.com/office/drawing/2014/main" id="{FCADE8ED-F567-46B3-9B46-AE66112FEC2C}"/>
-              </a:ext>
-            </a:extLst>
-          </p:cNvPr>
-          <p:cNvSpPr>
-            <a:spLocks noGrp="1"/>
-          </p:cNvSpPr>
-          <p:nvPr>
-            <p:ph type="body" sz="half" idx="2"/>
-          </p:nvPr>
-        </p:nvSpPr>
-        <p:spPr>
-          <a:xfrm>
-            <a:off x="839788" y="2057400"/>
-            <a:ext cx="3932237" cy="3811588"/>
-          </a:xfrm>
-        </p:spPr>
-        <p:txBody>
-          <a:bodyPr/>
-          <a:lstStyle>
-            <a:lvl1pPr marL="0" indent="0">
-              <a:buNone/>
-              <a:defRPr sz="1600"/>
-            </a:lvl1pPr>
-            <a:lvl2pPr marL="457200" indent="0">
-              <a:buNone/>
-              <a:defRPr sz="1400"/>
-            </a:lvl2pPr>
-            <a:lvl3pPr marL="914400" indent="0">
-              <a:buNone/>
-              <a:defRPr sz="1200"/>
-            </a:lvl3pPr>
-            <a:lvl4pPr marL="1371600" indent="0">
-              <a:buNone/>
-              <a:defRPr sz="1000"/>
-            </a:lvl4pPr>
-            <a:lvl5pPr marL="1828800" indent="0">
-              <a:buNone/>
-              <a:defRPr sz="1000"/>
-            </a:lvl5pPr>
-            <a:lvl6pPr marL="2286000" indent="0">
-              <a:buNone/>
-              <a:defRPr sz="1000"/>
-            </a:lvl6pPr>
-            <a:lvl7pPr marL="2743200" indent="0">
-              <a:buNone/>
-              <a:defRPr sz="1000"/>
-            </a:lvl7pPr>
-            <a:lvl8pPr marL="3200400" indent="0">
-              <a:buNone/>
-              <a:defRPr sz="1000"/>
-            </a:lvl8pPr>
-            <a:lvl9pPr marL="3657600" indent="0">
-              <a:buNone/>
-              <a:defRPr sz="1000"/>
-            </a:lvl9pPr>
-          </a:lstStyle>
-          <a:p>
-            <a:pPr lvl="0"/>
-            <a:r>
-              <a:rPr lang="zh-TW" altLang="en-US"/>
-              <a:t>按一下以編輯母片文字樣式</a:t>
-            </a:r>
-          </a:p>
-        </p:txBody>
-      </p:sp>
-      <p:sp>
-        <p:nvSpPr>
-          <p:cNvPr id="5" name="日期版面配置區 4">
-            <a:extLst>
-              <a:ext uri="{FF2B5EF4-FFF2-40B4-BE49-F238E27FC236}">
-                <a16:creationId xmlns:a16="http://schemas.microsoft.com/office/drawing/2014/main" id="{696ADBB2-87BB-4684-8831-0B47B0D5A8D9}"/>
-              </a:ext>
-            </a:extLst>
-          </p:cNvPr>
-          <p:cNvSpPr>
-            <a:spLocks noGrp="1"/>
-          </p:cNvSpPr>
-          <p:nvPr>
-            <p:ph type="dt" sz="half" idx="10"/>
-          </p:nvPr>
-        </p:nvSpPr>
-        <p:spPr/>
-        <p:txBody>
-          <a:bodyPr/>
-          <a:lstStyle/>
-          <a:p>
-            <a:fld id="{17501BA0-6145-4220-BB20-E24A3FFD92E2}" type="datetimeFigureOut">
-              <a:rPr lang="zh-TW" altLang="en-US" smtClean="0"/>
-              <a:t>2024/10/12</a:t>
-            </a:fld>
-            <a:endParaRPr lang="zh-TW" altLang="en-US"/>
-          </a:p>
-        </p:txBody>
-      </p:sp>
-      <p:sp>
-        <p:nvSpPr>
-          <p:cNvPr id="6" name="頁尾版面配置區 5">
-            <a:extLst>
-              <a:ext uri="{FF2B5EF4-FFF2-40B4-BE49-F238E27FC236}">
-                <a16:creationId xmlns:a16="http://schemas.microsoft.com/office/drawing/2014/main" id="{9196133B-7591-4DD9-91D6-19AB540A808F}"/>
-              </a:ext>
-            </a:extLst>
-          </p:cNvPr>
-          <p:cNvSpPr>
-            <a:spLocks noGrp="1"/>
-          </p:cNvSpPr>
-          <p:nvPr>
-            <p:ph type="ftr" sz="quarter" idx="11"/>
-          </p:nvPr>
-        </p:nvSpPr>
-        <p:spPr/>
-        <p:txBody>
-          <a:bodyPr/>
-          <a:lstStyle/>
-          <a:p>
-            <a:endParaRPr lang="zh-TW" altLang="en-US"/>
-          </a:p>
-        </p:txBody>
-      </p:sp>
-      <p:sp>
-        <p:nvSpPr>
-          <p:cNvPr id="7" name="投影片編號版面配置區 6">
-            <a:extLst>
-              <a:ext uri="{FF2B5EF4-FFF2-40B4-BE49-F238E27FC236}">
-                <a16:creationId xmlns:a16="http://schemas.microsoft.com/office/drawing/2014/main" id="{95503367-147F-4B87-B214-551A22CB0F20}"/>
-              </a:ext>
-            </a:extLst>
-          </p:cNvPr>
-          <p:cNvSpPr>
-            <a:spLocks noGrp="1"/>
-          </p:cNvSpPr>
-          <p:nvPr>
-            <p:ph type="sldNum" sz="quarter" idx="12"/>
-          </p:nvPr>
-        </p:nvSpPr>
-        <p:spPr/>
-        <p:txBody>
-          <a:bodyPr/>
-          <a:lstStyle/>
-          <a:p>
-            <a:fld id="{06B2F8F9-DF5B-4DDB-8915-1478D7FF7E48}" type="slidenum">
-              <a:rPr lang="zh-TW" altLang="en-US" smtClean="0"/>
-              <a:t>‹#›</a:t>
-            </a:fld>
-            <a:endParaRPr lang="zh-TW" altLang="en-US"/>
-          </a:p>
-        </p:txBody>
-      </p:sp>
-    </p:spTree>
-    <p:extLst>
-      <p:ext uri="{BB962C8B-B14F-4D97-AF65-F5344CB8AC3E}">
-        <p14:creationId xmlns:p14="http://schemas.microsoft.com/office/powerpoint/2010/main" val="1939062309"/>
-      </p:ext>
-    </p:extLst>
-  </p:cSld>
-  <p:clrMapOvr>
-    <a:masterClrMapping/>
-  </p:clrMapOvr>
-</p:sldLayout>
-</file>
-
-<file path=ppt/slideLayouts/slideLayout9.xml><?xml version="1.0" encoding="utf-8"?>
-<p:sldLayout xmlns:a="http://schemas.openxmlformats.org/drawingml/2006/main" xmlns:r="http://schemas.openxmlformats.org/officeDocument/2006/relationships" xmlns:p="http://schemas.openxmlformats.org/presentationml/2006/main" type="picTx" preserve="1">
-  <p:cSld name="含輔助字幕的圖片">
-    <p:spTree>
-      <p:nvGrpSpPr>
-        <p:cNvPr id="1" name=""/>
-        <p:cNvGrpSpPr/>
-        <p:nvPr/>
-      </p:nvGrpSpPr>
-      <p:grpSpPr>
-        <a:xfrm>
-          <a:off x="0" y="0"/>
-          <a:ext cx="0" cy="0"/>
-          <a:chOff x="0" y="0"/>
-          <a:chExt cx="0" cy="0"/>
-        </a:xfrm>
-      </p:grpSpPr>
-      <p:sp>
-        <p:nvSpPr>
-          <p:cNvPr id="2" name="標題 1">
-            <a:extLst>
-              <a:ext uri="{FF2B5EF4-FFF2-40B4-BE49-F238E27FC236}">
-                <a16:creationId xmlns:a16="http://schemas.microsoft.com/office/drawing/2014/main" id="{402B2450-7307-49AF-B52E-B5DBCC93D303}"/>
-              </a:ext>
-            </a:extLst>
-          </p:cNvPr>
-          <p:cNvSpPr>
-            <a:spLocks noGrp="1"/>
-          </p:cNvSpPr>
-          <p:nvPr>
-            <p:ph type="title"/>
-          </p:nvPr>
-        </p:nvSpPr>
-        <p:spPr>
-          <a:xfrm>
-            <a:off x="839788" y="457200"/>
-            <a:ext cx="3932237" cy="1600200"/>
-          </a:xfrm>
-        </p:spPr>
-        <p:txBody>
-          <a:bodyPr anchor="b"/>
-          <a:lstStyle>
-            <a:lvl1pPr>
-              <a:defRPr sz="3200"/>
-            </a:lvl1pPr>
-          </a:lstStyle>
-          <a:p>
-            <a:r>
-              <a:rPr lang="zh-TW" altLang="en-US"/>
-              <a:t>按一下以編輯母片標題樣式</a:t>
-            </a:r>
-          </a:p>
-        </p:txBody>
-      </p:sp>
-      <p:sp>
-        <p:nvSpPr>
-          <p:cNvPr id="3" name="圖片版面配置區 2">
-            <a:extLst>
-              <a:ext uri="{FF2B5EF4-FFF2-40B4-BE49-F238E27FC236}">
-                <a16:creationId xmlns:a16="http://schemas.microsoft.com/office/drawing/2014/main" id="{FDCE1B2B-BE00-4122-A932-6205A82A94C1}"/>
-              </a:ext>
-            </a:extLst>
-          </p:cNvPr>
-          <p:cNvSpPr>
-            <a:spLocks noGrp="1"/>
-          </p:cNvSpPr>
-          <p:nvPr>
-            <p:ph type="pic" idx="1"/>
-          </p:nvPr>
-        </p:nvSpPr>
-        <p:spPr>
-          <a:xfrm>
-            <a:off x="5183188" y="987425"/>
-            <a:ext cx="6172200" cy="4873625"/>
-          </a:xfrm>
-        </p:spPr>
-        <p:txBody>
-          <a:bodyPr/>
-          <a:lstStyle>
-            <a:lvl1pPr marL="0" indent="0">
-              <a:buNone/>
-              <a:defRPr sz="3200"/>
-            </a:lvl1pPr>
-            <a:lvl2pPr marL="457200" indent="0">
-              <a:buNone/>
-              <a:defRPr sz="2800"/>
-            </a:lvl2pPr>
-            <a:lvl3pPr marL="914400" indent="0">
-              <a:buNone/>
-              <a:defRPr sz="2400"/>
-            </a:lvl3pPr>
-            <a:lvl4pPr marL="1371600" indent="0">
-              <a:buNone/>
-              <a:defRPr sz="2000"/>
-            </a:lvl4pPr>
-            <a:lvl5pPr marL="1828800" indent="0">
-              <a:buNone/>
-              <a:defRPr sz="2000"/>
-            </a:lvl5pPr>
-            <a:lvl6pPr marL="2286000" indent="0">
-              <a:buNone/>
-              <a:defRPr sz="2000"/>
-            </a:lvl6pPr>
-            <a:lvl7pPr marL="2743200" indent="0">
-              <a:buNone/>
-              <a:defRPr sz="2000"/>
-            </a:lvl7pPr>
-            <a:lvl8pPr marL="3200400" indent="0">
-              <a:buNone/>
-              <a:defRPr sz="2000"/>
-            </a:lvl8pPr>
-            <a:lvl9pPr marL="3657600" indent="0">
-              <a:buNone/>
-              <a:defRPr sz="2000"/>
-            </a:lvl9pPr>
-          </a:lstStyle>
-          <a:p>
-            <a:endParaRPr lang="zh-TW" altLang="en-US"/>
-          </a:p>
-        </p:txBody>
-      </p:sp>
-      <p:sp>
-        <p:nvSpPr>
-          <p:cNvPr id="4" name="文字版面配置區 3">
-            <a:extLst>
-              <a:ext uri="{FF2B5EF4-FFF2-40B4-BE49-F238E27FC236}">
-                <a16:creationId xmlns:a16="http://schemas.microsoft.com/office/drawing/2014/main" id="{029F404E-FCF8-438B-BC69-A1D008246EB6}"/>
-              </a:ext>
-            </a:extLst>
-          </p:cNvPr>
-          <p:cNvSpPr>
-            <a:spLocks noGrp="1"/>
-          </p:cNvSpPr>
-          <p:nvPr>
-            <p:ph type="body" sz="half" idx="2"/>
-          </p:nvPr>
-        </p:nvSpPr>
-        <p:spPr>
-          <a:xfrm>
-            <a:off x="839788" y="2057400"/>
-            <a:ext cx="3932237" cy="3811588"/>
-          </a:xfrm>
-        </p:spPr>
-        <p:txBody>
-          <a:bodyPr/>
-          <a:lstStyle>
-            <a:lvl1pPr marL="0" indent="0">
-              <a:buNone/>
-              <a:defRPr sz="1600"/>
-            </a:lvl1pPr>
-            <a:lvl2pPr marL="457200" indent="0">
-              <a:buNone/>
-              <a:defRPr sz="1400"/>
-            </a:lvl2pPr>
-            <a:lvl3pPr marL="914400" indent="0">
-              <a:buNone/>
-              <a:defRPr sz="1200"/>
-            </a:lvl3pPr>
-            <a:lvl4pPr marL="1371600" indent="0">
-              <a:buNone/>
-              <a:defRPr sz="1000"/>
-            </a:lvl4pPr>
-            <a:lvl5pPr marL="1828800" indent="0">
-              <a:buNone/>
-              <a:defRPr sz="1000"/>
-            </a:lvl5pPr>
-            <a:lvl6pPr marL="2286000" indent="0">
-              <a:buNone/>
-              <a:defRPr sz="1000"/>
-            </a:lvl6pPr>
-            <a:lvl7pPr marL="2743200" indent="0">
-              <a:buNone/>
-              <a:defRPr sz="1000"/>
-            </a:lvl7pPr>
-            <a:lvl8pPr marL="3200400" indent="0">
-              <a:buNone/>
-              <a:defRPr sz="1000"/>
-            </a:lvl8pPr>
-            <a:lvl9pPr marL="3657600" indent="0">
-              <a:buNone/>
-              <a:defRPr sz="1000"/>
-            </a:lvl9pPr>
-          </a:lstStyle>
-          <a:p>
-            <a:pPr lvl="0"/>
-            <a:r>
-              <a:rPr lang="zh-TW" altLang="en-US"/>
-              <a:t>按一下以編輯母片文字樣式</a:t>
-            </a:r>
-          </a:p>
-        </p:txBody>
-      </p:sp>
-      <p:sp>
-        <p:nvSpPr>
-          <p:cNvPr id="5" name="日期版面配置區 4">
-            <a:extLst>
-              <a:ext uri="{FF2B5EF4-FFF2-40B4-BE49-F238E27FC236}">
-                <a16:creationId xmlns:a16="http://schemas.microsoft.com/office/drawing/2014/main" id="{4C9797EB-21A2-4EB2-BEBF-61C300AF35DC}"/>
-              </a:ext>
-            </a:extLst>
-          </p:cNvPr>
-          <p:cNvSpPr>
-            <a:spLocks noGrp="1"/>
-          </p:cNvSpPr>
-          <p:nvPr>
-            <p:ph type="dt" sz="half" idx="10"/>
-          </p:nvPr>
-        </p:nvSpPr>
-        <p:spPr/>
-        <p:txBody>
-          <a:bodyPr/>
-          <a:lstStyle/>
-          <a:p>
-            <a:fld id="{17501BA0-6145-4220-BB20-E24A3FFD92E2}" type="datetimeFigureOut">
-              <a:rPr lang="zh-TW" altLang="en-US" smtClean="0"/>
-              <a:t>2024/10/12</a:t>
-            </a:fld>
-            <a:endParaRPr lang="zh-TW" altLang="en-US"/>
-          </a:p>
-        </p:txBody>
-      </p:sp>
-      <p:sp>
-        <p:nvSpPr>
-          <p:cNvPr id="6" name="頁尾版面配置區 5">
-            <a:extLst>
-              <a:ext uri="{FF2B5EF4-FFF2-40B4-BE49-F238E27FC236}">
-                <a16:creationId xmlns:a16="http://schemas.microsoft.com/office/drawing/2014/main" id="{D06E0AD7-0BB8-4477-88A2-7069324C46F2}"/>
-              </a:ext>
-            </a:extLst>
-          </p:cNvPr>
-          <p:cNvSpPr>
-            <a:spLocks noGrp="1"/>
-          </p:cNvSpPr>
-          <p:nvPr>
-            <p:ph type="ftr" sz="quarter" idx="11"/>
-          </p:nvPr>
-        </p:nvSpPr>
-        <p:spPr/>
-        <p:txBody>
-          <a:bodyPr/>
-          <a:lstStyle/>
-          <a:p>
-            <a:endParaRPr lang="zh-TW" altLang="en-US"/>
-          </a:p>
-        </p:txBody>
-      </p:sp>
-      <p:sp>
-        <p:nvSpPr>
-          <p:cNvPr id="7" name="投影片編號版面配置區 6">
-            <a:extLst>
-              <a:ext uri="{FF2B5EF4-FFF2-40B4-BE49-F238E27FC236}">
-                <a16:creationId xmlns:a16="http://schemas.microsoft.com/office/drawing/2014/main" id="{875FE7DB-3D74-4410-8729-6141062B7CF1}"/>
-              </a:ext>
-            </a:extLst>
-          </p:cNvPr>
-          <p:cNvSpPr>
-            <a:spLocks noGrp="1"/>
-          </p:cNvSpPr>
-          <p:nvPr>
-            <p:ph type="sldNum" sz="quarter" idx="12"/>
-          </p:nvPr>
-        </p:nvSpPr>
-        <p:spPr/>
-        <p:txBody>
-          <a:bodyPr/>
-          <a:lstStyle/>
-          <a:p>
-            <a:fld id="{06B2F8F9-DF5B-4DDB-8915-1478D7FF7E48}" type="slidenum">
-              <a:rPr lang="zh-TW" altLang="en-US" smtClean="0"/>
-              <a:t>‹#›</a:t>
-            </a:fld>
-            <a:endParaRPr lang="zh-TW" altLang="en-US"/>
-          </a:p>
-        </p:txBody>
-      </p:sp>
-    </p:spTree>
-    <p:extLst>
-      <p:ext uri="{BB962C8B-B14F-4D97-AF65-F5344CB8AC3E}">
-        <p14:creationId xmlns:p14="http://schemas.microsoft.com/office/powerpoint/2010/main" val="3936667982"/>
-      </p:ext>
-    </p:extLst>
-  </p:cSld>
-  <p:clrMapOvr>
-    <a:masterClrMapping/>
-  </p:clrMapOvr>
-</p:sldLayout>
-</file>
-
-<file path=ppt/slideMasters/slideMaster1.xml><?xml version="1.0" encoding="utf-8"?>
-<p:sldMaster xmlns:a="http://schemas.openxmlformats.org/drawingml/2006/main" xmlns:r="http://schemas.openxmlformats.org/officeDocument/2006/relationships" xmlns:p="http://schemas.openxmlformats.org/presentationml/2006/main">
-  <p:cSld>
     <p:bg>
       <p:bgRef idx="1001">
-        <a:schemeClr val="bg1"/>
+        <a:schemeClr val="bg2"/>
       </p:bgRef>
     </p:bg>
     <p:spTree>
@@ -2766,129 +1975,909 @@
       </p:grpSpPr>
       <p:sp>
         <p:nvSpPr>
-          <p:cNvPr id="2" name="標題版面配置區 1">
-            <a:extLst>
-              <a:ext uri="{FF2B5EF4-FFF2-40B4-BE49-F238E27FC236}">
-                <a16:creationId xmlns:a16="http://schemas.microsoft.com/office/drawing/2014/main" id="{EEF9B211-CB91-49AD-B0F9-7463B6F8A2BD}"/>
-              </a:ext>
-            </a:extLst>
-          </p:cNvPr>
-          <p:cNvSpPr>
-            <a:spLocks noGrp="1"/>
-          </p:cNvSpPr>
-          <p:nvPr>
-            <p:ph type="title"/>
-          </p:nvPr>
+          <p:cNvPr id="26" name="Rectangle 25"/>
+          <p:cNvSpPr/>
+          <p:nvPr/>
         </p:nvSpPr>
         <p:spPr>
           <a:xfrm>
-            <a:off x="838200" y="365125"/>
-            <a:ext cx="10515600" cy="1325563"/>
+            <a:off x="0" y="0"/>
+            <a:ext cx="6096000" cy="6858000"/>
+          </a:xfrm>
+          <a:prstGeom prst="rect">
+            <a:avLst/>
+          </a:prstGeom>
+          <a:solidFill>
+            <a:schemeClr val="accent2"/>
+          </a:solidFill>
+          <a:ln>
+            <a:noFill/>
+          </a:ln>
+        </p:spPr>
+        <p:style>
+          <a:lnRef idx="2">
+            <a:schemeClr val="accent1">
+              <a:shade val="50000"/>
+            </a:schemeClr>
+          </a:lnRef>
+          <a:fillRef idx="1">
+            <a:schemeClr val="accent1"/>
+          </a:fillRef>
+          <a:effectRef idx="0">
+            <a:schemeClr val="accent1"/>
+          </a:effectRef>
+          <a:fontRef idx="minor">
+            <a:schemeClr val="lt1"/>
+          </a:fontRef>
+        </p:style>
+      </p:sp>
+      <p:sp>
+        <p:nvSpPr>
+          <p:cNvPr id="2" name="Title 1"/>
+          <p:cNvSpPr>
+            <a:spLocks noGrp="1"/>
+          </p:cNvSpPr>
+          <p:nvPr>
+            <p:ph type="title"/>
+          </p:nvPr>
+        </p:nvSpPr>
+        <p:spPr bwMode="blackWhite">
+          <a:xfrm>
+            <a:off x="804672" y="2243828"/>
+            <a:ext cx="4486656" cy="1141497"/>
+          </a:xfrm>
+          <a:solidFill>
+            <a:srgbClr val="FFFFFF"/>
+          </a:solidFill>
+          <a:ln>
+            <a:solidFill>
+              <a:srgbClr val="404040"/>
+            </a:solidFill>
+          </a:ln>
+        </p:spPr>
+        <p:txBody>
+          <a:bodyPr anchor="ctr" anchorCtr="1">
+            <a:normAutofit/>
+          </a:bodyPr>
+          <a:lstStyle>
+            <a:lvl1pPr>
+              <a:defRPr sz="2200">
+                <a:solidFill>
+                  <a:srgbClr val="262626"/>
+                </a:solidFill>
+              </a:defRPr>
+            </a:lvl1pPr>
+          </a:lstStyle>
+          <a:p>
+            <a:r>
+              <a:rPr lang="zh-TW" altLang="en-US"/>
+              <a:t>按一下以編輯母片標題樣式</a:t>
+            </a:r>
+            <a:endParaRPr lang="en-US" dirty="0"/>
+          </a:p>
+        </p:txBody>
+      </p:sp>
+      <p:sp>
+        <p:nvSpPr>
+          <p:cNvPr id="3" name="Content Placeholder 2"/>
+          <p:cNvSpPr>
+            <a:spLocks noGrp="1"/>
+          </p:cNvSpPr>
+          <p:nvPr>
+            <p:ph idx="1"/>
+          </p:nvPr>
+        </p:nvSpPr>
+        <p:spPr>
+          <a:xfrm>
+            <a:off x="6736080" y="804672"/>
+            <a:ext cx="4815840" cy="5248656"/>
+          </a:xfrm>
+        </p:spPr>
+        <p:txBody>
+          <a:bodyPr>
+            <a:normAutofit/>
+          </a:bodyPr>
+          <a:lstStyle>
+            <a:lvl1pPr>
+              <a:defRPr sz="1900">
+                <a:solidFill>
+                  <a:schemeClr val="tx1"/>
+                </a:solidFill>
+              </a:defRPr>
+            </a:lvl1pPr>
+            <a:lvl2pPr>
+              <a:defRPr sz="1600">
+                <a:solidFill>
+                  <a:schemeClr val="tx1"/>
+                </a:solidFill>
+              </a:defRPr>
+            </a:lvl2pPr>
+            <a:lvl3pPr>
+              <a:defRPr sz="1600">
+                <a:solidFill>
+                  <a:schemeClr val="tx1"/>
+                </a:solidFill>
+              </a:defRPr>
+            </a:lvl3pPr>
+            <a:lvl4pPr>
+              <a:defRPr sz="1600">
+                <a:solidFill>
+                  <a:schemeClr val="tx1"/>
+                </a:solidFill>
+              </a:defRPr>
+            </a:lvl4pPr>
+            <a:lvl5pPr>
+              <a:defRPr sz="1600">
+                <a:solidFill>
+                  <a:schemeClr val="tx1"/>
+                </a:solidFill>
+              </a:defRPr>
+            </a:lvl5pPr>
+            <a:lvl6pPr>
+              <a:defRPr sz="1600"/>
+            </a:lvl6pPr>
+            <a:lvl7pPr>
+              <a:defRPr sz="1600"/>
+            </a:lvl7pPr>
+            <a:lvl8pPr>
+              <a:defRPr sz="1600"/>
+            </a:lvl8pPr>
+            <a:lvl9pPr>
+              <a:defRPr sz="1600"/>
+            </a:lvl9pPr>
+          </a:lstStyle>
+          <a:p>
+            <a:pPr lvl="0"/>
+            <a:r>
+              <a:rPr lang="zh-TW" altLang="en-US"/>
+              <a:t>按一下以編輯母片文字樣式</a:t>
+            </a:r>
+          </a:p>
+          <a:p>
+            <a:pPr lvl="1"/>
+            <a:r>
+              <a:rPr lang="zh-TW" altLang="en-US"/>
+              <a:t>第二層</a:t>
+            </a:r>
+          </a:p>
+          <a:p>
+            <a:pPr lvl="2"/>
+            <a:r>
+              <a:rPr lang="zh-TW" altLang="en-US"/>
+              <a:t>第三層</a:t>
+            </a:r>
+          </a:p>
+          <a:p>
+            <a:pPr lvl="3"/>
+            <a:r>
+              <a:rPr lang="zh-TW" altLang="en-US"/>
+              <a:t>第四層</a:t>
+            </a:r>
+          </a:p>
+          <a:p>
+            <a:pPr lvl="4"/>
+            <a:r>
+              <a:rPr lang="zh-TW" altLang="en-US"/>
+              <a:t>第五層</a:t>
+            </a:r>
+            <a:endParaRPr lang="en-US" dirty="0"/>
+          </a:p>
+        </p:txBody>
+      </p:sp>
+      <p:sp>
+        <p:nvSpPr>
+          <p:cNvPr id="4" name="Text Placeholder 3"/>
+          <p:cNvSpPr>
+            <a:spLocks noGrp="1"/>
+          </p:cNvSpPr>
+          <p:nvPr>
+            <p:ph type="body" sz="half" idx="2"/>
+          </p:nvPr>
+        </p:nvSpPr>
+        <p:spPr>
+          <a:xfrm>
+            <a:off x="1115568" y="3549918"/>
+            <a:ext cx="3794760" cy="2194036"/>
+          </a:xfrm>
+        </p:spPr>
+        <p:txBody>
+          <a:bodyPr anchor="t" anchorCtr="1">
+            <a:normAutofit/>
+          </a:bodyPr>
+          <a:lstStyle>
+            <a:lvl1pPr marL="0" indent="0" algn="ctr">
+              <a:buNone/>
+              <a:defRPr sz="1500">
+                <a:solidFill>
+                  <a:srgbClr val="FFFFFF"/>
+                </a:solidFill>
+              </a:defRPr>
+            </a:lvl1pPr>
+            <a:lvl2pPr marL="457200" indent="0">
+              <a:buNone/>
+              <a:defRPr sz="1400"/>
+            </a:lvl2pPr>
+            <a:lvl3pPr marL="914400" indent="0">
+              <a:buNone/>
+              <a:defRPr sz="1200"/>
+            </a:lvl3pPr>
+            <a:lvl4pPr marL="1371600" indent="0">
+              <a:buNone/>
+              <a:defRPr sz="1000"/>
+            </a:lvl4pPr>
+            <a:lvl5pPr marL="1828800" indent="0">
+              <a:buNone/>
+              <a:defRPr sz="1000"/>
+            </a:lvl5pPr>
+            <a:lvl6pPr marL="2286000" indent="0">
+              <a:buNone/>
+              <a:defRPr sz="1000"/>
+            </a:lvl6pPr>
+            <a:lvl7pPr marL="2743200" indent="0">
+              <a:buNone/>
+              <a:defRPr sz="1000"/>
+            </a:lvl7pPr>
+            <a:lvl8pPr marL="3200400" indent="0">
+              <a:buNone/>
+              <a:defRPr sz="1000"/>
+            </a:lvl8pPr>
+            <a:lvl9pPr marL="3657600" indent="0">
+              <a:buNone/>
+              <a:defRPr sz="1000"/>
+            </a:lvl9pPr>
+          </a:lstStyle>
+          <a:p>
+            <a:pPr lvl="0"/>
+            <a:r>
+              <a:rPr lang="zh-TW" altLang="en-US"/>
+              <a:t>按一下以編輯母片文字樣式</a:t>
+            </a:r>
+          </a:p>
+        </p:txBody>
+      </p:sp>
+      <p:sp>
+        <p:nvSpPr>
+          <p:cNvPr id="9" name="Date Placeholder 8"/>
+          <p:cNvSpPr>
+            <a:spLocks noGrp="1"/>
+          </p:cNvSpPr>
+          <p:nvPr>
+            <p:ph type="dt" sz="half" idx="10"/>
+          </p:nvPr>
+        </p:nvSpPr>
+        <p:spPr/>
+        <p:txBody>
+          <a:bodyPr/>
+          <a:lstStyle/>
+          <a:p>
+            <a:fld id="{17501BA0-6145-4220-BB20-E24A3FFD92E2}" type="datetimeFigureOut">
+              <a:rPr lang="zh-TW" altLang="en-US" smtClean="0"/>
+              <a:t>2024/10/12</a:t>
+            </a:fld>
+            <a:endParaRPr lang="zh-TW" altLang="en-US"/>
+          </a:p>
+        </p:txBody>
+      </p:sp>
+      <p:sp>
+        <p:nvSpPr>
+          <p:cNvPr id="10" name="Footer Placeholder 9"/>
+          <p:cNvSpPr>
+            <a:spLocks noGrp="1"/>
+          </p:cNvSpPr>
+          <p:nvPr>
+            <p:ph type="ftr" sz="quarter" idx="11"/>
+          </p:nvPr>
+        </p:nvSpPr>
+        <p:spPr>
+          <a:xfrm>
+            <a:off x="804672" y="6236208"/>
+            <a:ext cx="5124797" cy="320040"/>
+          </a:xfrm>
+        </p:spPr>
+        <p:txBody>
+          <a:bodyPr/>
+          <a:lstStyle>
+            <a:lvl1pPr>
+              <a:defRPr>
+                <a:solidFill>
+                  <a:srgbClr val="FFFFFF">
+                    <a:alpha val="70000"/>
+                  </a:srgbClr>
+                </a:solidFill>
+              </a:defRPr>
+            </a:lvl1pPr>
+          </a:lstStyle>
+          <a:p>
+            <a:endParaRPr lang="zh-TW" altLang="en-US"/>
+          </a:p>
+        </p:txBody>
+      </p:sp>
+      <p:sp>
+        <p:nvSpPr>
+          <p:cNvPr id="11" name="Slide Number Placeholder 10"/>
+          <p:cNvSpPr>
+            <a:spLocks noGrp="1"/>
+          </p:cNvSpPr>
+          <p:nvPr>
+            <p:ph type="sldNum" sz="quarter" idx="12"/>
+          </p:nvPr>
+        </p:nvSpPr>
+        <p:spPr/>
+        <p:txBody>
+          <a:bodyPr/>
+          <a:lstStyle/>
+          <a:p>
+            <a:fld id="{06B2F8F9-DF5B-4DDB-8915-1478D7FF7E48}" type="slidenum">
+              <a:rPr lang="zh-TW" altLang="en-US" smtClean="0"/>
+              <a:t>‹#›</a:t>
+            </a:fld>
+            <a:endParaRPr lang="zh-TW" altLang="en-US"/>
+          </a:p>
+        </p:txBody>
+      </p:sp>
+    </p:spTree>
+    <p:extLst>
+      <p:ext uri="{BB962C8B-B14F-4D97-AF65-F5344CB8AC3E}">
+        <p14:creationId xmlns:p14="http://schemas.microsoft.com/office/powerpoint/2010/main" val="3715994460"/>
+      </p:ext>
+    </p:extLst>
+  </p:cSld>
+  <p:clrMapOvr>
+    <a:overrideClrMapping bg1="dk1" tx1="lt1" bg2="dk2" tx2="lt2" accent1="accent1" accent2="accent2" accent3="accent3" accent4="accent4" accent5="accent5" accent6="accent6" hlink="hlink" folHlink="folHlink"/>
+  </p:clrMapOvr>
+</p:sldLayout>
+</file>
+
+<file path=ppt/slideLayouts/slideLayout9.xml><?xml version="1.0" encoding="utf-8"?>
+<p:sldLayout xmlns:a="http://schemas.openxmlformats.org/drawingml/2006/main" xmlns:r="http://schemas.openxmlformats.org/officeDocument/2006/relationships" xmlns:p="http://schemas.openxmlformats.org/presentationml/2006/main" type="picTx" preserve="1">
+  <p:cSld name="含輔助字幕的圖片">
+    <p:bg>
+      <p:bgRef idx="1001">
+        <a:schemeClr val="bg2"/>
+      </p:bgRef>
+    </p:bg>
+    <p:spTree>
+      <p:nvGrpSpPr>
+        <p:cNvPr id="1" name=""/>
+        <p:cNvGrpSpPr/>
+        <p:nvPr/>
+      </p:nvGrpSpPr>
+      <p:grpSpPr>
+        <a:xfrm>
+          <a:off x="0" y="0"/>
+          <a:ext cx="0" cy="0"/>
+          <a:chOff x="0" y="0"/>
+          <a:chExt cx="0" cy="0"/>
+        </a:xfrm>
+      </p:grpSpPr>
+      <p:sp>
+        <p:nvSpPr>
+          <p:cNvPr id="18" name="Rectangle 17"/>
+          <p:cNvSpPr/>
+          <p:nvPr/>
+        </p:nvSpPr>
+        <p:spPr>
+          <a:xfrm>
+            <a:off x="0" y="0"/>
+            <a:ext cx="6095999" cy="6858000"/>
+          </a:xfrm>
+          <a:prstGeom prst="rect">
+            <a:avLst/>
+          </a:prstGeom>
+          <a:solidFill>
+            <a:schemeClr val="accent2"/>
+          </a:solidFill>
+          <a:ln>
+            <a:noFill/>
+          </a:ln>
+        </p:spPr>
+        <p:style>
+          <a:lnRef idx="2">
+            <a:schemeClr val="accent1">
+              <a:shade val="50000"/>
+            </a:schemeClr>
+          </a:lnRef>
+          <a:fillRef idx="1">
+            <a:schemeClr val="accent1"/>
+          </a:fillRef>
+          <a:effectRef idx="0">
+            <a:schemeClr val="accent1"/>
+          </a:effectRef>
+          <a:fontRef idx="minor">
+            <a:schemeClr val="lt1"/>
+          </a:fontRef>
+        </p:style>
+      </p:sp>
+      <p:sp>
+        <p:nvSpPr>
+          <p:cNvPr id="2" name="Title 1"/>
+          <p:cNvSpPr>
+            <a:spLocks noGrp="1"/>
+          </p:cNvSpPr>
+          <p:nvPr>
+            <p:ph type="title"/>
+          </p:nvPr>
+        </p:nvSpPr>
+        <p:spPr bwMode="blackWhite">
+          <a:xfrm>
+            <a:off x="808523" y="2243828"/>
+            <a:ext cx="4494998" cy="1134640"/>
+          </a:xfrm>
+          <a:solidFill>
+            <a:srgbClr val="FFFFFF"/>
+          </a:solidFill>
+          <a:ln>
+            <a:solidFill>
+              <a:srgbClr val="404040"/>
+            </a:solidFill>
+          </a:ln>
+        </p:spPr>
+        <p:txBody>
+          <a:bodyPr anchor="ctr" anchorCtr="1">
+            <a:noAutofit/>
+          </a:bodyPr>
+          <a:lstStyle>
+            <a:lvl1pPr>
+              <a:defRPr sz="2200">
+                <a:solidFill>
+                  <a:srgbClr val="262626"/>
+                </a:solidFill>
+              </a:defRPr>
+            </a:lvl1pPr>
+          </a:lstStyle>
+          <a:p>
+            <a:r>
+              <a:rPr lang="zh-TW" altLang="en-US"/>
+              <a:t>按一下以編輯母片標題樣式</a:t>
+            </a:r>
+            <a:endParaRPr lang="en-US" dirty="0"/>
+          </a:p>
+        </p:txBody>
+      </p:sp>
+      <p:sp>
+        <p:nvSpPr>
+          <p:cNvPr id="3" name="Picture Placeholder 2"/>
+          <p:cNvSpPr>
+            <a:spLocks noGrp="1" noChangeAspect="1"/>
+          </p:cNvSpPr>
+          <p:nvPr>
+            <p:ph type="pic" idx="1"/>
+          </p:nvPr>
+        </p:nvSpPr>
+        <p:spPr>
+          <a:xfrm>
+            <a:off x="6095999" y="0"/>
+            <a:ext cx="6102097" cy="6858000"/>
+          </a:xfrm>
+          <a:solidFill>
+            <a:schemeClr val="tx1">
+              <a:lumMod val="85000"/>
+            </a:schemeClr>
+          </a:solidFill>
+        </p:spPr>
+        <p:txBody>
+          <a:bodyPr anchor="t"/>
+          <a:lstStyle>
+            <a:lvl1pPr marL="0" indent="0">
+              <a:buNone/>
+              <a:defRPr sz="3200">
+                <a:solidFill>
+                  <a:schemeClr val="bg1">
+                    <a:lumMod val="85000"/>
+                    <a:lumOff val="15000"/>
+                  </a:schemeClr>
+                </a:solidFill>
+              </a:defRPr>
+            </a:lvl1pPr>
+            <a:lvl2pPr marL="457200" indent="0">
+              <a:buNone/>
+              <a:defRPr sz="2800"/>
+            </a:lvl2pPr>
+            <a:lvl3pPr marL="914400" indent="0">
+              <a:buNone/>
+              <a:defRPr sz="2400"/>
+            </a:lvl3pPr>
+            <a:lvl4pPr marL="1371600" indent="0">
+              <a:buNone/>
+              <a:defRPr sz="2000"/>
+            </a:lvl4pPr>
+            <a:lvl5pPr marL="1828800" indent="0">
+              <a:buNone/>
+              <a:defRPr sz="2000"/>
+            </a:lvl5pPr>
+            <a:lvl6pPr marL="2286000" indent="0">
+              <a:buNone/>
+              <a:defRPr sz="2000"/>
+            </a:lvl6pPr>
+            <a:lvl7pPr marL="2743200" indent="0">
+              <a:buNone/>
+              <a:defRPr sz="2000"/>
+            </a:lvl7pPr>
+            <a:lvl8pPr marL="3200400" indent="0">
+              <a:buNone/>
+              <a:defRPr sz="2000"/>
+            </a:lvl8pPr>
+            <a:lvl9pPr marL="3657600" indent="0">
+              <a:buNone/>
+              <a:defRPr sz="2000"/>
+            </a:lvl9pPr>
+          </a:lstStyle>
+          <a:p>
+            <a:r>
+              <a:rPr lang="zh-TW" altLang="en-US"/>
+              <a:t>按一下圖示以新增圖片</a:t>
+            </a:r>
+            <a:endParaRPr lang="en-US" dirty="0"/>
+          </a:p>
+        </p:txBody>
+      </p:sp>
+      <p:sp>
+        <p:nvSpPr>
+          <p:cNvPr id="4" name="Text Placeholder 3"/>
+          <p:cNvSpPr>
+            <a:spLocks noGrp="1"/>
+          </p:cNvSpPr>
+          <p:nvPr>
+            <p:ph type="body" sz="half" idx="2"/>
+          </p:nvPr>
+        </p:nvSpPr>
+        <p:spPr>
+          <a:xfrm>
+            <a:off x="1115568" y="3549918"/>
+            <a:ext cx="3794760" cy="2194037"/>
+          </a:xfrm>
+        </p:spPr>
+        <p:txBody>
+          <a:bodyPr anchor="t" anchorCtr="1">
+            <a:normAutofit/>
+          </a:bodyPr>
+          <a:lstStyle>
+            <a:lvl1pPr marL="0" indent="0" algn="ctr">
+              <a:buNone/>
+              <a:defRPr sz="1500">
+                <a:solidFill>
+                  <a:srgbClr val="FFFFFF"/>
+                </a:solidFill>
+              </a:defRPr>
+            </a:lvl1pPr>
+            <a:lvl2pPr marL="457200" indent="0">
+              <a:buNone/>
+              <a:defRPr sz="1400"/>
+            </a:lvl2pPr>
+            <a:lvl3pPr marL="914400" indent="0">
+              <a:buNone/>
+              <a:defRPr sz="1200"/>
+            </a:lvl3pPr>
+            <a:lvl4pPr marL="1371600" indent="0">
+              <a:buNone/>
+              <a:defRPr sz="1000"/>
+            </a:lvl4pPr>
+            <a:lvl5pPr marL="1828800" indent="0">
+              <a:buNone/>
+              <a:defRPr sz="1000"/>
+            </a:lvl5pPr>
+            <a:lvl6pPr marL="2286000" indent="0">
+              <a:buNone/>
+              <a:defRPr sz="1000"/>
+            </a:lvl6pPr>
+            <a:lvl7pPr marL="2743200" indent="0">
+              <a:buNone/>
+              <a:defRPr sz="1000"/>
+            </a:lvl7pPr>
+            <a:lvl8pPr marL="3200400" indent="0">
+              <a:buNone/>
+              <a:defRPr sz="1000"/>
+            </a:lvl8pPr>
+            <a:lvl9pPr marL="3657600" indent="0">
+              <a:buNone/>
+              <a:defRPr sz="1000"/>
+            </a:lvl9pPr>
+          </a:lstStyle>
+          <a:p>
+            <a:pPr lvl="0"/>
+            <a:r>
+              <a:rPr lang="zh-TW" altLang="en-US"/>
+              <a:t>按一下以編輯母片文字樣式</a:t>
+            </a:r>
+          </a:p>
+        </p:txBody>
+      </p:sp>
+      <p:sp>
+        <p:nvSpPr>
+          <p:cNvPr id="8" name="Date Placeholder 7"/>
+          <p:cNvSpPr>
+            <a:spLocks noGrp="1"/>
+          </p:cNvSpPr>
+          <p:nvPr>
+            <p:ph type="dt" sz="half" idx="10"/>
+          </p:nvPr>
+        </p:nvSpPr>
+        <p:spPr/>
+        <p:txBody>
+          <a:bodyPr/>
+          <a:lstStyle>
+            <a:lvl1pPr>
+              <a:defRPr>
+                <a:solidFill>
+                  <a:srgbClr val="FFFFFF"/>
+                </a:solidFill>
+                <a:effectLst>
+                  <a:outerShdw blurRad="50800" dist="38100" dir="2700000" algn="tl" rotWithShape="0">
+                    <a:prstClr val="black">
+                      <a:alpha val="43000"/>
+                    </a:prstClr>
+                  </a:outerShdw>
+                </a:effectLst>
+              </a:defRPr>
+            </a:lvl1pPr>
+          </a:lstStyle>
+          <a:p>
+            <a:fld id="{17501BA0-6145-4220-BB20-E24A3FFD92E2}" type="datetimeFigureOut">
+              <a:rPr lang="zh-TW" altLang="en-US" smtClean="0"/>
+              <a:t>2024/10/12</a:t>
+            </a:fld>
+            <a:endParaRPr lang="zh-TW" altLang="en-US"/>
+          </a:p>
+        </p:txBody>
+      </p:sp>
+      <p:sp>
+        <p:nvSpPr>
+          <p:cNvPr id="9" name="Footer Placeholder 8"/>
+          <p:cNvSpPr>
+            <a:spLocks noGrp="1"/>
+          </p:cNvSpPr>
+          <p:nvPr>
+            <p:ph type="ftr" sz="quarter" idx="11"/>
+          </p:nvPr>
+        </p:nvSpPr>
+        <p:spPr>
+          <a:xfrm>
+            <a:off x="804672" y="6236208"/>
+            <a:ext cx="5124797" cy="320040"/>
+          </a:xfrm>
+        </p:spPr>
+        <p:txBody>
+          <a:bodyPr/>
+          <a:lstStyle>
+            <a:lvl1pPr>
+              <a:defRPr>
+                <a:solidFill>
+                  <a:srgbClr val="FFFFFF">
+                    <a:alpha val="70000"/>
+                  </a:srgbClr>
+                </a:solidFill>
+              </a:defRPr>
+            </a:lvl1pPr>
+          </a:lstStyle>
+          <a:p>
+            <a:endParaRPr lang="zh-TW" altLang="en-US"/>
+          </a:p>
+        </p:txBody>
+      </p:sp>
+      <p:sp>
+        <p:nvSpPr>
+          <p:cNvPr id="10" name="Slide Number Placeholder 9"/>
+          <p:cNvSpPr>
+            <a:spLocks noGrp="1"/>
+          </p:cNvSpPr>
+          <p:nvPr>
+            <p:ph type="sldNum" sz="quarter" idx="12"/>
+          </p:nvPr>
+        </p:nvSpPr>
+        <p:spPr/>
+        <p:txBody>
+          <a:bodyPr/>
+          <a:lstStyle/>
+          <a:p>
+            <a:fld id="{06B2F8F9-DF5B-4DDB-8915-1478D7FF7E48}" type="slidenum">
+              <a:rPr lang="zh-TW" altLang="en-US" smtClean="0"/>
+              <a:t>‹#›</a:t>
+            </a:fld>
+            <a:endParaRPr lang="zh-TW" altLang="en-US"/>
+          </a:p>
+        </p:txBody>
+      </p:sp>
+    </p:spTree>
+    <p:extLst>
+      <p:ext uri="{BB962C8B-B14F-4D97-AF65-F5344CB8AC3E}">
+        <p14:creationId xmlns:p14="http://schemas.microsoft.com/office/powerpoint/2010/main" val="1023851319"/>
+      </p:ext>
+    </p:extLst>
+  </p:cSld>
+  <p:clrMapOvr>
+    <a:overrideClrMapping bg1="dk1" tx1="lt1" bg2="dk2" tx2="lt2" accent1="accent1" accent2="accent2" accent3="accent3" accent4="accent4" accent5="accent5" accent6="accent6" hlink="hlink" folHlink="folHlink"/>
+  </p:clrMapOvr>
+</p:sldLayout>
+</file>
+
+<file path=ppt/slideMasters/slideMaster1.xml><?xml version="1.0" encoding="utf-8"?>
+<p:sldMaster xmlns:a="http://schemas.openxmlformats.org/drawingml/2006/main" xmlns:r="http://schemas.openxmlformats.org/officeDocument/2006/relationships" xmlns:p="http://schemas.openxmlformats.org/presentationml/2006/main">
+  <p:cSld>
+    <p:bg>
+      <p:bgRef idx="1001">
+        <a:schemeClr val="bg2"/>
+      </p:bgRef>
+    </p:bg>
+    <p:spTree>
+      <p:nvGrpSpPr>
+        <p:cNvPr id="1" name=""/>
+        <p:cNvGrpSpPr/>
+        <p:nvPr/>
+      </p:nvGrpSpPr>
+      <p:grpSpPr>
+        <a:xfrm>
+          <a:off x="0" y="0"/>
+          <a:ext cx="0" cy="0"/>
+          <a:chOff x="0" y="0"/>
+          <a:chExt cx="0" cy="0"/>
+        </a:xfrm>
+      </p:grpSpPr>
+      <p:sp>
+        <p:nvSpPr>
+          <p:cNvPr id="2" name="Title Placeholder 1"/>
+          <p:cNvSpPr>
+            <a:spLocks noGrp="1"/>
+          </p:cNvSpPr>
+          <p:nvPr>
+            <p:ph type="title"/>
+          </p:nvPr>
+        </p:nvSpPr>
+        <p:spPr bwMode="black">
+          <a:xfrm>
+            <a:off x="2231136" y="964692"/>
+            <a:ext cx="7729728" cy="1188720"/>
+          </a:xfrm>
+          <a:prstGeom prst="rect">
+            <a:avLst/>
+          </a:prstGeom>
+          <a:solidFill>
+            <a:schemeClr val="bg2">
+              <a:lumMod val="60000"/>
+              <a:lumOff val="40000"/>
+              <a:alpha val="15000"/>
+            </a:schemeClr>
+          </a:solidFill>
+          <a:ln w="31750" cap="sq">
+            <a:solidFill>
+              <a:schemeClr val="tx1">
+                <a:lumMod val="75000"/>
+                <a:lumOff val="25000"/>
+              </a:schemeClr>
+            </a:solidFill>
+            <a:miter lim="800000"/>
+          </a:ln>
+        </p:spPr>
+        <p:txBody>
+          <a:bodyPr vert="horz" lIns="182880" tIns="182880" rIns="182880" bIns="182880" rtlCol="0" anchor="ctr">
+            <a:normAutofit/>
+          </a:bodyPr>
+          <a:lstStyle/>
+          <a:p>
+            <a:r>
+              <a:rPr lang="zh-TW" altLang="en-US"/>
+              <a:t>按一下以編輯母片標題樣式</a:t>
+            </a:r>
+            <a:endParaRPr lang="en-US" dirty="0"/>
+          </a:p>
+        </p:txBody>
+      </p:sp>
+      <p:sp>
+        <p:nvSpPr>
+          <p:cNvPr id="3" name="Text Placeholder 2"/>
+          <p:cNvSpPr>
+            <a:spLocks noGrp="1"/>
+          </p:cNvSpPr>
+          <p:nvPr>
+            <p:ph type="body" idx="1"/>
+          </p:nvPr>
+        </p:nvSpPr>
+        <p:spPr>
+          <a:xfrm>
+            <a:off x="2231136" y="2638044"/>
+            <a:ext cx="7729728" cy="3101983"/>
           </a:xfrm>
           <a:prstGeom prst="rect">
             <a:avLst/>
           </a:prstGeom>
         </p:spPr>
         <p:txBody>
-          <a:bodyPr vert="horz" lIns="91440" tIns="45720" rIns="91440" bIns="45720" rtlCol="0" anchor="ctr">
+          <a:bodyPr vert="horz" lIns="91440" tIns="45720" rIns="91440" bIns="45720" rtlCol="0">
             <a:normAutofit/>
           </a:bodyPr>
           <a:lstStyle/>
           <a:p>
-            <a:r>
-              <a:rPr lang="zh-TW" altLang="en-US"/>
-              <a:t>按一下以編輯母片標題樣式</a:t>
-            </a:r>
-          </a:p>
-        </p:txBody>
-      </p:sp>
-      <p:sp>
-        <p:nvSpPr>
-          <p:cNvPr id="3" name="文字版面配置區 2">
-            <a:extLst>
-              <a:ext uri="{FF2B5EF4-FFF2-40B4-BE49-F238E27FC236}">
-                <a16:creationId xmlns:a16="http://schemas.microsoft.com/office/drawing/2014/main" id="{F8556B3D-5E88-42AB-94C0-5D0A19E8B88F}"/>
-              </a:ext>
-            </a:extLst>
-          </p:cNvPr>
-          <p:cNvSpPr>
-            <a:spLocks noGrp="1"/>
-          </p:cNvSpPr>
-          <p:nvPr>
-            <p:ph type="body" idx="1"/>
+            <a:pPr lvl="0"/>
+            <a:r>
+              <a:rPr lang="zh-TW" altLang="en-US"/>
+              <a:t>按一下以編輯母片文字樣式</a:t>
+            </a:r>
+          </a:p>
+          <a:p>
+            <a:pPr lvl="1"/>
+            <a:r>
+              <a:rPr lang="zh-TW" altLang="en-US"/>
+              <a:t>第二層</a:t>
+            </a:r>
+          </a:p>
+          <a:p>
+            <a:pPr lvl="2"/>
+            <a:r>
+              <a:rPr lang="zh-TW" altLang="en-US"/>
+              <a:t>第三層</a:t>
+            </a:r>
+          </a:p>
+          <a:p>
+            <a:pPr lvl="3"/>
+            <a:r>
+              <a:rPr lang="zh-TW" altLang="en-US"/>
+              <a:t>第四層</a:t>
+            </a:r>
+          </a:p>
+          <a:p>
+            <a:pPr lvl="4"/>
+            <a:r>
+              <a:rPr lang="zh-TW" altLang="en-US"/>
+              <a:t>第五層</a:t>
+            </a:r>
+            <a:endParaRPr lang="en-US" dirty="0"/>
+          </a:p>
+        </p:txBody>
+      </p:sp>
+      <p:sp>
+        <p:nvSpPr>
+          <p:cNvPr id="4" name="Date Placeholder 3"/>
+          <p:cNvSpPr>
+            <a:spLocks noGrp="1"/>
+          </p:cNvSpPr>
+          <p:nvPr>
+            <p:ph type="dt" sz="half" idx="2"/>
           </p:nvPr>
         </p:nvSpPr>
         <p:spPr>
           <a:xfrm>
-            <a:off x="838200" y="1825625"/>
-            <a:ext cx="10515600" cy="4351338"/>
+            <a:off x="7821429" y="6238816"/>
+            <a:ext cx="2753746" cy="323968"/>
           </a:xfrm>
           <a:prstGeom prst="rect">
             <a:avLst/>
           </a:prstGeom>
         </p:spPr>
         <p:txBody>
-          <a:bodyPr vert="horz" lIns="91440" tIns="45720" rIns="91440" bIns="45720" rtlCol="0">
-            <a:normAutofit/>
-          </a:bodyPr>
-          <a:lstStyle/>
-          <a:p>
-            <a:pPr lvl="0"/>
-            <a:r>
-              <a:rPr lang="zh-TW" altLang="en-US"/>
-              <a:t>按一下以編輯母片文字樣式</a:t>
-            </a:r>
-          </a:p>
-          <a:p>
-            <a:pPr lvl="1"/>
-            <a:r>
-              <a:rPr lang="zh-TW" altLang="en-US"/>
-              <a:t>第二層</a:t>
-            </a:r>
-          </a:p>
-          <a:p>
-            <a:pPr lvl="2"/>
-            <a:r>
-              <a:rPr lang="zh-TW" altLang="en-US"/>
-              <a:t>第三層</a:t>
-            </a:r>
-          </a:p>
-          <a:p>
-            <a:pPr lvl="3"/>
-            <a:r>
-              <a:rPr lang="zh-TW" altLang="en-US"/>
-              <a:t>第四層</a:t>
-            </a:r>
-          </a:p>
-          <a:p>
-            <a:pPr lvl="4"/>
-            <a:r>
-              <a:rPr lang="zh-TW" altLang="en-US"/>
-              <a:t>第五層</a:t>
-            </a:r>
-          </a:p>
-        </p:txBody>
-      </p:sp>
-      <p:sp>
-        <p:nvSpPr>
-          <p:cNvPr id="4" name="日期版面配置區 3">
-            <a:extLst>
-              <a:ext uri="{FF2B5EF4-FFF2-40B4-BE49-F238E27FC236}">
-                <a16:creationId xmlns:a16="http://schemas.microsoft.com/office/drawing/2014/main" id="{D4DEBF4A-5ECF-4F49-861E-AC303DACDA63}"/>
-              </a:ext>
-            </a:extLst>
-          </p:cNvPr>
-          <p:cNvSpPr>
-            <a:spLocks noGrp="1"/>
-          </p:cNvSpPr>
-          <p:nvPr>
-            <p:ph type="dt" sz="half" idx="2"/>
+          <a:bodyPr vert="horz" lIns="91440" tIns="45720" rIns="91440" bIns="45720" rtlCol="0" anchor="ctr"/>
+          <a:lstStyle>
+            <a:lvl1pPr algn="r">
+              <a:defRPr sz="1050">
+                <a:solidFill>
+                  <a:schemeClr val="tx1">
+                    <a:alpha val="70000"/>
+                  </a:schemeClr>
+                </a:solidFill>
+              </a:defRPr>
+            </a:lvl1pPr>
+          </a:lstStyle>
+          <a:p>
+            <a:fld id="{17501BA0-6145-4220-BB20-E24A3FFD92E2}" type="datetimeFigureOut">
+              <a:rPr lang="zh-TW" altLang="en-US" smtClean="0"/>
+              <a:t>2024/10/12</a:t>
+            </a:fld>
+            <a:endParaRPr lang="zh-TW" altLang="en-US"/>
+          </a:p>
+        </p:txBody>
+      </p:sp>
+      <p:sp>
+        <p:nvSpPr>
+          <p:cNvPr id="5" name="Footer Placeholder 4"/>
+          <p:cNvSpPr>
+            <a:spLocks noGrp="1"/>
+          </p:cNvSpPr>
+          <p:nvPr>
+            <p:ph type="ftr" sz="quarter" idx="3"/>
           </p:nvPr>
         </p:nvSpPr>
         <p:spPr>
           <a:xfrm>
-            <a:off x="838200" y="6356350"/>
-            <a:ext cx="2743200" cy="365125"/>
+            <a:off x="1600200" y="6236208"/>
+            <a:ext cx="5901189" cy="320040"/>
           </a:xfrm>
           <a:prstGeom prst="rect">
             <a:avLst/>
@@ -2898,101 +2887,53 @@
           <a:bodyPr vert="horz" lIns="91440" tIns="45720" rIns="91440" bIns="45720" rtlCol="0" anchor="ctr"/>
           <a:lstStyle>
             <a:lvl1pPr algn="l">
-              <a:defRPr sz="1200">
+              <a:defRPr sz="1050">
                 <a:solidFill>
                   <a:schemeClr val="tx1">
-                    <a:tint val="75000"/>
+                    <a:alpha val="70000"/>
                   </a:schemeClr>
                 </a:solidFill>
               </a:defRPr>
             </a:lvl1pPr>
           </a:lstStyle>
           <a:p>
-            <a:fld id="{17501BA0-6145-4220-BB20-E24A3FFD92E2}" type="datetimeFigureOut">
-              <a:rPr lang="zh-TW" altLang="en-US" smtClean="0"/>
-              <a:t>2024/10/12</a:t>
-            </a:fld>
             <a:endParaRPr lang="zh-TW" altLang="en-US"/>
           </a:p>
         </p:txBody>
       </p:sp>
       <p:sp>
         <p:nvSpPr>
-          <p:cNvPr id="5" name="頁尾版面配置區 4">
-            <a:extLst>
-              <a:ext uri="{FF2B5EF4-FFF2-40B4-BE49-F238E27FC236}">
-                <a16:creationId xmlns:a16="http://schemas.microsoft.com/office/drawing/2014/main" id="{030EBA93-6A8B-4847-A692-E319B8836AD8}"/>
-              </a:ext>
-            </a:extLst>
-          </p:cNvPr>
-          <p:cNvSpPr>
-            <a:spLocks noGrp="1"/>
-          </p:cNvSpPr>
-          <p:nvPr>
-            <p:ph type="ftr" sz="quarter" idx="3"/>
+          <p:cNvPr id="6" name="Slide Number Placeholder 5"/>
+          <p:cNvSpPr>
+            <a:spLocks noGrp="1"/>
+          </p:cNvSpPr>
+          <p:nvPr>
+            <p:ph type="sldNum" sz="quarter" idx="4"/>
           </p:nvPr>
         </p:nvSpPr>
         <p:spPr>
           <a:xfrm>
-            <a:off x="4038600" y="6356350"/>
-            <a:ext cx="4114800" cy="365125"/>
+            <a:off x="10758922" y="6217920"/>
+            <a:ext cx="365760" cy="365760"/>
           </a:xfrm>
-          <a:prstGeom prst="rect">
+          <a:prstGeom prst="ellipse">
             <a:avLst/>
           </a:prstGeom>
+          <a:solidFill>
+            <a:srgbClr val="1D1D1D">
+              <a:alpha val="69804"/>
+            </a:srgbClr>
+          </a:solidFill>
         </p:spPr>
         <p:txBody>
-          <a:bodyPr vert="horz" lIns="91440" tIns="45720" rIns="91440" bIns="45720" rtlCol="0" anchor="ctr"/>
+          <a:bodyPr vert="horz" lIns="18288" tIns="45720" rIns="18288" bIns="45720" rtlCol="0" anchor="ctr">
+            <a:noAutofit/>
+          </a:bodyPr>
           <a:lstStyle>
             <a:lvl1pPr algn="ctr">
-              <a:defRPr sz="1200">
+              <a:defRPr sz="1100" spc="0" baseline="0">
                 <a:solidFill>
-                  <a:schemeClr val="tx1">
-                    <a:tint val="75000"/>
-                  </a:schemeClr>
-                </a:solidFill>
-              </a:defRPr>
-            </a:lvl1pPr>
-          </a:lstStyle>
-          <a:p>
-            <a:endParaRPr lang="zh-TW" altLang="en-US"/>
-          </a:p>
-        </p:txBody>
-      </p:sp>
-      <p:sp>
-        <p:nvSpPr>
-          <p:cNvPr id="6" name="投影片編號版面配置區 5">
-            <a:extLst>
-              <a:ext uri="{FF2B5EF4-FFF2-40B4-BE49-F238E27FC236}">
-                <a16:creationId xmlns:a16="http://schemas.microsoft.com/office/drawing/2014/main" id="{1DA7AFAA-F83F-44BC-9180-CB06E2B78729}"/>
-              </a:ext>
-            </a:extLst>
-          </p:cNvPr>
-          <p:cNvSpPr>
-            <a:spLocks noGrp="1"/>
-          </p:cNvSpPr>
-          <p:nvPr>
-            <p:ph type="sldNum" sz="quarter" idx="4"/>
-          </p:nvPr>
-        </p:nvSpPr>
-        <p:spPr>
-          <a:xfrm>
-            <a:off x="8610600" y="6356350"/>
-            <a:ext cx="2743200" cy="365125"/>
-          </a:xfrm>
-          <a:prstGeom prst="rect">
-            <a:avLst/>
-          </a:prstGeom>
-        </p:spPr>
-        <p:txBody>
-          <a:bodyPr vert="horz" lIns="91440" tIns="45720" rIns="91440" bIns="45720" rtlCol="0" anchor="ctr"/>
-          <a:lstStyle>
-            <a:lvl1pPr algn="r">
-              <a:defRPr sz="1200">
-                <a:solidFill>
-                  <a:schemeClr val="tx1">
-                    <a:tint val="75000"/>
-                  </a:schemeClr>
+                  <a:srgbClr val="FFFFFF"/>
                 </a:solidFill>
               </a:defRPr>
             </a:lvl1pPr>
@@ -3009,27 +2950,27 @@
     </p:spTree>
     <p:extLst>
       <p:ext uri="{BB962C8B-B14F-4D97-AF65-F5344CB8AC3E}">
-        <p14:creationId xmlns:p14="http://schemas.microsoft.com/office/powerpoint/2010/main" val="1431051187"/>
+        <p14:creationId xmlns:p14="http://schemas.microsoft.com/office/powerpoint/2010/main" val="2956230516"/>
       </p:ext>
     </p:extLst>
   </p:cSld>
-  <p:clrMap bg1="lt1" tx1="dk1" bg2="lt2" tx2="dk2" accent1="accent1" accent2="accent2" accent3="accent3" accent4="accent4" accent5="accent5" accent6="accent6" hlink="hlink" folHlink="folHlink"/>
+  <p:clrMap bg1="dk1" tx1="lt1" bg2="dk2" tx2="lt2" accent1="accent1" accent2="accent2" accent3="accent3" accent4="accent4" accent5="accent5" accent6="accent6" hlink="hlink" folHlink="folHlink"/>
   <p:sldLayoutIdLst>
-    <p:sldLayoutId id="2147483649" r:id="rId1"/>
-    <p:sldLayoutId id="2147483650" r:id="rId2"/>
-    <p:sldLayoutId id="2147483651" r:id="rId3"/>
-    <p:sldLayoutId id="2147483652" r:id="rId4"/>
-    <p:sldLayoutId id="2147483653" r:id="rId5"/>
-    <p:sldLayoutId id="2147483654" r:id="rId6"/>
-    <p:sldLayoutId id="2147483655" r:id="rId7"/>
-    <p:sldLayoutId id="2147483656" r:id="rId8"/>
-    <p:sldLayoutId id="2147483657" r:id="rId9"/>
-    <p:sldLayoutId id="2147483658" r:id="rId10"/>
-    <p:sldLayoutId id="2147483659" r:id="rId11"/>
+    <p:sldLayoutId id="2147483763" r:id="rId1"/>
+    <p:sldLayoutId id="2147483764" r:id="rId2"/>
+    <p:sldLayoutId id="2147483765" r:id="rId3"/>
+    <p:sldLayoutId id="2147483766" r:id="rId4"/>
+    <p:sldLayoutId id="2147483767" r:id="rId5"/>
+    <p:sldLayoutId id="2147483768" r:id="rId6"/>
+    <p:sldLayoutId id="2147483769" r:id="rId7"/>
+    <p:sldLayoutId id="2147483770" r:id="rId8"/>
+    <p:sldLayoutId id="2147483771" r:id="rId9"/>
+    <p:sldLayoutId id="2147483772" r:id="rId10"/>
+    <p:sldLayoutId id="2147483773" r:id="rId11"/>
   </p:sldLayoutIdLst>
   <p:txStyles>
     <p:titleStyle>
-      <a:lvl1pPr algn="l" defTabSz="914400" rtl="0" eaLnBrk="1" latinLnBrk="0" hangingPunct="1">
+      <a:lvl1pPr algn="ctr" defTabSz="914400" rtl="0" eaLnBrk="1" latinLnBrk="0" hangingPunct="1">
         <a:lnSpc>
           <a:spcPct val="90000"/>
         </a:lnSpc>
@@ -3037,9 +2978,12 @@
           <a:spcPct val="0"/>
         </a:spcBef>
         <a:buNone/>
-        <a:defRPr sz="4400" kern="1200">
+        <a:defRPr sz="2800" kern="1200" cap="all" spc="200" baseline="0">
           <a:solidFill>
-            <a:schemeClr val="tx1"/>
+            <a:schemeClr val="tx1">
+              <a:lumMod val="85000"/>
+              <a:lumOff val="15000"/>
+            </a:schemeClr>
           </a:solidFill>
           <a:latin typeface="+mj-lt"/>
           <a:ea typeface="+mj-ea"/>
@@ -3050,104 +2994,137 @@
     <p:bodyStyle>
       <a:lvl1pPr marL="228600" indent="-228600" algn="l" defTabSz="914400" rtl="0" eaLnBrk="1" latinLnBrk="0" hangingPunct="1">
         <a:lnSpc>
-          <a:spcPct val="90000"/>
+          <a:spcPct val="100000"/>
         </a:lnSpc>
         <a:spcBef>
           <a:spcPts val="1000"/>
         </a:spcBef>
+        <a:buClr>
+          <a:schemeClr val="accent2"/>
+        </a:buClr>
         <a:buFont typeface="Arial" panose="020B0604020202020204" pitchFamily="34" charset="0"/>
         <a:buChar char="•"/>
-        <a:defRPr sz="2800" kern="1200">
+        <a:defRPr sz="1800" kern="1200">
           <a:solidFill>
-            <a:schemeClr val="tx1"/>
+            <a:schemeClr val="tx1">
+              <a:lumMod val="85000"/>
+              <a:lumOff val="15000"/>
+            </a:schemeClr>
           </a:solidFill>
           <a:latin typeface="+mn-lt"/>
           <a:ea typeface="+mn-ea"/>
           <a:cs typeface="+mn-cs"/>
         </a:defRPr>
       </a:lvl1pPr>
-      <a:lvl2pPr marL="685800" indent="-228600" algn="l" defTabSz="914400" rtl="0" eaLnBrk="1" latinLnBrk="0" hangingPunct="1">
+      <a:lvl2pPr marL="457200" indent="-228600" algn="l" defTabSz="914400" rtl="0" eaLnBrk="1" latinLnBrk="0" hangingPunct="1">
         <a:lnSpc>
-          <a:spcPct val="90000"/>
+          <a:spcPct val="100000"/>
         </a:lnSpc>
         <a:spcBef>
-          <a:spcPts val="500"/>
+          <a:spcPts val="1000"/>
         </a:spcBef>
+        <a:buClr>
+          <a:schemeClr val="accent2"/>
+        </a:buClr>
         <a:buFont typeface="Arial" panose="020B0604020202020204" pitchFamily="34" charset="0"/>
         <a:buChar char="•"/>
-        <a:defRPr sz="2400" kern="1200">
+        <a:defRPr sz="1600" kern="1200">
           <a:solidFill>
-            <a:schemeClr val="tx1"/>
+            <a:schemeClr val="tx1">
+              <a:lumMod val="85000"/>
+              <a:lumOff val="15000"/>
+            </a:schemeClr>
           </a:solidFill>
           <a:latin typeface="+mn-lt"/>
           <a:ea typeface="+mn-ea"/>
           <a:cs typeface="+mn-cs"/>
         </a:defRPr>
       </a:lvl2pPr>
-      <a:lvl3pPr marL="1143000" indent="-228600" algn="l" defTabSz="914400" rtl="0" eaLnBrk="1" latinLnBrk="0" hangingPunct="1">
+      <a:lvl3pPr marL="685800" indent="-228600" algn="l" defTabSz="914400" rtl="0" eaLnBrk="1" latinLnBrk="0" hangingPunct="1">
         <a:lnSpc>
-          <a:spcPct val="90000"/>
+          <a:spcPct val="100000"/>
         </a:lnSpc>
         <a:spcBef>
-          <a:spcPts val="500"/>
+          <a:spcPts val="1000"/>
         </a:spcBef>
+        <a:buClr>
+          <a:schemeClr val="accent2"/>
+        </a:buClr>
         <a:buFont typeface="Arial" panose="020B0604020202020204" pitchFamily="34" charset="0"/>
         <a:buChar char="•"/>
-        <a:defRPr sz="2000" kern="1200">
+        <a:defRPr sz="1600" kern="1200">
           <a:solidFill>
-            <a:schemeClr val="tx1"/>
+            <a:schemeClr val="tx1">
+              <a:lumMod val="85000"/>
+              <a:lumOff val="15000"/>
+            </a:schemeClr>
           </a:solidFill>
           <a:latin typeface="+mn-lt"/>
           <a:ea typeface="+mn-ea"/>
           <a:cs typeface="+mn-cs"/>
         </a:defRPr>
       </a:lvl3pPr>
-      <a:lvl4pPr marL="1600200" indent="-228600" algn="l" defTabSz="914400" rtl="0" eaLnBrk="1" latinLnBrk="0" hangingPunct="1">
+      <a:lvl4pPr marL="914400" indent="-228600" algn="l" defTabSz="914400" rtl="0" eaLnBrk="1" latinLnBrk="0" hangingPunct="1">
         <a:lnSpc>
-          <a:spcPct val="90000"/>
+          <a:spcPct val="100000"/>
         </a:lnSpc>
         <a:spcBef>
-          <a:spcPts val="500"/>
+          <a:spcPts val="1000"/>
         </a:spcBef>
+        <a:buClr>
+          <a:schemeClr val="accent2"/>
+        </a:buClr>
         <a:buFont typeface="Arial" panose="020B0604020202020204" pitchFamily="34" charset="0"/>
         <a:buChar char="•"/>
-        <a:defRPr sz="1800" kern="1200">
+        <a:defRPr sz="1600" kern="1200">
           <a:solidFill>
-            <a:schemeClr val="tx1"/>
+            <a:schemeClr val="tx1">
+              <a:lumMod val="85000"/>
+              <a:lumOff val="15000"/>
+            </a:schemeClr>
           </a:solidFill>
           <a:latin typeface="+mn-lt"/>
           <a:ea typeface="+mn-ea"/>
           <a:cs typeface="+mn-cs"/>
         </a:defRPr>
       </a:lvl4pPr>
-      <a:lvl5pPr marL="2057400" indent="-228600" algn="l" defTabSz="914400" rtl="0" eaLnBrk="1" latinLnBrk="0" hangingPunct="1">
+      <a:lvl5pPr marL="1143000" indent="-228600" algn="l" defTabSz="914400" rtl="0" eaLnBrk="1" latinLnBrk="0" hangingPunct="1">
         <a:lnSpc>
-          <a:spcPct val="90000"/>
+          <a:spcPct val="100000"/>
         </a:lnSpc>
         <a:spcBef>
-          <a:spcPts val="500"/>
+          <a:spcPts val="1000"/>
         </a:spcBef>
+        <a:buClr>
+          <a:schemeClr val="accent2"/>
+        </a:buClr>
         <a:buFont typeface="Arial" panose="020B0604020202020204" pitchFamily="34" charset="0"/>
         <a:buChar char="•"/>
-        <a:defRPr sz="1800" kern="1200">
+        <a:defRPr sz="1600" kern="1200">
           <a:solidFill>
-            <a:schemeClr val="tx1"/>
+            <a:schemeClr val="tx1">
+              <a:lumMod val="85000"/>
+              <a:lumOff val="15000"/>
+            </a:schemeClr>
           </a:solidFill>
           <a:latin typeface="+mn-lt"/>
           <a:ea typeface="+mn-ea"/>
           <a:cs typeface="+mn-cs"/>
         </a:defRPr>
       </a:lvl5pPr>
-      <a:lvl6pPr marL="2514600" indent="-228600" algn="l" defTabSz="914400" rtl="0" eaLnBrk="1" latinLnBrk="0" hangingPunct="1">
+      <a:lvl6pPr marL="1312863" indent="-228600" algn="l" defTabSz="914400" rtl="0" eaLnBrk="1" latinLnBrk="0" hangingPunct="1">
         <a:lnSpc>
-          <a:spcPct val="90000"/>
+          <a:spcPct val="100000"/>
         </a:lnSpc>
         <a:spcBef>
-          <a:spcPts val="500"/>
+          <a:spcPts val="1000"/>
         </a:spcBef>
+        <a:buClr>
+          <a:schemeClr val="accent2"/>
+        </a:buClr>
         <a:buFont typeface="Arial" panose="020B0604020202020204" pitchFamily="34" charset="0"/>
         <a:buChar char="•"/>
-        <a:defRPr sz="1800" kern="1200">
+        <a:defRPr sz="1600" kern="1200">
           <a:solidFill>
             <a:schemeClr val="tx1"/>
           </a:solidFill>
@@ -3156,16 +3133,19 @@
           <a:cs typeface="+mn-cs"/>
         </a:defRPr>
       </a:lvl6pPr>
-      <a:lvl7pPr marL="2971800" indent="-228600" algn="l" defTabSz="914400" rtl="0" eaLnBrk="1" latinLnBrk="0" hangingPunct="1">
+      <a:lvl7pPr marL="1484313" indent="-228600" algn="l" defTabSz="914400" rtl="0" eaLnBrk="1" latinLnBrk="0" hangingPunct="1">
         <a:lnSpc>
-          <a:spcPct val="90000"/>
+          <a:spcPct val="100000"/>
         </a:lnSpc>
         <a:spcBef>
-          <a:spcPts val="500"/>
+          <a:spcPts val="1000"/>
         </a:spcBef>
+        <a:buClr>
+          <a:schemeClr val="accent2"/>
+        </a:buClr>
         <a:buFont typeface="Arial" panose="020B0604020202020204" pitchFamily="34" charset="0"/>
         <a:buChar char="•"/>
-        <a:defRPr sz="1800" kern="1200">
+        <a:defRPr sz="1600" kern="1200">
           <a:solidFill>
             <a:schemeClr val="tx1"/>
           </a:solidFill>
@@ -3174,16 +3154,19 @@
           <a:cs typeface="+mn-cs"/>
         </a:defRPr>
       </a:lvl7pPr>
-      <a:lvl8pPr marL="3429000" indent="-228600" algn="l" defTabSz="914400" rtl="0" eaLnBrk="1" latinLnBrk="0" hangingPunct="1">
+      <a:lvl8pPr marL="1657350" indent="-228600" algn="l" defTabSz="914400" rtl="0" eaLnBrk="1" latinLnBrk="0" hangingPunct="1">
         <a:lnSpc>
-          <a:spcPct val="90000"/>
+          <a:spcPct val="100000"/>
         </a:lnSpc>
         <a:spcBef>
-          <a:spcPts val="500"/>
+          <a:spcPts val="1000"/>
         </a:spcBef>
+        <a:buClr>
+          <a:schemeClr val="accent2"/>
+        </a:buClr>
         <a:buFont typeface="Arial" panose="020B0604020202020204" pitchFamily="34" charset="0"/>
         <a:buChar char="•"/>
-        <a:defRPr sz="1800" kern="1200">
+        <a:defRPr sz="1600" kern="1200" baseline="0">
           <a:solidFill>
             <a:schemeClr val="tx1"/>
           </a:solidFill>
@@ -3192,16 +3175,19 @@
           <a:cs typeface="+mn-cs"/>
         </a:defRPr>
       </a:lvl8pPr>
-      <a:lvl9pPr marL="3886200" indent="-228600" algn="l" defTabSz="914400" rtl="0" eaLnBrk="1" latinLnBrk="0" hangingPunct="1">
+      <a:lvl9pPr marL="1882775" indent="-228600" algn="l" defTabSz="914400" rtl="0" eaLnBrk="1" latinLnBrk="0" hangingPunct="1">
         <a:lnSpc>
-          <a:spcPct val="90000"/>
+          <a:spcPct val="100000"/>
         </a:lnSpc>
         <a:spcBef>
-          <a:spcPts val="500"/>
+          <a:spcPts val="1000"/>
         </a:spcBef>
+        <a:buClr>
+          <a:schemeClr val="accent2"/>
+        </a:buClr>
         <a:buFont typeface="Arial" panose="020B0604020202020204" pitchFamily="34" charset="0"/>
         <a:buChar char="•"/>
-        <a:defRPr sz="1800" kern="1200">
+        <a:defRPr sz="1600" kern="1200" baseline="0">
           <a:solidFill>
             <a:schemeClr val="tx1"/>
           </a:solidFill>
@@ -3213,7 +3199,7 @@
     </p:bodyStyle>
     <p:otherStyle>
       <a:defPPr>
-        <a:defRPr lang="zh-TW"/>
+        <a:defRPr lang="en-US"/>
       </a:defPPr>
       <a:lvl1pPr marL="0" algn="l" defTabSz="914400" rtl="0" eaLnBrk="1" latinLnBrk="0" hangingPunct="1">
         <a:defRPr sz="1800" kern="1200">
@@ -3313,6 +3299,15 @@
 <file path=ppt/slides/slide1.xml><?xml version="1.0" encoding="utf-8"?>
 <p:sld xmlns:a="http://schemas.openxmlformats.org/drawingml/2006/main" xmlns:r="http://schemas.openxmlformats.org/officeDocument/2006/relationships" xmlns:p="http://schemas.openxmlformats.org/presentationml/2006/main">
   <p:cSld>
+    <p:bg>
+      <p:bgPr>
+        <a:blipFill>
+          <a:blip r:embed="rId2"/>
+          <a:tile tx="0" ty="0" sx="100000" sy="100000" flip="none" algn="tl"/>
+        </a:blipFill>
+        <a:effectLst/>
+      </p:bgPr>
+    </p:bg>
     <p:spTree>
       <p:nvGrpSpPr>
         <p:cNvPr id="1" name=""/>
@@ -3341,7 +3336,7 @@
         </p:nvSpPr>
         <p:spPr>
           <a:xfrm>
-            <a:off x="581891" y="550718"/>
+            <a:off x="581891" y="2587336"/>
             <a:ext cx="6380018" cy="1323439"/>
           </a:xfrm>
           <a:prstGeom prst="rect">
@@ -3357,18 +3352,80 @@
           <a:p>
             <a:pPr algn="ctr"/>
             <a:r>
-              <a:rPr lang="zh-TW" altLang="en-US" sz="4000" dirty="0"/>
+              <a:rPr lang="zh-TW" altLang="en-US" sz="4000" dirty="0">
+                <a:solidFill>
+                  <a:schemeClr val="bg1">
+                    <a:lumMod val="95000"/>
+                    <a:lumOff val="5000"/>
+                  </a:schemeClr>
+                </a:solidFill>
+                <a:latin typeface="新細明體-ExtB" panose="02020500000000000000" pitchFamily="18" charset="-120"/>
+                <a:ea typeface="新細明體-ExtB" panose="02020500000000000000" pitchFamily="18" charset="-120"/>
+              </a:rPr>
               <a:t>自我介紹</a:t>
             </a:r>
-            <a:endParaRPr lang="en-US" altLang="zh-TW" sz="4000" dirty="0"/>
+            <a:endParaRPr lang="en-US" altLang="zh-TW" sz="4000" dirty="0">
+              <a:solidFill>
+                <a:schemeClr val="bg1">
+                  <a:lumMod val="95000"/>
+                  <a:lumOff val="5000"/>
+                </a:schemeClr>
+              </a:solidFill>
+              <a:latin typeface="新細明體-ExtB" panose="02020500000000000000" pitchFamily="18" charset="-120"/>
+              <a:ea typeface="新細明體-ExtB" panose="02020500000000000000" pitchFamily="18" charset="-120"/>
+            </a:endParaRPr>
           </a:p>
           <a:p>
             <a:pPr algn="ctr"/>
             <a:r>
-              <a:rPr lang="en-US" altLang="zh-TW" sz="4000"/>
-              <a:t>()</a:t>
-            </a:r>
-            <a:endParaRPr lang="zh-TW" altLang="en-US" sz="4000"/>
+              <a:rPr lang="en-US" altLang="zh-TW" sz="4000" dirty="0">
+                <a:solidFill>
+                  <a:schemeClr val="bg1">
+                    <a:lumMod val="95000"/>
+                    <a:lumOff val="5000"/>
+                  </a:schemeClr>
+                </a:solidFill>
+                <a:latin typeface="新細明體-ExtB" panose="02020500000000000000" pitchFamily="18" charset="-120"/>
+                <a:ea typeface="新細明體-ExtB" panose="02020500000000000000" pitchFamily="18" charset="-120"/>
+              </a:rPr>
+              <a:t>(</a:t>
+            </a:r>
+            <a:r>
+              <a:rPr lang="en-US" altLang="zh-TW" sz="4000" dirty="0" err="1">
+                <a:solidFill>
+                  <a:schemeClr val="bg1">
+                    <a:lumMod val="95000"/>
+                    <a:lumOff val="5000"/>
+                  </a:schemeClr>
+                </a:solidFill>
+                <a:latin typeface="新細明體-ExtB" panose="02020500000000000000" pitchFamily="18" charset="-120"/>
+                <a:ea typeface="新細明體-ExtB" panose="02020500000000000000" pitchFamily="18" charset="-120"/>
+              </a:rPr>
+              <a:t>nizima</a:t>
+            </a:r>
+            <a:r>
+              <a:rPr lang="en-US" altLang="zh-TW" sz="4000" dirty="0">
+                <a:solidFill>
+                  <a:schemeClr val="bg1">
+                    <a:lumMod val="95000"/>
+                    <a:lumOff val="5000"/>
+                  </a:schemeClr>
+                </a:solidFill>
+                <a:latin typeface="新細明體-ExtB" panose="02020500000000000000" pitchFamily="18" charset="-120"/>
+                <a:ea typeface="新細明體-ExtB" panose="02020500000000000000" pitchFamily="18" charset="-120"/>
+              </a:rPr>
+              <a:t> LIVE)</a:t>
+            </a:r>
+            <a:endParaRPr lang="zh-TW" altLang="en-US" sz="4000" dirty="0">
+              <a:solidFill>
+                <a:schemeClr val="bg1">
+                  <a:lumMod val="95000"/>
+                  <a:lumOff val="5000"/>
+                </a:schemeClr>
+              </a:solidFill>
+              <a:latin typeface="新細明體-ExtB" panose="02020500000000000000" pitchFamily="18" charset="-120"/>
+              <a:ea typeface="新細明體-ExtB" panose="02020500000000000000" pitchFamily="18" charset="-120"/>
+            </a:endParaRPr>
           </a:p>
         </p:txBody>
       </p:sp>
@@ -3388,6 +3445,15 @@
 <file path=ppt/slides/slide2.xml><?xml version="1.0" encoding="utf-8"?>
 <p:sld xmlns:a="http://schemas.openxmlformats.org/drawingml/2006/main" xmlns:r="http://schemas.openxmlformats.org/officeDocument/2006/relationships" xmlns:p="http://schemas.openxmlformats.org/presentationml/2006/main">
   <p:cSld>
+    <p:bg>
+      <p:bgPr>
+        <a:blipFill>
+          <a:blip r:embed="rId2"/>
+          <a:tile tx="0" ty="0" sx="100000" sy="100000" flip="none" algn="tl"/>
+        </a:blipFill>
+        <a:effectLst/>
+      </p:bgPr>
+    </p:bg>
     <p:spTree>
       <p:nvGrpSpPr>
         <p:cNvPr id="1" name=""/>
@@ -3404,51 +3470,55 @@
       </p:grpSpPr>
       <p:sp>
         <p:nvSpPr>
-          <p:cNvPr id="2" name="標題 1">
+          <p:cNvPr id="4" name="文字方塊 3">
             <a:extLst>
               <a:ext uri="{FF2B5EF4-FFF2-40B4-BE49-F238E27FC236}">
-                <a16:creationId xmlns:a16="http://schemas.microsoft.com/office/drawing/2014/main" id="{FFE1D6E0-4BC1-4A17-87A8-C24F197B75A5}"/>
+                <a16:creationId xmlns:a16="http://schemas.microsoft.com/office/drawing/2014/main" id="{46F869C5-E50C-496C-AD6E-62653B2A49D5}"/>
               </a:ext>
             </a:extLst>
           </p:cNvPr>
-          <p:cNvSpPr>
-            <a:spLocks noGrp="1"/>
-          </p:cNvSpPr>
-          <p:nvPr>
-            <p:ph type="title"/>
-          </p:nvPr>
-        </p:nvSpPr>
-        <p:spPr/>
-        <p:txBody>
-          <a:bodyPr/>
-          <a:lstStyle/>
-          <a:p>
-            <a:endParaRPr lang="zh-TW" altLang="en-US"/>
-          </a:p>
-        </p:txBody>
-      </p:sp>
-      <p:sp>
-        <p:nvSpPr>
-          <p:cNvPr id="3" name="內容版面配置區 2">
-            <a:extLst>
-              <a:ext uri="{FF2B5EF4-FFF2-40B4-BE49-F238E27FC236}">
-                <a16:creationId xmlns:a16="http://schemas.microsoft.com/office/drawing/2014/main" id="{ACDB14CE-3EA9-46D4-A649-66979E5115D1}"/>
-              </a:ext>
-            </a:extLst>
-          </p:cNvPr>
-          <p:cNvSpPr>
-            <a:spLocks noGrp="1"/>
-          </p:cNvSpPr>
-          <p:nvPr>
-            <p:ph idx="1"/>
-          </p:nvPr>
-        </p:nvSpPr>
-        <p:spPr/>
-        <p:txBody>
-          <a:bodyPr/>
-          <a:lstStyle/>
-          <a:p>
-            <a:endParaRPr lang="zh-TW" altLang="en-US"/>
+          <p:cNvSpPr txBox="1"/>
+          <p:nvPr/>
+        </p:nvSpPr>
+        <p:spPr>
+          <a:xfrm>
+            <a:off x="301336" y="436418"/>
+            <a:ext cx="5122719" cy="523220"/>
+          </a:xfrm>
+          <a:prstGeom prst="rect">
+            <a:avLst/>
+          </a:prstGeom>
+          <a:noFill/>
+        </p:spPr>
+        <p:txBody>
+          <a:bodyPr wrap="square" rtlCol="0">
+            <a:spAutoFit/>
+          </a:bodyPr>
+          <a:lstStyle/>
+          <a:p>
+            <a:r>
+              <a:rPr lang="en-US" altLang="zh-TW" sz="2800" dirty="0">
+                <a:solidFill>
+                  <a:schemeClr val="bg1">
+                    <a:lumMod val="95000"/>
+                    <a:lumOff val="5000"/>
+                  </a:schemeClr>
+                </a:solidFill>
+                <a:latin typeface="新細明體-ExtB" panose="02020500000000000000" pitchFamily="18" charset="-120"/>
+                <a:ea typeface="新細明體-ExtB" panose="02020500000000000000" pitchFamily="18" charset="-120"/>
+              </a:rPr>
+              <a:t>1.</a:t>
+            </a:r>
+            <a:endParaRPr lang="zh-TW" altLang="en-US" sz="2800" dirty="0">
+              <a:solidFill>
+                <a:schemeClr val="bg1">
+                  <a:lumMod val="95000"/>
+                  <a:lumOff val="5000"/>
+                </a:schemeClr>
+              </a:solidFill>
+              <a:latin typeface="新細明體-ExtB" panose="02020500000000000000" pitchFamily="18" charset="-120"/>
+              <a:ea typeface="新細明體-ExtB" panose="02020500000000000000" pitchFamily="18" charset="-120"/>
+            </a:endParaRPr>
           </a:p>
         </p:txBody>
       </p:sp>
@@ -3465,109 +3535,176 @@
 </p:sld>
 </file>
 
+<file path=ppt/slides/slide3.xml><?xml version="1.0" encoding="utf-8"?>
+<p:sld xmlns:a="http://schemas.openxmlformats.org/drawingml/2006/main" xmlns:r="http://schemas.openxmlformats.org/officeDocument/2006/relationships" xmlns:p="http://schemas.openxmlformats.org/presentationml/2006/main">
+  <p:cSld>
+    <p:bg>
+      <p:bgPr>
+        <a:blipFill>
+          <a:blip r:embed="rId2"/>
+          <a:tile tx="0" ty="0" sx="100000" sy="100000" flip="none" algn="tl"/>
+        </a:blipFill>
+        <a:effectLst/>
+      </p:bgPr>
+    </p:bg>
+    <p:spTree>
+      <p:nvGrpSpPr>
+        <p:cNvPr id="1" name=""/>
+        <p:cNvGrpSpPr/>
+        <p:nvPr/>
+      </p:nvGrpSpPr>
+      <p:grpSpPr>
+        <a:xfrm>
+          <a:off x="0" y="0"/>
+          <a:ext cx="0" cy="0"/>
+          <a:chOff x="0" y="0"/>
+          <a:chExt cx="0" cy="0"/>
+        </a:xfrm>
+      </p:grpSpPr>
+    </p:spTree>
+    <p:extLst>
+      <p:ext uri="{BB962C8B-B14F-4D97-AF65-F5344CB8AC3E}">
+        <p14:creationId xmlns:p14="http://schemas.microsoft.com/office/powerpoint/2010/main" val="3406283241"/>
+      </p:ext>
+    </p:extLst>
+  </p:cSld>
+  <p:clrMapOvr>
+    <a:masterClrMapping/>
+  </p:clrMapOvr>
+</p:sld>
+</file>
+
+<file path=ppt/slides/slide4.xml><?xml version="1.0" encoding="utf-8"?>
+<p:sld xmlns:a="http://schemas.openxmlformats.org/drawingml/2006/main" xmlns:r="http://schemas.openxmlformats.org/officeDocument/2006/relationships" xmlns:p="http://schemas.openxmlformats.org/presentationml/2006/main">
+  <p:cSld>
+    <p:bg>
+      <p:bgPr>
+        <a:blipFill>
+          <a:blip r:embed="rId2"/>
+          <a:tile tx="0" ty="0" sx="100000" sy="100000" flip="none" algn="tl"/>
+        </a:blipFill>
+        <a:effectLst/>
+      </p:bgPr>
+    </p:bg>
+    <p:spTree>
+      <p:nvGrpSpPr>
+        <p:cNvPr id="1" name=""/>
+        <p:cNvGrpSpPr/>
+        <p:nvPr/>
+      </p:nvGrpSpPr>
+      <p:grpSpPr>
+        <a:xfrm>
+          <a:off x="0" y="0"/>
+          <a:ext cx="0" cy="0"/>
+          <a:chOff x="0" y="0"/>
+          <a:chExt cx="0" cy="0"/>
+        </a:xfrm>
+      </p:grpSpPr>
+    </p:spTree>
+    <p:extLst>
+      <p:ext uri="{BB962C8B-B14F-4D97-AF65-F5344CB8AC3E}">
+        <p14:creationId xmlns:p14="http://schemas.microsoft.com/office/powerpoint/2010/main" val="113705551"/>
+      </p:ext>
+    </p:extLst>
+  </p:cSld>
+  <p:clrMapOvr>
+    <a:masterClrMapping/>
+  </p:clrMapOvr>
+</p:sld>
+</file>
+
+<file path=ppt/slides/slide5.xml><?xml version="1.0" encoding="utf-8"?>
+<p:sld xmlns:a="http://schemas.openxmlformats.org/drawingml/2006/main" xmlns:r="http://schemas.openxmlformats.org/officeDocument/2006/relationships" xmlns:p="http://schemas.openxmlformats.org/presentationml/2006/main">
+  <p:cSld>
+    <p:bg>
+      <p:bgPr>
+        <a:blipFill>
+          <a:blip r:embed="rId2"/>
+          <a:tile tx="0" ty="0" sx="100000" sy="100000" flip="none" algn="tl"/>
+        </a:blipFill>
+        <a:effectLst/>
+      </p:bgPr>
+    </p:bg>
+    <p:spTree>
+      <p:nvGrpSpPr>
+        <p:cNvPr id="1" name=""/>
+        <p:cNvGrpSpPr/>
+        <p:nvPr/>
+      </p:nvGrpSpPr>
+      <p:grpSpPr>
+        <a:xfrm>
+          <a:off x="0" y="0"/>
+          <a:ext cx="0" cy="0"/>
+          <a:chOff x="0" y="0"/>
+          <a:chExt cx="0" cy="0"/>
+        </a:xfrm>
+      </p:grpSpPr>
+    </p:spTree>
+    <p:extLst>
+      <p:ext uri="{BB962C8B-B14F-4D97-AF65-F5344CB8AC3E}">
+        <p14:creationId xmlns:p14="http://schemas.microsoft.com/office/powerpoint/2010/main" val="3383812683"/>
+      </p:ext>
+    </p:extLst>
+  </p:cSld>
+  <p:clrMapOvr>
+    <a:masterClrMapping/>
+  </p:clrMapOvr>
+</p:sld>
+</file>
+
 <file path=ppt/theme/theme1.xml><?xml version="1.0" encoding="utf-8"?>
-<a:theme xmlns:a="http://schemas.openxmlformats.org/drawingml/2006/main" name="Office 佈景主題">
+<a:theme xmlns:a="http://schemas.openxmlformats.org/drawingml/2006/main" name="包裹">
   <a:themeElements>
-    <a:clrScheme name="Office">
+    <a:clrScheme name="包裹">
       <a:dk1>
-        <a:sysClr val="windowText" lastClr="000000"/>
+        <a:srgbClr val="000000"/>
       </a:dk1>
       <a:lt1>
-        <a:sysClr val="window" lastClr="FFFFFF"/>
+        <a:srgbClr val="FFFFFF"/>
       </a:lt1>
       <a:dk2>
-        <a:srgbClr val="44546A"/>
+        <a:srgbClr val="635D4D"/>
       </a:dk2>
       <a:lt2>
-        <a:srgbClr val="E7E6E6"/>
+        <a:srgbClr val="D8D6BA"/>
       </a:lt2>
       <a:accent1>
-        <a:srgbClr val="4472C4"/>
+        <a:srgbClr val="9CBEBD"/>
       </a:accent1>
       <a:accent2>
-        <a:srgbClr val="ED7D31"/>
+        <a:srgbClr val="D2CB6C"/>
       </a:accent2>
       <a:accent3>
-        <a:srgbClr val="A5A5A5"/>
+        <a:srgbClr val="9D9A93"/>
       </a:accent3>
       <a:accent4>
-        <a:srgbClr val="FFC000"/>
+        <a:srgbClr val="C89F5D"/>
       </a:accent4>
       <a:accent5>
-        <a:srgbClr val="5B9BD5"/>
+        <a:srgbClr val="A9A57C"/>
       </a:accent5>
       <a:accent6>
-        <a:srgbClr val="70AD47"/>
+        <a:srgbClr val="95A39D"/>
       </a:accent6>
       <a:hlink>
-        <a:srgbClr val="0563C1"/>
+        <a:srgbClr val="D25814"/>
       </a:hlink>
       <a:folHlink>
-        <a:srgbClr val="954F72"/>
+        <a:srgbClr val="849A0A"/>
       </a:folHlink>
     </a:clrScheme>
-    <a:fontScheme name="Office">
+    <a:fontScheme name="包裹">
       <a:majorFont>
-        <a:latin typeface="Calibri Light" panose="020F0302020204030204"/>
+        <a:latin typeface="Gill Sans MT" panose="020B0502020104020203"/>
         <a:ea typeface=""/>
         <a:cs typeface=""/>
-        <a:font script="Jpan" typeface="游ゴシック Light"/>
-        <a:font script="Hang" typeface="맑은 고딕"/>
-        <a:font script="Hans" typeface="等线 Light"/>
-        <a:font script="Hant" typeface="新細明體"/>
-        <a:font script="Arab" typeface="Times New Roman"/>
-        <a:font script="Hebr" typeface="Times New Roman"/>
-        <a:font script="Thai" typeface="Angsana New"/>
-        <a:font script="Ethi" typeface="Nyala"/>
-        <a:font script="Beng" typeface="Vrinda"/>
-        <a:font script="Gujr" typeface="Shruti"/>
-        <a:font script="Khmr" typeface="MoolBoran"/>
-        <a:font script="Knda" typeface="Tunga"/>
-        <a:font script="Guru" typeface="Raavi"/>
-        <a:font script="Cans" typeface="Euphemia"/>
-        <a:font script="Cher" typeface="Plantagenet Cherokee"/>
-        <a:font script="Yiii" typeface="Microsoft Yi Baiti"/>
-        <a:font script="Tibt" typeface="Microsoft Himalaya"/>
-        <a:font script="Thaa" typeface="MV Boli"/>
-        <a:font script="Deva" typeface="Mangal"/>
-        <a:font script="Telu" typeface="Gautami"/>
-        <a:font script="Taml" typeface="Latha"/>
-        <a:font script="Syrc" typeface="Estrangelo Edessa"/>
-        <a:font script="Orya" typeface="Kalinga"/>
-        <a:font script="Mlym" typeface="Kartika"/>
-        <a:font script="Laoo" typeface="DokChampa"/>
-        <a:font script="Sinh" typeface="Iskoola Pota"/>
-        <a:font script="Mong" typeface="Mongolian Baiti"/>
-        <a:font script="Viet" typeface="Times New Roman"/>
-        <a:font script="Uigh" typeface="Microsoft Uighur"/>
-        <a:font script="Geor" typeface="Sylfaen"/>
-        <a:font script="Armn" typeface="Arial"/>
-        <a:font script="Bugi" typeface="Leelawadee UI"/>
-        <a:font script="Bopo" typeface="Microsoft JhengHei"/>
-        <a:font script="Java" typeface="Javanese Text"/>
-        <a:font script="Lisu" typeface="Segoe UI"/>
-        <a:font script="Mymr" typeface="Myanmar Text"/>
-        <a:font script="Nkoo" typeface="Ebrima"/>
-        <a:font script="Olck" typeface="Nirmala UI"/>
-        <a:font script="Osma" typeface="Ebrima"/>
-        <a:font script="Phag" typeface="Phagspa"/>
-        <a:font script="Syrn" typeface="Estrangelo Edessa"/>
-        <a:font script="Syrj" typeface="Estrangelo Edessa"/>
-        <a:font script="Syre" typeface="Estrangelo Edessa"/>
-        <a:font script="Sora" typeface="Nirmala UI"/>
-        <a:font script="Tale" typeface="Microsoft Tai Le"/>
-        <a:font script="Talu" typeface="Microsoft New Tai Lue"/>
-        <a:font script="Tfng" typeface="Ebrima"/>
-      </a:majorFont>
-      <a:minorFont>
-        <a:latin typeface="Calibri" panose="020F0502020204030204"/>
-        <a:ea typeface=""/>
-        <a:cs typeface=""/>
-        <a:font script="Jpan" typeface="游ゴシック"/>
-        <a:font script="Hang" typeface="맑은 고딕"/>
-        <a:font script="Hans" typeface="等线"/>
-        <a:font script="Hant" typeface="新細明體"/>
-        <a:font script="Arab" typeface="Arial"/>
+        <a:font script="Grek" typeface="Corbel"/>
+        <a:font script="Cyrl" typeface="Corbel"/>
+        <a:font script="Jpan" typeface="HGｺﾞｼｯｸE"/>
+        <a:font script="Hang" typeface="휴먼매직체"/>
+        <a:font script="Hans" typeface="华文中宋"/>
+        <a:font script="Hant" typeface="微軟正黑體"/>
+        <a:font script="Arab" typeface="Majalla UI"/>
         <a:font script="Hebr" typeface="Arial"/>
         <a:font script="Thai" typeface="Cordia New"/>
         <a:font script="Ethi" typeface="Nyala"/>
@@ -3590,29 +3727,49 @@
         <a:font script="Laoo" typeface="DokChampa"/>
         <a:font script="Sinh" typeface="Iskoola Pota"/>
         <a:font script="Mong" typeface="Mongolian Baiti"/>
-        <a:font script="Viet" typeface="Arial"/>
+        <a:font script="Viet" typeface="Tahoma"/>
         <a:font script="Uigh" typeface="Microsoft Uighur"/>
         <a:font script="Geor" typeface="Sylfaen"/>
-        <a:font script="Armn" typeface="Arial"/>
-        <a:font script="Bugi" typeface="Leelawadee UI"/>
-        <a:font script="Bopo" typeface="Microsoft JhengHei"/>
-        <a:font script="Java" typeface="Javanese Text"/>
-        <a:font script="Lisu" typeface="Segoe UI"/>
-        <a:font script="Mymr" typeface="Myanmar Text"/>
-        <a:font script="Nkoo" typeface="Ebrima"/>
-        <a:font script="Olck" typeface="Nirmala UI"/>
-        <a:font script="Osma" typeface="Ebrima"/>
-        <a:font script="Phag" typeface="Phagspa"/>
-        <a:font script="Syrn" typeface="Estrangelo Edessa"/>
-        <a:font script="Syrj" typeface="Estrangelo Edessa"/>
-        <a:font script="Syre" typeface="Estrangelo Edessa"/>
-        <a:font script="Sora" typeface="Nirmala UI"/>
-        <a:font script="Tale" typeface="Microsoft Tai Le"/>
-        <a:font script="Talu" typeface="Microsoft New Tai Lue"/>
-        <a:font script="Tfng" typeface="Ebrima"/>
+      </a:majorFont>
+      <a:minorFont>
+        <a:latin typeface="Gill Sans MT" panose="020B0502020104020203"/>
+        <a:ea typeface=""/>
+        <a:cs typeface=""/>
+        <a:font script="Grek" typeface="Corbel"/>
+        <a:font script="Cyrl" typeface="Corbel"/>
+        <a:font script="Jpan" typeface="HGｺﾞｼｯｸE"/>
+        <a:font script="Hang" typeface="휴먼매직체"/>
+        <a:font script="Hans" typeface="华文中宋"/>
+        <a:font script="Hant" typeface="微軟正黑體"/>
+        <a:font script="Arab" typeface="Majalla UI"/>
+        <a:font script="Hebr" typeface="Arial"/>
+        <a:font script="Thai" typeface="Cordia New"/>
+        <a:font script="Ethi" typeface="Nyala"/>
+        <a:font script="Beng" typeface="Vrinda"/>
+        <a:font script="Gujr" typeface="Shruti"/>
+        <a:font script="Khmr" typeface="DaunPenh"/>
+        <a:font script="Knda" typeface="Tunga"/>
+        <a:font script="Guru" typeface="Raavi"/>
+        <a:font script="Cans" typeface="Euphemia"/>
+        <a:font script="Cher" typeface="Plantagenet Cherokee"/>
+        <a:font script="Yiii" typeface="Microsoft Yi Baiti"/>
+        <a:font script="Tibt" typeface="Microsoft Himalaya"/>
+        <a:font script="Thaa" typeface="MV Boli"/>
+        <a:font script="Deva" typeface="Mangal"/>
+        <a:font script="Telu" typeface="Gautami"/>
+        <a:font script="Taml" typeface="Latha"/>
+        <a:font script="Syrc" typeface="Estrangelo Edessa"/>
+        <a:font script="Orya" typeface="Kalinga"/>
+        <a:font script="Mlym" typeface="Kartika"/>
+        <a:font script="Laoo" typeface="DokChampa"/>
+        <a:font script="Sinh" typeface="Iskoola Pota"/>
+        <a:font script="Mong" typeface="Mongolian Baiti"/>
+        <a:font script="Viet" typeface="Tahoma"/>
+        <a:font script="Uigh" typeface="Microsoft Uighur"/>
+        <a:font script="Geor" typeface="Sylfaen"/>
       </a:minorFont>
     </a:fontScheme>
-    <a:fmtScheme name="Office">
+    <a:fmtScheme name="包裹">
       <a:fillStyleLst>
         <a:solidFill>
           <a:schemeClr val="phClr"/>
@@ -3621,23 +3778,16 @@
           <a:gsLst>
             <a:gs pos="0">
               <a:schemeClr val="phClr">
-                <a:lumMod val="110000"/>
-                <a:satMod val="105000"/>
-                <a:tint val="67000"/>
-              </a:schemeClr>
-            </a:gs>
-            <a:gs pos="50000">
-              <a:schemeClr val="phClr">
-                <a:lumMod val="105000"/>
-                <a:satMod val="103000"/>
-                <a:tint val="73000"/>
+                <a:tint val="80000"/>
+                <a:satMod val="107000"/>
+                <a:lumMod val="103000"/>
               </a:schemeClr>
             </a:gs>
             <a:gs pos="100000">
               <a:schemeClr val="phClr">
-                <a:lumMod val="105000"/>
+                <a:tint val="82000"/>
                 <a:satMod val="109000"/>
-                <a:tint val="81000"/>
+                <a:lumMod val="103000"/>
               </a:schemeClr>
             </a:gs>
           </a:gsLst>
@@ -3647,23 +3797,23 @@
           <a:gsLst>
             <a:gs pos="0">
               <a:schemeClr val="phClr">
-                <a:satMod val="103000"/>
+                <a:tint val="97000"/>
+                <a:satMod val="100000"/>
                 <a:lumMod val="102000"/>
-                <a:tint val="94000"/>
               </a:schemeClr>
             </a:gs>
             <a:gs pos="50000">
               <a:schemeClr val="phClr">
-                <a:satMod val="110000"/>
+                <a:shade val="100000"/>
+                <a:satMod val="103000"/>
                 <a:lumMod val="100000"/>
-                <a:shade val="100000"/>
               </a:schemeClr>
             </a:gs>
             <a:gs pos="100000">
               <a:schemeClr val="phClr">
+                <a:shade val="93000"/>
+                <a:satMod val="110000"/>
                 <a:lumMod val="99000"/>
-                <a:satMod val="120000"/>
-                <a:shade val="78000"/>
               </a:schemeClr>
             </a:gs>
           </a:gsLst>
@@ -3676,21 +3826,18 @@
             <a:schemeClr val="phClr"/>
           </a:solidFill>
           <a:prstDash val="solid"/>
-          <a:miter lim="800000"/>
         </a:ln>
         <a:ln w="12700" cap="flat" cmpd="sng" algn="ctr">
           <a:solidFill>
             <a:schemeClr val="phClr"/>
           </a:solidFill>
           <a:prstDash val="solid"/>
-          <a:miter lim="800000"/>
         </a:ln>
-        <a:ln w="19050" cap="flat" cmpd="sng" algn="ctr">
+        <a:ln w="31750" cap="flat" cmpd="sng" algn="ctr">
           <a:solidFill>
             <a:schemeClr val="phClr"/>
           </a:solidFill>
           <a:prstDash val="solid"/>
-          <a:miter lim="800000"/>
         </a:ln>
       </a:lnStyleLst>
       <a:effectStyleLst>
@@ -3702,12 +3849,21 @@
         </a:effectStyle>
         <a:effectStyle>
           <a:effectLst>
-            <a:outerShdw blurRad="57150" dist="19050" dir="5400000" algn="ctr" rotWithShape="0">
+            <a:outerShdw blurRad="55880" dist="15240" dir="5400000" algn="ctr" rotWithShape="0">
               <a:srgbClr val="000000">
-                <a:alpha val="63000"/>
+                <a:alpha val="45000"/>
               </a:srgbClr>
             </a:outerShdw>
           </a:effectLst>
+          <a:scene3d>
+            <a:camera prst="orthographicFront">
+              <a:rot lat="0" lon="0" rev="0"/>
+            </a:camera>
+            <a:lightRig rig="brightRoom" dir="tl"/>
+          </a:scene3d>
+          <a:sp3d prstMaterial="dkEdge">
+            <a:bevelT w="0" h="0"/>
+          </a:sp3d>
         </a:effectStyle>
       </a:effectStyleLst>
       <a:bgFillStyleLst>
@@ -3724,28 +3880,24 @@
           <a:gsLst>
             <a:gs pos="0">
               <a:schemeClr val="phClr">
-                <a:tint val="93000"/>
-                <a:satMod val="150000"/>
-                <a:shade val="98000"/>
-                <a:lumMod val="102000"/>
-              </a:schemeClr>
-            </a:gs>
-            <a:gs pos="50000">
-              <a:schemeClr val="phClr">
-                <a:tint val="98000"/>
-                <a:satMod val="130000"/>
-                <a:shade val="90000"/>
-                <a:lumMod val="103000"/>
+                <a:tint val="97000"/>
+                <a:shade val="100000"/>
+                <a:satMod val="185000"/>
+                <a:lumMod val="120000"/>
               </a:schemeClr>
             </a:gs>
             <a:gs pos="100000">
               <a:schemeClr val="phClr">
-                <a:shade val="63000"/>
-                <a:satMod val="120000"/>
+                <a:tint val="96000"/>
+                <a:shade val="95000"/>
+                <a:satMod val="215000"/>
+                <a:lumMod val="80000"/>
               </a:schemeClr>
             </a:gs>
           </a:gsLst>
-          <a:lin ang="5400000" scaled="0"/>
+          <a:path path="circle">
+            <a:fillToRect l="50000" t="55000" r="125000" b="100000"/>
+          </a:path>
         </a:gradFill>
       </a:bgFillStyleLst>
     </a:fmtScheme>
@@ -3754,7 +3906,7 @@
   <a:extraClrSchemeLst/>
   <a:extLst>
     <a:ext uri="{05A4C25C-085E-4340-85A3-A5531E510DB2}">
-      <thm15:themeFamily xmlns:thm15="http://schemas.microsoft.com/office/thememl/2012/main" name="Office Theme" id="{62F939B6-93AF-4DB8-9C6B-D6C7DFDC589F}" vid="{4A3C46E8-61CC-4603-A589-7422A47A8E4A}"/>
+      <thm15:themeFamily xmlns:thm15="http://schemas.microsoft.com/office/thememl/2012/main" name="Parcel" id="{8BEC4385-4EB9-4D53-BFB5-0EA123736B6D}" vid="{0BDC4BB7-8AF9-46FD-8C32-AB93AC9C4100}"/>
     </a:ext>
   </a:extLst>
 </a:theme>

--- a/hw01.pptx
+++ b/hw01.pptx
@@ -2,22 +2,28 @@
 <file path=ppt/presentation.xml><?xml version="1.0" encoding="utf-8"?>
 <p:presentation xmlns:a="http://schemas.openxmlformats.org/drawingml/2006/main" xmlns:r="http://schemas.openxmlformats.org/officeDocument/2006/relationships" xmlns:p="http://schemas.openxmlformats.org/presentationml/2006/main" saveSubsetFonts="1">
   <p:sldMasterIdLst>
-    <p:sldMasterId id="2147483762" r:id="rId1"/>
+    <p:sldMasterId id="2147483833" r:id="rId1"/>
   </p:sldMasterIdLst>
+  <p:notesMasterIdLst>
+    <p:notesMasterId r:id="rId10"/>
+  </p:notesMasterIdLst>
   <p:sldIdLst>
     <p:sldId id="256" r:id="rId2"/>
     <p:sldId id="257" r:id="rId3"/>
-    <p:sldId id="260" r:id="rId4"/>
-    <p:sldId id="259" r:id="rId5"/>
-    <p:sldId id="258" r:id="rId6"/>
+    <p:sldId id="261" r:id="rId4"/>
+    <p:sldId id="262" r:id="rId5"/>
+    <p:sldId id="263" r:id="rId6"/>
+    <p:sldId id="264" r:id="rId7"/>
+    <p:sldId id="265" r:id="rId8"/>
+    <p:sldId id="266" r:id="rId9"/>
   </p:sldIdLst>
   <p:sldSz cx="12192000" cy="6858000"/>
   <p:notesSz cx="6858000" cy="9144000"/>
   <p:defaultTextStyle>
     <a:defPPr>
-      <a:defRPr lang="en-US"/>
+      <a:defRPr lang="zh-TW"/>
     </a:defPPr>
-    <a:lvl1pPr marL="0" algn="l" defTabSz="457200" rtl="0" eaLnBrk="1" latinLnBrk="0" hangingPunct="1">
+    <a:lvl1pPr marL="0" algn="l" defTabSz="914400" rtl="0" eaLnBrk="1" latinLnBrk="0" hangingPunct="1">
       <a:defRPr sz="1800" kern="1200">
         <a:solidFill>
           <a:schemeClr val="tx1"/>
@@ -27,7 +33,7 @@
         <a:cs typeface="+mn-cs"/>
       </a:defRPr>
     </a:lvl1pPr>
-    <a:lvl2pPr marL="457200" algn="l" defTabSz="457200" rtl="0" eaLnBrk="1" latinLnBrk="0" hangingPunct="1">
+    <a:lvl2pPr marL="457200" algn="l" defTabSz="914400" rtl="0" eaLnBrk="1" latinLnBrk="0" hangingPunct="1">
       <a:defRPr sz="1800" kern="1200">
         <a:solidFill>
           <a:schemeClr val="tx1"/>
@@ -37,7 +43,7 @@
         <a:cs typeface="+mn-cs"/>
       </a:defRPr>
     </a:lvl2pPr>
-    <a:lvl3pPr marL="914400" algn="l" defTabSz="457200" rtl="0" eaLnBrk="1" latinLnBrk="0" hangingPunct="1">
+    <a:lvl3pPr marL="914400" algn="l" defTabSz="914400" rtl="0" eaLnBrk="1" latinLnBrk="0" hangingPunct="1">
       <a:defRPr sz="1800" kern="1200">
         <a:solidFill>
           <a:schemeClr val="tx1"/>
@@ -47,7 +53,7 @@
         <a:cs typeface="+mn-cs"/>
       </a:defRPr>
     </a:lvl3pPr>
-    <a:lvl4pPr marL="1371600" algn="l" defTabSz="457200" rtl="0" eaLnBrk="1" latinLnBrk="0" hangingPunct="1">
+    <a:lvl4pPr marL="1371600" algn="l" defTabSz="914400" rtl="0" eaLnBrk="1" latinLnBrk="0" hangingPunct="1">
       <a:defRPr sz="1800" kern="1200">
         <a:solidFill>
           <a:schemeClr val="tx1"/>
@@ -57,7 +63,7 @@
         <a:cs typeface="+mn-cs"/>
       </a:defRPr>
     </a:lvl4pPr>
-    <a:lvl5pPr marL="1828800" algn="l" defTabSz="457200" rtl="0" eaLnBrk="1" latinLnBrk="0" hangingPunct="1">
+    <a:lvl5pPr marL="1828800" algn="l" defTabSz="914400" rtl="0" eaLnBrk="1" latinLnBrk="0" hangingPunct="1">
       <a:defRPr sz="1800" kern="1200">
         <a:solidFill>
           <a:schemeClr val="tx1"/>
@@ -67,7 +73,7 @@
         <a:cs typeface="+mn-cs"/>
       </a:defRPr>
     </a:lvl5pPr>
-    <a:lvl6pPr marL="2286000" algn="l" defTabSz="457200" rtl="0" eaLnBrk="1" latinLnBrk="0" hangingPunct="1">
+    <a:lvl6pPr marL="2286000" algn="l" defTabSz="914400" rtl="0" eaLnBrk="1" latinLnBrk="0" hangingPunct="1">
       <a:defRPr sz="1800" kern="1200">
         <a:solidFill>
           <a:schemeClr val="tx1"/>
@@ -77,7 +83,7 @@
         <a:cs typeface="+mn-cs"/>
       </a:defRPr>
     </a:lvl6pPr>
-    <a:lvl7pPr marL="2743200" algn="l" defTabSz="457200" rtl="0" eaLnBrk="1" latinLnBrk="0" hangingPunct="1">
+    <a:lvl7pPr marL="2743200" algn="l" defTabSz="914400" rtl="0" eaLnBrk="1" latinLnBrk="0" hangingPunct="1">
       <a:defRPr sz="1800" kern="1200">
         <a:solidFill>
           <a:schemeClr val="tx1"/>
@@ -87,7 +93,7 @@
         <a:cs typeface="+mn-cs"/>
       </a:defRPr>
     </a:lvl7pPr>
-    <a:lvl8pPr marL="3200400" algn="l" defTabSz="457200" rtl="0" eaLnBrk="1" latinLnBrk="0" hangingPunct="1">
+    <a:lvl8pPr marL="3200400" algn="l" defTabSz="914400" rtl="0" eaLnBrk="1" latinLnBrk="0" hangingPunct="1">
       <a:defRPr sz="1800" kern="1200">
         <a:solidFill>
           <a:schemeClr val="tx1"/>
@@ -97,7 +103,7 @@
         <a:cs typeface="+mn-cs"/>
       </a:defRPr>
     </a:lvl8pPr>
-    <a:lvl9pPr marL="3657600" algn="l" defTabSz="457200" rtl="0" eaLnBrk="1" latinLnBrk="0" hangingPunct="1">
+    <a:lvl9pPr marL="3657600" algn="l" defTabSz="914400" rtl="0" eaLnBrk="1" latinLnBrk="0" hangingPunct="1">
       <a:defRPr sz="1800" kern="1200">
         <a:solidFill>
           <a:schemeClr val="tx1"/>
@@ -116,16 +122,13 @@
 </p:presentation>
 </file>
 
-<file path=ppt/slideLayouts/slideLayout1.xml><?xml version="1.0" encoding="utf-8"?>
-<p:sldLayout xmlns:a="http://schemas.openxmlformats.org/drawingml/2006/main" xmlns:r="http://schemas.openxmlformats.org/officeDocument/2006/relationships" xmlns:p="http://schemas.openxmlformats.org/presentationml/2006/main" type="title" preserve="1">
-  <p:cSld name="標題投影片">
+<file path=ppt/notesMasters/notesMaster1.xml><?xml version="1.0" encoding="utf-8"?>
+<p:notesMaster xmlns:a="http://schemas.openxmlformats.org/drawingml/2006/main" xmlns:r="http://schemas.openxmlformats.org/officeDocument/2006/relationships" xmlns:p="http://schemas.openxmlformats.org/presentationml/2006/main">
+  <p:cSld>
     <p:bg>
-      <p:bgPr>
-        <a:solidFill>
-          <a:schemeClr val="accent2"/>
-        </a:solidFill>
-        <a:effectLst/>
-      </p:bgPr>
+      <p:bgRef idx="1001">
+        <a:schemeClr val="bg1"/>
+      </p:bgRef>
     </p:bg>
     <p:spTree>
       <p:nvGrpSpPr>
@@ -143,39 +146,607 @@
       </p:grpSpPr>
       <p:sp>
         <p:nvSpPr>
-          <p:cNvPr id="2" name="Title 1"/>
-          <p:cNvSpPr>
-            <a:spLocks noGrp="1"/>
-          </p:cNvSpPr>
-          <p:nvPr>
-            <p:ph type="ctrTitle"/>
-          </p:nvPr>
-        </p:nvSpPr>
-        <p:spPr bwMode="blackWhite">
+          <p:cNvPr id="2" name="頁首版面配置區 1"/>
+          <p:cNvSpPr>
+            <a:spLocks noGrp="1"/>
+          </p:cNvSpPr>
+          <p:nvPr>
+            <p:ph type="hdr" sz="quarter"/>
+          </p:nvPr>
+        </p:nvSpPr>
+        <p:spPr>
           <a:xfrm>
-            <a:off x="1600200" y="2386744"/>
-            <a:ext cx="8991600" cy="1645920"/>
+            <a:off x="0" y="0"/>
+            <a:ext cx="2971800" cy="458788"/>
           </a:xfrm>
-          <a:solidFill>
-            <a:srgbClr val="FFFFFF"/>
-          </a:solidFill>
-          <a:ln w="38100">
+          <a:prstGeom prst="rect">
+            <a:avLst/>
+          </a:prstGeom>
+        </p:spPr>
+        <p:txBody>
+          <a:bodyPr vert="horz" lIns="91440" tIns="45720" rIns="91440" bIns="45720" rtlCol="0"/>
+          <a:lstStyle>
+            <a:lvl1pPr algn="l">
+              <a:defRPr sz="1200"/>
+            </a:lvl1pPr>
+          </a:lstStyle>
+          <a:p>
+            <a:endParaRPr lang="zh-TW" altLang="en-US"/>
+          </a:p>
+        </p:txBody>
+      </p:sp>
+      <p:sp>
+        <p:nvSpPr>
+          <p:cNvPr id="3" name="日期版面配置區 2"/>
+          <p:cNvSpPr>
+            <a:spLocks noGrp="1"/>
+          </p:cNvSpPr>
+          <p:nvPr>
+            <p:ph type="dt" idx="1"/>
+          </p:nvPr>
+        </p:nvSpPr>
+        <p:spPr>
+          <a:xfrm>
+            <a:off x="3884613" y="0"/>
+            <a:ext cx="2971800" cy="458788"/>
+          </a:xfrm>
+          <a:prstGeom prst="rect">
+            <a:avLst/>
+          </a:prstGeom>
+        </p:spPr>
+        <p:txBody>
+          <a:bodyPr vert="horz" lIns="91440" tIns="45720" rIns="91440" bIns="45720" rtlCol="0"/>
+          <a:lstStyle>
+            <a:lvl1pPr algn="r">
+              <a:defRPr sz="1200"/>
+            </a:lvl1pPr>
+          </a:lstStyle>
+          <a:p>
+            <a:fld id="{97348BAD-384E-47E7-9DED-D2CE6DDD7321}" type="datetimeFigureOut">
+              <a:rPr lang="zh-TW" altLang="en-US" smtClean="0"/>
+              <a:t>2024/10/13</a:t>
+            </a:fld>
+            <a:endParaRPr lang="zh-TW" altLang="en-US"/>
+          </a:p>
+        </p:txBody>
+      </p:sp>
+      <p:sp>
+        <p:nvSpPr>
+          <p:cNvPr id="4" name="投影片影像版面配置區 3"/>
+          <p:cNvSpPr>
+            <a:spLocks noGrp="1" noRot="1" noChangeAspect="1"/>
+          </p:cNvSpPr>
+          <p:nvPr>
+            <p:ph type="sldImg" idx="2"/>
+          </p:nvPr>
+        </p:nvSpPr>
+        <p:spPr>
+          <a:xfrm>
+            <a:off x="685800" y="1143000"/>
+            <a:ext cx="5486400" cy="3086100"/>
+          </a:xfrm>
+          <a:prstGeom prst="rect">
+            <a:avLst/>
+          </a:prstGeom>
+          <a:noFill/>
+          <a:ln w="12700">
             <a:solidFill>
-              <a:srgbClr val="404040"/>
+              <a:prstClr val="black"/>
             </a:solidFill>
           </a:ln>
         </p:spPr>
         <p:txBody>
-          <a:bodyPr lIns="274320" rIns="274320" anchor="ctr" anchorCtr="1">
-            <a:normAutofit/>
-          </a:bodyPr>
+          <a:bodyPr vert="horz" lIns="91440" tIns="45720" rIns="91440" bIns="45720" rtlCol="0" anchor="ctr"/>
+          <a:lstStyle/>
+          <a:p>
+            <a:endParaRPr lang="zh-TW" altLang="en-US"/>
+          </a:p>
+        </p:txBody>
+      </p:sp>
+      <p:sp>
+        <p:nvSpPr>
+          <p:cNvPr id="5" name="備忘稿版面配置區 4"/>
+          <p:cNvSpPr>
+            <a:spLocks noGrp="1"/>
+          </p:cNvSpPr>
+          <p:nvPr>
+            <p:ph type="body" sz="quarter" idx="3"/>
+          </p:nvPr>
+        </p:nvSpPr>
+        <p:spPr>
+          <a:xfrm>
+            <a:off x="685800" y="4400550"/>
+            <a:ext cx="5486400" cy="3600450"/>
+          </a:xfrm>
+          <a:prstGeom prst="rect">
+            <a:avLst/>
+          </a:prstGeom>
+        </p:spPr>
+        <p:txBody>
+          <a:bodyPr vert="horz" lIns="91440" tIns="45720" rIns="91440" bIns="45720" rtlCol="0"/>
+          <a:lstStyle/>
+          <a:p>
+            <a:pPr lvl="0"/>
+            <a:r>
+              <a:rPr lang="zh-TW" altLang="en-US"/>
+              <a:t>按一下以編輯母片文字樣式</a:t>
+            </a:r>
+          </a:p>
+          <a:p>
+            <a:pPr lvl="1"/>
+            <a:r>
+              <a:rPr lang="zh-TW" altLang="en-US"/>
+              <a:t>第二層</a:t>
+            </a:r>
+          </a:p>
+          <a:p>
+            <a:pPr lvl="2"/>
+            <a:r>
+              <a:rPr lang="zh-TW" altLang="en-US"/>
+              <a:t>第三層</a:t>
+            </a:r>
+          </a:p>
+          <a:p>
+            <a:pPr lvl="3"/>
+            <a:r>
+              <a:rPr lang="zh-TW" altLang="en-US"/>
+              <a:t>第四層</a:t>
+            </a:r>
+          </a:p>
+          <a:p>
+            <a:pPr lvl="4"/>
+            <a:r>
+              <a:rPr lang="zh-TW" altLang="en-US"/>
+              <a:t>第五層</a:t>
+            </a:r>
+          </a:p>
+        </p:txBody>
+      </p:sp>
+      <p:sp>
+        <p:nvSpPr>
+          <p:cNvPr id="6" name="頁尾版面配置區 5"/>
+          <p:cNvSpPr>
+            <a:spLocks noGrp="1"/>
+          </p:cNvSpPr>
+          <p:nvPr>
+            <p:ph type="ftr" sz="quarter" idx="4"/>
+          </p:nvPr>
+        </p:nvSpPr>
+        <p:spPr>
+          <a:xfrm>
+            <a:off x="0" y="8685213"/>
+            <a:ext cx="2971800" cy="458787"/>
+          </a:xfrm>
+          <a:prstGeom prst="rect">
+            <a:avLst/>
+          </a:prstGeom>
+        </p:spPr>
+        <p:txBody>
+          <a:bodyPr vert="horz" lIns="91440" tIns="45720" rIns="91440" bIns="45720" rtlCol="0" anchor="b"/>
+          <a:lstStyle>
+            <a:lvl1pPr algn="l">
+              <a:defRPr sz="1200"/>
+            </a:lvl1pPr>
+          </a:lstStyle>
+          <a:p>
+            <a:endParaRPr lang="zh-TW" altLang="en-US"/>
+          </a:p>
+        </p:txBody>
+      </p:sp>
+      <p:sp>
+        <p:nvSpPr>
+          <p:cNvPr id="7" name="投影片編號版面配置區 6"/>
+          <p:cNvSpPr>
+            <a:spLocks noGrp="1"/>
+          </p:cNvSpPr>
+          <p:nvPr>
+            <p:ph type="sldNum" sz="quarter" idx="5"/>
+          </p:nvPr>
+        </p:nvSpPr>
+        <p:spPr>
+          <a:xfrm>
+            <a:off x="3884613" y="8685213"/>
+            <a:ext cx="2971800" cy="458787"/>
+          </a:xfrm>
+          <a:prstGeom prst="rect">
+            <a:avLst/>
+          </a:prstGeom>
+        </p:spPr>
+        <p:txBody>
+          <a:bodyPr vert="horz" lIns="91440" tIns="45720" rIns="91440" bIns="45720" rtlCol="0" anchor="b"/>
+          <a:lstStyle>
+            <a:lvl1pPr algn="r">
+              <a:defRPr sz="1200"/>
+            </a:lvl1pPr>
+          </a:lstStyle>
+          <a:p>
+            <a:fld id="{D0951802-1F6E-44D6-A682-F78D890A50A2}" type="slidenum">
+              <a:rPr lang="zh-TW" altLang="en-US" smtClean="0"/>
+              <a:t>‹#›</a:t>
+            </a:fld>
+            <a:endParaRPr lang="zh-TW" altLang="en-US"/>
+          </a:p>
+        </p:txBody>
+      </p:sp>
+    </p:spTree>
+    <p:extLst>
+      <p:ext uri="{BB962C8B-B14F-4D97-AF65-F5344CB8AC3E}">
+        <p14:creationId xmlns:p14="http://schemas.microsoft.com/office/powerpoint/2010/main" val="1770466952"/>
+      </p:ext>
+    </p:extLst>
+  </p:cSld>
+  <p:clrMap bg1="lt1" tx1="dk1" bg2="lt2" tx2="dk2" accent1="accent1" accent2="accent2" accent3="accent3" accent4="accent4" accent5="accent5" accent6="accent6" hlink="hlink" folHlink="folHlink"/>
+  <p:notesStyle>
+    <a:lvl1pPr marL="0" algn="l" defTabSz="914400" rtl="0" eaLnBrk="1" latinLnBrk="0" hangingPunct="1">
+      <a:defRPr sz="1200" kern="1200">
+        <a:solidFill>
+          <a:schemeClr val="tx1"/>
+        </a:solidFill>
+        <a:latin typeface="+mn-lt"/>
+        <a:ea typeface="+mn-ea"/>
+        <a:cs typeface="+mn-cs"/>
+      </a:defRPr>
+    </a:lvl1pPr>
+    <a:lvl2pPr marL="457200" algn="l" defTabSz="914400" rtl="0" eaLnBrk="1" latinLnBrk="0" hangingPunct="1">
+      <a:defRPr sz="1200" kern="1200">
+        <a:solidFill>
+          <a:schemeClr val="tx1"/>
+        </a:solidFill>
+        <a:latin typeface="+mn-lt"/>
+        <a:ea typeface="+mn-ea"/>
+        <a:cs typeface="+mn-cs"/>
+      </a:defRPr>
+    </a:lvl2pPr>
+    <a:lvl3pPr marL="914400" algn="l" defTabSz="914400" rtl="0" eaLnBrk="1" latinLnBrk="0" hangingPunct="1">
+      <a:defRPr sz="1200" kern="1200">
+        <a:solidFill>
+          <a:schemeClr val="tx1"/>
+        </a:solidFill>
+        <a:latin typeface="+mn-lt"/>
+        <a:ea typeface="+mn-ea"/>
+        <a:cs typeface="+mn-cs"/>
+      </a:defRPr>
+    </a:lvl3pPr>
+    <a:lvl4pPr marL="1371600" algn="l" defTabSz="914400" rtl="0" eaLnBrk="1" latinLnBrk="0" hangingPunct="1">
+      <a:defRPr sz="1200" kern="1200">
+        <a:solidFill>
+          <a:schemeClr val="tx1"/>
+        </a:solidFill>
+        <a:latin typeface="+mn-lt"/>
+        <a:ea typeface="+mn-ea"/>
+        <a:cs typeface="+mn-cs"/>
+      </a:defRPr>
+    </a:lvl4pPr>
+    <a:lvl5pPr marL="1828800" algn="l" defTabSz="914400" rtl="0" eaLnBrk="1" latinLnBrk="0" hangingPunct="1">
+      <a:defRPr sz="1200" kern="1200">
+        <a:solidFill>
+          <a:schemeClr val="tx1"/>
+        </a:solidFill>
+        <a:latin typeface="+mn-lt"/>
+        <a:ea typeface="+mn-ea"/>
+        <a:cs typeface="+mn-cs"/>
+      </a:defRPr>
+    </a:lvl5pPr>
+    <a:lvl6pPr marL="2286000" algn="l" defTabSz="914400" rtl="0" eaLnBrk="1" latinLnBrk="0" hangingPunct="1">
+      <a:defRPr sz="1200" kern="1200">
+        <a:solidFill>
+          <a:schemeClr val="tx1"/>
+        </a:solidFill>
+        <a:latin typeface="+mn-lt"/>
+        <a:ea typeface="+mn-ea"/>
+        <a:cs typeface="+mn-cs"/>
+      </a:defRPr>
+    </a:lvl6pPr>
+    <a:lvl7pPr marL="2743200" algn="l" defTabSz="914400" rtl="0" eaLnBrk="1" latinLnBrk="0" hangingPunct="1">
+      <a:defRPr sz="1200" kern="1200">
+        <a:solidFill>
+          <a:schemeClr val="tx1"/>
+        </a:solidFill>
+        <a:latin typeface="+mn-lt"/>
+        <a:ea typeface="+mn-ea"/>
+        <a:cs typeface="+mn-cs"/>
+      </a:defRPr>
+    </a:lvl7pPr>
+    <a:lvl8pPr marL="3200400" algn="l" defTabSz="914400" rtl="0" eaLnBrk="1" latinLnBrk="0" hangingPunct="1">
+      <a:defRPr sz="1200" kern="1200">
+        <a:solidFill>
+          <a:schemeClr val="tx1"/>
+        </a:solidFill>
+        <a:latin typeface="+mn-lt"/>
+        <a:ea typeface="+mn-ea"/>
+        <a:cs typeface="+mn-cs"/>
+      </a:defRPr>
+    </a:lvl8pPr>
+    <a:lvl9pPr marL="3657600" algn="l" defTabSz="914400" rtl="0" eaLnBrk="1" latinLnBrk="0" hangingPunct="1">
+      <a:defRPr sz="1200" kern="1200">
+        <a:solidFill>
+          <a:schemeClr val="tx1"/>
+        </a:solidFill>
+        <a:latin typeface="+mn-lt"/>
+        <a:ea typeface="+mn-ea"/>
+        <a:cs typeface="+mn-cs"/>
+      </a:defRPr>
+    </a:lvl9pPr>
+  </p:notesStyle>
+</p:notesMaster>
+</file>
+
+<file path=ppt/notesSlides/notesSlide1.xml><?xml version="1.0" encoding="utf-8"?>
+<p:notes xmlns:a="http://schemas.openxmlformats.org/drawingml/2006/main" xmlns:r="http://schemas.openxmlformats.org/officeDocument/2006/relationships" xmlns:p="http://schemas.openxmlformats.org/presentationml/2006/main">
+  <p:cSld>
+    <p:spTree>
+      <p:nvGrpSpPr>
+        <p:cNvPr id="1" name=""/>
+        <p:cNvGrpSpPr/>
+        <p:nvPr/>
+      </p:nvGrpSpPr>
+      <p:grpSpPr>
+        <a:xfrm>
+          <a:off x="0" y="0"/>
+          <a:ext cx="0" cy="0"/>
+          <a:chOff x="0" y="0"/>
+          <a:chExt cx="0" cy="0"/>
+        </a:xfrm>
+      </p:grpSpPr>
+      <p:sp>
+        <p:nvSpPr>
+          <p:cNvPr id="2" name="投影片影像版面配置區 1"/>
+          <p:cNvSpPr>
+            <a:spLocks noGrp="1" noRot="1" noChangeAspect="1"/>
+          </p:cNvSpPr>
+          <p:nvPr>
+            <p:ph type="sldImg"/>
+          </p:nvPr>
+        </p:nvSpPr>
+        <p:spPr/>
+      </p:sp>
+      <p:sp>
+        <p:nvSpPr>
+          <p:cNvPr id="3" name="備忘稿版面配置區 2"/>
+          <p:cNvSpPr>
+            <a:spLocks noGrp="1"/>
+          </p:cNvSpPr>
+          <p:nvPr>
+            <p:ph type="body" idx="1"/>
+          </p:nvPr>
+        </p:nvSpPr>
+        <p:spPr/>
+        <p:txBody>
+          <a:bodyPr/>
+          <a:lstStyle/>
+          <a:p>
+            <a:r>
+              <a:rPr lang="zh-TW" altLang="en-US" dirty="0"/>
+              <a:t>背景為從小對科技與程式設計充滿熱情，希望了解更多關於軟體如何運作的細節。這股熱情驅使我成為一名軟體工程研究生，專注於軟體開發和解決複雜的技術問題</a:t>
+            </a:r>
+          </a:p>
+          <a:p>
+            <a:endParaRPr lang="zh-TW" altLang="en-US" dirty="0"/>
+          </a:p>
+          <a:p>
+            <a:r>
+              <a:rPr lang="zh-TW" altLang="en-US" dirty="0"/>
+              <a:t>髮色與髮型：這個人物有著藍色的短髮，頭髮鬆散但稍微向上翹，營造出年輕、活潑的感覺。髮型屬於比較常見的短髮造型，顯得清爽。</a:t>
+            </a:r>
+          </a:p>
+          <a:p>
+            <a:endParaRPr lang="zh-TW" altLang="en-US" dirty="0"/>
+          </a:p>
+          <a:p>
+            <a:r>
+              <a:rPr lang="zh-TW" altLang="en-US" dirty="0"/>
+              <a:t>面部特徵：面部輪廓較為簡單，皮膚顏色偏白。人物的眼睛大而圓，瞳孔呈現出褐色，表情比較中立，顯得溫和無害。</a:t>
+            </a:r>
+          </a:p>
+          <a:p>
+            <a:endParaRPr lang="zh-TW" altLang="en-US" dirty="0"/>
+          </a:p>
+          <a:p>
+            <a:r>
+              <a:rPr lang="zh-TW" altLang="en-US" dirty="0"/>
+              <a:t>服裝：他穿著一件灰色的外套，內搭白襯衫，並打了一條紫色條紋的領帶，服裝搭配典雅，給人一種學生或年輕專業人士的感覺。</a:t>
+            </a:r>
+          </a:p>
+          <a:p>
+            <a:r>
+              <a:rPr lang="zh-TW" altLang="en-US" dirty="0"/>
+              <a:t>請以</a:t>
+            </a:r>
+            <a:r>
+              <a:rPr lang="en-US" altLang="zh-TW" dirty="0"/>
+              <a:t>Booth</a:t>
+            </a:r>
+            <a:r>
+              <a:rPr lang="zh-TW" altLang="en-US" dirty="0"/>
+              <a:t>的畫風一致</a:t>
+            </a:r>
+          </a:p>
+        </p:txBody>
+      </p:sp>
+      <p:sp>
+        <p:nvSpPr>
+          <p:cNvPr id="4" name="投影片編號版面配置區 3"/>
+          <p:cNvSpPr>
+            <a:spLocks noGrp="1"/>
+          </p:cNvSpPr>
+          <p:nvPr>
+            <p:ph type="sldNum" sz="quarter" idx="5"/>
+          </p:nvPr>
+        </p:nvSpPr>
+        <p:spPr/>
+        <p:txBody>
+          <a:bodyPr/>
+          <a:lstStyle/>
+          <a:p>
+            <a:fld id="{D0951802-1F6E-44D6-A682-F78D890A50A2}" type="slidenum">
+              <a:rPr lang="zh-TW" altLang="en-US" smtClean="0"/>
+              <a:t>2</a:t>
+            </a:fld>
+            <a:endParaRPr lang="zh-TW" altLang="en-US"/>
+          </a:p>
+        </p:txBody>
+      </p:sp>
+    </p:spTree>
+    <p:extLst>
+      <p:ext uri="{BB962C8B-B14F-4D97-AF65-F5344CB8AC3E}">
+        <p14:creationId xmlns:p14="http://schemas.microsoft.com/office/powerpoint/2010/main" val="721558048"/>
+      </p:ext>
+    </p:extLst>
+  </p:cSld>
+  <p:clrMapOvr>
+    <a:masterClrMapping/>
+  </p:clrMapOvr>
+</p:notes>
+</file>
+
+<file path=ppt/notesSlides/notesSlide2.xml><?xml version="1.0" encoding="utf-8"?>
+<p:notes xmlns:a="http://schemas.openxmlformats.org/drawingml/2006/main" xmlns:r="http://schemas.openxmlformats.org/officeDocument/2006/relationships" xmlns:p="http://schemas.openxmlformats.org/presentationml/2006/main">
+  <p:cSld>
+    <p:spTree>
+      <p:nvGrpSpPr>
+        <p:cNvPr id="1" name=""/>
+        <p:cNvGrpSpPr/>
+        <p:nvPr/>
+      </p:nvGrpSpPr>
+      <p:grpSpPr>
+        <a:xfrm>
+          <a:off x="0" y="0"/>
+          <a:ext cx="0" cy="0"/>
+          <a:chOff x="0" y="0"/>
+          <a:chExt cx="0" cy="0"/>
+        </a:xfrm>
+      </p:grpSpPr>
+      <p:sp>
+        <p:nvSpPr>
+          <p:cNvPr id="2" name="投影片影像版面配置區 1"/>
+          <p:cNvSpPr>
+            <a:spLocks noGrp="1" noRot="1" noChangeAspect="1"/>
+          </p:cNvSpPr>
+          <p:nvPr>
+            <p:ph type="sldImg"/>
+          </p:nvPr>
+        </p:nvSpPr>
+        <p:spPr/>
+      </p:sp>
+      <p:sp>
+        <p:nvSpPr>
+          <p:cNvPr id="3" name="備忘稿版面配置區 2"/>
+          <p:cNvSpPr>
+            <a:spLocks noGrp="1"/>
+          </p:cNvSpPr>
+          <p:nvPr>
+            <p:ph type="body" idx="1"/>
+          </p:nvPr>
+        </p:nvSpPr>
+        <p:spPr/>
+        <p:txBody>
+          <a:bodyPr/>
+          <a:lstStyle/>
+          <a:p>
+            <a:r>
+              <a:rPr lang="zh-TW" altLang="en-US" dirty="0"/>
+              <a:t>背景為在研究過程中，遇到了各種挑戰，無論是難以定位的</a:t>
+            </a:r>
+            <a:r>
+              <a:rPr lang="en-US" altLang="zh-TW" dirty="0"/>
+              <a:t>bug</a:t>
+            </a:r>
+            <a:r>
+              <a:rPr lang="zh-TW" altLang="en-US" dirty="0"/>
+              <a:t>，還是系統架構上的瓶頸，這些技術問題讓進度變得非常艱難。</a:t>
+            </a:r>
+          </a:p>
+          <a:p>
+            <a:endParaRPr lang="zh-TW" altLang="en-US" dirty="0"/>
+          </a:p>
+          <a:p>
+            <a:r>
+              <a:rPr lang="zh-TW" altLang="en-US" dirty="0"/>
+              <a:t>人物和上面的右邊相同不要在做人物的改變了</a:t>
+            </a:r>
+          </a:p>
+        </p:txBody>
+      </p:sp>
+      <p:sp>
+        <p:nvSpPr>
+          <p:cNvPr id="4" name="投影片編號版面配置區 3"/>
+          <p:cNvSpPr>
+            <a:spLocks noGrp="1"/>
+          </p:cNvSpPr>
+          <p:nvPr>
+            <p:ph type="sldNum" sz="quarter" idx="5"/>
+          </p:nvPr>
+        </p:nvSpPr>
+        <p:spPr/>
+        <p:txBody>
+          <a:bodyPr/>
+          <a:lstStyle/>
+          <a:p>
+            <a:fld id="{D0951802-1F6E-44D6-A682-F78D890A50A2}" type="slidenum">
+              <a:rPr lang="zh-TW" altLang="en-US" smtClean="0"/>
+              <a:t>3</a:t>
+            </a:fld>
+            <a:endParaRPr lang="zh-TW" altLang="en-US"/>
+          </a:p>
+        </p:txBody>
+      </p:sp>
+    </p:spTree>
+    <p:extLst>
+      <p:ext uri="{BB962C8B-B14F-4D97-AF65-F5344CB8AC3E}">
+        <p14:creationId xmlns:p14="http://schemas.microsoft.com/office/powerpoint/2010/main" val="1492407093"/>
+      </p:ext>
+    </p:extLst>
+  </p:cSld>
+  <p:clrMapOvr>
+    <a:masterClrMapping/>
+  </p:clrMapOvr>
+</p:notes>
+</file>
+
+<file path=ppt/slideLayouts/slideLayout1.xml><?xml version="1.0" encoding="utf-8"?>
+<p:sldLayout xmlns:a="http://schemas.openxmlformats.org/drawingml/2006/main" xmlns:r="http://schemas.openxmlformats.org/officeDocument/2006/relationships" xmlns:p="http://schemas.openxmlformats.org/presentationml/2006/main" type="title" preserve="1">
+  <p:cSld name="標題投影片">
+    <p:spTree>
+      <p:nvGrpSpPr>
+        <p:cNvPr id="1" name=""/>
+        <p:cNvGrpSpPr/>
+        <p:nvPr/>
+      </p:nvGrpSpPr>
+      <p:grpSpPr>
+        <a:xfrm>
+          <a:off x="0" y="0"/>
+          <a:ext cx="0" cy="0"/>
+          <a:chOff x="0" y="0"/>
+          <a:chExt cx="0" cy="0"/>
+        </a:xfrm>
+      </p:grpSpPr>
+      <p:sp>
+        <p:nvSpPr>
+          <p:cNvPr id="2" name="標題 1">
+            <a:extLst>
+              <a:ext uri="{FF2B5EF4-FFF2-40B4-BE49-F238E27FC236}">
+                <a16:creationId xmlns:a16="http://schemas.microsoft.com/office/drawing/2014/main" id="{D1C11CB3-0071-4A19-861C-5240E28D10B1}"/>
+              </a:ext>
+            </a:extLst>
+          </p:cNvPr>
+          <p:cNvSpPr>
+            <a:spLocks noGrp="1"/>
+          </p:cNvSpPr>
+          <p:nvPr>
+            <p:ph type="ctrTitle"/>
+          </p:nvPr>
+        </p:nvSpPr>
+        <p:spPr>
+          <a:xfrm>
+            <a:off x="1524000" y="1122363"/>
+            <a:ext cx="9144000" cy="2387600"/>
+          </a:xfrm>
+        </p:spPr>
+        <p:txBody>
+          <a:bodyPr anchor="b"/>
           <a:lstStyle>
             <a:lvl1pPr algn="ctr">
-              <a:defRPr sz="3800">
-                <a:solidFill>
-                  <a:srgbClr val="262626"/>
-                </a:solidFill>
-              </a:defRPr>
+              <a:defRPr sz="6000"/>
             </a:lvl1pPr>
           </a:lstStyle>
           <a:p>
@@ -183,13 +754,18 @@
               <a:rPr lang="zh-TW" altLang="en-US"/>
               <a:t>按一下以編輯母片標題樣式</a:t>
             </a:r>
-            <a:endParaRPr lang="en-US" dirty="0"/>
-          </a:p>
-        </p:txBody>
-      </p:sp>
-      <p:sp>
-        <p:nvSpPr>
-          <p:cNvPr id="3" name="Subtitle 2"/>
+          </a:p>
+        </p:txBody>
+      </p:sp>
+      <p:sp>
+        <p:nvSpPr>
+          <p:cNvPr id="3" name="副標題 2">
+            <a:extLst>
+              <a:ext uri="{FF2B5EF4-FFF2-40B4-BE49-F238E27FC236}">
+                <a16:creationId xmlns:a16="http://schemas.microsoft.com/office/drawing/2014/main" id="{88E44A45-331F-4AC6-8AB3-E973C973BE62}"/>
+              </a:ext>
+            </a:extLst>
+          </p:cNvPr>
           <p:cNvSpPr>
             <a:spLocks noGrp="1"/>
           </p:cNvSpPr>
@@ -199,26 +775,16 @@
         </p:nvSpPr>
         <p:spPr>
           <a:xfrm>
-            <a:off x="2695194" y="4352544"/>
-            <a:ext cx="6801612" cy="1239894"/>
+            <a:off x="1524000" y="3602038"/>
+            <a:ext cx="9144000" cy="1655762"/>
           </a:xfrm>
-          <a:noFill/>
         </p:spPr>
         <p:txBody>
-          <a:bodyPr>
-            <a:normAutofit/>
-          </a:bodyPr>
+          <a:bodyPr/>
           <a:lstStyle>
             <a:lvl1pPr marL="0" indent="0" algn="ctr">
               <a:buNone/>
-              <a:defRPr sz="2000">
-                <a:solidFill>
-                  <a:schemeClr val="tx1">
-                    <a:lumMod val="75000"/>
-                    <a:lumOff val="25000"/>
-                  </a:schemeClr>
-                </a:solidFill>
-              </a:defRPr>
+              <a:defRPr sz="2400"/>
             </a:lvl1pPr>
             <a:lvl2pPr marL="457200" indent="0" algn="ctr">
               <a:buNone/>
@@ -258,13 +824,18 @@
               <a:rPr lang="zh-TW" altLang="en-US"/>
               <a:t>按一下以編輯母片子標題樣式</a:t>
             </a:r>
-            <a:endParaRPr lang="en-US" dirty="0"/>
-          </a:p>
-        </p:txBody>
-      </p:sp>
-      <p:sp>
-        <p:nvSpPr>
-          <p:cNvPr id="7" name="Date Placeholder 6"/>
+          </a:p>
+        </p:txBody>
+      </p:sp>
+      <p:sp>
+        <p:nvSpPr>
+          <p:cNvPr id="4" name="日期版面配置區 3">
+            <a:extLst>
+              <a:ext uri="{FF2B5EF4-FFF2-40B4-BE49-F238E27FC236}">
+                <a16:creationId xmlns:a16="http://schemas.microsoft.com/office/drawing/2014/main" id="{AE3C9C68-9FCF-49F3-9CA6-0E07B2DCB68A}"/>
+              </a:ext>
+            </a:extLst>
+          </p:cNvPr>
           <p:cNvSpPr>
             <a:spLocks noGrp="1"/>
           </p:cNvSpPr>
@@ -279,7 +850,7 @@
           <a:p>
             <a:fld id="{17501BA0-6145-4220-BB20-E24A3FFD92E2}" type="datetimeFigureOut">
               <a:rPr lang="zh-TW" altLang="en-US" smtClean="0"/>
-              <a:t>2024/10/12</a:t>
+              <a:t>2024/10/13</a:t>
             </a:fld>
             <a:endParaRPr lang="zh-TW" altLang="en-US"/>
           </a:p>
@@ -287,7 +858,13 @@
       </p:sp>
       <p:sp>
         <p:nvSpPr>
-          <p:cNvPr id="8" name="Footer Placeholder 7"/>
+          <p:cNvPr id="5" name="頁尾版面配置區 4">
+            <a:extLst>
+              <a:ext uri="{FF2B5EF4-FFF2-40B4-BE49-F238E27FC236}">
+                <a16:creationId xmlns:a16="http://schemas.microsoft.com/office/drawing/2014/main" id="{FCE3EA1F-E9E1-4D0C-8291-4C1DC7A1A142}"/>
+              </a:ext>
+            </a:extLst>
+          </p:cNvPr>
           <p:cNvSpPr>
             <a:spLocks noGrp="1"/>
           </p:cNvSpPr>
@@ -306,7 +883,13 @@
       </p:sp>
       <p:sp>
         <p:nvSpPr>
-          <p:cNvPr id="9" name="Slide Number Placeholder 8"/>
+          <p:cNvPr id="6" name="投影片編號版面配置區 5">
+            <a:extLst>
+              <a:ext uri="{FF2B5EF4-FFF2-40B4-BE49-F238E27FC236}">
+                <a16:creationId xmlns:a16="http://schemas.microsoft.com/office/drawing/2014/main" id="{64545806-E9B7-4E41-A446-A117677EFA71}"/>
+              </a:ext>
+            </a:extLst>
+          </p:cNvPr>
           <p:cNvSpPr>
             <a:spLocks noGrp="1"/>
           </p:cNvSpPr>
@@ -330,7 +913,7 @@
     </p:spTree>
     <p:extLst>
       <p:ext uri="{BB962C8B-B14F-4D97-AF65-F5344CB8AC3E}">
-        <p14:creationId xmlns:p14="http://schemas.microsoft.com/office/powerpoint/2010/main" val="3194707512"/>
+        <p14:creationId xmlns:p14="http://schemas.microsoft.com/office/powerpoint/2010/main" val="3415603840"/>
       </p:ext>
     </p:extLst>
   </p:cSld>
@@ -359,7 +942,13 @@
       </p:grpSpPr>
       <p:sp>
         <p:nvSpPr>
-          <p:cNvPr id="2" name="Title 1"/>
+          <p:cNvPr id="2" name="標題 1">
+            <a:extLst>
+              <a:ext uri="{FF2B5EF4-FFF2-40B4-BE49-F238E27FC236}">
+                <a16:creationId xmlns:a16="http://schemas.microsoft.com/office/drawing/2014/main" id="{9D8FEEF3-A788-4D01-8587-AA168DE1C925}"/>
+              </a:ext>
+            </a:extLst>
+          </p:cNvPr>
           <p:cNvSpPr>
             <a:spLocks noGrp="1"/>
           </p:cNvSpPr>
@@ -376,13 +965,18 @@
               <a:rPr lang="zh-TW" altLang="en-US"/>
               <a:t>按一下以編輯母片標題樣式</a:t>
             </a:r>
-            <a:endParaRPr lang="en-US" dirty="0"/>
-          </a:p>
-        </p:txBody>
-      </p:sp>
-      <p:sp>
-        <p:nvSpPr>
-          <p:cNvPr id="3" name="Vertical Text Placeholder 2"/>
+          </a:p>
+        </p:txBody>
+      </p:sp>
+      <p:sp>
+        <p:nvSpPr>
+          <p:cNvPr id="3" name="直排文字版面配置區 2">
+            <a:extLst>
+              <a:ext uri="{FF2B5EF4-FFF2-40B4-BE49-F238E27FC236}">
+                <a16:creationId xmlns:a16="http://schemas.microsoft.com/office/drawing/2014/main" id="{279A2C3E-12B7-4A39-AC63-FEE21055ADA8}"/>
+              </a:ext>
+            </a:extLst>
+          </p:cNvPr>
           <p:cNvSpPr>
             <a:spLocks noGrp="1"/>
           </p:cNvSpPr>
@@ -428,13 +1022,18 @@
               <a:rPr lang="zh-TW" altLang="en-US"/>
               <a:t>第五層</a:t>
             </a:r>
-            <a:endParaRPr lang="en-US" dirty="0"/>
-          </a:p>
-        </p:txBody>
-      </p:sp>
-      <p:sp>
-        <p:nvSpPr>
-          <p:cNvPr id="4" name="Date Placeholder 3"/>
+          </a:p>
+        </p:txBody>
+      </p:sp>
+      <p:sp>
+        <p:nvSpPr>
+          <p:cNvPr id="4" name="日期版面配置區 3">
+            <a:extLst>
+              <a:ext uri="{FF2B5EF4-FFF2-40B4-BE49-F238E27FC236}">
+                <a16:creationId xmlns:a16="http://schemas.microsoft.com/office/drawing/2014/main" id="{0DC62BC5-9B9D-4007-914F-55BB74C71ABE}"/>
+              </a:ext>
+            </a:extLst>
+          </p:cNvPr>
           <p:cNvSpPr>
             <a:spLocks noGrp="1"/>
           </p:cNvSpPr>
@@ -449,7 +1048,7 @@
           <a:p>
             <a:fld id="{17501BA0-6145-4220-BB20-E24A3FFD92E2}" type="datetimeFigureOut">
               <a:rPr lang="zh-TW" altLang="en-US" smtClean="0"/>
-              <a:t>2024/10/12</a:t>
+              <a:t>2024/10/13</a:t>
             </a:fld>
             <a:endParaRPr lang="zh-TW" altLang="en-US"/>
           </a:p>
@@ -457,7 +1056,13 @@
       </p:sp>
       <p:sp>
         <p:nvSpPr>
-          <p:cNvPr id="5" name="Footer Placeholder 4"/>
+          <p:cNvPr id="5" name="頁尾版面配置區 4">
+            <a:extLst>
+              <a:ext uri="{FF2B5EF4-FFF2-40B4-BE49-F238E27FC236}">
+                <a16:creationId xmlns:a16="http://schemas.microsoft.com/office/drawing/2014/main" id="{4B557F31-A0DC-467B-A3F3-BDF64247B43E}"/>
+              </a:ext>
+            </a:extLst>
+          </p:cNvPr>
           <p:cNvSpPr>
             <a:spLocks noGrp="1"/>
           </p:cNvSpPr>
@@ -476,7 +1081,13 @@
       </p:sp>
       <p:sp>
         <p:nvSpPr>
-          <p:cNvPr id="6" name="Slide Number Placeholder 5"/>
+          <p:cNvPr id="6" name="投影片編號版面配置區 5">
+            <a:extLst>
+              <a:ext uri="{FF2B5EF4-FFF2-40B4-BE49-F238E27FC236}">
+                <a16:creationId xmlns:a16="http://schemas.microsoft.com/office/drawing/2014/main" id="{DAE0BAC9-0A3C-41B7-9CE5-D01D1F92B277}"/>
+              </a:ext>
+            </a:extLst>
+          </p:cNvPr>
           <p:cNvSpPr>
             <a:spLocks noGrp="1"/>
           </p:cNvSpPr>
@@ -500,7 +1111,7 @@
     </p:spTree>
     <p:extLst>
       <p:ext uri="{BB962C8B-B14F-4D97-AF65-F5344CB8AC3E}">
-        <p14:creationId xmlns:p14="http://schemas.microsoft.com/office/powerpoint/2010/main" val="767076292"/>
+        <p14:creationId xmlns:p14="http://schemas.microsoft.com/office/powerpoint/2010/main" val="1015899552"/>
       </p:ext>
     </p:extLst>
   </p:cSld>
@@ -529,7 +1140,13 @@
       </p:grpSpPr>
       <p:sp>
         <p:nvSpPr>
-          <p:cNvPr id="2" name="Vertical Title 1"/>
+          <p:cNvPr id="2" name="直排標題 1">
+            <a:extLst>
+              <a:ext uri="{FF2B5EF4-FFF2-40B4-BE49-F238E27FC236}">
+                <a16:creationId xmlns:a16="http://schemas.microsoft.com/office/drawing/2014/main" id="{966F5F27-CA64-4A10-B1BC-5F8A50E07602}"/>
+              </a:ext>
+            </a:extLst>
+          </p:cNvPr>
           <p:cNvSpPr>
             <a:spLocks noGrp="1"/>
           </p:cNvSpPr>
@@ -539,8 +1156,8 @@
         </p:nvSpPr>
         <p:spPr>
           <a:xfrm>
-            <a:off x="8653112" y="937260"/>
-            <a:ext cx="1298608" cy="4983480"/>
+            <a:off x="8724900" y="365125"/>
+            <a:ext cx="2628900" cy="5811838"/>
           </a:xfrm>
         </p:spPr>
         <p:txBody>
@@ -551,13 +1168,18 @@
               <a:rPr lang="zh-TW" altLang="en-US"/>
               <a:t>按一下以編輯母片標題樣式</a:t>
             </a:r>
-            <a:endParaRPr lang="en-US" dirty="0"/>
-          </a:p>
-        </p:txBody>
-      </p:sp>
-      <p:sp>
-        <p:nvSpPr>
-          <p:cNvPr id="3" name="Vertical Text Placeholder 2"/>
+          </a:p>
+        </p:txBody>
+      </p:sp>
+      <p:sp>
+        <p:nvSpPr>
+          <p:cNvPr id="3" name="直排文字版面配置區 2">
+            <a:extLst>
+              <a:ext uri="{FF2B5EF4-FFF2-40B4-BE49-F238E27FC236}">
+                <a16:creationId xmlns:a16="http://schemas.microsoft.com/office/drawing/2014/main" id="{DC29EC56-963E-4B42-9D1C-DC7C00C6B91A}"/>
+              </a:ext>
+            </a:extLst>
+          </p:cNvPr>
           <p:cNvSpPr>
             <a:spLocks noGrp="1"/>
           </p:cNvSpPr>
@@ -567,8 +1189,8 @@
         </p:nvSpPr>
         <p:spPr>
           <a:xfrm>
-            <a:off x="2231136" y="937260"/>
-            <a:ext cx="6198489" cy="4983480"/>
+            <a:off x="838200" y="365125"/>
+            <a:ext cx="7734300" cy="5811838"/>
           </a:xfrm>
         </p:spPr>
         <p:txBody>
@@ -608,13 +1230,18 @@
               <a:rPr lang="zh-TW" altLang="en-US"/>
               <a:t>第五層</a:t>
             </a:r>
-            <a:endParaRPr lang="en-US" dirty="0"/>
-          </a:p>
-        </p:txBody>
-      </p:sp>
-      <p:sp>
-        <p:nvSpPr>
-          <p:cNvPr id="4" name="Date Placeholder 3"/>
+          </a:p>
+        </p:txBody>
+      </p:sp>
+      <p:sp>
+        <p:nvSpPr>
+          <p:cNvPr id="4" name="日期版面配置區 3">
+            <a:extLst>
+              <a:ext uri="{FF2B5EF4-FFF2-40B4-BE49-F238E27FC236}">
+                <a16:creationId xmlns:a16="http://schemas.microsoft.com/office/drawing/2014/main" id="{FE56056E-7CC9-4BD1-B266-5FE0E78E0A44}"/>
+              </a:ext>
+            </a:extLst>
+          </p:cNvPr>
           <p:cNvSpPr>
             <a:spLocks noGrp="1"/>
           </p:cNvSpPr>
@@ -629,7 +1256,7 @@
           <a:p>
             <a:fld id="{17501BA0-6145-4220-BB20-E24A3FFD92E2}" type="datetimeFigureOut">
               <a:rPr lang="zh-TW" altLang="en-US" smtClean="0"/>
-              <a:t>2024/10/12</a:t>
+              <a:t>2024/10/13</a:t>
             </a:fld>
             <a:endParaRPr lang="zh-TW" altLang="en-US"/>
           </a:p>
@@ -637,7 +1264,13 @@
       </p:sp>
       <p:sp>
         <p:nvSpPr>
-          <p:cNvPr id="5" name="Footer Placeholder 4"/>
+          <p:cNvPr id="5" name="頁尾版面配置區 4">
+            <a:extLst>
+              <a:ext uri="{FF2B5EF4-FFF2-40B4-BE49-F238E27FC236}">
+                <a16:creationId xmlns:a16="http://schemas.microsoft.com/office/drawing/2014/main" id="{405FDE80-5168-416F-B9B6-A8AE630AB561}"/>
+              </a:ext>
+            </a:extLst>
+          </p:cNvPr>
           <p:cNvSpPr>
             <a:spLocks noGrp="1"/>
           </p:cNvSpPr>
@@ -656,7 +1289,13 @@
       </p:sp>
       <p:sp>
         <p:nvSpPr>
-          <p:cNvPr id="6" name="Slide Number Placeholder 5"/>
+          <p:cNvPr id="6" name="投影片編號版面配置區 5">
+            <a:extLst>
+              <a:ext uri="{FF2B5EF4-FFF2-40B4-BE49-F238E27FC236}">
+                <a16:creationId xmlns:a16="http://schemas.microsoft.com/office/drawing/2014/main" id="{E2A1A231-8545-409B-A5FB-86334B65A2D0}"/>
+              </a:ext>
+            </a:extLst>
+          </p:cNvPr>
           <p:cNvSpPr>
             <a:spLocks noGrp="1"/>
           </p:cNvSpPr>
@@ -680,7 +1319,7 @@
     </p:spTree>
     <p:extLst>
       <p:ext uri="{BB962C8B-B14F-4D97-AF65-F5344CB8AC3E}">
-        <p14:creationId xmlns:p14="http://schemas.microsoft.com/office/powerpoint/2010/main" val="1283827952"/>
+        <p14:creationId xmlns:p14="http://schemas.microsoft.com/office/powerpoint/2010/main" val="2676253768"/>
       </p:ext>
     </p:extLst>
   </p:cSld>
@@ -709,7 +1348,13 @@
       </p:grpSpPr>
       <p:sp>
         <p:nvSpPr>
-          <p:cNvPr id="2" name="Title 1"/>
+          <p:cNvPr id="2" name="標題 1">
+            <a:extLst>
+              <a:ext uri="{FF2B5EF4-FFF2-40B4-BE49-F238E27FC236}">
+                <a16:creationId xmlns:a16="http://schemas.microsoft.com/office/drawing/2014/main" id="{0D23A762-B7B1-4A68-80BC-CFEA495128A2}"/>
+              </a:ext>
+            </a:extLst>
+          </p:cNvPr>
           <p:cNvSpPr>
             <a:spLocks noGrp="1"/>
           </p:cNvSpPr>
@@ -726,13 +1371,18 @@
               <a:rPr lang="zh-TW" altLang="en-US"/>
               <a:t>按一下以編輯母片標題樣式</a:t>
             </a:r>
-            <a:endParaRPr lang="en-US" dirty="0"/>
-          </a:p>
-        </p:txBody>
-      </p:sp>
-      <p:sp>
-        <p:nvSpPr>
-          <p:cNvPr id="3" name="Content Placeholder 2"/>
+          </a:p>
+        </p:txBody>
+      </p:sp>
+      <p:sp>
+        <p:nvSpPr>
+          <p:cNvPr id="3" name="內容版面配置區 2">
+            <a:extLst>
+              <a:ext uri="{FF2B5EF4-FFF2-40B4-BE49-F238E27FC236}">
+                <a16:creationId xmlns:a16="http://schemas.microsoft.com/office/drawing/2014/main" id="{B2908ED5-8D19-44E2-87F8-CCE3974D020D}"/>
+              </a:ext>
+            </a:extLst>
+          </p:cNvPr>
           <p:cNvSpPr>
             <a:spLocks noGrp="1"/>
           </p:cNvSpPr>
@@ -778,13 +1428,18 @@
               <a:rPr lang="zh-TW" altLang="en-US"/>
               <a:t>第五層</a:t>
             </a:r>
-            <a:endParaRPr lang="en-US" dirty="0"/>
-          </a:p>
-        </p:txBody>
-      </p:sp>
-      <p:sp>
-        <p:nvSpPr>
-          <p:cNvPr id="7" name="Date Placeholder 6"/>
+          </a:p>
+        </p:txBody>
+      </p:sp>
+      <p:sp>
+        <p:nvSpPr>
+          <p:cNvPr id="4" name="日期版面配置區 3">
+            <a:extLst>
+              <a:ext uri="{FF2B5EF4-FFF2-40B4-BE49-F238E27FC236}">
+                <a16:creationId xmlns:a16="http://schemas.microsoft.com/office/drawing/2014/main" id="{D13D2AFA-C242-4877-8A88-3FE7ADAD4F60}"/>
+              </a:ext>
+            </a:extLst>
+          </p:cNvPr>
           <p:cNvSpPr>
             <a:spLocks noGrp="1"/>
           </p:cNvSpPr>
@@ -799,7 +1454,7 @@
           <a:p>
             <a:fld id="{17501BA0-6145-4220-BB20-E24A3FFD92E2}" type="datetimeFigureOut">
               <a:rPr lang="zh-TW" altLang="en-US" smtClean="0"/>
-              <a:t>2024/10/12</a:t>
+              <a:t>2024/10/13</a:t>
             </a:fld>
             <a:endParaRPr lang="zh-TW" altLang="en-US"/>
           </a:p>
@@ -807,7 +1462,13 @@
       </p:sp>
       <p:sp>
         <p:nvSpPr>
-          <p:cNvPr id="8" name="Footer Placeholder 7"/>
+          <p:cNvPr id="5" name="頁尾版面配置區 4">
+            <a:extLst>
+              <a:ext uri="{FF2B5EF4-FFF2-40B4-BE49-F238E27FC236}">
+                <a16:creationId xmlns:a16="http://schemas.microsoft.com/office/drawing/2014/main" id="{D592E604-A357-465B-9BEE-BC00009F2B40}"/>
+              </a:ext>
+            </a:extLst>
+          </p:cNvPr>
           <p:cNvSpPr>
             <a:spLocks noGrp="1"/>
           </p:cNvSpPr>
@@ -826,7 +1487,13 @@
       </p:sp>
       <p:sp>
         <p:nvSpPr>
-          <p:cNvPr id="9" name="Slide Number Placeholder 8"/>
+          <p:cNvPr id="6" name="投影片編號版面配置區 5">
+            <a:extLst>
+              <a:ext uri="{FF2B5EF4-FFF2-40B4-BE49-F238E27FC236}">
+                <a16:creationId xmlns:a16="http://schemas.microsoft.com/office/drawing/2014/main" id="{7C53A475-1A54-466A-A18F-3DAED879AB3D}"/>
+              </a:ext>
+            </a:extLst>
+          </p:cNvPr>
           <p:cNvSpPr>
             <a:spLocks noGrp="1"/>
           </p:cNvSpPr>
@@ -850,7 +1517,7 @@
     </p:spTree>
     <p:extLst>
       <p:ext uri="{BB962C8B-B14F-4D97-AF65-F5344CB8AC3E}">
-        <p14:creationId xmlns:p14="http://schemas.microsoft.com/office/powerpoint/2010/main" val="1049163020"/>
+        <p14:creationId xmlns:p14="http://schemas.microsoft.com/office/powerpoint/2010/main" val="1975076501"/>
       </p:ext>
     </p:extLst>
   </p:cSld>
@@ -863,14 +1530,6 @@
 <file path=ppt/slideLayouts/slideLayout3.xml><?xml version="1.0" encoding="utf-8"?>
 <p:sldLayout xmlns:a="http://schemas.openxmlformats.org/drawingml/2006/main" xmlns:r="http://schemas.openxmlformats.org/officeDocument/2006/relationships" xmlns:p="http://schemas.openxmlformats.org/presentationml/2006/main" type="secHead" preserve="1">
   <p:cSld name="章節標題">
-    <p:bg>
-      <p:bgPr>
-        <a:solidFill>
-          <a:schemeClr val="accent1"/>
-        </a:solidFill>
-        <a:effectLst/>
-      </p:bgPr>
-    </p:bg>
     <p:spTree>
       <p:nvGrpSpPr>
         <p:cNvPr id="1" name=""/>
@@ -887,7 +1546,13 @@
       </p:grpSpPr>
       <p:sp>
         <p:nvSpPr>
-          <p:cNvPr id="2" name="Title 1"/>
+          <p:cNvPr id="2" name="標題 1">
+            <a:extLst>
+              <a:ext uri="{FF2B5EF4-FFF2-40B4-BE49-F238E27FC236}">
+                <a16:creationId xmlns:a16="http://schemas.microsoft.com/office/drawing/2014/main" id="{583370AB-3E4F-4214-9827-A538E251FCA0}"/>
+              </a:ext>
+            </a:extLst>
+          </p:cNvPr>
           <p:cNvSpPr>
             <a:spLocks noGrp="1"/>
           </p:cNvSpPr>
@@ -895,31 +1560,17 @@
             <p:ph type="title"/>
           </p:nvPr>
         </p:nvSpPr>
-        <p:spPr bwMode="blackWhite">
+        <p:spPr>
           <a:xfrm>
-            <a:off x="1600200" y="2386744"/>
-            <a:ext cx="8991600" cy="1645920"/>
+            <a:off x="831850" y="1709738"/>
+            <a:ext cx="10515600" cy="2852737"/>
           </a:xfrm>
-          <a:solidFill>
-            <a:srgbClr val="FFFFFF"/>
-          </a:solidFill>
-          <a:ln w="38100">
-            <a:solidFill>
-              <a:srgbClr val="404040"/>
-            </a:solidFill>
-          </a:ln>
         </p:spPr>
         <p:txBody>
-          <a:bodyPr lIns="274320" rIns="274320" anchor="ctr" anchorCtr="1">
-            <a:normAutofit/>
-          </a:bodyPr>
+          <a:bodyPr anchor="b"/>
           <a:lstStyle>
             <a:lvl1pPr>
-              <a:defRPr sz="3800">
-                <a:solidFill>
-                  <a:srgbClr val="262626"/>
-                </a:solidFill>
-              </a:defRPr>
+              <a:defRPr sz="6000"/>
             </a:lvl1pPr>
           </a:lstStyle>
           <a:p>
@@ -927,13 +1578,18 @@
               <a:rPr lang="zh-TW" altLang="en-US"/>
               <a:t>按一下以編輯母片標題樣式</a:t>
             </a:r>
-            <a:endParaRPr lang="en-US" dirty="0"/>
-          </a:p>
-        </p:txBody>
-      </p:sp>
-      <p:sp>
-        <p:nvSpPr>
-          <p:cNvPr id="3" name="Text Placeholder 2"/>
+          </a:p>
+        </p:txBody>
+      </p:sp>
+      <p:sp>
+        <p:nvSpPr>
+          <p:cNvPr id="3" name="文字版面配置區 2">
+            <a:extLst>
+              <a:ext uri="{FF2B5EF4-FFF2-40B4-BE49-F238E27FC236}">
+                <a16:creationId xmlns:a16="http://schemas.microsoft.com/office/drawing/2014/main" id="{960C2CBA-1316-48F6-89E1-F4E408234842}"/>
+              </a:ext>
+            </a:extLst>
+          </p:cNvPr>
           <p:cNvSpPr>
             <a:spLocks noGrp="1"/>
           </p:cNvSpPr>
@@ -943,20 +1599,20 @@
         </p:nvSpPr>
         <p:spPr>
           <a:xfrm>
-            <a:off x="2695194" y="4352465"/>
-            <a:ext cx="6801612" cy="1265082"/>
+            <a:off x="831850" y="4589463"/>
+            <a:ext cx="10515600" cy="1500187"/>
           </a:xfrm>
         </p:spPr>
         <p:txBody>
-          <a:bodyPr anchor="t" anchorCtr="1">
-            <a:normAutofit/>
-          </a:bodyPr>
+          <a:bodyPr/>
           <a:lstStyle>
             <a:lvl1pPr marL="0" indent="0">
               <a:buNone/>
-              <a:defRPr sz="2000">
+              <a:defRPr sz="2400">
                 <a:solidFill>
-                  <a:schemeClr val="tx1"/>
+                  <a:schemeClr val="tx1">
+                    <a:tint val="75000"/>
+                  </a:schemeClr>
                 </a:solidFill>
               </a:defRPr>
             </a:lvl1pPr>
@@ -1052,7 +1708,13 @@
       </p:sp>
       <p:sp>
         <p:nvSpPr>
-          <p:cNvPr id="7" name="Date Placeholder 6"/>
+          <p:cNvPr id="4" name="日期版面配置區 3">
+            <a:extLst>
+              <a:ext uri="{FF2B5EF4-FFF2-40B4-BE49-F238E27FC236}">
+                <a16:creationId xmlns:a16="http://schemas.microsoft.com/office/drawing/2014/main" id="{B7D565C0-8B7C-4B2A-9844-677A1D1CFFCD}"/>
+              </a:ext>
+            </a:extLst>
+          </p:cNvPr>
           <p:cNvSpPr>
             <a:spLocks noGrp="1"/>
           </p:cNvSpPr>
@@ -1067,7 +1729,7 @@
           <a:p>
             <a:fld id="{17501BA0-6145-4220-BB20-E24A3FFD92E2}" type="datetimeFigureOut">
               <a:rPr lang="zh-TW" altLang="en-US" smtClean="0"/>
-              <a:t>2024/10/12</a:t>
+              <a:t>2024/10/13</a:t>
             </a:fld>
             <a:endParaRPr lang="zh-TW" altLang="en-US"/>
           </a:p>
@@ -1075,7 +1737,13 @@
       </p:sp>
       <p:sp>
         <p:nvSpPr>
-          <p:cNvPr id="8" name="Footer Placeholder 7"/>
+          <p:cNvPr id="5" name="頁尾版面配置區 4">
+            <a:extLst>
+              <a:ext uri="{FF2B5EF4-FFF2-40B4-BE49-F238E27FC236}">
+                <a16:creationId xmlns:a16="http://schemas.microsoft.com/office/drawing/2014/main" id="{5B57A32E-D294-41D7-8058-7B60FE0FF16B}"/>
+              </a:ext>
+            </a:extLst>
+          </p:cNvPr>
           <p:cNvSpPr>
             <a:spLocks noGrp="1"/>
           </p:cNvSpPr>
@@ -1094,7 +1762,13 @@
       </p:sp>
       <p:sp>
         <p:nvSpPr>
-          <p:cNvPr id="9" name="Slide Number Placeholder 8"/>
+          <p:cNvPr id="6" name="投影片編號版面配置區 5">
+            <a:extLst>
+              <a:ext uri="{FF2B5EF4-FFF2-40B4-BE49-F238E27FC236}">
+                <a16:creationId xmlns:a16="http://schemas.microsoft.com/office/drawing/2014/main" id="{941B55C9-B773-4A5A-9C95-C7B7A857159A}"/>
+              </a:ext>
+            </a:extLst>
+          </p:cNvPr>
           <p:cNvSpPr>
             <a:spLocks noGrp="1"/>
           </p:cNvSpPr>
@@ -1118,7 +1792,7 @@
     </p:spTree>
     <p:extLst>
       <p:ext uri="{BB962C8B-B14F-4D97-AF65-F5344CB8AC3E}">
-        <p14:creationId xmlns:p14="http://schemas.microsoft.com/office/powerpoint/2010/main" val="1320912007"/>
+        <p14:creationId xmlns:p14="http://schemas.microsoft.com/office/powerpoint/2010/main" val="256406761"/>
       </p:ext>
     </p:extLst>
   </p:cSld>
@@ -1147,7 +1821,13 @@
       </p:grpSpPr>
       <p:sp>
         <p:nvSpPr>
-          <p:cNvPr id="2" name="Title 1"/>
+          <p:cNvPr id="2" name="標題 1">
+            <a:extLst>
+              <a:ext uri="{FF2B5EF4-FFF2-40B4-BE49-F238E27FC236}">
+                <a16:creationId xmlns:a16="http://schemas.microsoft.com/office/drawing/2014/main" id="{8ED95DF2-A3E5-4BB8-8457-43CFB7DFE8CC}"/>
+              </a:ext>
+            </a:extLst>
+          </p:cNvPr>
           <p:cNvSpPr>
             <a:spLocks noGrp="1"/>
           </p:cNvSpPr>
@@ -1164,13 +1844,18 @@
               <a:rPr lang="zh-TW" altLang="en-US"/>
               <a:t>按一下以編輯母片標題樣式</a:t>
             </a:r>
-            <a:endParaRPr lang="en-US" dirty="0"/>
-          </a:p>
-        </p:txBody>
-      </p:sp>
-      <p:sp>
-        <p:nvSpPr>
-          <p:cNvPr id="3" name="Content Placeholder 2"/>
+          </a:p>
+        </p:txBody>
+      </p:sp>
+      <p:sp>
+        <p:nvSpPr>
+          <p:cNvPr id="3" name="內容版面配置區 2">
+            <a:extLst>
+              <a:ext uri="{FF2B5EF4-FFF2-40B4-BE49-F238E27FC236}">
+                <a16:creationId xmlns:a16="http://schemas.microsoft.com/office/drawing/2014/main" id="{D1A71AEF-F7E6-4791-9627-7C701ED9411C}"/>
+              </a:ext>
+            </a:extLst>
+          </p:cNvPr>
           <p:cNvSpPr>
             <a:spLocks noGrp="1"/>
           </p:cNvSpPr>
@@ -1180,8 +1865,8 @@
         </p:nvSpPr>
         <p:spPr>
           <a:xfrm>
-            <a:off x="1581912" y="2638044"/>
-            <a:ext cx="4271771" cy="3101982"/>
+            <a:off x="838200" y="1825625"/>
+            <a:ext cx="5181600" cy="4351338"/>
           </a:xfrm>
         </p:spPr>
         <p:txBody>
@@ -1221,13 +1906,18 @@
               <a:rPr lang="zh-TW" altLang="en-US"/>
               <a:t>第五層</a:t>
             </a:r>
-            <a:endParaRPr lang="en-US" dirty="0"/>
-          </a:p>
-        </p:txBody>
-      </p:sp>
-      <p:sp>
-        <p:nvSpPr>
-          <p:cNvPr id="4" name="Content Placeholder 3"/>
+          </a:p>
+        </p:txBody>
+      </p:sp>
+      <p:sp>
+        <p:nvSpPr>
+          <p:cNvPr id="4" name="內容版面配置區 3">
+            <a:extLst>
+              <a:ext uri="{FF2B5EF4-FFF2-40B4-BE49-F238E27FC236}">
+                <a16:creationId xmlns:a16="http://schemas.microsoft.com/office/drawing/2014/main" id="{ADC24C8C-E791-4E81-8F55-BC6614D4B0B4}"/>
+              </a:ext>
+            </a:extLst>
+          </p:cNvPr>
           <p:cNvSpPr>
             <a:spLocks noGrp="1"/>
           </p:cNvSpPr>
@@ -1237,8 +1927,8 @@
         </p:nvSpPr>
         <p:spPr>
           <a:xfrm>
-            <a:off x="6338315" y="2638044"/>
-            <a:ext cx="4270247" cy="3101982"/>
+            <a:off x="6172200" y="1825625"/>
+            <a:ext cx="5181600" cy="4351338"/>
           </a:xfrm>
         </p:spPr>
         <p:txBody>
@@ -1278,13 +1968,18 @@
               <a:rPr lang="zh-TW" altLang="en-US"/>
               <a:t>第五層</a:t>
             </a:r>
-            <a:endParaRPr lang="en-US" dirty="0"/>
-          </a:p>
-        </p:txBody>
-      </p:sp>
-      <p:sp>
-        <p:nvSpPr>
-          <p:cNvPr id="8" name="Date Placeholder 7"/>
+          </a:p>
+        </p:txBody>
+      </p:sp>
+      <p:sp>
+        <p:nvSpPr>
+          <p:cNvPr id="5" name="日期版面配置區 4">
+            <a:extLst>
+              <a:ext uri="{FF2B5EF4-FFF2-40B4-BE49-F238E27FC236}">
+                <a16:creationId xmlns:a16="http://schemas.microsoft.com/office/drawing/2014/main" id="{218D0E70-E988-40C9-9BC6-1D8884C26337}"/>
+              </a:ext>
+            </a:extLst>
+          </p:cNvPr>
           <p:cNvSpPr>
             <a:spLocks noGrp="1"/>
           </p:cNvSpPr>
@@ -1299,7 +1994,7 @@
           <a:p>
             <a:fld id="{17501BA0-6145-4220-BB20-E24A3FFD92E2}" type="datetimeFigureOut">
               <a:rPr lang="zh-TW" altLang="en-US" smtClean="0"/>
-              <a:t>2024/10/12</a:t>
+              <a:t>2024/10/13</a:t>
             </a:fld>
             <a:endParaRPr lang="zh-TW" altLang="en-US"/>
           </a:p>
@@ -1307,7 +2002,13 @@
       </p:sp>
       <p:sp>
         <p:nvSpPr>
-          <p:cNvPr id="9" name="Footer Placeholder 8"/>
+          <p:cNvPr id="6" name="頁尾版面配置區 5">
+            <a:extLst>
+              <a:ext uri="{FF2B5EF4-FFF2-40B4-BE49-F238E27FC236}">
+                <a16:creationId xmlns:a16="http://schemas.microsoft.com/office/drawing/2014/main" id="{4FC45F9C-3199-49A1-8EB5-E2AAD9B5AFCC}"/>
+              </a:ext>
+            </a:extLst>
+          </p:cNvPr>
           <p:cNvSpPr>
             <a:spLocks noGrp="1"/>
           </p:cNvSpPr>
@@ -1326,7 +2027,13 @@
       </p:sp>
       <p:sp>
         <p:nvSpPr>
-          <p:cNvPr id="10" name="Slide Number Placeholder 9"/>
+          <p:cNvPr id="7" name="投影片編號版面配置區 6">
+            <a:extLst>
+              <a:ext uri="{FF2B5EF4-FFF2-40B4-BE49-F238E27FC236}">
+                <a16:creationId xmlns:a16="http://schemas.microsoft.com/office/drawing/2014/main" id="{9117766E-66AB-4E8A-958C-5B42405486B5}"/>
+              </a:ext>
+            </a:extLst>
+          </p:cNvPr>
           <p:cNvSpPr>
             <a:spLocks noGrp="1"/>
           </p:cNvSpPr>
@@ -1350,7 +2057,7 @@
     </p:spTree>
     <p:extLst>
       <p:ext uri="{BB962C8B-B14F-4D97-AF65-F5344CB8AC3E}">
-        <p14:creationId xmlns:p14="http://schemas.microsoft.com/office/powerpoint/2010/main" val="4147372388"/>
+        <p14:creationId xmlns:p14="http://schemas.microsoft.com/office/powerpoint/2010/main" val="2596027041"/>
       </p:ext>
     </p:extLst>
   </p:cSld>
@@ -1379,36 +2086,69 @@
       </p:grpSpPr>
       <p:sp>
         <p:nvSpPr>
-          <p:cNvPr id="3" name="Text Placeholder 2"/>
-          <p:cNvSpPr>
-            <a:spLocks noGrp="1"/>
-          </p:cNvSpPr>
-          <p:nvPr>
-            <p:ph type="body" idx="1"/>
+          <p:cNvPr id="2" name="標題 1">
+            <a:extLst>
+              <a:ext uri="{FF2B5EF4-FFF2-40B4-BE49-F238E27FC236}">
+                <a16:creationId xmlns:a16="http://schemas.microsoft.com/office/drawing/2014/main" id="{B46984BE-08A1-4F45-9CF5-A31C76D12015}"/>
+              </a:ext>
+            </a:extLst>
+          </p:cNvPr>
+          <p:cNvSpPr>
+            <a:spLocks noGrp="1"/>
+          </p:cNvSpPr>
+          <p:nvPr>
+            <p:ph type="title"/>
           </p:nvPr>
         </p:nvSpPr>
         <p:spPr>
           <a:xfrm>
-            <a:off x="1583436" y="2313433"/>
-            <a:ext cx="4270248" cy="704087"/>
+            <a:off x="839788" y="365125"/>
+            <a:ext cx="10515600" cy="1325563"/>
           </a:xfrm>
         </p:spPr>
         <p:txBody>
-          <a:bodyPr anchor="b" anchorCtr="1">
-            <a:normAutofit/>
-          </a:bodyPr>
+          <a:bodyPr/>
+          <a:lstStyle/>
+          <a:p>
+            <a:r>
+              <a:rPr lang="zh-TW" altLang="en-US"/>
+              <a:t>按一下以編輯母片標題樣式</a:t>
+            </a:r>
+          </a:p>
+        </p:txBody>
+      </p:sp>
+      <p:sp>
+        <p:nvSpPr>
+          <p:cNvPr id="3" name="文字版面配置區 2">
+            <a:extLst>
+              <a:ext uri="{FF2B5EF4-FFF2-40B4-BE49-F238E27FC236}">
+                <a16:creationId xmlns:a16="http://schemas.microsoft.com/office/drawing/2014/main" id="{E43F675A-AECD-4DF9-A489-55697DE6A004}"/>
+              </a:ext>
+            </a:extLst>
+          </p:cNvPr>
+          <p:cNvSpPr>
+            <a:spLocks noGrp="1"/>
+          </p:cNvSpPr>
+          <p:nvPr>
+            <p:ph type="body" idx="1"/>
+          </p:nvPr>
+        </p:nvSpPr>
+        <p:spPr>
+          <a:xfrm>
+            <a:off x="839788" y="1681163"/>
+            <a:ext cx="5157787" cy="823912"/>
+          </a:xfrm>
+        </p:spPr>
+        <p:txBody>
+          <a:bodyPr anchor="b"/>
           <a:lstStyle>
-            <a:lvl1pPr marL="0" indent="0" algn="ctr">
-              <a:buNone/>
-              <a:defRPr sz="1900" b="0" cap="all" spc="100" baseline="0">
-                <a:solidFill>
-                  <a:schemeClr val="accent2"/>
-                </a:solidFill>
-              </a:defRPr>
+            <a:lvl1pPr marL="0" indent="0">
+              <a:buNone/>
+              <a:defRPr sz="2400" b="1"/>
             </a:lvl1pPr>
             <a:lvl2pPr marL="457200" indent="0">
               <a:buNone/>
-              <a:defRPr sz="1900" b="1"/>
+              <a:defRPr sz="2000" b="1"/>
             </a:lvl2pPr>
             <a:lvl3pPr marL="914400" indent="0">
               <a:buNone/>
@@ -1450,7 +2190,13 @@
       </p:sp>
       <p:sp>
         <p:nvSpPr>
-          <p:cNvPr id="4" name="Content Placeholder 3"/>
+          <p:cNvPr id="4" name="內容版面配置區 3">
+            <a:extLst>
+              <a:ext uri="{FF2B5EF4-FFF2-40B4-BE49-F238E27FC236}">
+                <a16:creationId xmlns:a16="http://schemas.microsoft.com/office/drawing/2014/main" id="{9DBCE414-A72A-4631-8019-4662764619C4}"/>
+              </a:ext>
+            </a:extLst>
+          </p:cNvPr>
           <p:cNvSpPr>
             <a:spLocks noGrp="1"/>
           </p:cNvSpPr>
@@ -1460,8 +2206,8 @@
         </p:nvSpPr>
         <p:spPr>
           <a:xfrm>
-            <a:off x="1583436" y="3143250"/>
-            <a:ext cx="4270248" cy="2596776"/>
+            <a:off x="839788" y="2505075"/>
+            <a:ext cx="5157787" cy="3684588"/>
           </a:xfrm>
         </p:spPr>
         <p:txBody>
@@ -1501,103 +2247,41 @@
               <a:rPr lang="zh-TW" altLang="en-US"/>
               <a:t>第五層</a:t>
             </a:r>
-            <a:endParaRPr lang="en-US" dirty="0"/>
-          </a:p>
-        </p:txBody>
-      </p:sp>
-      <p:sp>
-        <p:nvSpPr>
-          <p:cNvPr id="6" name="Content Placeholder 5"/>
-          <p:cNvSpPr>
-            <a:spLocks noGrp="1"/>
-          </p:cNvSpPr>
-          <p:nvPr>
-            <p:ph sz="quarter" idx="4"/>
+          </a:p>
+        </p:txBody>
+      </p:sp>
+      <p:sp>
+        <p:nvSpPr>
+          <p:cNvPr id="5" name="文字版面配置區 4">
+            <a:extLst>
+              <a:ext uri="{FF2B5EF4-FFF2-40B4-BE49-F238E27FC236}">
+                <a16:creationId xmlns:a16="http://schemas.microsoft.com/office/drawing/2014/main" id="{9CA87554-13D3-4C96-B67D-6BCD3ACF0EB6}"/>
+              </a:ext>
+            </a:extLst>
+          </p:cNvPr>
+          <p:cNvSpPr>
+            <a:spLocks noGrp="1"/>
+          </p:cNvSpPr>
+          <p:nvPr>
+            <p:ph type="body" sz="quarter" idx="3"/>
           </p:nvPr>
         </p:nvSpPr>
         <p:spPr>
           <a:xfrm>
-            <a:off x="6338316" y="3143250"/>
-            <a:ext cx="4253484" cy="2596776"/>
+            <a:off x="6172200" y="1681163"/>
+            <a:ext cx="5183188" cy="823912"/>
           </a:xfrm>
         </p:spPr>
         <p:txBody>
-          <a:bodyPr/>
+          <a:bodyPr anchor="b"/>
           <a:lstStyle>
-            <a:lvl5pPr>
-              <a:defRPr/>
-            </a:lvl5pPr>
-          </a:lstStyle>
-          <a:p>
-            <a:pPr lvl="0"/>
-            <a:r>
-              <a:rPr lang="zh-TW" altLang="en-US"/>
-              <a:t>按一下以編輯母片文字樣式</a:t>
-            </a:r>
-          </a:p>
-          <a:p>
-            <a:pPr lvl="1"/>
-            <a:r>
-              <a:rPr lang="zh-TW" altLang="en-US"/>
-              <a:t>第二層</a:t>
-            </a:r>
-          </a:p>
-          <a:p>
-            <a:pPr lvl="2"/>
-            <a:r>
-              <a:rPr lang="zh-TW" altLang="en-US"/>
-              <a:t>第三層</a:t>
-            </a:r>
-          </a:p>
-          <a:p>
-            <a:pPr lvl="3"/>
-            <a:r>
-              <a:rPr lang="zh-TW" altLang="en-US"/>
-              <a:t>第四層</a:t>
-            </a:r>
-          </a:p>
-          <a:p>
-            <a:pPr lvl="4"/>
-            <a:r>
-              <a:rPr lang="zh-TW" altLang="en-US"/>
-              <a:t>第五層</a:t>
-            </a:r>
-            <a:endParaRPr lang="en-US" dirty="0"/>
-          </a:p>
-        </p:txBody>
-      </p:sp>
-      <p:sp>
-        <p:nvSpPr>
-          <p:cNvPr id="11" name="Text Placeholder 4"/>
-          <p:cNvSpPr>
-            <a:spLocks noGrp="1"/>
-          </p:cNvSpPr>
-          <p:nvPr>
-            <p:ph type="body" sz="quarter" idx="13"/>
-          </p:nvPr>
-        </p:nvSpPr>
-        <p:spPr>
-          <a:xfrm>
-            <a:off x="6338316" y="2313433"/>
-            <a:ext cx="4270248" cy="704087"/>
-          </a:xfrm>
-        </p:spPr>
-        <p:txBody>
-          <a:bodyPr anchor="b" anchorCtr="1">
-            <a:normAutofit/>
-          </a:bodyPr>
-          <a:lstStyle>
-            <a:lvl1pPr marL="0" indent="0" algn="ctr">
-              <a:buNone/>
-              <a:defRPr sz="1900" b="0" cap="all" spc="100" baseline="0">
-                <a:solidFill>
-                  <a:schemeClr val="accent2"/>
-                </a:solidFill>
-              </a:defRPr>
+            <a:lvl1pPr marL="0" indent="0">
+              <a:buNone/>
+              <a:defRPr sz="2400" b="1"/>
             </a:lvl1pPr>
             <a:lvl2pPr marL="457200" indent="0">
               <a:buNone/>
-              <a:defRPr sz="1900" b="1"/>
+              <a:defRPr sz="2000" b="1"/>
             </a:lvl2pPr>
             <a:lvl3pPr marL="914400" indent="0">
               <a:buNone/>
@@ -1639,7 +2323,75 @@
       </p:sp>
       <p:sp>
         <p:nvSpPr>
-          <p:cNvPr id="7" name="Date Placeholder 6"/>
+          <p:cNvPr id="6" name="內容版面配置區 5">
+            <a:extLst>
+              <a:ext uri="{FF2B5EF4-FFF2-40B4-BE49-F238E27FC236}">
+                <a16:creationId xmlns:a16="http://schemas.microsoft.com/office/drawing/2014/main" id="{00119611-71F0-4D15-841A-5DC5ECC502D1}"/>
+              </a:ext>
+            </a:extLst>
+          </p:cNvPr>
+          <p:cNvSpPr>
+            <a:spLocks noGrp="1"/>
+          </p:cNvSpPr>
+          <p:nvPr>
+            <p:ph sz="quarter" idx="4"/>
+          </p:nvPr>
+        </p:nvSpPr>
+        <p:spPr>
+          <a:xfrm>
+            <a:off x="6172200" y="2505075"/>
+            <a:ext cx="5183188" cy="3684588"/>
+          </a:xfrm>
+        </p:spPr>
+        <p:txBody>
+          <a:bodyPr/>
+          <a:lstStyle/>
+          <a:p>
+            <a:pPr lvl="0"/>
+            <a:r>
+              <a:rPr lang="zh-TW" altLang="en-US"/>
+              <a:t>按一下以編輯母片文字樣式</a:t>
+            </a:r>
+          </a:p>
+          <a:p>
+            <a:pPr lvl="1"/>
+            <a:r>
+              <a:rPr lang="zh-TW" altLang="en-US"/>
+              <a:t>第二層</a:t>
+            </a:r>
+          </a:p>
+          <a:p>
+            <a:pPr lvl="2"/>
+            <a:r>
+              <a:rPr lang="zh-TW" altLang="en-US"/>
+              <a:t>第三層</a:t>
+            </a:r>
+          </a:p>
+          <a:p>
+            <a:pPr lvl="3"/>
+            <a:r>
+              <a:rPr lang="zh-TW" altLang="en-US"/>
+              <a:t>第四層</a:t>
+            </a:r>
+          </a:p>
+          <a:p>
+            <a:pPr lvl="4"/>
+            <a:r>
+              <a:rPr lang="zh-TW" altLang="en-US"/>
+              <a:t>第五層</a:t>
+            </a:r>
+          </a:p>
+        </p:txBody>
+      </p:sp>
+      <p:sp>
+        <p:nvSpPr>
+          <p:cNvPr id="7" name="日期版面配置區 6">
+            <a:extLst>
+              <a:ext uri="{FF2B5EF4-FFF2-40B4-BE49-F238E27FC236}">
+                <a16:creationId xmlns:a16="http://schemas.microsoft.com/office/drawing/2014/main" id="{7FBF672A-773A-4C82-B432-7C76D0A220D5}"/>
+              </a:ext>
+            </a:extLst>
+          </p:cNvPr>
           <p:cNvSpPr>
             <a:spLocks noGrp="1"/>
           </p:cNvSpPr>
@@ -1654,7 +2406,7 @@
           <a:p>
             <a:fld id="{17501BA0-6145-4220-BB20-E24A3FFD92E2}" type="datetimeFigureOut">
               <a:rPr lang="zh-TW" altLang="en-US" smtClean="0"/>
-              <a:t>2024/10/12</a:t>
+              <a:t>2024/10/13</a:t>
             </a:fld>
             <a:endParaRPr lang="zh-TW" altLang="en-US"/>
           </a:p>
@@ -1662,7 +2414,13 @@
       </p:sp>
       <p:sp>
         <p:nvSpPr>
-          <p:cNvPr id="8" name="Footer Placeholder 7"/>
+          <p:cNvPr id="8" name="頁尾版面配置區 7">
+            <a:extLst>
+              <a:ext uri="{FF2B5EF4-FFF2-40B4-BE49-F238E27FC236}">
+                <a16:creationId xmlns:a16="http://schemas.microsoft.com/office/drawing/2014/main" id="{F20D07ED-9CEC-4632-A6AB-3E787730F528}"/>
+              </a:ext>
+            </a:extLst>
+          </p:cNvPr>
           <p:cNvSpPr>
             <a:spLocks noGrp="1"/>
           </p:cNvSpPr>
@@ -1681,7 +2439,13 @@
       </p:sp>
       <p:sp>
         <p:nvSpPr>
-          <p:cNvPr id="9" name="Slide Number Placeholder 8"/>
+          <p:cNvPr id="9" name="投影片編號版面配置區 8">
+            <a:extLst>
+              <a:ext uri="{FF2B5EF4-FFF2-40B4-BE49-F238E27FC236}">
+                <a16:creationId xmlns:a16="http://schemas.microsoft.com/office/drawing/2014/main" id="{2BBD53ED-2CA6-4CE4-89BD-B7452D3BC548}"/>
+              </a:ext>
+            </a:extLst>
+          </p:cNvPr>
           <p:cNvSpPr>
             <a:spLocks noGrp="1"/>
           </p:cNvSpPr>
@@ -1702,33 +2466,10 @@
           </a:p>
         </p:txBody>
       </p:sp>
-      <p:sp>
-        <p:nvSpPr>
-          <p:cNvPr id="10" name="Title 9"/>
-          <p:cNvSpPr>
-            <a:spLocks noGrp="1"/>
-          </p:cNvSpPr>
-          <p:nvPr>
-            <p:ph type="title"/>
-          </p:nvPr>
-        </p:nvSpPr>
-        <p:spPr/>
-        <p:txBody>
-          <a:bodyPr/>
-          <a:lstStyle/>
-          <a:p>
-            <a:r>
-              <a:rPr lang="zh-TW" altLang="en-US"/>
-              <a:t>按一下以編輯母片標題樣式</a:t>
-            </a:r>
-            <a:endParaRPr lang="en-US" dirty="0"/>
-          </a:p>
-        </p:txBody>
-      </p:sp>
     </p:spTree>
     <p:extLst>
       <p:ext uri="{BB962C8B-B14F-4D97-AF65-F5344CB8AC3E}">
-        <p14:creationId xmlns:p14="http://schemas.microsoft.com/office/powerpoint/2010/main" val="1598466512"/>
+        <p14:creationId xmlns:p14="http://schemas.microsoft.com/office/powerpoint/2010/main" val="3030796140"/>
       </p:ext>
     </p:extLst>
   </p:cSld>
@@ -1757,7 +2498,13 @@
       </p:grpSpPr>
       <p:sp>
         <p:nvSpPr>
-          <p:cNvPr id="2" name="Title 1"/>
+          <p:cNvPr id="2" name="標題 1">
+            <a:extLst>
+              <a:ext uri="{FF2B5EF4-FFF2-40B4-BE49-F238E27FC236}">
+                <a16:creationId xmlns:a16="http://schemas.microsoft.com/office/drawing/2014/main" id="{8D361D86-62D6-4280-A116-3FB218827E09}"/>
+              </a:ext>
+            </a:extLst>
+          </p:cNvPr>
           <p:cNvSpPr>
             <a:spLocks noGrp="1"/>
           </p:cNvSpPr>
@@ -1774,13 +2521,18 @@
               <a:rPr lang="zh-TW" altLang="en-US"/>
               <a:t>按一下以編輯母片標題樣式</a:t>
             </a:r>
-            <a:endParaRPr lang="en-US" dirty="0"/>
-          </a:p>
-        </p:txBody>
-      </p:sp>
-      <p:sp>
-        <p:nvSpPr>
-          <p:cNvPr id="3" name="Date Placeholder 2"/>
+          </a:p>
+        </p:txBody>
+      </p:sp>
+      <p:sp>
+        <p:nvSpPr>
+          <p:cNvPr id="3" name="日期版面配置區 2">
+            <a:extLst>
+              <a:ext uri="{FF2B5EF4-FFF2-40B4-BE49-F238E27FC236}">
+                <a16:creationId xmlns:a16="http://schemas.microsoft.com/office/drawing/2014/main" id="{DBCE5330-B105-4215-BB9A-50F29701850C}"/>
+              </a:ext>
+            </a:extLst>
+          </p:cNvPr>
           <p:cNvSpPr>
             <a:spLocks noGrp="1"/>
           </p:cNvSpPr>
@@ -1795,7 +2547,7 @@
           <a:p>
             <a:fld id="{17501BA0-6145-4220-BB20-E24A3FFD92E2}" type="datetimeFigureOut">
               <a:rPr lang="zh-TW" altLang="en-US" smtClean="0"/>
-              <a:t>2024/10/12</a:t>
+              <a:t>2024/10/13</a:t>
             </a:fld>
             <a:endParaRPr lang="zh-TW" altLang="en-US"/>
           </a:p>
@@ -1803,7 +2555,13 @@
       </p:sp>
       <p:sp>
         <p:nvSpPr>
-          <p:cNvPr id="4" name="Footer Placeholder 3"/>
+          <p:cNvPr id="4" name="頁尾版面配置區 3">
+            <a:extLst>
+              <a:ext uri="{FF2B5EF4-FFF2-40B4-BE49-F238E27FC236}">
+                <a16:creationId xmlns:a16="http://schemas.microsoft.com/office/drawing/2014/main" id="{0BA2AE98-ABD2-46A9-A6CF-052D34B89BAC}"/>
+              </a:ext>
+            </a:extLst>
+          </p:cNvPr>
           <p:cNvSpPr>
             <a:spLocks noGrp="1"/>
           </p:cNvSpPr>
@@ -1822,7 +2580,13 @@
       </p:sp>
       <p:sp>
         <p:nvSpPr>
-          <p:cNvPr id="5" name="Slide Number Placeholder 4"/>
+          <p:cNvPr id="5" name="投影片編號版面配置區 4">
+            <a:extLst>
+              <a:ext uri="{FF2B5EF4-FFF2-40B4-BE49-F238E27FC236}">
+                <a16:creationId xmlns:a16="http://schemas.microsoft.com/office/drawing/2014/main" id="{CF4D38FF-BAFB-4D43-A1F4-B4D825D289A0}"/>
+              </a:ext>
+            </a:extLst>
+          </p:cNvPr>
           <p:cNvSpPr>
             <a:spLocks noGrp="1"/>
           </p:cNvSpPr>
@@ -1846,7 +2610,7 @@
     </p:spTree>
     <p:extLst>
       <p:ext uri="{BB962C8B-B14F-4D97-AF65-F5344CB8AC3E}">
-        <p14:creationId xmlns:p14="http://schemas.microsoft.com/office/powerpoint/2010/main" val="3526774236"/>
+        <p14:creationId xmlns:p14="http://schemas.microsoft.com/office/powerpoint/2010/main" val="89735058"/>
       </p:ext>
     </p:extLst>
   </p:cSld>
@@ -1875,7 +2639,13 @@
       </p:grpSpPr>
       <p:sp>
         <p:nvSpPr>
-          <p:cNvPr id="2" name="Date Placeholder 1"/>
+          <p:cNvPr id="2" name="日期版面配置區 1">
+            <a:extLst>
+              <a:ext uri="{FF2B5EF4-FFF2-40B4-BE49-F238E27FC236}">
+                <a16:creationId xmlns:a16="http://schemas.microsoft.com/office/drawing/2014/main" id="{69A26D50-0618-49DD-9420-17F301975F82}"/>
+              </a:ext>
+            </a:extLst>
+          </p:cNvPr>
           <p:cNvSpPr>
             <a:spLocks noGrp="1"/>
           </p:cNvSpPr>
@@ -1890,7 +2660,7 @@
           <a:p>
             <a:fld id="{17501BA0-6145-4220-BB20-E24A3FFD92E2}" type="datetimeFigureOut">
               <a:rPr lang="zh-TW" altLang="en-US" smtClean="0"/>
-              <a:t>2024/10/12</a:t>
+              <a:t>2024/10/13</a:t>
             </a:fld>
             <a:endParaRPr lang="zh-TW" altLang="en-US"/>
           </a:p>
@@ -1898,7 +2668,13 @@
       </p:sp>
       <p:sp>
         <p:nvSpPr>
-          <p:cNvPr id="3" name="Footer Placeholder 2"/>
+          <p:cNvPr id="3" name="頁尾版面配置區 2">
+            <a:extLst>
+              <a:ext uri="{FF2B5EF4-FFF2-40B4-BE49-F238E27FC236}">
+                <a16:creationId xmlns:a16="http://schemas.microsoft.com/office/drawing/2014/main" id="{3540DE00-3DDB-444F-8556-EAE76B2E450D}"/>
+              </a:ext>
+            </a:extLst>
+          </p:cNvPr>
           <p:cNvSpPr>
             <a:spLocks noGrp="1"/>
           </p:cNvSpPr>
@@ -1917,7 +2693,13 @@
       </p:sp>
       <p:sp>
         <p:nvSpPr>
-          <p:cNvPr id="4" name="Slide Number Placeholder 3"/>
+          <p:cNvPr id="4" name="投影片編號版面配置區 3">
+            <a:extLst>
+              <a:ext uri="{FF2B5EF4-FFF2-40B4-BE49-F238E27FC236}">
+                <a16:creationId xmlns:a16="http://schemas.microsoft.com/office/drawing/2014/main" id="{2BE04B2C-6A81-40B4-A2C8-A7653E6D9C30}"/>
+              </a:ext>
+            </a:extLst>
+          </p:cNvPr>
           <p:cNvSpPr>
             <a:spLocks noGrp="1"/>
           </p:cNvSpPr>
@@ -1941,7 +2723,7 @@
     </p:spTree>
     <p:extLst>
       <p:ext uri="{BB962C8B-B14F-4D97-AF65-F5344CB8AC3E}">
-        <p14:creationId xmlns:p14="http://schemas.microsoft.com/office/powerpoint/2010/main" val="200270732"/>
+        <p14:creationId xmlns:p14="http://schemas.microsoft.com/office/powerpoint/2010/main" val="4238639528"/>
       </p:ext>
     </p:extLst>
   </p:cSld>
@@ -1954,9 +2736,608 @@
 <file path=ppt/slideLayouts/slideLayout8.xml><?xml version="1.0" encoding="utf-8"?>
 <p:sldLayout xmlns:a="http://schemas.openxmlformats.org/drawingml/2006/main" xmlns:r="http://schemas.openxmlformats.org/officeDocument/2006/relationships" xmlns:p="http://schemas.openxmlformats.org/presentationml/2006/main" type="objTx" preserve="1">
   <p:cSld name="含輔助字幕的內容">
+    <p:spTree>
+      <p:nvGrpSpPr>
+        <p:cNvPr id="1" name=""/>
+        <p:cNvGrpSpPr/>
+        <p:nvPr/>
+      </p:nvGrpSpPr>
+      <p:grpSpPr>
+        <a:xfrm>
+          <a:off x="0" y="0"/>
+          <a:ext cx="0" cy="0"/>
+          <a:chOff x="0" y="0"/>
+          <a:chExt cx="0" cy="0"/>
+        </a:xfrm>
+      </p:grpSpPr>
+      <p:sp>
+        <p:nvSpPr>
+          <p:cNvPr id="2" name="標題 1">
+            <a:extLst>
+              <a:ext uri="{FF2B5EF4-FFF2-40B4-BE49-F238E27FC236}">
+                <a16:creationId xmlns:a16="http://schemas.microsoft.com/office/drawing/2014/main" id="{F825C673-2497-4867-A4A0-47281D51C60B}"/>
+              </a:ext>
+            </a:extLst>
+          </p:cNvPr>
+          <p:cNvSpPr>
+            <a:spLocks noGrp="1"/>
+          </p:cNvSpPr>
+          <p:nvPr>
+            <p:ph type="title"/>
+          </p:nvPr>
+        </p:nvSpPr>
+        <p:spPr>
+          <a:xfrm>
+            <a:off x="839788" y="457200"/>
+            <a:ext cx="3932237" cy="1600200"/>
+          </a:xfrm>
+        </p:spPr>
+        <p:txBody>
+          <a:bodyPr anchor="b"/>
+          <a:lstStyle>
+            <a:lvl1pPr>
+              <a:defRPr sz="3200"/>
+            </a:lvl1pPr>
+          </a:lstStyle>
+          <a:p>
+            <a:r>
+              <a:rPr lang="zh-TW" altLang="en-US"/>
+              <a:t>按一下以編輯母片標題樣式</a:t>
+            </a:r>
+          </a:p>
+        </p:txBody>
+      </p:sp>
+      <p:sp>
+        <p:nvSpPr>
+          <p:cNvPr id="3" name="內容版面配置區 2">
+            <a:extLst>
+              <a:ext uri="{FF2B5EF4-FFF2-40B4-BE49-F238E27FC236}">
+                <a16:creationId xmlns:a16="http://schemas.microsoft.com/office/drawing/2014/main" id="{FBE1CC81-FF0F-4E69-BC81-699F37D68794}"/>
+              </a:ext>
+            </a:extLst>
+          </p:cNvPr>
+          <p:cNvSpPr>
+            <a:spLocks noGrp="1"/>
+          </p:cNvSpPr>
+          <p:nvPr>
+            <p:ph idx="1"/>
+          </p:nvPr>
+        </p:nvSpPr>
+        <p:spPr>
+          <a:xfrm>
+            <a:off x="5183188" y="987425"/>
+            <a:ext cx="6172200" cy="4873625"/>
+          </a:xfrm>
+        </p:spPr>
+        <p:txBody>
+          <a:bodyPr/>
+          <a:lstStyle>
+            <a:lvl1pPr>
+              <a:defRPr sz="3200"/>
+            </a:lvl1pPr>
+            <a:lvl2pPr>
+              <a:defRPr sz="2800"/>
+            </a:lvl2pPr>
+            <a:lvl3pPr>
+              <a:defRPr sz="2400"/>
+            </a:lvl3pPr>
+            <a:lvl4pPr>
+              <a:defRPr sz="2000"/>
+            </a:lvl4pPr>
+            <a:lvl5pPr>
+              <a:defRPr sz="2000"/>
+            </a:lvl5pPr>
+            <a:lvl6pPr>
+              <a:defRPr sz="2000"/>
+            </a:lvl6pPr>
+            <a:lvl7pPr>
+              <a:defRPr sz="2000"/>
+            </a:lvl7pPr>
+            <a:lvl8pPr>
+              <a:defRPr sz="2000"/>
+            </a:lvl8pPr>
+            <a:lvl9pPr>
+              <a:defRPr sz="2000"/>
+            </a:lvl9pPr>
+          </a:lstStyle>
+          <a:p>
+            <a:pPr lvl="0"/>
+            <a:r>
+              <a:rPr lang="zh-TW" altLang="en-US"/>
+              <a:t>按一下以編輯母片文字樣式</a:t>
+            </a:r>
+          </a:p>
+          <a:p>
+            <a:pPr lvl="1"/>
+            <a:r>
+              <a:rPr lang="zh-TW" altLang="en-US"/>
+              <a:t>第二層</a:t>
+            </a:r>
+          </a:p>
+          <a:p>
+            <a:pPr lvl="2"/>
+            <a:r>
+              <a:rPr lang="zh-TW" altLang="en-US"/>
+              <a:t>第三層</a:t>
+            </a:r>
+          </a:p>
+          <a:p>
+            <a:pPr lvl="3"/>
+            <a:r>
+              <a:rPr lang="zh-TW" altLang="en-US"/>
+              <a:t>第四層</a:t>
+            </a:r>
+          </a:p>
+          <a:p>
+            <a:pPr lvl="4"/>
+            <a:r>
+              <a:rPr lang="zh-TW" altLang="en-US"/>
+              <a:t>第五層</a:t>
+            </a:r>
+          </a:p>
+        </p:txBody>
+      </p:sp>
+      <p:sp>
+        <p:nvSpPr>
+          <p:cNvPr id="4" name="文字版面配置區 3">
+            <a:extLst>
+              <a:ext uri="{FF2B5EF4-FFF2-40B4-BE49-F238E27FC236}">
+                <a16:creationId xmlns:a16="http://schemas.microsoft.com/office/drawing/2014/main" id="{AF919991-92CC-4684-B379-5B1B236E426D}"/>
+              </a:ext>
+            </a:extLst>
+          </p:cNvPr>
+          <p:cNvSpPr>
+            <a:spLocks noGrp="1"/>
+          </p:cNvSpPr>
+          <p:nvPr>
+            <p:ph type="body" sz="half" idx="2"/>
+          </p:nvPr>
+        </p:nvSpPr>
+        <p:spPr>
+          <a:xfrm>
+            <a:off x="839788" y="2057400"/>
+            <a:ext cx="3932237" cy="3811588"/>
+          </a:xfrm>
+        </p:spPr>
+        <p:txBody>
+          <a:bodyPr/>
+          <a:lstStyle>
+            <a:lvl1pPr marL="0" indent="0">
+              <a:buNone/>
+              <a:defRPr sz="1600"/>
+            </a:lvl1pPr>
+            <a:lvl2pPr marL="457200" indent="0">
+              <a:buNone/>
+              <a:defRPr sz="1400"/>
+            </a:lvl2pPr>
+            <a:lvl3pPr marL="914400" indent="0">
+              <a:buNone/>
+              <a:defRPr sz="1200"/>
+            </a:lvl3pPr>
+            <a:lvl4pPr marL="1371600" indent="0">
+              <a:buNone/>
+              <a:defRPr sz="1000"/>
+            </a:lvl4pPr>
+            <a:lvl5pPr marL="1828800" indent="0">
+              <a:buNone/>
+              <a:defRPr sz="1000"/>
+            </a:lvl5pPr>
+            <a:lvl6pPr marL="2286000" indent="0">
+              <a:buNone/>
+              <a:defRPr sz="1000"/>
+            </a:lvl6pPr>
+            <a:lvl7pPr marL="2743200" indent="0">
+              <a:buNone/>
+              <a:defRPr sz="1000"/>
+            </a:lvl7pPr>
+            <a:lvl8pPr marL="3200400" indent="0">
+              <a:buNone/>
+              <a:defRPr sz="1000"/>
+            </a:lvl8pPr>
+            <a:lvl9pPr marL="3657600" indent="0">
+              <a:buNone/>
+              <a:defRPr sz="1000"/>
+            </a:lvl9pPr>
+          </a:lstStyle>
+          <a:p>
+            <a:pPr lvl="0"/>
+            <a:r>
+              <a:rPr lang="zh-TW" altLang="en-US"/>
+              <a:t>按一下以編輯母片文字樣式</a:t>
+            </a:r>
+          </a:p>
+        </p:txBody>
+      </p:sp>
+      <p:sp>
+        <p:nvSpPr>
+          <p:cNvPr id="5" name="日期版面配置區 4">
+            <a:extLst>
+              <a:ext uri="{FF2B5EF4-FFF2-40B4-BE49-F238E27FC236}">
+                <a16:creationId xmlns:a16="http://schemas.microsoft.com/office/drawing/2014/main" id="{5ACE4290-D6FD-405F-8DEB-4391B2644CC7}"/>
+              </a:ext>
+            </a:extLst>
+          </p:cNvPr>
+          <p:cNvSpPr>
+            <a:spLocks noGrp="1"/>
+          </p:cNvSpPr>
+          <p:nvPr>
+            <p:ph type="dt" sz="half" idx="10"/>
+          </p:nvPr>
+        </p:nvSpPr>
+        <p:spPr/>
+        <p:txBody>
+          <a:bodyPr/>
+          <a:lstStyle/>
+          <a:p>
+            <a:fld id="{17501BA0-6145-4220-BB20-E24A3FFD92E2}" type="datetimeFigureOut">
+              <a:rPr lang="zh-TW" altLang="en-US" smtClean="0"/>
+              <a:t>2024/10/13</a:t>
+            </a:fld>
+            <a:endParaRPr lang="zh-TW" altLang="en-US"/>
+          </a:p>
+        </p:txBody>
+      </p:sp>
+      <p:sp>
+        <p:nvSpPr>
+          <p:cNvPr id="6" name="頁尾版面配置區 5">
+            <a:extLst>
+              <a:ext uri="{FF2B5EF4-FFF2-40B4-BE49-F238E27FC236}">
+                <a16:creationId xmlns:a16="http://schemas.microsoft.com/office/drawing/2014/main" id="{1513C0CF-13D2-4FE0-82C8-1FB061B73B26}"/>
+              </a:ext>
+            </a:extLst>
+          </p:cNvPr>
+          <p:cNvSpPr>
+            <a:spLocks noGrp="1"/>
+          </p:cNvSpPr>
+          <p:nvPr>
+            <p:ph type="ftr" sz="quarter" idx="11"/>
+          </p:nvPr>
+        </p:nvSpPr>
+        <p:spPr/>
+        <p:txBody>
+          <a:bodyPr/>
+          <a:lstStyle/>
+          <a:p>
+            <a:endParaRPr lang="zh-TW" altLang="en-US"/>
+          </a:p>
+        </p:txBody>
+      </p:sp>
+      <p:sp>
+        <p:nvSpPr>
+          <p:cNvPr id="7" name="投影片編號版面配置區 6">
+            <a:extLst>
+              <a:ext uri="{FF2B5EF4-FFF2-40B4-BE49-F238E27FC236}">
+                <a16:creationId xmlns:a16="http://schemas.microsoft.com/office/drawing/2014/main" id="{A94B81A8-CD9A-4426-903F-C9B90E3636E8}"/>
+              </a:ext>
+            </a:extLst>
+          </p:cNvPr>
+          <p:cNvSpPr>
+            <a:spLocks noGrp="1"/>
+          </p:cNvSpPr>
+          <p:nvPr>
+            <p:ph type="sldNum" sz="quarter" idx="12"/>
+          </p:nvPr>
+        </p:nvSpPr>
+        <p:spPr/>
+        <p:txBody>
+          <a:bodyPr/>
+          <a:lstStyle/>
+          <a:p>
+            <a:fld id="{06B2F8F9-DF5B-4DDB-8915-1478D7FF7E48}" type="slidenum">
+              <a:rPr lang="zh-TW" altLang="en-US" smtClean="0"/>
+              <a:t>‹#›</a:t>
+            </a:fld>
+            <a:endParaRPr lang="zh-TW" altLang="en-US"/>
+          </a:p>
+        </p:txBody>
+      </p:sp>
+    </p:spTree>
+    <p:extLst>
+      <p:ext uri="{BB962C8B-B14F-4D97-AF65-F5344CB8AC3E}">
+        <p14:creationId xmlns:p14="http://schemas.microsoft.com/office/powerpoint/2010/main" val="2014379179"/>
+      </p:ext>
+    </p:extLst>
+  </p:cSld>
+  <p:clrMapOvr>
+    <a:masterClrMapping/>
+  </p:clrMapOvr>
+</p:sldLayout>
+</file>
+
+<file path=ppt/slideLayouts/slideLayout9.xml><?xml version="1.0" encoding="utf-8"?>
+<p:sldLayout xmlns:a="http://schemas.openxmlformats.org/drawingml/2006/main" xmlns:r="http://schemas.openxmlformats.org/officeDocument/2006/relationships" xmlns:p="http://schemas.openxmlformats.org/presentationml/2006/main" type="picTx" preserve="1">
+  <p:cSld name="含輔助字幕的圖片">
+    <p:spTree>
+      <p:nvGrpSpPr>
+        <p:cNvPr id="1" name=""/>
+        <p:cNvGrpSpPr/>
+        <p:nvPr/>
+      </p:nvGrpSpPr>
+      <p:grpSpPr>
+        <a:xfrm>
+          <a:off x="0" y="0"/>
+          <a:ext cx="0" cy="0"/>
+          <a:chOff x="0" y="0"/>
+          <a:chExt cx="0" cy="0"/>
+        </a:xfrm>
+      </p:grpSpPr>
+      <p:sp>
+        <p:nvSpPr>
+          <p:cNvPr id="2" name="標題 1">
+            <a:extLst>
+              <a:ext uri="{FF2B5EF4-FFF2-40B4-BE49-F238E27FC236}">
+                <a16:creationId xmlns:a16="http://schemas.microsoft.com/office/drawing/2014/main" id="{43CD6C96-0E0A-44CC-8AF5-C1741D4581E7}"/>
+              </a:ext>
+            </a:extLst>
+          </p:cNvPr>
+          <p:cNvSpPr>
+            <a:spLocks noGrp="1"/>
+          </p:cNvSpPr>
+          <p:nvPr>
+            <p:ph type="title"/>
+          </p:nvPr>
+        </p:nvSpPr>
+        <p:spPr>
+          <a:xfrm>
+            <a:off x="839788" y="457200"/>
+            <a:ext cx="3932237" cy="1600200"/>
+          </a:xfrm>
+        </p:spPr>
+        <p:txBody>
+          <a:bodyPr anchor="b"/>
+          <a:lstStyle>
+            <a:lvl1pPr>
+              <a:defRPr sz="3200"/>
+            </a:lvl1pPr>
+          </a:lstStyle>
+          <a:p>
+            <a:r>
+              <a:rPr lang="zh-TW" altLang="en-US"/>
+              <a:t>按一下以編輯母片標題樣式</a:t>
+            </a:r>
+          </a:p>
+        </p:txBody>
+      </p:sp>
+      <p:sp>
+        <p:nvSpPr>
+          <p:cNvPr id="3" name="圖片版面配置區 2">
+            <a:extLst>
+              <a:ext uri="{FF2B5EF4-FFF2-40B4-BE49-F238E27FC236}">
+                <a16:creationId xmlns:a16="http://schemas.microsoft.com/office/drawing/2014/main" id="{1875B66D-1F89-43D7-8A17-3410313F9477}"/>
+              </a:ext>
+            </a:extLst>
+          </p:cNvPr>
+          <p:cNvSpPr>
+            <a:spLocks noGrp="1"/>
+          </p:cNvSpPr>
+          <p:nvPr>
+            <p:ph type="pic" idx="1"/>
+          </p:nvPr>
+        </p:nvSpPr>
+        <p:spPr>
+          <a:xfrm>
+            <a:off x="5183188" y="987425"/>
+            <a:ext cx="6172200" cy="4873625"/>
+          </a:xfrm>
+        </p:spPr>
+        <p:txBody>
+          <a:bodyPr/>
+          <a:lstStyle>
+            <a:lvl1pPr marL="0" indent="0">
+              <a:buNone/>
+              <a:defRPr sz="3200"/>
+            </a:lvl1pPr>
+            <a:lvl2pPr marL="457200" indent="0">
+              <a:buNone/>
+              <a:defRPr sz="2800"/>
+            </a:lvl2pPr>
+            <a:lvl3pPr marL="914400" indent="0">
+              <a:buNone/>
+              <a:defRPr sz="2400"/>
+            </a:lvl3pPr>
+            <a:lvl4pPr marL="1371600" indent="0">
+              <a:buNone/>
+              <a:defRPr sz="2000"/>
+            </a:lvl4pPr>
+            <a:lvl5pPr marL="1828800" indent="0">
+              <a:buNone/>
+              <a:defRPr sz="2000"/>
+            </a:lvl5pPr>
+            <a:lvl6pPr marL="2286000" indent="0">
+              <a:buNone/>
+              <a:defRPr sz="2000"/>
+            </a:lvl6pPr>
+            <a:lvl7pPr marL="2743200" indent="0">
+              <a:buNone/>
+              <a:defRPr sz="2000"/>
+            </a:lvl7pPr>
+            <a:lvl8pPr marL="3200400" indent="0">
+              <a:buNone/>
+              <a:defRPr sz="2000"/>
+            </a:lvl8pPr>
+            <a:lvl9pPr marL="3657600" indent="0">
+              <a:buNone/>
+              <a:defRPr sz="2000"/>
+            </a:lvl9pPr>
+          </a:lstStyle>
+          <a:p>
+            <a:endParaRPr lang="zh-TW" altLang="en-US"/>
+          </a:p>
+        </p:txBody>
+      </p:sp>
+      <p:sp>
+        <p:nvSpPr>
+          <p:cNvPr id="4" name="文字版面配置區 3">
+            <a:extLst>
+              <a:ext uri="{FF2B5EF4-FFF2-40B4-BE49-F238E27FC236}">
+                <a16:creationId xmlns:a16="http://schemas.microsoft.com/office/drawing/2014/main" id="{C787643B-6C4B-4D29-B405-CC57FE4745E4}"/>
+              </a:ext>
+            </a:extLst>
+          </p:cNvPr>
+          <p:cNvSpPr>
+            <a:spLocks noGrp="1"/>
+          </p:cNvSpPr>
+          <p:nvPr>
+            <p:ph type="body" sz="half" idx="2"/>
+          </p:nvPr>
+        </p:nvSpPr>
+        <p:spPr>
+          <a:xfrm>
+            <a:off x="839788" y="2057400"/>
+            <a:ext cx="3932237" cy="3811588"/>
+          </a:xfrm>
+        </p:spPr>
+        <p:txBody>
+          <a:bodyPr/>
+          <a:lstStyle>
+            <a:lvl1pPr marL="0" indent="0">
+              <a:buNone/>
+              <a:defRPr sz="1600"/>
+            </a:lvl1pPr>
+            <a:lvl2pPr marL="457200" indent="0">
+              <a:buNone/>
+              <a:defRPr sz="1400"/>
+            </a:lvl2pPr>
+            <a:lvl3pPr marL="914400" indent="0">
+              <a:buNone/>
+              <a:defRPr sz="1200"/>
+            </a:lvl3pPr>
+            <a:lvl4pPr marL="1371600" indent="0">
+              <a:buNone/>
+              <a:defRPr sz="1000"/>
+            </a:lvl4pPr>
+            <a:lvl5pPr marL="1828800" indent="0">
+              <a:buNone/>
+              <a:defRPr sz="1000"/>
+            </a:lvl5pPr>
+            <a:lvl6pPr marL="2286000" indent="0">
+              <a:buNone/>
+              <a:defRPr sz="1000"/>
+            </a:lvl6pPr>
+            <a:lvl7pPr marL="2743200" indent="0">
+              <a:buNone/>
+              <a:defRPr sz="1000"/>
+            </a:lvl7pPr>
+            <a:lvl8pPr marL="3200400" indent="0">
+              <a:buNone/>
+              <a:defRPr sz="1000"/>
+            </a:lvl8pPr>
+            <a:lvl9pPr marL="3657600" indent="0">
+              <a:buNone/>
+              <a:defRPr sz="1000"/>
+            </a:lvl9pPr>
+          </a:lstStyle>
+          <a:p>
+            <a:pPr lvl="0"/>
+            <a:r>
+              <a:rPr lang="zh-TW" altLang="en-US"/>
+              <a:t>按一下以編輯母片文字樣式</a:t>
+            </a:r>
+          </a:p>
+        </p:txBody>
+      </p:sp>
+      <p:sp>
+        <p:nvSpPr>
+          <p:cNvPr id="5" name="日期版面配置區 4">
+            <a:extLst>
+              <a:ext uri="{FF2B5EF4-FFF2-40B4-BE49-F238E27FC236}">
+                <a16:creationId xmlns:a16="http://schemas.microsoft.com/office/drawing/2014/main" id="{23D55FB8-C5A8-40D1-83F9-673ACAEA5D2B}"/>
+              </a:ext>
+            </a:extLst>
+          </p:cNvPr>
+          <p:cNvSpPr>
+            <a:spLocks noGrp="1"/>
+          </p:cNvSpPr>
+          <p:nvPr>
+            <p:ph type="dt" sz="half" idx="10"/>
+          </p:nvPr>
+        </p:nvSpPr>
+        <p:spPr/>
+        <p:txBody>
+          <a:bodyPr/>
+          <a:lstStyle/>
+          <a:p>
+            <a:fld id="{17501BA0-6145-4220-BB20-E24A3FFD92E2}" type="datetimeFigureOut">
+              <a:rPr lang="zh-TW" altLang="en-US" smtClean="0"/>
+              <a:t>2024/10/13</a:t>
+            </a:fld>
+            <a:endParaRPr lang="zh-TW" altLang="en-US"/>
+          </a:p>
+        </p:txBody>
+      </p:sp>
+      <p:sp>
+        <p:nvSpPr>
+          <p:cNvPr id="6" name="頁尾版面配置區 5">
+            <a:extLst>
+              <a:ext uri="{FF2B5EF4-FFF2-40B4-BE49-F238E27FC236}">
+                <a16:creationId xmlns:a16="http://schemas.microsoft.com/office/drawing/2014/main" id="{8B00D2D9-C2F8-47CE-A313-29546942B2D9}"/>
+              </a:ext>
+            </a:extLst>
+          </p:cNvPr>
+          <p:cNvSpPr>
+            <a:spLocks noGrp="1"/>
+          </p:cNvSpPr>
+          <p:nvPr>
+            <p:ph type="ftr" sz="quarter" idx="11"/>
+          </p:nvPr>
+        </p:nvSpPr>
+        <p:spPr/>
+        <p:txBody>
+          <a:bodyPr/>
+          <a:lstStyle/>
+          <a:p>
+            <a:endParaRPr lang="zh-TW" altLang="en-US"/>
+          </a:p>
+        </p:txBody>
+      </p:sp>
+      <p:sp>
+        <p:nvSpPr>
+          <p:cNvPr id="7" name="投影片編號版面配置區 6">
+            <a:extLst>
+              <a:ext uri="{FF2B5EF4-FFF2-40B4-BE49-F238E27FC236}">
+                <a16:creationId xmlns:a16="http://schemas.microsoft.com/office/drawing/2014/main" id="{2AC47FDA-C9CE-47CE-9F45-8984C8F1BDD7}"/>
+              </a:ext>
+            </a:extLst>
+          </p:cNvPr>
+          <p:cNvSpPr>
+            <a:spLocks noGrp="1"/>
+          </p:cNvSpPr>
+          <p:nvPr>
+            <p:ph type="sldNum" sz="quarter" idx="12"/>
+          </p:nvPr>
+        </p:nvSpPr>
+        <p:spPr/>
+        <p:txBody>
+          <a:bodyPr/>
+          <a:lstStyle/>
+          <a:p>
+            <a:fld id="{06B2F8F9-DF5B-4DDB-8915-1478D7FF7E48}" type="slidenum">
+              <a:rPr lang="zh-TW" altLang="en-US" smtClean="0"/>
+              <a:t>‹#›</a:t>
+            </a:fld>
+            <a:endParaRPr lang="zh-TW" altLang="en-US"/>
+          </a:p>
+        </p:txBody>
+      </p:sp>
+    </p:spTree>
+    <p:extLst>
+      <p:ext uri="{BB962C8B-B14F-4D97-AF65-F5344CB8AC3E}">
+        <p14:creationId xmlns:p14="http://schemas.microsoft.com/office/powerpoint/2010/main" val="4042368173"/>
+      </p:ext>
+    </p:extLst>
+  </p:cSld>
+  <p:clrMapOvr>
+    <a:masterClrMapping/>
+  </p:clrMapOvr>
+</p:sldLayout>
+</file>
+
+<file path=ppt/slideMasters/slideMaster1.xml><?xml version="1.0" encoding="utf-8"?>
+<p:sldMaster xmlns:a="http://schemas.openxmlformats.org/drawingml/2006/main" xmlns:r="http://schemas.openxmlformats.org/officeDocument/2006/relationships" xmlns:p="http://schemas.openxmlformats.org/presentationml/2006/main">
+  <p:cSld>
     <p:bg>
       <p:bgRef idx="1001">
-        <a:schemeClr val="bg2"/>
+        <a:schemeClr val="bg1"/>
       </p:bgRef>
     </p:bg>
     <p:spTree>
@@ -1975,314 +3356,190 @@
       </p:grpSpPr>
       <p:sp>
         <p:nvSpPr>
-          <p:cNvPr id="26" name="Rectangle 25"/>
-          <p:cNvSpPr/>
-          <p:nvPr/>
+          <p:cNvPr id="2" name="標題版面配置區 1">
+            <a:extLst>
+              <a:ext uri="{FF2B5EF4-FFF2-40B4-BE49-F238E27FC236}">
+                <a16:creationId xmlns:a16="http://schemas.microsoft.com/office/drawing/2014/main" id="{5CA8AC39-0A06-4124-B3A9-9DD53EA49EA4}"/>
+              </a:ext>
+            </a:extLst>
+          </p:cNvPr>
+          <p:cNvSpPr>
+            <a:spLocks noGrp="1"/>
+          </p:cNvSpPr>
+          <p:nvPr>
+            <p:ph type="title"/>
+          </p:nvPr>
         </p:nvSpPr>
         <p:spPr>
           <a:xfrm>
-            <a:off x="0" y="0"/>
-            <a:ext cx="6096000" cy="6858000"/>
+            <a:off x="838200" y="365125"/>
+            <a:ext cx="10515600" cy="1325563"/>
           </a:xfrm>
           <a:prstGeom prst="rect">
             <a:avLst/>
           </a:prstGeom>
-          <a:solidFill>
-            <a:schemeClr val="accent2"/>
-          </a:solidFill>
-          <a:ln>
-            <a:noFill/>
-          </a:ln>
         </p:spPr>
-        <p:style>
-          <a:lnRef idx="2">
-            <a:schemeClr val="accent1">
-              <a:shade val="50000"/>
-            </a:schemeClr>
-          </a:lnRef>
-          <a:fillRef idx="1">
-            <a:schemeClr val="accent1"/>
-          </a:fillRef>
-          <a:effectRef idx="0">
-            <a:schemeClr val="accent1"/>
-          </a:effectRef>
-          <a:fontRef idx="minor">
-            <a:schemeClr val="lt1"/>
-          </a:fontRef>
-        </p:style>
-      </p:sp>
-      <p:sp>
-        <p:nvSpPr>
-          <p:cNvPr id="2" name="Title 1"/>
-          <p:cNvSpPr>
-            <a:spLocks noGrp="1"/>
-          </p:cNvSpPr>
-          <p:nvPr>
-            <p:ph type="title"/>
-          </p:nvPr>
-        </p:nvSpPr>
-        <p:spPr bwMode="blackWhite">
-          <a:xfrm>
-            <a:off x="804672" y="2243828"/>
-            <a:ext cx="4486656" cy="1141497"/>
-          </a:xfrm>
-          <a:solidFill>
-            <a:srgbClr val="FFFFFF"/>
-          </a:solidFill>
-          <a:ln>
-            <a:solidFill>
-              <a:srgbClr val="404040"/>
-            </a:solidFill>
-          </a:ln>
-        </p:spPr>
-        <p:txBody>
-          <a:bodyPr anchor="ctr" anchorCtr="1">
+        <p:txBody>
+          <a:bodyPr vert="horz" lIns="91440" tIns="45720" rIns="91440" bIns="45720" rtlCol="0" anchor="ctr">
             <a:normAutofit/>
           </a:bodyPr>
+          <a:lstStyle/>
+          <a:p>
+            <a:r>
+              <a:rPr lang="zh-TW" altLang="en-US"/>
+              <a:t>按一下以編輯母片標題樣式</a:t>
+            </a:r>
+          </a:p>
+        </p:txBody>
+      </p:sp>
+      <p:sp>
+        <p:nvSpPr>
+          <p:cNvPr id="3" name="文字版面配置區 2">
+            <a:extLst>
+              <a:ext uri="{FF2B5EF4-FFF2-40B4-BE49-F238E27FC236}">
+                <a16:creationId xmlns:a16="http://schemas.microsoft.com/office/drawing/2014/main" id="{30D922B7-EA4C-4C7F-8693-7CCD253F63CB}"/>
+              </a:ext>
+            </a:extLst>
+          </p:cNvPr>
+          <p:cNvSpPr>
+            <a:spLocks noGrp="1"/>
+          </p:cNvSpPr>
+          <p:nvPr>
+            <p:ph type="body" idx="1"/>
+          </p:nvPr>
+        </p:nvSpPr>
+        <p:spPr>
+          <a:xfrm>
+            <a:off x="838200" y="1825625"/>
+            <a:ext cx="10515600" cy="4351338"/>
+          </a:xfrm>
+          <a:prstGeom prst="rect">
+            <a:avLst/>
+          </a:prstGeom>
+        </p:spPr>
+        <p:txBody>
+          <a:bodyPr vert="horz" lIns="91440" tIns="45720" rIns="91440" bIns="45720" rtlCol="0">
+            <a:normAutofit/>
+          </a:bodyPr>
+          <a:lstStyle/>
+          <a:p>
+            <a:pPr lvl="0"/>
+            <a:r>
+              <a:rPr lang="zh-TW" altLang="en-US"/>
+              <a:t>按一下以編輯母片文字樣式</a:t>
+            </a:r>
+          </a:p>
+          <a:p>
+            <a:pPr lvl="1"/>
+            <a:r>
+              <a:rPr lang="zh-TW" altLang="en-US"/>
+              <a:t>第二層</a:t>
+            </a:r>
+          </a:p>
+          <a:p>
+            <a:pPr lvl="2"/>
+            <a:r>
+              <a:rPr lang="zh-TW" altLang="en-US"/>
+              <a:t>第三層</a:t>
+            </a:r>
+          </a:p>
+          <a:p>
+            <a:pPr lvl="3"/>
+            <a:r>
+              <a:rPr lang="zh-TW" altLang="en-US"/>
+              <a:t>第四層</a:t>
+            </a:r>
+          </a:p>
+          <a:p>
+            <a:pPr lvl="4"/>
+            <a:r>
+              <a:rPr lang="zh-TW" altLang="en-US"/>
+              <a:t>第五層</a:t>
+            </a:r>
+          </a:p>
+        </p:txBody>
+      </p:sp>
+      <p:sp>
+        <p:nvSpPr>
+          <p:cNvPr id="4" name="日期版面配置區 3">
+            <a:extLst>
+              <a:ext uri="{FF2B5EF4-FFF2-40B4-BE49-F238E27FC236}">
+                <a16:creationId xmlns:a16="http://schemas.microsoft.com/office/drawing/2014/main" id="{B509C94A-BBEE-4A85-954C-FF679A8F898A}"/>
+              </a:ext>
+            </a:extLst>
+          </p:cNvPr>
+          <p:cNvSpPr>
+            <a:spLocks noGrp="1"/>
+          </p:cNvSpPr>
+          <p:nvPr>
+            <p:ph type="dt" sz="half" idx="2"/>
+          </p:nvPr>
+        </p:nvSpPr>
+        <p:spPr>
+          <a:xfrm>
+            <a:off x="838200" y="6356350"/>
+            <a:ext cx="2743200" cy="365125"/>
+          </a:xfrm>
+          <a:prstGeom prst="rect">
+            <a:avLst/>
+          </a:prstGeom>
+        </p:spPr>
+        <p:txBody>
+          <a:bodyPr vert="horz" lIns="91440" tIns="45720" rIns="91440" bIns="45720" rtlCol="0" anchor="ctr"/>
           <a:lstStyle>
-            <a:lvl1pPr>
-              <a:defRPr sz="2200">
+            <a:lvl1pPr algn="l">
+              <a:defRPr sz="1200">
                 <a:solidFill>
-                  <a:srgbClr val="262626"/>
+                  <a:schemeClr val="tx1">
+                    <a:tint val="75000"/>
+                  </a:schemeClr>
                 </a:solidFill>
               </a:defRPr>
             </a:lvl1pPr>
           </a:lstStyle>
           <a:p>
-            <a:r>
-              <a:rPr lang="zh-TW" altLang="en-US"/>
-              <a:t>按一下以編輯母片標題樣式</a:t>
-            </a:r>
-            <a:endParaRPr lang="en-US" dirty="0"/>
-          </a:p>
-        </p:txBody>
-      </p:sp>
-      <p:sp>
-        <p:nvSpPr>
-          <p:cNvPr id="3" name="Content Placeholder 2"/>
-          <p:cNvSpPr>
-            <a:spLocks noGrp="1"/>
-          </p:cNvSpPr>
-          <p:nvPr>
-            <p:ph idx="1"/>
+            <a:fld id="{17501BA0-6145-4220-BB20-E24A3FFD92E2}" type="datetimeFigureOut">
+              <a:rPr lang="zh-TW" altLang="en-US" smtClean="0"/>
+              <a:t>2024/10/13</a:t>
+            </a:fld>
+            <a:endParaRPr lang="zh-TW" altLang="en-US"/>
+          </a:p>
+        </p:txBody>
+      </p:sp>
+      <p:sp>
+        <p:nvSpPr>
+          <p:cNvPr id="5" name="頁尾版面配置區 4">
+            <a:extLst>
+              <a:ext uri="{FF2B5EF4-FFF2-40B4-BE49-F238E27FC236}">
+                <a16:creationId xmlns:a16="http://schemas.microsoft.com/office/drawing/2014/main" id="{E0CA2839-10A0-4ECE-B046-029112680061}"/>
+              </a:ext>
+            </a:extLst>
+          </p:cNvPr>
+          <p:cNvSpPr>
+            <a:spLocks noGrp="1"/>
+          </p:cNvSpPr>
+          <p:nvPr>
+            <p:ph type="ftr" sz="quarter" idx="3"/>
           </p:nvPr>
         </p:nvSpPr>
         <p:spPr>
           <a:xfrm>
-            <a:off x="6736080" y="804672"/>
-            <a:ext cx="4815840" cy="5248656"/>
+            <a:off x="4038600" y="6356350"/>
+            <a:ext cx="4114800" cy="365125"/>
           </a:xfrm>
+          <a:prstGeom prst="rect">
+            <a:avLst/>
+          </a:prstGeom>
         </p:spPr>
         <p:txBody>
-          <a:bodyPr>
-            <a:normAutofit/>
-          </a:bodyPr>
+          <a:bodyPr vert="horz" lIns="91440" tIns="45720" rIns="91440" bIns="45720" rtlCol="0" anchor="ctr"/>
           <a:lstStyle>
-            <a:lvl1pPr>
-              <a:defRPr sz="1900">
+            <a:lvl1pPr algn="ctr">
+              <a:defRPr sz="1200">
                 <a:solidFill>
-                  <a:schemeClr val="tx1"/>
-                </a:solidFill>
-              </a:defRPr>
-            </a:lvl1pPr>
-            <a:lvl2pPr>
-              <a:defRPr sz="1600">
-                <a:solidFill>
-                  <a:schemeClr val="tx1"/>
-                </a:solidFill>
-              </a:defRPr>
-            </a:lvl2pPr>
-            <a:lvl3pPr>
-              <a:defRPr sz="1600">
-                <a:solidFill>
-                  <a:schemeClr val="tx1"/>
-                </a:solidFill>
-              </a:defRPr>
-            </a:lvl3pPr>
-            <a:lvl4pPr>
-              <a:defRPr sz="1600">
-                <a:solidFill>
-                  <a:schemeClr val="tx1"/>
-                </a:solidFill>
-              </a:defRPr>
-            </a:lvl4pPr>
-            <a:lvl5pPr>
-              <a:defRPr sz="1600">
-                <a:solidFill>
-                  <a:schemeClr val="tx1"/>
-                </a:solidFill>
-              </a:defRPr>
-            </a:lvl5pPr>
-            <a:lvl6pPr>
-              <a:defRPr sz="1600"/>
-            </a:lvl6pPr>
-            <a:lvl7pPr>
-              <a:defRPr sz="1600"/>
-            </a:lvl7pPr>
-            <a:lvl8pPr>
-              <a:defRPr sz="1600"/>
-            </a:lvl8pPr>
-            <a:lvl9pPr>
-              <a:defRPr sz="1600"/>
-            </a:lvl9pPr>
-          </a:lstStyle>
-          <a:p>
-            <a:pPr lvl="0"/>
-            <a:r>
-              <a:rPr lang="zh-TW" altLang="en-US"/>
-              <a:t>按一下以編輯母片文字樣式</a:t>
-            </a:r>
-          </a:p>
-          <a:p>
-            <a:pPr lvl="1"/>
-            <a:r>
-              <a:rPr lang="zh-TW" altLang="en-US"/>
-              <a:t>第二層</a:t>
-            </a:r>
-          </a:p>
-          <a:p>
-            <a:pPr lvl="2"/>
-            <a:r>
-              <a:rPr lang="zh-TW" altLang="en-US"/>
-              <a:t>第三層</a:t>
-            </a:r>
-          </a:p>
-          <a:p>
-            <a:pPr lvl="3"/>
-            <a:r>
-              <a:rPr lang="zh-TW" altLang="en-US"/>
-              <a:t>第四層</a:t>
-            </a:r>
-          </a:p>
-          <a:p>
-            <a:pPr lvl="4"/>
-            <a:r>
-              <a:rPr lang="zh-TW" altLang="en-US"/>
-              <a:t>第五層</a:t>
-            </a:r>
-            <a:endParaRPr lang="en-US" dirty="0"/>
-          </a:p>
-        </p:txBody>
-      </p:sp>
-      <p:sp>
-        <p:nvSpPr>
-          <p:cNvPr id="4" name="Text Placeholder 3"/>
-          <p:cNvSpPr>
-            <a:spLocks noGrp="1"/>
-          </p:cNvSpPr>
-          <p:nvPr>
-            <p:ph type="body" sz="half" idx="2"/>
-          </p:nvPr>
-        </p:nvSpPr>
-        <p:spPr>
-          <a:xfrm>
-            <a:off x="1115568" y="3549918"/>
-            <a:ext cx="3794760" cy="2194036"/>
-          </a:xfrm>
-        </p:spPr>
-        <p:txBody>
-          <a:bodyPr anchor="t" anchorCtr="1">
-            <a:normAutofit/>
-          </a:bodyPr>
-          <a:lstStyle>
-            <a:lvl1pPr marL="0" indent="0" algn="ctr">
-              <a:buNone/>
-              <a:defRPr sz="1500">
-                <a:solidFill>
-                  <a:srgbClr val="FFFFFF"/>
-                </a:solidFill>
-              </a:defRPr>
-            </a:lvl1pPr>
-            <a:lvl2pPr marL="457200" indent="0">
-              <a:buNone/>
-              <a:defRPr sz="1400"/>
-            </a:lvl2pPr>
-            <a:lvl3pPr marL="914400" indent="0">
-              <a:buNone/>
-              <a:defRPr sz="1200"/>
-            </a:lvl3pPr>
-            <a:lvl4pPr marL="1371600" indent="0">
-              <a:buNone/>
-              <a:defRPr sz="1000"/>
-            </a:lvl4pPr>
-            <a:lvl5pPr marL="1828800" indent="0">
-              <a:buNone/>
-              <a:defRPr sz="1000"/>
-            </a:lvl5pPr>
-            <a:lvl6pPr marL="2286000" indent="0">
-              <a:buNone/>
-              <a:defRPr sz="1000"/>
-            </a:lvl6pPr>
-            <a:lvl7pPr marL="2743200" indent="0">
-              <a:buNone/>
-              <a:defRPr sz="1000"/>
-            </a:lvl7pPr>
-            <a:lvl8pPr marL="3200400" indent="0">
-              <a:buNone/>
-              <a:defRPr sz="1000"/>
-            </a:lvl8pPr>
-            <a:lvl9pPr marL="3657600" indent="0">
-              <a:buNone/>
-              <a:defRPr sz="1000"/>
-            </a:lvl9pPr>
-          </a:lstStyle>
-          <a:p>
-            <a:pPr lvl="0"/>
-            <a:r>
-              <a:rPr lang="zh-TW" altLang="en-US"/>
-              <a:t>按一下以編輯母片文字樣式</a:t>
-            </a:r>
-          </a:p>
-        </p:txBody>
-      </p:sp>
-      <p:sp>
-        <p:nvSpPr>
-          <p:cNvPr id="9" name="Date Placeholder 8"/>
-          <p:cNvSpPr>
-            <a:spLocks noGrp="1"/>
-          </p:cNvSpPr>
-          <p:nvPr>
-            <p:ph type="dt" sz="half" idx="10"/>
-          </p:nvPr>
-        </p:nvSpPr>
-        <p:spPr/>
-        <p:txBody>
-          <a:bodyPr/>
-          <a:lstStyle/>
-          <a:p>
-            <a:fld id="{17501BA0-6145-4220-BB20-E24A3FFD92E2}" type="datetimeFigureOut">
-              <a:rPr lang="zh-TW" altLang="en-US" smtClean="0"/>
-              <a:t>2024/10/12</a:t>
-            </a:fld>
-            <a:endParaRPr lang="zh-TW" altLang="en-US"/>
-          </a:p>
-        </p:txBody>
-      </p:sp>
-      <p:sp>
-        <p:nvSpPr>
-          <p:cNvPr id="10" name="Footer Placeholder 9"/>
-          <p:cNvSpPr>
-            <a:spLocks noGrp="1"/>
-          </p:cNvSpPr>
-          <p:nvPr>
-            <p:ph type="ftr" sz="quarter" idx="11"/>
-          </p:nvPr>
-        </p:nvSpPr>
-        <p:spPr>
-          <a:xfrm>
-            <a:off x="804672" y="6236208"/>
-            <a:ext cx="5124797" cy="320040"/>
-          </a:xfrm>
-        </p:spPr>
-        <p:txBody>
-          <a:bodyPr/>
-          <a:lstStyle>
-            <a:lvl1pPr>
-              <a:defRPr>
-                <a:solidFill>
-                  <a:srgbClr val="FFFFFF">
-                    <a:alpha val="70000"/>
-                  </a:srgbClr>
+                  <a:schemeClr val="tx1">
+                    <a:tint val="75000"/>
+                  </a:schemeClr>
                 </a:solidFill>
               </a:defRPr>
             </a:lvl1pPr>
@@ -2294,18 +3551,42 @@
       </p:sp>
       <p:sp>
         <p:nvSpPr>
-          <p:cNvPr id="11" name="Slide Number Placeholder 10"/>
-          <p:cNvSpPr>
-            <a:spLocks noGrp="1"/>
-          </p:cNvSpPr>
-          <p:nvPr>
-            <p:ph type="sldNum" sz="quarter" idx="12"/>
-          </p:nvPr>
-        </p:nvSpPr>
-        <p:spPr/>
-        <p:txBody>
-          <a:bodyPr/>
-          <a:lstStyle/>
+          <p:cNvPr id="6" name="投影片編號版面配置區 5">
+            <a:extLst>
+              <a:ext uri="{FF2B5EF4-FFF2-40B4-BE49-F238E27FC236}">
+                <a16:creationId xmlns:a16="http://schemas.microsoft.com/office/drawing/2014/main" id="{066087AC-F805-4A39-A839-3DAEF2D24C95}"/>
+              </a:ext>
+            </a:extLst>
+          </p:cNvPr>
+          <p:cNvSpPr>
+            <a:spLocks noGrp="1"/>
+          </p:cNvSpPr>
+          <p:nvPr>
+            <p:ph type="sldNum" sz="quarter" idx="4"/>
+          </p:nvPr>
+        </p:nvSpPr>
+        <p:spPr>
+          <a:xfrm>
+            <a:off x="8610600" y="6356350"/>
+            <a:ext cx="2743200" cy="365125"/>
+          </a:xfrm>
+          <a:prstGeom prst="rect">
+            <a:avLst/>
+          </a:prstGeom>
+        </p:spPr>
+        <p:txBody>
+          <a:bodyPr vert="horz" lIns="91440" tIns="45720" rIns="91440" bIns="45720" rtlCol="0" anchor="ctr"/>
+          <a:lstStyle>
+            <a:lvl1pPr algn="r">
+              <a:defRPr sz="1200">
+                <a:solidFill>
+                  <a:schemeClr val="tx1">
+                    <a:tint val="75000"/>
+                  </a:schemeClr>
+                </a:solidFill>
+              </a:defRPr>
+            </a:lvl1pPr>
+          </a:lstStyle>
           <a:p>
             <a:fld id="{06B2F8F9-DF5B-4DDB-8915-1478D7FF7E48}" type="slidenum">
               <a:rPr lang="zh-TW" altLang="en-US" smtClean="0"/>
@@ -2318,659 +3599,27 @@
     </p:spTree>
     <p:extLst>
       <p:ext uri="{BB962C8B-B14F-4D97-AF65-F5344CB8AC3E}">
-        <p14:creationId xmlns:p14="http://schemas.microsoft.com/office/powerpoint/2010/main" val="3715994460"/>
+        <p14:creationId xmlns:p14="http://schemas.microsoft.com/office/powerpoint/2010/main" val="3629869945"/>
       </p:ext>
     </p:extLst>
   </p:cSld>
-  <p:clrMapOvr>
-    <a:overrideClrMapping bg1="dk1" tx1="lt1" bg2="dk2" tx2="lt2" accent1="accent1" accent2="accent2" accent3="accent3" accent4="accent4" accent5="accent5" accent6="accent6" hlink="hlink" folHlink="folHlink"/>
-  </p:clrMapOvr>
-</p:sldLayout>
-</file>
-
-<file path=ppt/slideLayouts/slideLayout9.xml><?xml version="1.0" encoding="utf-8"?>
-<p:sldLayout xmlns:a="http://schemas.openxmlformats.org/drawingml/2006/main" xmlns:r="http://schemas.openxmlformats.org/officeDocument/2006/relationships" xmlns:p="http://schemas.openxmlformats.org/presentationml/2006/main" type="picTx" preserve="1">
-  <p:cSld name="含輔助字幕的圖片">
-    <p:bg>
-      <p:bgRef idx="1001">
-        <a:schemeClr val="bg2"/>
-      </p:bgRef>
-    </p:bg>
-    <p:spTree>
-      <p:nvGrpSpPr>
-        <p:cNvPr id="1" name=""/>
-        <p:cNvGrpSpPr/>
-        <p:nvPr/>
-      </p:nvGrpSpPr>
-      <p:grpSpPr>
-        <a:xfrm>
-          <a:off x="0" y="0"/>
-          <a:ext cx="0" cy="0"/>
-          <a:chOff x="0" y="0"/>
-          <a:chExt cx="0" cy="0"/>
-        </a:xfrm>
-      </p:grpSpPr>
-      <p:sp>
-        <p:nvSpPr>
-          <p:cNvPr id="18" name="Rectangle 17"/>
-          <p:cNvSpPr/>
-          <p:nvPr/>
-        </p:nvSpPr>
-        <p:spPr>
-          <a:xfrm>
-            <a:off x="0" y="0"/>
-            <a:ext cx="6095999" cy="6858000"/>
-          </a:xfrm>
-          <a:prstGeom prst="rect">
-            <a:avLst/>
-          </a:prstGeom>
-          <a:solidFill>
-            <a:schemeClr val="accent2"/>
-          </a:solidFill>
-          <a:ln>
-            <a:noFill/>
-          </a:ln>
-        </p:spPr>
-        <p:style>
-          <a:lnRef idx="2">
-            <a:schemeClr val="accent1">
-              <a:shade val="50000"/>
-            </a:schemeClr>
-          </a:lnRef>
-          <a:fillRef idx="1">
-            <a:schemeClr val="accent1"/>
-          </a:fillRef>
-          <a:effectRef idx="0">
-            <a:schemeClr val="accent1"/>
-          </a:effectRef>
-          <a:fontRef idx="minor">
-            <a:schemeClr val="lt1"/>
-          </a:fontRef>
-        </p:style>
-      </p:sp>
-      <p:sp>
-        <p:nvSpPr>
-          <p:cNvPr id="2" name="Title 1"/>
-          <p:cNvSpPr>
-            <a:spLocks noGrp="1"/>
-          </p:cNvSpPr>
-          <p:nvPr>
-            <p:ph type="title"/>
-          </p:nvPr>
-        </p:nvSpPr>
-        <p:spPr bwMode="blackWhite">
-          <a:xfrm>
-            <a:off x="808523" y="2243828"/>
-            <a:ext cx="4494998" cy="1134640"/>
-          </a:xfrm>
-          <a:solidFill>
-            <a:srgbClr val="FFFFFF"/>
-          </a:solidFill>
-          <a:ln>
-            <a:solidFill>
-              <a:srgbClr val="404040"/>
-            </a:solidFill>
-          </a:ln>
-        </p:spPr>
-        <p:txBody>
-          <a:bodyPr anchor="ctr" anchorCtr="1">
-            <a:noAutofit/>
-          </a:bodyPr>
-          <a:lstStyle>
-            <a:lvl1pPr>
-              <a:defRPr sz="2200">
-                <a:solidFill>
-                  <a:srgbClr val="262626"/>
-                </a:solidFill>
-              </a:defRPr>
-            </a:lvl1pPr>
-          </a:lstStyle>
-          <a:p>
-            <a:r>
-              <a:rPr lang="zh-TW" altLang="en-US"/>
-              <a:t>按一下以編輯母片標題樣式</a:t>
-            </a:r>
-            <a:endParaRPr lang="en-US" dirty="0"/>
-          </a:p>
-        </p:txBody>
-      </p:sp>
-      <p:sp>
-        <p:nvSpPr>
-          <p:cNvPr id="3" name="Picture Placeholder 2"/>
-          <p:cNvSpPr>
-            <a:spLocks noGrp="1" noChangeAspect="1"/>
-          </p:cNvSpPr>
-          <p:nvPr>
-            <p:ph type="pic" idx="1"/>
-          </p:nvPr>
-        </p:nvSpPr>
-        <p:spPr>
-          <a:xfrm>
-            <a:off x="6095999" y="0"/>
-            <a:ext cx="6102097" cy="6858000"/>
-          </a:xfrm>
-          <a:solidFill>
-            <a:schemeClr val="tx1">
-              <a:lumMod val="85000"/>
-            </a:schemeClr>
-          </a:solidFill>
-        </p:spPr>
-        <p:txBody>
-          <a:bodyPr anchor="t"/>
-          <a:lstStyle>
-            <a:lvl1pPr marL="0" indent="0">
-              <a:buNone/>
-              <a:defRPr sz="3200">
-                <a:solidFill>
-                  <a:schemeClr val="bg1">
-                    <a:lumMod val="85000"/>
-                    <a:lumOff val="15000"/>
-                  </a:schemeClr>
-                </a:solidFill>
-              </a:defRPr>
-            </a:lvl1pPr>
-            <a:lvl2pPr marL="457200" indent="0">
-              <a:buNone/>
-              <a:defRPr sz="2800"/>
-            </a:lvl2pPr>
-            <a:lvl3pPr marL="914400" indent="0">
-              <a:buNone/>
-              <a:defRPr sz="2400"/>
-            </a:lvl3pPr>
-            <a:lvl4pPr marL="1371600" indent="0">
-              <a:buNone/>
-              <a:defRPr sz="2000"/>
-            </a:lvl4pPr>
-            <a:lvl5pPr marL="1828800" indent="0">
-              <a:buNone/>
-              <a:defRPr sz="2000"/>
-            </a:lvl5pPr>
-            <a:lvl6pPr marL="2286000" indent="0">
-              <a:buNone/>
-              <a:defRPr sz="2000"/>
-            </a:lvl6pPr>
-            <a:lvl7pPr marL="2743200" indent="0">
-              <a:buNone/>
-              <a:defRPr sz="2000"/>
-            </a:lvl7pPr>
-            <a:lvl8pPr marL="3200400" indent="0">
-              <a:buNone/>
-              <a:defRPr sz="2000"/>
-            </a:lvl8pPr>
-            <a:lvl9pPr marL="3657600" indent="0">
-              <a:buNone/>
-              <a:defRPr sz="2000"/>
-            </a:lvl9pPr>
-          </a:lstStyle>
-          <a:p>
-            <a:r>
-              <a:rPr lang="zh-TW" altLang="en-US"/>
-              <a:t>按一下圖示以新增圖片</a:t>
-            </a:r>
-            <a:endParaRPr lang="en-US" dirty="0"/>
-          </a:p>
-        </p:txBody>
-      </p:sp>
-      <p:sp>
-        <p:nvSpPr>
-          <p:cNvPr id="4" name="Text Placeholder 3"/>
-          <p:cNvSpPr>
-            <a:spLocks noGrp="1"/>
-          </p:cNvSpPr>
-          <p:nvPr>
-            <p:ph type="body" sz="half" idx="2"/>
-          </p:nvPr>
-        </p:nvSpPr>
-        <p:spPr>
-          <a:xfrm>
-            <a:off x="1115568" y="3549918"/>
-            <a:ext cx="3794760" cy="2194037"/>
-          </a:xfrm>
-        </p:spPr>
-        <p:txBody>
-          <a:bodyPr anchor="t" anchorCtr="1">
-            <a:normAutofit/>
-          </a:bodyPr>
-          <a:lstStyle>
-            <a:lvl1pPr marL="0" indent="0" algn="ctr">
-              <a:buNone/>
-              <a:defRPr sz="1500">
-                <a:solidFill>
-                  <a:srgbClr val="FFFFFF"/>
-                </a:solidFill>
-              </a:defRPr>
-            </a:lvl1pPr>
-            <a:lvl2pPr marL="457200" indent="0">
-              <a:buNone/>
-              <a:defRPr sz="1400"/>
-            </a:lvl2pPr>
-            <a:lvl3pPr marL="914400" indent="0">
-              <a:buNone/>
-              <a:defRPr sz="1200"/>
-            </a:lvl3pPr>
-            <a:lvl4pPr marL="1371600" indent="0">
-              <a:buNone/>
-              <a:defRPr sz="1000"/>
-            </a:lvl4pPr>
-            <a:lvl5pPr marL="1828800" indent="0">
-              <a:buNone/>
-              <a:defRPr sz="1000"/>
-            </a:lvl5pPr>
-            <a:lvl6pPr marL="2286000" indent="0">
-              <a:buNone/>
-              <a:defRPr sz="1000"/>
-            </a:lvl6pPr>
-            <a:lvl7pPr marL="2743200" indent="0">
-              <a:buNone/>
-              <a:defRPr sz="1000"/>
-            </a:lvl7pPr>
-            <a:lvl8pPr marL="3200400" indent="0">
-              <a:buNone/>
-              <a:defRPr sz="1000"/>
-            </a:lvl8pPr>
-            <a:lvl9pPr marL="3657600" indent="0">
-              <a:buNone/>
-              <a:defRPr sz="1000"/>
-            </a:lvl9pPr>
-          </a:lstStyle>
-          <a:p>
-            <a:pPr lvl="0"/>
-            <a:r>
-              <a:rPr lang="zh-TW" altLang="en-US"/>
-              <a:t>按一下以編輯母片文字樣式</a:t>
-            </a:r>
-          </a:p>
-        </p:txBody>
-      </p:sp>
-      <p:sp>
-        <p:nvSpPr>
-          <p:cNvPr id="8" name="Date Placeholder 7"/>
-          <p:cNvSpPr>
-            <a:spLocks noGrp="1"/>
-          </p:cNvSpPr>
-          <p:nvPr>
-            <p:ph type="dt" sz="half" idx="10"/>
-          </p:nvPr>
-        </p:nvSpPr>
-        <p:spPr/>
-        <p:txBody>
-          <a:bodyPr/>
-          <a:lstStyle>
-            <a:lvl1pPr>
-              <a:defRPr>
-                <a:solidFill>
-                  <a:srgbClr val="FFFFFF"/>
-                </a:solidFill>
-                <a:effectLst>
-                  <a:outerShdw blurRad="50800" dist="38100" dir="2700000" algn="tl" rotWithShape="0">
-                    <a:prstClr val="black">
-                      <a:alpha val="43000"/>
-                    </a:prstClr>
-                  </a:outerShdw>
-                </a:effectLst>
-              </a:defRPr>
-            </a:lvl1pPr>
-          </a:lstStyle>
-          <a:p>
-            <a:fld id="{17501BA0-6145-4220-BB20-E24A3FFD92E2}" type="datetimeFigureOut">
-              <a:rPr lang="zh-TW" altLang="en-US" smtClean="0"/>
-              <a:t>2024/10/12</a:t>
-            </a:fld>
-            <a:endParaRPr lang="zh-TW" altLang="en-US"/>
-          </a:p>
-        </p:txBody>
-      </p:sp>
-      <p:sp>
-        <p:nvSpPr>
-          <p:cNvPr id="9" name="Footer Placeholder 8"/>
-          <p:cNvSpPr>
-            <a:spLocks noGrp="1"/>
-          </p:cNvSpPr>
-          <p:nvPr>
-            <p:ph type="ftr" sz="quarter" idx="11"/>
-          </p:nvPr>
-        </p:nvSpPr>
-        <p:spPr>
-          <a:xfrm>
-            <a:off x="804672" y="6236208"/>
-            <a:ext cx="5124797" cy="320040"/>
-          </a:xfrm>
-        </p:spPr>
-        <p:txBody>
-          <a:bodyPr/>
-          <a:lstStyle>
-            <a:lvl1pPr>
-              <a:defRPr>
-                <a:solidFill>
-                  <a:srgbClr val="FFFFFF">
-                    <a:alpha val="70000"/>
-                  </a:srgbClr>
-                </a:solidFill>
-              </a:defRPr>
-            </a:lvl1pPr>
-          </a:lstStyle>
-          <a:p>
-            <a:endParaRPr lang="zh-TW" altLang="en-US"/>
-          </a:p>
-        </p:txBody>
-      </p:sp>
-      <p:sp>
-        <p:nvSpPr>
-          <p:cNvPr id="10" name="Slide Number Placeholder 9"/>
-          <p:cNvSpPr>
-            <a:spLocks noGrp="1"/>
-          </p:cNvSpPr>
-          <p:nvPr>
-            <p:ph type="sldNum" sz="quarter" idx="12"/>
-          </p:nvPr>
-        </p:nvSpPr>
-        <p:spPr/>
-        <p:txBody>
-          <a:bodyPr/>
-          <a:lstStyle/>
-          <a:p>
-            <a:fld id="{06B2F8F9-DF5B-4DDB-8915-1478D7FF7E48}" type="slidenum">
-              <a:rPr lang="zh-TW" altLang="en-US" smtClean="0"/>
-              <a:t>‹#›</a:t>
-            </a:fld>
-            <a:endParaRPr lang="zh-TW" altLang="en-US"/>
-          </a:p>
-        </p:txBody>
-      </p:sp>
-    </p:spTree>
-    <p:extLst>
-      <p:ext uri="{BB962C8B-B14F-4D97-AF65-F5344CB8AC3E}">
-        <p14:creationId xmlns:p14="http://schemas.microsoft.com/office/powerpoint/2010/main" val="1023851319"/>
-      </p:ext>
-    </p:extLst>
-  </p:cSld>
-  <p:clrMapOvr>
-    <a:overrideClrMapping bg1="dk1" tx1="lt1" bg2="dk2" tx2="lt2" accent1="accent1" accent2="accent2" accent3="accent3" accent4="accent4" accent5="accent5" accent6="accent6" hlink="hlink" folHlink="folHlink"/>
-  </p:clrMapOvr>
-</p:sldLayout>
-</file>
-
-<file path=ppt/slideMasters/slideMaster1.xml><?xml version="1.0" encoding="utf-8"?>
-<p:sldMaster xmlns:a="http://schemas.openxmlformats.org/drawingml/2006/main" xmlns:r="http://schemas.openxmlformats.org/officeDocument/2006/relationships" xmlns:p="http://schemas.openxmlformats.org/presentationml/2006/main">
-  <p:cSld>
-    <p:bg>
-      <p:bgRef idx="1001">
-        <a:schemeClr val="bg2"/>
-      </p:bgRef>
-    </p:bg>
-    <p:spTree>
-      <p:nvGrpSpPr>
-        <p:cNvPr id="1" name=""/>
-        <p:cNvGrpSpPr/>
-        <p:nvPr/>
-      </p:nvGrpSpPr>
-      <p:grpSpPr>
-        <a:xfrm>
-          <a:off x="0" y="0"/>
-          <a:ext cx="0" cy="0"/>
-          <a:chOff x="0" y="0"/>
-          <a:chExt cx="0" cy="0"/>
-        </a:xfrm>
-      </p:grpSpPr>
-      <p:sp>
-        <p:nvSpPr>
-          <p:cNvPr id="2" name="Title Placeholder 1"/>
-          <p:cNvSpPr>
-            <a:spLocks noGrp="1"/>
-          </p:cNvSpPr>
-          <p:nvPr>
-            <p:ph type="title"/>
-          </p:nvPr>
-        </p:nvSpPr>
-        <p:spPr bwMode="black">
-          <a:xfrm>
-            <a:off x="2231136" y="964692"/>
-            <a:ext cx="7729728" cy="1188720"/>
-          </a:xfrm>
-          <a:prstGeom prst="rect">
-            <a:avLst/>
-          </a:prstGeom>
-          <a:solidFill>
-            <a:schemeClr val="bg2">
-              <a:lumMod val="60000"/>
-              <a:lumOff val="40000"/>
-              <a:alpha val="15000"/>
-            </a:schemeClr>
-          </a:solidFill>
-          <a:ln w="31750" cap="sq">
-            <a:solidFill>
-              <a:schemeClr val="tx1">
-                <a:lumMod val="75000"/>
-                <a:lumOff val="25000"/>
-              </a:schemeClr>
-            </a:solidFill>
-            <a:miter lim="800000"/>
-          </a:ln>
-        </p:spPr>
-        <p:txBody>
-          <a:bodyPr vert="horz" lIns="182880" tIns="182880" rIns="182880" bIns="182880" rtlCol="0" anchor="ctr">
-            <a:normAutofit/>
-          </a:bodyPr>
-          <a:lstStyle/>
-          <a:p>
-            <a:r>
-              <a:rPr lang="zh-TW" altLang="en-US"/>
-              <a:t>按一下以編輯母片標題樣式</a:t>
-            </a:r>
-            <a:endParaRPr lang="en-US" dirty="0"/>
-          </a:p>
-        </p:txBody>
-      </p:sp>
-      <p:sp>
-        <p:nvSpPr>
-          <p:cNvPr id="3" name="Text Placeholder 2"/>
-          <p:cNvSpPr>
-            <a:spLocks noGrp="1"/>
-          </p:cNvSpPr>
-          <p:nvPr>
-            <p:ph type="body" idx="1"/>
-          </p:nvPr>
-        </p:nvSpPr>
-        <p:spPr>
-          <a:xfrm>
-            <a:off x="2231136" y="2638044"/>
-            <a:ext cx="7729728" cy="3101983"/>
-          </a:xfrm>
-          <a:prstGeom prst="rect">
-            <a:avLst/>
-          </a:prstGeom>
-        </p:spPr>
-        <p:txBody>
-          <a:bodyPr vert="horz" lIns="91440" tIns="45720" rIns="91440" bIns="45720" rtlCol="0">
-            <a:normAutofit/>
-          </a:bodyPr>
-          <a:lstStyle/>
-          <a:p>
-            <a:pPr lvl="0"/>
-            <a:r>
-              <a:rPr lang="zh-TW" altLang="en-US"/>
-              <a:t>按一下以編輯母片文字樣式</a:t>
-            </a:r>
-          </a:p>
-          <a:p>
-            <a:pPr lvl="1"/>
-            <a:r>
-              <a:rPr lang="zh-TW" altLang="en-US"/>
-              <a:t>第二層</a:t>
-            </a:r>
-          </a:p>
-          <a:p>
-            <a:pPr lvl="2"/>
-            <a:r>
-              <a:rPr lang="zh-TW" altLang="en-US"/>
-              <a:t>第三層</a:t>
-            </a:r>
-          </a:p>
-          <a:p>
-            <a:pPr lvl="3"/>
-            <a:r>
-              <a:rPr lang="zh-TW" altLang="en-US"/>
-              <a:t>第四層</a:t>
-            </a:r>
-          </a:p>
-          <a:p>
-            <a:pPr lvl="4"/>
-            <a:r>
-              <a:rPr lang="zh-TW" altLang="en-US"/>
-              <a:t>第五層</a:t>
-            </a:r>
-            <a:endParaRPr lang="en-US" dirty="0"/>
-          </a:p>
-        </p:txBody>
-      </p:sp>
-      <p:sp>
-        <p:nvSpPr>
-          <p:cNvPr id="4" name="Date Placeholder 3"/>
-          <p:cNvSpPr>
-            <a:spLocks noGrp="1"/>
-          </p:cNvSpPr>
-          <p:nvPr>
-            <p:ph type="dt" sz="half" idx="2"/>
-          </p:nvPr>
-        </p:nvSpPr>
-        <p:spPr>
-          <a:xfrm>
-            <a:off x="7821429" y="6238816"/>
-            <a:ext cx="2753746" cy="323968"/>
-          </a:xfrm>
-          <a:prstGeom prst="rect">
-            <a:avLst/>
-          </a:prstGeom>
-        </p:spPr>
-        <p:txBody>
-          <a:bodyPr vert="horz" lIns="91440" tIns="45720" rIns="91440" bIns="45720" rtlCol="0" anchor="ctr"/>
-          <a:lstStyle>
-            <a:lvl1pPr algn="r">
-              <a:defRPr sz="1050">
-                <a:solidFill>
-                  <a:schemeClr val="tx1">
-                    <a:alpha val="70000"/>
-                  </a:schemeClr>
-                </a:solidFill>
-              </a:defRPr>
-            </a:lvl1pPr>
-          </a:lstStyle>
-          <a:p>
-            <a:fld id="{17501BA0-6145-4220-BB20-E24A3FFD92E2}" type="datetimeFigureOut">
-              <a:rPr lang="zh-TW" altLang="en-US" smtClean="0"/>
-              <a:t>2024/10/12</a:t>
-            </a:fld>
-            <a:endParaRPr lang="zh-TW" altLang="en-US"/>
-          </a:p>
-        </p:txBody>
-      </p:sp>
-      <p:sp>
-        <p:nvSpPr>
-          <p:cNvPr id="5" name="Footer Placeholder 4"/>
-          <p:cNvSpPr>
-            <a:spLocks noGrp="1"/>
-          </p:cNvSpPr>
-          <p:nvPr>
-            <p:ph type="ftr" sz="quarter" idx="3"/>
-          </p:nvPr>
-        </p:nvSpPr>
-        <p:spPr>
-          <a:xfrm>
-            <a:off x="1600200" y="6236208"/>
-            <a:ext cx="5901189" cy="320040"/>
-          </a:xfrm>
-          <a:prstGeom prst="rect">
-            <a:avLst/>
-          </a:prstGeom>
-        </p:spPr>
-        <p:txBody>
-          <a:bodyPr vert="horz" lIns="91440" tIns="45720" rIns="91440" bIns="45720" rtlCol="0" anchor="ctr"/>
-          <a:lstStyle>
-            <a:lvl1pPr algn="l">
-              <a:defRPr sz="1050">
-                <a:solidFill>
-                  <a:schemeClr val="tx1">
-                    <a:alpha val="70000"/>
-                  </a:schemeClr>
-                </a:solidFill>
-              </a:defRPr>
-            </a:lvl1pPr>
-          </a:lstStyle>
-          <a:p>
-            <a:endParaRPr lang="zh-TW" altLang="en-US"/>
-          </a:p>
-        </p:txBody>
-      </p:sp>
-      <p:sp>
-        <p:nvSpPr>
-          <p:cNvPr id="6" name="Slide Number Placeholder 5"/>
-          <p:cNvSpPr>
-            <a:spLocks noGrp="1"/>
-          </p:cNvSpPr>
-          <p:nvPr>
-            <p:ph type="sldNum" sz="quarter" idx="4"/>
-          </p:nvPr>
-        </p:nvSpPr>
-        <p:spPr>
-          <a:xfrm>
-            <a:off x="10758922" y="6217920"/>
-            <a:ext cx="365760" cy="365760"/>
-          </a:xfrm>
-          <a:prstGeom prst="ellipse">
-            <a:avLst/>
-          </a:prstGeom>
-          <a:solidFill>
-            <a:srgbClr val="1D1D1D">
-              <a:alpha val="69804"/>
-            </a:srgbClr>
-          </a:solidFill>
-        </p:spPr>
-        <p:txBody>
-          <a:bodyPr vert="horz" lIns="18288" tIns="45720" rIns="18288" bIns="45720" rtlCol="0" anchor="ctr">
-            <a:noAutofit/>
-          </a:bodyPr>
-          <a:lstStyle>
-            <a:lvl1pPr algn="ctr">
-              <a:defRPr sz="1100" spc="0" baseline="0">
-                <a:solidFill>
-                  <a:srgbClr val="FFFFFF"/>
-                </a:solidFill>
-              </a:defRPr>
-            </a:lvl1pPr>
-          </a:lstStyle>
-          <a:p>
-            <a:fld id="{06B2F8F9-DF5B-4DDB-8915-1478D7FF7E48}" type="slidenum">
-              <a:rPr lang="zh-TW" altLang="en-US" smtClean="0"/>
-              <a:t>‹#›</a:t>
-            </a:fld>
-            <a:endParaRPr lang="zh-TW" altLang="en-US"/>
-          </a:p>
-        </p:txBody>
-      </p:sp>
-    </p:spTree>
-    <p:extLst>
-      <p:ext uri="{BB962C8B-B14F-4D97-AF65-F5344CB8AC3E}">
-        <p14:creationId xmlns:p14="http://schemas.microsoft.com/office/powerpoint/2010/main" val="2956230516"/>
-      </p:ext>
-    </p:extLst>
-  </p:cSld>
-  <p:clrMap bg1="dk1" tx1="lt1" bg2="dk2" tx2="lt2" accent1="accent1" accent2="accent2" accent3="accent3" accent4="accent4" accent5="accent5" accent6="accent6" hlink="hlink" folHlink="folHlink"/>
+  <p:clrMap bg1="lt1" tx1="dk1" bg2="lt2" tx2="dk2" accent1="accent1" accent2="accent2" accent3="accent3" accent4="accent4" accent5="accent5" accent6="accent6" hlink="hlink" folHlink="folHlink"/>
   <p:sldLayoutIdLst>
-    <p:sldLayoutId id="2147483763" r:id="rId1"/>
-    <p:sldLayoutId id="2147483764" r:id="rId2"/>
-    <p:sldLayoutId id="2147483765" r:id="rId3"/>
-    <p:sldLayoutId id="2147483766" r:id="rId4"/>
-    <p:sldLayoutId id="2147483767" r:id="rId5"/>
-    <p:sldLayoutId id="2147483768" r:id="rId6"/>
-    <p:sldLayoutId id="2147483769" r:id="rId7"/>
-    <p:sldLayoutId id="2147483770" r:id="rId8"/>
-    <p:sldLayoutId id="2147483771" r:id="rId9"/>
-    <p:sldLayoutId id="2147483772" r:id="rId10"/>
-    <p:sldLayoutId id="2147483773" r:id="rId11"/>
+    <p:sldLayoutId id="2147483834" r:id="rId1"/>
+    <p:sldLayoutId id="2147483835" r:id="rId2"/>
+    <p:sldLayoutId id="2147483836" r:id="rId3"/>
+    <p:sldLayoutId id="2147483837" r:id="rId4"/>
+    <p:sldLayoutId id="2147483838" r:id="rId5"/>
+    <p:sldLayoutId id="2147483839" r:id="rId6"/>
+    <p:sldLayoutId id="2147483840" r:id="rId7"/>
+    <p:sldLayoutId id="2147483841" r:id="rId8"/>
+    <p:sldLayoutId id="2147483842" r:id="rId9"/>
+    <p:sldLayoutId id="2147483843" r:id="rId10"/>
+    <p:sldLayoutId id="2147483844" r:id="rId11"/>
   </p:sldLayoutIdLst>
   <p:txStyles>
     <p:titleStyle>
-      <a:lvl1pPr algn="ctr" defTabSz="914400" rtl="0" eaLnBrk="1" latinLnBrk="0" hangingPunct="1">
+      <a:lvl1pPr algn="l" defTabSz="914400" rtl="0" eaLnBrk="1" latinLnBrk="0" hangingPunct="1">
         <a:lnSpc>
           <a:spcPct val="90000"/>
         </a:lnSpc>
@@ -2978,12 +3627,9 @@
           <a:spcPct val="0"/>
         </a:spcBef>
         <a:buNone/>
-        <a:defRPr sz="2800" kern="1200" cap="all" spc="200" baseline="0">
+        <a:defRPr sz="4400" kern="1200">
           <a:solidFill>
-            <a:schemeClr val="tx1">
-              <a:lumMod val="85000"/>
-              <a:lumOff val="15000"/>
-            </a:schemeClr>
+            <a:schemeClr val="tx1"/>
           </a:solidFill>
           <a:latin typeface="+mj-lt"/>
           <a:ea typeface="+mj-ea"/>
@@ -2994,137 +3640,104 @@
     <p:bodyStyle>
       <a:lvl1pPr marL="228600" indent="-228600" algn="l" defTabSz="914400" rtl="0" eaLnBrk="1" latinLnBrk="0" hangingPunct="1">
         <a:lnSpc>
-          <a:spcPct val="100000"/>
+          <a:spcPct val="90000"/>
         </a:lnSpc>
         <a:spcBef>
           <a:spcPts val="1000"/>
         </a:spcBef>
-        <a:buClr>
-          <a:schemeClr val="accent2"/>
-        </a:buClr>
         <a:buFont typeface="Arial" panose="020B0604020202020204" pitchFamily="34" charset="0"/>
         <a:buChar char="•"/>
-        <a:defRPr sz="1800" kern="1200">
+        <a:defRPr sz="2800" kern="1200">
           <a:solidFill>
-            <a:schemeClr val="tx1">
-              <a:lumMod val="85000"/>
-              <a:lumOff val="15000"/>
-            </a:schemeClr>
+            <a:schemeClr val="tx1"/>
           </a:solidFill>
           <a:latin typeface="+mn-lt"/>
           <a:ea typeface="+mn-ea"/>
           <a:cs typeface="+mn-cs"/>
         </a:defRPr>
       </a:lvl1pPr>
-      <a:lvl2pPr marL="457200" indent="-228600" algn="l" defTabSz="914400" rtl="0" eaLnBrk="1" latinLnBrk="0" hangingPunct="1">
+      <a:lvl2pPr marL="685800" indent="-228600" algn="l" defTabSz="914400" rtl="0" eaLnBrk="1" latinLnBrk="0" hangingPunct="1">
         <a:lnSpc>
-          <a:spcPct val="100000"/>
+          <a:spcPct val="90000"/>
         </a:lnSpc>
         <a:spcBef>
-          <a:spcPts val="1000"/>
+          <a:spcPts val="500"/>
         </a:spcBef>
-        <a:buClr>
-          <a:schemeClr val="accent2"/>
-        </a:buClr>
         <a:buFont typeface="Arial" panose="020B0604020202020204" pitchFamily="34" charset="0"/>
         <a:buChar char="•"/>
-        <a:defRPr sz="1600" kern="1200">
+        <a:defRPr sz="2400" kern="1200">
           <a:solidFill>
-            <a:schemeClr val="tx1">
-              <a:lumMod val="85000"/>
-              <a:lumOff val="15000"/>
-            </a:schemeClr>
+            <a:schemeClr val="tx1"/>
           </a:solidFill>
           <a:latin typeface="+mn-lt"/>
           <a:ea typeface="+mn-ea"/>
           <a:cs typeface="+mn-cs"/>
         </a:defRPr>
       </a:lvl2pPr>
-      <a:lvl3pPr marL="685800" indent="-228600" algn="l" defTabSz="914400" rtl="0" eaLnBrk="1" latinLnBrk="0" hangingPunct="1">
+      <a:lvl3pPr marL="1143000" indent="-228600" algn="l" defTabSz="914400" rtl="0" eaLnBrk="1" latinLnBrk="0" hangingPunct="1">
         <a:lnSpc>
-          <a:spcPct val="100000"/>
+          <a:spcPct val="90000"/>
         </a:lnSpc>
         <a:spcBef>
-          <a:spcPts val="1000"/>
+          <a:spcPts val="500"/>
         </a:spcBef>
-        <a:buClr>
-          <a:schemeClr val="accent2"/>
-        </a:buClr>
         <a:buFont typeface="Arial" panose="020B0604020202020204" pitchFamily="34" charset="0"/>
         <a:buChar char="•"/>
-        <a:defRPr sz="1600" kern="1200">
+        <a:defRPr sz="2000" kern="1200">
           <a:solidFill>
-            <a:schemeClr val="tx1">
-              <a:lumMod val="85000"/>
-              <a:lumOff val="15000"/>
-            </a:schemeClr>
+            <a:schemeClr val="tx1"/>
           </a:solidFill>
           <a:latin typeface="+mn-lt"/>
           <a:ea typeface="+mn-ea"/>
           <a:cs typeface="+mn-cs"/>
         </a:defRPr>
       </a:lvl3pPr>
-      <a:lvl4pPr marL="914400" indent="-228600" algn="l" defTabSz="914400" rtl="0" eaLnBrk="1" latinLnBrk="0" hangingPunct="1">
+      <a:lvl4pPr marL="1600200" indent="-228600" algn="l" defTabSz="914400" rtl="0" eaLnBrk="1" latinLnBrk="0" hangingPunct="1">
         <a:lnSpc>
-          <a:spcPct val="100000"/>
+          <a:spcPct val="90000"/>
         </a:lnSpc>
         <a:spcBef>
-          <a:spcPts val="1000"/>
+          <a:spcPts val="500"/>
         </a:spcBef>
-        <a:buClr>
-          <a:schemeClr val="accent2"/>
-        </a:buClr>
         <a:buFont typeface="Arial" panose="020B0604020202020204" pitchFamily="34" charset="0"/>
         <a:buChar char="•"/>
-        <a:defRPr sz="1600" kern="1200">
+        <a:defRPr sz="1800" kern="1200">
           <a:solidFill>
-            <a:schemeClr val="tx1">
-              <a:lumMod val="85000"/>
-              <a:lumOff val="15000"/>
-            </a:schemeClr>
+            <a:schemeClr val="tx1"/>
           </a:solidFill>
           <a:latin typeface="+mn-lt"/>
           <a:ea typeface="+mn-ea"/>
           <a:cs typeface="+mn-cs"/>
         </a:defRPr>
       </a:lvl4pPr>
-      <a:lvl5pPr marL="1143000" indent="-228600" algn="l" defTabSz="914400" rtl="0" eaLnBrk="1" latinLnBrk="0" hangingPunct="1">
+      <a:lvl5pPr marL="2057400" indent="-228600" algn="l" defTabSz="914400" rtl="0" eaLnBrk="1" latinLnBrk="0" hangingPunct="1">
         <a:lnSpc>
-          <a:spcPct val="100000"/>
+          <a:spcPct val="90000"/>
         </a:lnSpc>
         <a:spcBef>
-          <a:spcPts val="1000"/>
+          <a:spcPts val="500"/>
         </a:spcBef>
-        <a:buClr>
-          <a:schemeClr val="accent2"/>
-        </a:buClr>
         <a:buFont typeface="Arial" panose="020B0604020202020204" pitchFamily="34" charset="0"/>
         <a:buChar char="•"/>
-        <a:defRPr sz="1600" kern="1200">
+        <a:defRPr sz="1800" kern="1200">
           <a:solidFill>
-            <a:schemeClr val="tx1">
-              <a:lumMod val="85000"/>
-              <a:lumOff val="15000"/>
-            </a:schemeClr>
+            <a:schemeClr val="tx1"/>
           </a:solidFill>
           <a:latin typeface="+mn-lt"/>
           <a:ea typeface="+mn-ea"/>
           <a:cs typeface="+mn-cs"/>
         </a:defRPr>
       </a:lvl5pPr>
-      <a:lvl6pPr marL="1312863" indent="-228600" algn="l" defTabSz="914400" rtl="0" eaLnBrk="1" latinLnBrk="0" hangingPunct="1">
+      <a:lvl6pPr marL="2514600" indent="-228600" algn="l" defTabSz="914400" rtl="0" eaLnBrk="1" latinLnBrk="0" hangingPunct="1">
         <a:lnSpc>
-          <a:spcPct val="100000"/>
+          <a:spcPct val="90000"/>
         </a:lnSpc>
         <a:spcBef>
-          <a:spcPts val="1000"/>
+          <a:spcPts val="500"/>
         </a:spcBef>
-        <a:buClr>
-          <a:schemeClr val="accent2"/>
-        </a:buClr>
         <a:buFont typeface="Arial" panose="020B0604020202020204" pitchFamily="34" charset="0"/>
         <a:buChar char="•"/>
-        <a:defRPr sz="1600" kern="1200">
+        <a:defRPr sz="1800" kern="1200">
           <a:solidFill>
             <a:schemeClr val="tx1"/>
           </a:solidFill>
@@ -3133,19 +3746,16 @@
           <a:cs typeface="+mn-cs"/>
         </a:defRPr>
       </a:lvl6pPr>
-      <a:lvl7pPr marL="1484313" indent="-228600" algn="l" defTabSz="914400" rtl="0" eaLnBrk="1" latinLnBrk="0" hangingPunct="1">
+      <a:lvl7pPr marL="2971800" indent="-228600" algn="l" defTabSz="914400" rtl="0" eaLnBrk="1" latinLnBrk="0" hangingPunct="1">
         <a:lnSpc>
-          <a:spcPct val="100000"/>
+          <a:spcPct val="90000"/>
         </a:lnSpc>
         <a:spcBef>
-          <a:spcPts val="1000"/>
+          <a:spcPts val="500"/>
         </a:spcBef>
-        <a:buClr>
-          <a:schemeClr val="accent2"/>
-        </a:buClr>
         <a:buFont typeface="Arial" panose="020B0604020202020204" pitchFamily="34" charset="0"/>
         <a:buChar char="•"/>
-        <a:defRPr sz="1600" kern="1200">
+        <a:defRPr sz="1800" kern="1200">
           <a:solidFill>
             <a:schemeClr val="tx1"/>
           </a:solidFill>
@@ -3154,19 +3764,16 @@
           <a:cs typeface="+mn-cs"/>
         </a:defRPr>
       </a:lvl7pPr>
-      <a:lvl8pPr marL="1657350" indent="-228600" algn="l" defTabSz="914400" rtl="0" eaLnBrk="1" latinLnBrk="0" hangingPunct="1">
+      <a:lvl8pPr marL="3429000" indent="-228600" algn="l" defTabSz="914400" rtl="0" eaLnBrk="1" latinLnBrk="0" hangingPunct="1">
         <a:lnSpc>
-          <a:spcPct val="100000"/>
+          <a:spcPct val="90000"/>
         </a:lnSpc>
         <a:spcBef>
-          <a:spcPts val="1000"/>
+          <a:spcPts val="500"/>
         </a:spcBef>
-        <a:buClr>
-          <a:schemeClr val="accent2"/>
-        </a:buClr>
         <a:buFont typeface="Arial" panose="020B0604020202020204" pitchFamily="34" charset="0"/>
         <a:buChar char="•"/>
-        <a:defRPr sz="1600" kern="1200" baseline="0">
+        <a:defRPr sz="1800" kern="1200">
           <a:solidFill>
             <a:schemeClr val="tx1"/>
           </a:solidFill>
@@ -3175,19 +3782,16 @@
           <a:cs typeface="+mn-cs"/>
         </a:defRPr>
       </a:lvl8pPr>
-      <a:lvl9pPr marL="1882775" indent="-228600" algn="l" defTabSz="914400" rtl="0" eaLnBrk="1" latinLnBrk="0" hangingPunct="1">
+      <a:lvl9pPr marL="3886200" indent="-228600" algn="l" defTabSz="914400" rtl="0" eaLnBrk="1" latinLnBrk="0" hangingPunct="1">
         <a:lnSpc>
-          <a:spcPct val="100000"/>
+          <a:spcPct val="90000"/>
         </a:lnSpc>
         <a:spcBef>
-          <a:spcPts val="1000"/>
+          <a:spcPts val="500"/>
         </a:spcBef>
-        <a:buClr>
-          <a:schemeClr val="accent2"/>
-        </a:buClr>
         <a:buFont typeface="Arial" panose="020B0604020202020204" pitchFamily="34" charset="0"/>
         <a:buChar char="•"/>
-        <a:defRPr sz="1600" kern="1200" baseline="0">
+        <a:defRPr sz="1800" kern="1200">
           <a:solidFill>
             <a:schemeClr val="tx1"/>
           </a:solidFill>
@@ -3199,7 +3803,7 @@
     </p:bodyStyle>
     <p:otherStyle>
       <a:defPPr>
-        <a:defRPr lang="en-US"/>
+        <a:defRPr lang="zh-TW"/>
       </a:defPPr>
       <a:lvl1pPr marL="0" algn="l" defTabSz="914400" rtl="0" eaLnBrk="1" latinLnBrk="0" hangingPunct="1">
         <a:defRPr sz="1800" kern="1200">
@@ -3353,24 +3957,12 @@
             <a:pPr algn="ctr"/>
             <a:r>
               <a:rPr lang="zh-TW" altLang="en-US" sz="4000" dirty="0">
-                <a:solidFill>
-                  <a:schemeClr val="bg1">
-                    <a:lumMod val="95000"/>
-                    <a:lumOff val="5000"/>
-                  </a:schemeClr>
-                </a:solidFill>
                 <a:latin typeface="新細明體-ExtB" panose="02020500000000000000" pitchFamily="18" charset="-120"/>
                 <a:ea typeface="新細明體-ExtB" panose="02020500000000000000" pitchFamily="18" charset="-120"/>
               </a:rPr>
               <a:t>自我介紹</a:t>
             </a:r>
             <a:endParaRPr lang="en-US" altLang="zh-TW" sz="4000" dirty="0">
-              <a:solidFill>
-                <a:schemeClr val="bg1">
-                  <a:lumMod val="95000"/>
-                  <a:lumOff val="5000"/>
-                </a:schemeClr>
-              </a:solidFill>
               <a:latin typeface="新細明體-ExtB" panose="02020500000000000000" pitchFamily="18" charset="-120"/>
               <a:ea typeface="新細明體-ExtB" panose="02020500000000000000" pitchFamily="18" charset="-120"/>
             </a:endParaRPr>
@@ -3379,12 +3971,6 @@
             <a:pPr algn="ctr"/>
             <a:r>
               <a:rPr lang="en-US" altLang="zh-TW" sz="4000" dirty="0">
-                <a:solidFill>
-                  <a:schemeClr val="bg1">
-                    <a:lumMod val="95000"/>
-                    <a:lumOff val="5000"/>
-                  </a:schemeClr>
-                </a:solidFill>
                 <a:latin typeface="新細明體-ExtB" panose="02020500000000000000" pitchFamily="18" charset="-120"/>
                 <a:ea typeface="新細明體-ExtB" panose="02020500000000000000" pitchFamily="18" charset="-120"/>
               </a:rPr>
@@ -3392,12 +3978,6 @@
             </a:r>
             <a:r>
               <a:rPr lang="en-US" altLang="zh-TW" sz="4000" dirty="0" err="1">
-                <a:solidFill>
-                  <a:schemeClr val="bg1">
-                    <a:lumMod val="95000"/>
-                    <a:lumOff val="5000"/>
-                  </a:schemeClr>
-                </a:solidFill>
                 <a:latin typeface="新細明體-ExtB" panose="02020500000000000000" pitchFamily="18" charset="-120"/>
                 <a:ea typeface="新細明體-ExtB" panose="02020500000000000000" pitchFamily="18" charset="-120"/>
               </a:rPr>
@@ -3405,24 +3985,12 @@
             </a:r>
             <a:r>
               <a:rPr lang="en-US" altLang="zh-TW" sz="4000" dirty="0">
-                <a:solidFill>
-                  <a:schemeClr val="bg1">
-                    <a:lumMod val="95000"/>
-                    <a:lumOff val="5000"/>
-                  </a:schemeClr>
-                </a:solidFill>
                 <a:latin typeface="新細明體-ExtB" panose="02020500000000000000" pitchFamily="18" charset="-120"/>
                 <a:ea typeface="新細明體-ExtB" panose="02020500000000000000" pitchFamily="18" charset="-120"/>
               </a:rPr>
               <a:t> LIVE)</a:t>
             </a:r>
             <a:endParaRPr lang="zh-TW" altLang="en-US" sz="4000" dirty="0">
-              <a:solidFill>
-                <a:schemeClr val="bg1">
-                  <a:lumMod val="95000"/>
-                  <a:lumOff val="5000"/>
-                </a:schemeClr>
-              </a:solidFill>
               <a:latin typeface="新細明體-ExtB" panose="02020500000000000000" pitchFamily="18" charset="-120"/>
               <a:ea typeface="新細明體-ExtB" panose="02020500000000000000" pitchFamily="18" charset="-120"/>
             </a:endParaRPr>
@@ -3448,7 +4016,7 @@
     <p:bg>
       <p:bgPr>
         <a:blipFill>
-          <a:blip r:embed="rId2"/>
+          <a:blip r:embed="rId3"/>
           <a:tile tx="0" ty="0" sx="100000" sy="100000" flip="none" algn="tl"/>
         </a:blipFill>
         <a:effectLst/>
@@ -3498,30 +4066,57 @@
           <a:p>
             <a:r>
               <a:rPr lang="en-US" altLang="zh-TW" sz="2800" dirty="0">
-                <a:solidFill>
-                  <a:schemeClr val="bg1">
-                    <a:lumMod val="95000"/>
-                    <a:lumOff val="5000"/>
-                  </a:schemeClr>
-                </a:solidFill>
                 <a:latin typeface="新細明體-ExtB" panose="02020500000000000000" pitchFamily="18" charset="-120"/>
                 <a:ea typeface="新細明體-ExtB" panose="02020500000000000000" pitchFamily="18" charset="-120"/>
               </a:rPr>
               <a:t>1.</a:t>
             </a:r>
-            <a:endParaRPr lang="zh-TW" altLang="en-US" sz="2800" dirty="0">
-              <a:solidFill>
-                <a:schemeClr val="bg1">
-                  <a:lumMod val="95000"/>
-                  <a:lumOff val="5000"/>
-                </a:schemeClr>
-              </a:solidFill>
-              <a:latin typeface="新細明體-ExtB" panose="02020500000000000000" pitchFamily="18" charset="-120"/>
-              <a:ea typeface="新細明體-ExtB" panose="02020500000000000000" pitchFamily="18" charset="-120"/>
-            </a:endParaRPr>
-          </a:p>
-        </p:txBody>
-      </p:sp>
+            <a:r>
+              <a:rPr lang="zh-TW" altLang="en-US" sz="2800" dirty="0">
+                <a:latin typeface="新細明體-ExtB" panose="02020500000000000000" pitchFamily="18" charset="-120"/>
+                <a:ea typeface="新細明體-ExtB" panose="02020500000000000000" pitchFamily="18" charset="-120"/>
+              </a:rPr>
+              <a:t>目標</a:t>
+            </a:r>
+          </a:p>
+        </p:txBody>
+      </p:sp>
+      <p:pic>
+        <p:nvPicPr>
+          <p:cNvPr id="3" name="圖片 2">
+            <a:extLst>
+              <a:ext uri="{FF2B5EF4-FFF2-40B4-BE49-F238E27FC236}">
+                <a16:creationId xmlns:a16="http://schemas.microsoft.com/office/drawing/2014/main" id="{0D2C106E-0513-427A-B99A-77FC41884A62}"/>
+              </a:ext>
+            </a:extLst>
+          </p:cNvPr>
+          <p:cNvPicPr>
+            <a:picLocks noChangeAspect="1"/>
+          </p:cNvPicPr>
+          <p:nvPr/>
+        </p:nvPicPr>
+        <p:blipFill>
+          <a:blip r:embed="rId4">
+            <a:extLst>
+              <a:ext uri="{28A0092B-C50C-407E-A947-70E740481C1C}">
+                <a14:useLocalDpi xmlns:a14="http://schemas.microsoft.com/office/drawing/2010/main" val="0"/>
+              </a:ext>
+            </a:extLst>
+          </a:blip>
+          <a:stretch>
+            <a:fillRect/>
+          </a:stretch>
+        </p:blipFill>
+        <p:spPr>
+          <a:xfrm>
+            <a:off x="301336" y="959638"/>
+            <a:ext cx="5794664" cy="5794664"/>
+          </a:xfrm>
+          <a:prstGeom prst="rect">
+            <a:avLst/>
+          </a:prstGeom>
+        </p:spPr>
+      </p:pic>
     </p:spTree>
     <p:extLst>
       <p:ext uri="{BB962C8B-B14F-4D97-AF65-F5344CB8AC3E}">
@@ -3541,7 +4136,7 @@
     <p:bg>
       <p:bgPr>
         <a:blipFill>
-          <a:blip r:embed="rId2"/>
+          <a:blip r:embed="rId3"/>
           <a:tile tx="0" ty="0" sx="100000" sy="100000" flip="none" algn="tl"/>
         </a:blipFill>
         <a:effectLst/>
@@ -3561,10 +4156,91 @@
           <a:chExt cx="0" cy="0"/>
         </a:xfrm>
       </p:grpSpPr>
+      <p:sp>
+        <p:nvSpPr>
+          <p:cNvPr id="4" name="文字方塊 3">
+            <a:extLst>
+              <a:ext uri="{FF2B5EF4-FFF2-40B4-BE49-F238E27FC236}">
+                <a16:creationId xmlns:a16="http://schemas.microsoft.com/office/drawing/2014/main" id="{46F869C5-E50C-496C-AD6E-62653B2A49D5}"/>
+              </a:ext>
+            </a:extLst>
+          </p:cNvPr>
+          <p:cNvSpPr txBox="1"/>
+          <p:nvPr/>
+        </p:nvSpPr>
+        <p:spPr>
+          <a:xfrm>
+            <a:off x="301336" y="436418"/>
+            <a:ext cx="5122719" cy="523220"/>
+          </a:xfrm>
+          <a:prstGeom prst="rect">
+            <a:avLst/>
+          </a:prstGeom>
+          <a:noFill/>
+        </p:spPr>
+        <p:txBody>
+          <a:bodyPr wrap="square" rtlCol="0">
+            <a:spAutoFit/>
+          </a:bodyPr>
+          <a:lstStyle/>
+          <a:p>
+            <a:r>
+              <a:rPr lang="en-US" altLang="zh-TW" sz="2800" dirty="0">
+                <a:latin typeface="新細明體-ExtB" panose="02020500000000000000" pitchFamily="18" charset="-120"/>
+                <a:ea typeface="新細明體-ExtB" panose="02020500000000000000" pitchFamily="18" charset="-120"/>
+              </a:rPr>
+              <a:t>2.</a:t>
+            </a:r>
+            <a:r>
+              <a:rPr lang="zh-TW" altLang="en-US" sz="2800" dirty="0">
+                <a:latin typeface="新細明體-ExtB" panose="02020500000000000000" pitchFamily="18" charset="-120"/>
+                <a:ea typeface="新細明體-ExtB" panose="02020500000000000000" pitchFamily="18" charset="-120"/>
+              </a:rPr>
+              <a:t>阻礙</a:t>
+            </a:r>
+          </a:p>
+        </p:txBody>
+      </p:sp>
+      <p:pic>
+        <p:nvPicPr>
+          <p:cNvPr id="3" name="圖片 2">
+            <a:extLst>
+              <a:ext uri="{FF2B5EF4-FFF2-40B4-BE49-F238E27FC236}">
+                <a16:creationId xmlns:a16="http://schemas.microsoft.com/office/drawing/2014/main" id="{C2154874-EE41-44E5-B90A-74C761DF070B}"/>
+              </a:ext>
+            </a:extLst>
+          </p:cNvPr>
+          <p:cNvPicPr>
+            <a:picLocks noChangeAspect="1"/>
+          </p:cNvPicPr>
+          <p:nvPr/>
+        </p:nvPicPr>
+        <p:blipFill>
+          <a:blip r:embed="rId4">
+            <a:extLst>
+              <a:ext uri="{28A0092B-C50C-407E-A947-70E740481C1C}">
+                <a14:useLocalDpi xmlns:a14="http://schemas.microsoft.com/office/drawing/2010/main" val="0"/>
+              </a:ext>
+            </a:extLst>
+          </a:blip>
+          <a:stretch>
+            <a:fillRect/>
+          </a:stretch>
+        </p:blipFill>
+        <p:spPr>
+          <a:xfrm>
+            <a:off x="301336" y="959638"/>
+            <a:ext cx="5700935" cy="5700935"/>
+          </a:xfrm>
+          <a:prstGeom prst="rect">
+            <a:avLst/>
+          </a:prstGeom>
+        </p:spPr>
+      </p:pic>
     </p:spTree>
     <p:extLst>
       <p:ext uri="{BB962C8B-B14F-4D97-AF65-F5344CB8AC3E}">
-        <p14:creationId xmlns:p14="http://schemas.microsoft.com/office/powerpoint/2010/main" val="3406283241"/>
+        <p14:creationId xmlns:p14="http://schemas.microsoft.com/office/powerpoint/2010/main" val="171696705"/>
       </p:ext>
     </p:extLst>
   </p:cSld>
@@ -3600,10 +4276,55 @@
           <a:chExt cx="0" cy="0"/>
         </a:xfrm>
       </p:grpSpPr>
+      <p:sp>
+        <p:nvSpPr>
+          <p:cNvPr id="4" name="文字方塊 3">
+            <a:extLst>
+              <a:ext uri="{FF2B5EF4-FFF2-40B4-BE49-F238E27FC236}">
+                <a16:creationId xmlns:a16="http://schemas.microsoft.com/office/drawing/2014/main" id="{46F869C5-E50C-496C-AD6E-62653B2A49D5}"/>
+              </a:ext>
+            </a:extLst>
+          </p:cNvPr>
+          <p:cNvSpPr txBox="1"/>
+          <p:nvPr/>
+        </p:nvSpPr>
+        <p:spPr>
+          <a:xfrm>
+            <a:off x="301336" y="436418"/>
+            <a:ext cx="5122719" cy="523220"/>
+          </a:xfrm>
+          <a:prstGeom prst="rect">
+            <a:avLst/>
+          </a:prstGeom>
+          <a:noFill/>
+        </p:spPr>
+        <p:txBody>
+          <a:bodyPr wrap="square" rtlCol="0">
+            <a:spAutoFit/>
+          </a:bodyPr>
+          <a:lstStyle/>
+          <a:p>
+            <a:r>
+              <a:rPr lang="en-US" altLang="zh-TW" sz="2800" dirty="0">
+                <a:latin typeface="新細明體-ExtB" panose="02020500000000000000" pitchFamily="18" charset="-120"/>
+                <a:ea typeface="新細明體-ExtB" panose="02020500000000000000" pitchFamily="18" charset="-120"/>
+              </a:rPr>
+              <a:t>3.</a:t>
+            </a:r>
+            <a:r>
+              <a:rPr lang="zh-TW" altLang="en-US" sz="2800" dirty="0">
+                <a:latin typeface="新細明體-ExtB" panose="02020500000000000000" pitchFamily="18" charset="-120"/>
+                <a:ea typeface="新細明體-ExtB" panose="02020500000000000000" pitchFamily="18" charset="-120"/>
+              </a:rPr>
+              <a:t>努力</a:t>
+            </a:r>
+          </a:p>
+        </p:txBody>
+      </p:sp>
     </p:spTree>
     <p:extLst>
       <p:ext uri="{BB962C8B-B14F-4D97-AF65-F5344CB8AC3E}">
-        <p14:creationId xmlns:p14="http://schemas.microsoft.com/office/powerpoint/2010/main" val="113705551"/>
+        <p14:creationId xmlns:p14="http://schemas.microsoft.com/office/powerpoint/2010/main" val="1079257797"/>
       </p:ext>
     </p:extLst>
   </p:cSld>
@@ -3639,10 +4360,307 @@
           <a:chExt cx="0" cy="0"/>
         </a:xfrm>
       </p:grpSpPr>
+      <p:sp>
+        <p:nvSpPr>
+          <p:cNvPr id="4" name="文字方塊 3">
+            <a:extLst>
+              <a:ext uri="{FF2B5EF4-FFF2-40B4-BE49-F238E27FC236}">
+                <a16:creationId xmlns:a16="http://schemas.microsoft.com/office/drawing/2014/main" id="{46F869C5-E50C-496C-AD6E-62653B2A49D5}"/>
+              </a:ext>
+            </a:extLst>
+          </p:cNvPr>
+          <p:cNvSpPr txBox="1"/>
+          <p:nvPr/>
+        </p:nvSpPr>
+        <p:spPr>
+          <a:xfrm>
+            <a:off x="301336" y="436418"/>
+            <a:ext cx="5122719" cy="523220"/>
+          </a:xfrm>
+          <a:prstGeom prst="rect">
+            <a:avLst/>
+          </a:prstGeom>
+          <a:noFill/>
+        </p:spPr>
+        <p:txBody>
+          <a:bodyPr wrap="square" rtlCol="0">
+            <a:spAutoFit/>
+          </a:bodyPr>
+          <a:lstStyle/>
+          <a:p>
+            <a:r>
+              <a:rPr lang="en-US" altLang="zh-TW" sz="2800" dirty="0">
+                <a:latin typeface="新細明體-ExtB" panose="02020500000000000000" pitchFamily="18" charset="-120"/>
+                <a:ea typeface="新細明體-ExtB" panose="02020500000000000000" pitchFamily="18" charset="-120"/>
+              </a:rPr>
+              <a:t>4.</a:t>
+            </a:r>
+            <a:r>
+              <a:rPr lang="zh-TW" altLang="en-US" sz="2800" dirty="0">
+                <a:latin typeface="新細明體-ExtB" panose="02020500000000000000" pitchFamily="18" charset="-120"/>
+                <a:ea typeface="新細明體-ExtB" panose="02020500000000000000" pitchFamily="18" charset="-120"/>
+              </a:rPr>
+              <a:t>結果</a:t>
+            </a:r>
+          </a:p>
+        </p:txBody>
+      </p:sp>
     </p:spTree>
     <p:extLst>
       <p:ext uri="{BB962C8B-B14F-4D97-AF65-F5344CB8AC3E}">
-        <p14:creationId xmlns:p14="http://schemas.microsoft.com/office/powerpoint/2010/main" val="3383812683"/>
+        <p14:creationId xmlns:p14="http://schemas.microsoft.com/office/powerpoint/2010/main" val="3687162761"/>
+      </p:ext>
+    </p:extLst>
+  </p:cSld>
+  <p:clrMapOvr>
+    <a:masterClrMapping/>
+  </p:clrMapOvr>
+</p:sld>
+</file>
+
+<file path=ppt/slides/slide6.xml><?xml version="1.0" encoding="utf-8"?>
+<p:sld xmlns:a="http://schemas.openxmlformats.org/drawingml/2006/main" xmlns:r="http://schemas.openxmlformats.org/officeDocument/2006/relationships" xmlns:p="http://schemas.openxmlformats.org/presentationml/2006/main">
+  <p:cSld>
+    <p:bg>
+      <p:bgPr>
+        <a:blipFill>
+          <a:blip r:embed="rId2"/>
+          <a:tile tx="0" ty="0" sx="100000" sy="100000" flip="none" algn="tl"/>
+        </a:blipFill>
+        <a:effectLst/>
+      </p:bgPr>
+    </p:bg>
+    <p:spTree>
+      <p:nvGrpSpPr>
+        <p:cNvPr id="1" name=""/>
+        <p:cNvGrpSpPr/>
+        <p:nvPr/>
+      </p:nvGrpSpPr>
+      <p:grpSpPr>
+        <a:xfrm>
+          <a:off x="0" y="0"/>
+          <a:ext cx="0" cy="0"/>
+          <a:chOff x="0" y="0"/>
+          <a:chExt cx="0" cy="0"/>
+        </a:xfrm>
+      </p:grpSpPr>
+      <p:sp>
+        <p:nvSpPr>
+          <p:cNvPr id="4" name="文字方塊 3">
+            <a:extLst>
+              <a:ext uri="{FF2B5EF4-FFF2-40B4-BE49-F238E27FC236}">
+                <a16:creationId xmlns:a16="http://schemas.microsoft.com/office/drawing/2014/main" id="{46F869C5-E50C-496C-AD6E-62653B2A49D5}"/>
+              </a:ext>
+            </a:extLst>
+          </p:cNvPr>
+          <p:cNvSpPr txBox="1"/>
+          <p:nvPr/>
+        </p:nvSpPr>
+        <p:spPr>
+          <a:xfrm>
+            <a:off x="301336" y="436418"/>
+            <a:ext cx="5122719" cy="523220"/>
+          </a:xfrm>
+          <a:prstGeom prst="rect">
+            <a:avLst/>
+          </a:prstGeom>
+          <a:noFill/>
+        </p:spPr>
+        <p:txBody>
+          <a:bodyPr wrap="square" rtlCol="0">
+            <a:spAutoFit/>
+          </a:bodyPr>
+          <a:lstStyle/>
+          <a:p>
+            <a:r>
+              <a:rPr lang="en-US" altLang="zh-TW" sz="2800" dirty="0">
+                <a:latin typeface="新細明體-ExtB" panose="02020500000000000000" pitchFamily="18" charset="-120"/>
+                <a:ea typeface="新細明體-ExtB" panose="02020500000000000000" pitchFamily="18" charset="-120"/>
+              </a:rPr>
+              <a:t>5.</a:t>
+            </a:r>
+            <a:r>
+              <a:rPr lang="zh-TW" altLang="en-US" sz="2800" dirty="0">
+                <a:latin typeface="新細明體-ExtB" panose="02020500000000000000" pitchFamily="18" charset="-120"/>
+                <a:ea typeface="新細明體-ExtB" panose="02020500000000000000" pitchFamily="18" charset="-120"/>
+              </a:rPr>
+              <a:t>意外</a:t>
+            </a:r>
+          </a:p>
+        </p:txBody>
+      </p:sp>
+    </p:spTree>
+    <p:extLst>
+      <p:ext uri="{BB962C8B-B14F-4D97-AF65-F5344CB8AC3E}">
+        <p14:creationId xmlns:p14="http://schemas.microsoft.com/office/powerpoint/2010/main" val="3940795390"/>
+      </p:ext>
+    </p:extLst>
+  </p:cSld>
+  <p:clrMapOvr>
+    <a:masterClrMapping/>
+  </p:clrMapOvr>
+</p:sld>
+</file>
+
+<file path=ppt/slides/slide7.xml><?xml version="1.0" encoding="utf-8"?>
+<p:sld xmlns:a="http://schemas.openxmlformats.org/drawingml/2006/main" xmlns:r="http://schemas.openxmlformats.org/officeDocument/2006/relationships" xmlns:p="http://schemas.openxmlformats.org/presentationml/2006/main">
+  <p:cSld>
+    <p:bg>
+      <p:bgPr>
+        <a:blipFill>
+          <a:blip r:embed="rId2"/>
+          <a:tile tx="0" ty="0" sx="100000" sy="100000" flip="none" algn="tl"/>
+        </a:blipFill>
+        <a:effectLst/>
+      </p:bgPr>
+    </p:bg>
+    <p:spTree>
+      <p:nvGrpSpPr>
+        <p:cNvPr id="1" name=""/>
+        <p:cNvGrpSpPr/>
+        <p:nvPr/>
+      </p:nvGrpSpPr>
+      <p:grpSpPr>
+        <a:xfrm>
+          <a:off x="0" y="0"/>
+          <a:ext cx="0" cy="0"/>
+          <a:chOff x="0" y="0"/>
+          <a:chExt cx="0" cy="0"/>
+        </a:xfrm>
+      </p:grpSpPr>
+      <p:sp>
+        <p:nvSpPr>
+          <p:cNvPr id="4" name="文字方塊 3">
+            <a:extLst>
+              <a:ext uri="{FF2B5EF4-FFF2-40B4-BE49-F238E27FC236}">
+                <a16:creationId xmlns:a16="http://schemas.microsoft.com/office/drawing/2014/main" id="{46F869C5-E50C-496C-AD6E-62653B2A49D5}"/>
+              </a:ext>
+            </a:extLst>
+          </p:cNvPr>
+          <p:cNvSpPr txBox="1"/>
+          <p:nvPr/>
+        </p:nvSpPr>
+        <p:spPr>
+          <a:xfrm>
+            <a:off x="301336" y="436418"/>
+            <a:ext cx="5122719" cy="523220"/>
+          </a:xfrm>
+          <a:prstGeom prst="rect">
+            <a:avLst/>
+          </a:prstGeom>
+          <a:noFill/>
+        </p:spPr>
+        <p:txBody>
+          <a:bodyPr wrap="square" rtlCol="0">
+            <a:spAutoFit/>
+          </a:bodyPr>
+          <a:lstStyle/>
+          <a:p>
+            <a:r>
+              <a:rPr lang="en-US" altLang="zh-TW" sz="2800" dirty="0">
+                <a:latin typeface="新細明體-ExtB" panose="02020500000000000000" pitchFamily="18" charset="-120"/>
+                <a:ea typeface="新細明體-ExtB" panose="02020500000000000000" pitchFamily="18" charset="-120"/>
+              </a:rPr>
+              <a:t>6.</a:t>
+            </a:r>
+            <a:r>
+              <a:rPr lang="zh-TW" altLang="en-US" sz="2800" dirty="0">
+                <a:latin typeface="新細明體-ExtB" panose="02020500000000000000" pitchFamily="18" charset="-120"/>
+                <a:ea typeface="新細明體-ExtB" panose="02020500000000000000" pitchFamily="18" charset="-120"/>
+              </a:rPr>
+              <a:t>轉彎</a:t>
+            </a:r>
+          </a:p>
+        </p:txBody>
+      </p:sp>
+    </p:spTree>
+    <p:extLst>
+      <p:ext uri="{BB962C8B-B14F-4D97-AF65-F5344CB8AC3E}">
+        <p14:creationId xmlns:p14="http://schemas.microsoft.com/office/powerpoint/2010/main" val="1640576947"/>
+      </p:ext>
+    </p:extLst>
+  </p:cSld>
+  <p:clrMapOvr>
+    <a:masterClrMapping/>
+  </p:clrMapOvr>
+</p:sld>
+</file>
+
+<file path=ppt/slides/slide8.xml><?xml version="1.0" encoding="utf-8"?>
+<p:sld xmlns:a="http://schemas.openxmlformats.org/drawingml/2006/main" xmlns:r="http://schemas.openxmlformats.org/officeDocument/2006/relationships" xmlns:p="http://schemas.openxmlformats.org/presentationml/2006/main">
+  <p:cSld>
+    <p:bg>
+      <p:bgPr>
+        <a:blipFill>
+          <a:blip r:embed="rId2"/>
+          <a:tile tx="0" ty="0" sx="100000" sy="100000" flip="none" algn="tl"/>
+        </a:blipFill>
+        <a:effectLst/>
+      </p:bgPr>
+    </p:bg>
+    <p:spTree>
+      <p:nvGrpSpPr>
+        <p:cNvPr id="1" name=""/>
+        <p:cNvGrpSpPr/>
+        <p:nvPr/>
+      </p:nvGrpSpPr>
+      <p:grpSpPr>
+        <a:xfrm>
+          <a:off x="0" y="0"/>
+          <a:ext cx="0" cy="0"/>
+          <a:chOff x="0" y="0"/>
+          <a:chExt cx="0" cy="0"/>
+        </a:xfrm>
+      </p:grpSpPr>
+      <p:sp>
+        <p:nvSpPr>
+          <p:cNvPr id="4" name="文字方塊 3">
+            <a:extLst>
+              <a:ext uri="{FF2B5EF4-FFF2-40B4-BE49-F238E27FC236}">
+                <a16:creationId xmlns:a16="http://schemas.microsoft.com/office/drawing/2014/main" id="{46F869C5-E50C-496C-AD6E-62653B2A49D5}"/>
+              </a:ext>
+            </a:extLst>
+          </p:cNvPr>
+          <p:cNvSpPr txBox="1"/>
+          <p:nvPr/>
+        </p:nvSpPr>
+        <p:spPr>
+          <a:xfrm>
+            <a:off x="301336" y="436418"/>
+            <a:ext cx="5122719" cy="523220"/>
+          </a:xfrm>
+          <a:prstGeom prst="rect">
+            <a:avLst/>
+          </a:prstGeom>
+          <a:noFill/>
+        </p:spPr>
+        <p:txBody>
+          <a:bodyPr wrap="square" rtlCol="0">
+            <a:spAutoFit/>
+          </a:bodyPr>
+          <a:lstStyle/>
+          <a:p>
+            <a:r>
+              <a:rPr lang="en-US" altLang="zh-TW" sz="2800" dirty="0">
+                <a:latin typeface="新細明體-ExtB" panose="02020500000000000000" pitchFamily="18" charset="-120"/>
+                <a:ea typeface="新細明體-ExtB" panose="02020500000000000000" pitchFamily="18" charset="-120"/>
+              </a:rPr>
+              <a:t>7.</a:t>
+            </a:r>
+            <a:r>
+              <a:rPr lang="zh-TW" altLang="en-US" sz="2800" dirty="0">
+                <a:latin typeface="新細明體-ExtB" panose="02020500000000000000" pitchFamily="18" charset="-120"/>
+                <a:ea typeface="新細明體-ExtB" panose="02020500000000000000" pitchFamily="18" charset="-120"/>
+              </a:rPr>
+              <a:t>結局</a:t>
+            </a:r>
+          </a:p>
+        </p:txBody>
+      </p:sp>
+    </p:spTree>
+    <p:extLst>
+      <p:ext uri="{BB962C8B-B14F-4D97-AF65-F5344CB8AC3E}">
+        <p14:creationId xmlns:p14="http://schemas.microsoft.com/office/powerpoint/2010/main" val="1220491331"/>
       </p:ext>
     </p:extLst>
   </p:cSld>
@@ -3653,58 +4671,108 @@
 </file>
 
 <file path=ppt/theme/theme1.xml><?xml version="1.0" encoding="utf-8"?>
-<a:theme xmlns:a="http://schemas.openxmlformats.org/drawingml/2006/main" name="包裹">
+<a:theme xmlns:a="http://schemas.openxmlformats.org/drawingml/2006/main" name="Office 佈景主題">
   <a:themeElements>
-    <a:clrScheme name="包裹">
+    <a:clrScheme name="Office">
       <a:dk1>
-        <a:srgbClr val="000000"/>
+        <a:sysClr val="windowText" lastClr="000000"/>
       </a:dk1>
       <a:lt1>
-        <a:srgbClr val="FFFFFF"/>
+        <a:sysClr val="window" lastClr="FFFFFF"/>
       </a:lt1>
       <a:dk2>
-        <a:srgbClr val="635D4D"/>
+        <a:srgbClr val="44546A"/>
       </a:dk2>
       <a:lt2>
-        <a:srgbClr val="D8D6BA"/>
+        <a:srgbClr val="E7E6E6"/>
       </a:lt2>
       <a:accent1>
-        <a:srgbClr val="9CBEBD"/>
+        <a:srgbClr val="4472C4"/>
       </a:accent1>
       <a:accent2>
-        <a:srgbClr val="D2CB6C"/>
+        <a:srgbClr val="ED7D31"/>
       </a:accent2>
       <a:accent3>
-        <a:srgbClr val="9D9A93"/>
+        <a:srgbClr val="A5A5A5"/>
       </a:accent3>
       <a:accent4>
-        <a:srgbClr val="C89F5D"/>
+        <a:srgbClr val="FFC000"/>
       </a:accent4>
       <a:accent5>
-        <a:srgbClr val="A9A57C"/>
+        <a:srgbClr val="5B9BD5"/>
       </a:accent5>
       <a:accent6>
-        <a:srgbClr val="95A39D"/>
+        <a:srgbClr val="70AD47"/>
       </a:accent6>
       <a:hlink>
-        <a:srgbClr val="D25814"/>
+        <a:srgbClr val="0563C1"/>
       </a:hlink>
       <a:folHlink>
-        <a:srgbClr val="849A0A"/>
+        <a:srgbClr val="954F72"/>
       </a:folHlink>
     </a:clrScheme>
-    <a:fontScheme name="包裹">
+    <a:fontScheme name="Office">
       <a:majorFont>
-        <a:latin typeface="Gill Sans MT" panose="020B0502020104020203"/>
+        <a:latin typeface="Calibri Light" panose="020F0302020204030204"/>
         <a:ea typeface=""/>
         <a:cs typeface=""/>
-        <a:font script="Grek" typeface="Corbel"/>
-        <a:font script="Cyrl" typeface="Corbel"/>
-        <a:font script="Jpan" typeface="HGｺﾞｼｯｸE"/>
-        <a:font script="Hang" typeface="휴먼매직체"/>
-        <a:font script="Hans" typeface="华文中宋"/>
-        <a:font script="Hant" typeface="微軟正黑體"/>
-        <a:font script="Arab" typeface="Majalla UI"/>
+        <a:font script="Jpan" typeface="游ゴシック Light"/>
+        <a:font script="Hang" typeface="맑은 고딕"/>
+        <a:font script="Hans" typeface="等线 Light"/>
+        <a:font script="Hant" typeface="新細明體"/>
+        <a:font script="Arab" typeface="Times New Roman"/>
+        <a:font script="Hebr" typeface="Times New Roman"/>
+        <a:font script="Thai" typeface="Angsana New"/>
+        <a:font script="Ethi" typeface="Nyala"/>
+        <a:font script="Beng" typeface="Vrinda"/>
+        <a:font script="Gujr" typeface="Shruti"/>
+        <a:font script="Khmr" typeface="MoolBoran"/>
+        <a:font script="Knda" typeface="Tunga"/>
+        <a:font script="Guru" typeface="Raavi"/>
+        <a:font script="Cans" typeface="Euphemia"/>
+        <a:font script="Cher" typeface="Plantagenet Cherokee"/>
+        <a:font script="Yiii" typeface="Microsoft Yi Baiti"/>
+        <a:font script="Tibt" typeface="Microsoft Himalaya"/>
+        <a:font script="Thaa" typeface="MV Boli"/>
+        <a:font script="Deva" typeface="Mangal"/>
+        <a:font script="Telu" typeface="Gautami"/>
+        <a:font script="Taml" typeface="Latha"/>
+        <a:font script="Syrc" typeface="Estrangelo Edessa"/>
+        <a:font script="Orya" typeface="Kalinga"/>
+        <a:font script="Mlym" typeface="Kartika"/>
+        <a:font script="Laoo" typeface="DokChampa"/>
+        <a:font script="Sinh" typeface="Iskoola Pota"/>
+        <a:font script="Mong" typeface="Mongolian Baiti"/>
+        <a:font script="Viet" typeface="Times New Roman"/>
+        <a:font script="Uigh" typeface="Microsoft Uighur"/>
+        <a:font script="Geor" typeface="Sylfaen"/>
+        <a:font script="Armn" typeface="Arial"/>
+        <a:font script="Bugi" typeface="Leelawadee UI"/>
+        <a:font script="Bopo" typeface="Microsoft JhengHei"/>
+        <a:font script="Java" typeface="Javanese Text"/>
+        <a:font script="Lisu" typeface="Segoe UI"/>
+        <a:font script="Mymr" typeface="Myanmar Text"/>
+        <a:font script="Nkoo" typeface="Ebrima"/>
+        <a:font script="Olck" typeface="Nirmala UI"/>
+        <a:font script="Osma" typeface="Ebrima"/>
+        <a:font script="Phag" typeface="Phagspa"/>
+        <a:font script="Syrn" typeface="Estrangelo Edessa"/>
+        <a:font script="Syrj" typeface="Estrangelo Edessa"/>
+        <a:font script="Syre" typeface="Estrangelo Edessa"/>
+        <a:font script="Sora" typeface="Nirmala UI"/>
+        <a:font script="Tale" typeface="Microsoft Tai Le"/>
+        <a:font script="Talu" typeface="Microsoft New Tai Lue"/>
+        <a:font script="Tfng" typeface="Ebrima"/>
+      </a:majorFont>
+      <a:minorFont>
+        <a:latin typeface="Calibri" panose="020F0502020204030204"/>
+        <a:ea typeface=""/>
+        <a:cs typeface=""/>
+        <a:font script="Jpan" typeface="游ゴシック"/>
+        <a:font script="Hang" typeface="맑은 고딕"/>
+        <a:font script="Hans" typeface="等线"/>
+        <a:font script="Hant" typeface="新細明體"/>
+        <a:font script="Arab" typeface="Arial"/>
         <a:font script="Hebr" typeface="Arial"/>
         <a:font script="Thai" typeface="Cordia New"/>
         <a:font script="Ethi" typeface="Nyala"/>
@@ -3727,21 +4795,279 @@
         <a:font script="Laoo" typeface="DokChampa"/>
         <a:font script="Sinh" typeface="Iskoola Pota"/>
         <a:font script="Mong" typeface="Mongolian Baiti"/>
-        <a:font script="Viet" typeface="Tahoma"/>
+        <a:font script="Viet" typeface="Arial"/>
         <a:font script="Uigh" typeface="Microsoft Uighur"/>
         <a:font script="Geor" typeface="Sylfaen"/>
+        <a:font script="Armn" typeface="Arial"/>
+        <a:font script="Bugi" typeface="Leelawadee UI"/>
+        <a:font script="Bopo" typeface="Microsoft JhengHei"/>
+        <a:font script="Java" typeface="Javanese Text"/>
+        <a:font script="Lisu" typeface="Segoe UI"/>
+        <a:font script="Mymr" typeface="Myanmar Text"/>
+        <a:font script="Nkoo" typeface="Ebrima"/>
+        <a:font script="Olck" typeface="Nirmala UI"/>
+        <a:font script="Osma" typeface="Ebrima"/>
+        <a:font script="Phag" typeface="Phagspa"/>
+        <a:font script="Syrn" typeface="Estrangelo Edessa"/>
+        <a:font script="Syrj" typeface="Estrangelo Edessa"/>
+        <a:font script="Syre" typeface="Estrangelo Edessa"/>
+        <a:font script="Sora" typeface="Nirmala UI"/>
+        <a:font script="Tale" typeface="Microsoft Tai Le"/>
+        <a:font script="Talu" typeface="Microsoft New Tai Lue"/>
+        <a:font script="Tfng" typeface="Ebrima"/>
+      </a:minorFont>
+    </a:fontScheme>
+    <a:fmtScheme name="Office">
+      <a:fillStyleLst>
+        <a:solidFill>
+          <a:schemeClr val="phClr"/>
+        </a:solidFill>
+        <a:gradFill rotWithShape="1">
+          <a:gsLst>
+            <a:gs pos="0">
+              <a:schemeClr val="phClr">
+                <a:lumMod val="110000"/>
+                <a:satMod val="105000"/>
+                <a:tint val="67000"/>
+              </a:schemeClr>
+            </a:gs>
+            <a:gs pos="50000">
+              <a:schemeClr val="phClr">
+                <a:lumMod val="105000"/>
+                <a:satMod val="103000"/>
+                <a:tint val="73000"/>
+              </a:schemeClr>
+            </a:gs>
+            <a:gs pos="100000">
+              <a:schemeClr val="phClr">
+                <a:lumMod val="105000"/>
+                <a:satMod val="109000"/>
+                <a:tint val="81000"/>
+              </a:schemeClr>
+            </a:gs>
+          </a:gsLst>
+          <a:lin ang="5400000" scaled="0"/>
+        </a:gradFill>
+        <a:gradFill rotWithShape="1">
+          <a:gsLst>
+            <a:gs pos="0">
+              <a:schemeClr val="phClr">
+                <a:satMod val="103000"/>
+                <a:lumMod val="102000"/>
+                <a:tint val="94000"/>
+              </a:schemeClr>
+            </a:gs>
+            <a:gs pos="50000">
+              <a:schemeClr val="phClr">
+                <a:satMod val="110000"/>
+                <a:lumMod val="100000"/>
+                <a:shade val="100000"/>
+              </a:schemeClr>
+            </a:gs>
+            <a:gs pos="100000">
+              <a:schemeClr val="phClr">
+                <a:lumMod val="99000"/>
+                <a:satMod val="120000"/>
+                <a:shade val="78000"/>
+              </a:schemeClr>
+            </a:gs>
+          </a:gsLst>
+          <a:lin ang="5400000" scaled="0"/>
+        </a:gradFill>
+      </a:fillStyleLst>
+      <a:lnStyleLst>
+        <a:ln w="6350" cap="flat" cmpd="sng" algn="ctr">
+          <a:solidFill>
+            <a:schemeClr val="phClr"/>
+          </a:solidFill>
+          <a:prstDash val="solid"/>
+          <a:miter lim="800000"/>
+        </a:ln>
+        <a:ln w="12700" cap="flat" cmpd="sng" algn="ctr">
+          <a:solidFill>
+            <a:schemeClr val="phClr"/>
+          </a:solidFill>
+          <a:prstDash val="solid"/>
+          <a:miter lim="800000"/>
+        </a:ln>
+        <a:ln w="19050" cap="flat" cmpd="sng" algn="ctr">
+          <a:solidFill>
+            <a:schemeClr val="phClr"/>
+          </a:solidFill>
+          <a:prstDash val="solid"/>
+          <a:miter lim="800000"/>
+        </a:ln>
+      </a:lnStyleLst>
+      <a:effectStyleLst>
+        <a:effectStyle>
+          <a:effectLst/>
+        </a:effectStyle>
+        <a:effectStyle>
+          <a:effectLst/>
+        </a:effectStyle>
+        <a:effectStyle>
+          <a:effectLst>
+            <a:outerShdw blurRad="57150" dist="19050" dir="5400000" algn="ctr" rotWithShape="0">
+              <a:srgbClr val="000000">
+                <a:alpha val="63000"/>
+              </a:srgbClr>
+            </a:outerShdw>
+          </a:effectLst>
+        </a:effectStyle>
+      </a:effectStyleLst>
+      <a:bgFillStyleLst>
+        <a:solidFill>
+          <a:schemeClr val="phClr"/>
+        </a:solidFill>
+        <a:solidFill>
+          <a:schemeClr val="phClr">
+            <a:tint val="95000"/>
+            <a:satMod val="170000"/>
+          </a:schemeClr>
+        </a:solidFill>
+        <a:gradFill rotWithShape="1">
+          <a:gsLst>
+            <a:gs pos="0">
+              <a:schemeClr val="phClr">
+                <a:tint val="93000"/>
+                <a:satMod val="150000"/>
+                <a:shade val="98000"/>
+                <a:lumMod val="102000"/>
+              </a:schemeClr>
+            </a:gs>
+            <a:gs pos="50000">
+              <a:schemeClr val="phClr">
+                <a:tint val="98000"/>
+                <a:satMod val="130000"/>
+                <a:shade val="90000"/>
+                <a:lumMod val="103000"/>
+              </a:schemeClr>
+            </a:gs>
+            <a:gs pos="100000">
+              <a:schemeClr val="phClr">
+                <a:shade val="63000"/>
+                <a:satMod val="120000"/>
+              </a:schemeClr>
+            </a:gs>
+          </a:gsLst>
+          <a:lin ang="5400000" scaled="0"/>
+        </a:gradFill>
+      </a:bgFillStyleLst>
+    </a:fmtScheme>
+  </a:themeElements>
+  <a:objectDefaults/>
+  <a:extraClrSchemeLst/>
+  <a:extLst>
+    <a:ext uri="{05A4C25C-085E-4340-85A3-A5531E510DB2}">
+      <thm15:themeFamily xmlns:thm15="http://schemas.microsoft.com/office/thememl/2012/main" name="Office Theme" id="{62F939B6-93AF-4DB8-9C6B-D6C7DFDC589F}" vid="{4A3C46E8-61CC-4603-A589-7422A47A8E4A}"/>
+    </a:ext>
+  </a:extLst>
+</a:theme>
+</file>
+
+<file path=ppt/theme/theme2.xml><?xml version="1.0" encoding="utf-8"?>
+<a:theme xmlns:a="http://schemas.openxmlformats.org/drawingml/2006/main" name="Office 佈景主題">
+  <a:themeElements>
+    <a:clrScheme name="Office">
+      <a:dk1>
+        <a:sysClr val="windowText" lastClr="000000"/>
+      </a:dk1>
+      <a:lt1>
+        <a:sysClr val="window" lastClr="FFFFFF"/>
+      </a:lt1>
+      <a:dk2>
+        <a:srgbClr val="44546A"/>
+      </a:dk2>
+      <a:lt2>
+        <a:srgbClr val="E7E6E6"/>
+      </a:lt2>
+      <a:accent1>
+        <a:srgbClr val="4472C4"/>
+      </a:accent1>
+      <a:accent2>
+        <a:srgbClr val="ED7D31"/>
+      </a:accent2>
+      <a:accent3>
+        <a:srgbClr val="A5A5A5"/>
+      </a:accent3>
+      <a:accent4>
+        <a:srgbClr val="FFC000"/>
+      </a:accent4>
+      <a:accent5>
+        <a:srgbClr val="5B9BD5"/>
+      </a:accent5>
+      <a:accent6>
+        <a:srgbClr val="70AD47"/>
+      </a:accent6>
+      <a:hlink>
+        <a:srgbClr val="0563C1"/>
+      </a:hlink>
+      <a:folHlink>
+        <a:srgbClr val="954F72"/>
+      </a:folHlink>
+    </a:clrScheme>
+    <a:fontScheme name="Office">
+      <a:majorFont>
+        <a:latin typeface="Calibri Light" panose="020F0302020204030204"/>
+        <a:ea typeface=""/>
+        <a:cs typeface=""/>
+        <a:font script="Jpan" typeface="游ゴシック Light"/>
+        <a:font script="Hang" typeface="맑은 고딕"/>
+        <a:font script="Hans" typeface="等线 Light"/>
+        <a:font script="Hant" typeface="新細明體"/>
+        <a:font script="Arab" typeface="Times New Roman"/>
+        <a:font script="Hebr" typeface="Times New Roman"/>
+        <a:font script="Thai" typeface="Angsana New"/>
+        <a:font script="Ethi" typeface="Nyala"/>
+        <a:font script="Beng" typeface="Vrinda"/>
+        <a:font script="Gujr" typeface="Shruti"/>
+        <a:font script="Khmr" typeface="MoolBoran"/>
+        <a:font script="Knda" typeface="Tunga"/>
+        <a:font script="Guru" typeface="Raavi"/>
+        <a:font script="Cans" typeface="Euphemia"/>
+        <a:font script="Cher" typeface="Plantagenet Cherokee"/>
+        <a:font script="Yiii" typeface="Microsoft Yi Baiti"/>
+        <a:font script="Tibt" typeface="Microsoft Himalaya"/>
+        <a:font script="Thaa" typeface="MV Boli"/>
+        <a:font script="Deva" typeface="Mangal"/>
+        <a:font script="Telu" typeface="Gautami"/>
+        <a:font script="Taml" typeface="Latha"/>
+        <a:font script="Syrc" typeface="Estrangelo Edessa"/>
+        <a:font script="Orya" typeface="Kalinga"/>
+        <a:font script="Mlym" typeface="Kartika"/>
+        <a:font script="Laoo" typeface="DokChampa"/>
+        <a:font script="Sinh" typeface="Iskoola Pota"/>
+        <a:font script="Mong" typeface="Mongolian Baiti"/>
+        <a:font script="Viet" typeface="Times New Roman"/>
+        <a:font script="Uigh" typeface="Microsoft Uighur"/>
+        <a:font script="Geor" typeface="Sylfaen"/>
+        <a:font script="Armn" typeface="Arial"/>
+        <a:font script="Bugi" typeface="Leelawadee UI"/>
+        <a:font script="Bopo" typeface="Microsoft JhengHei"/>
+        <a:font script="Java" typeface="Javanese Text"/>
+        <a:font script="Lisu" typeface="Segoe UI"/>
+        <a:font script="Mymr" typeface="Myanmar Text"/>
+        <a:font script="Nkoo" typeface="Ebrima"/>
+        <a:font script="Olck" typeface="Nirmala UI"/>
+        <a:font script="Osma" typeface="Ebrima"/>
+        <a:font script="Phag" typeface="Phagspa"/>
+        <a:font script="Syrn" typeface="Estrangelo Edessa"/>
+        <a:font script="Syrj" typeface="Estrangelo Edessa"/>
+        <a:font script="Syre" typeface="Estrangelo Edessa"/>
+        <a:font script="Sora" typeface="Nirmala UI"/>
+        <a:font script="Tale" typeface="Microsoft Tai Le"/>
+        <a:font script="Talu" typeface="Microsoft New Tai Lue"/>
+        <a:font script="Tfng" typeface="Ebrima"/>
       </a:majorFont>
       <a:minorFont>
-        <a:latin typeface="Gill Sans MT" panose="020B0502020104020203"/>
+        <a:latin typeface="Calibri" panose="020F0502020204030204"/>
         <a:ea typeface=""/>
         <a:cs typeface=""/>
-        <a:font script="Grek" typeface="Corbel"/>
-        <a:font script="Cyrl" typeface="Corbel"/>
-        <a:font script="Jpan" typeface="HGｺﾞｼｯｸE"/>
-        <a:font script="Hang" typeface="휴먼매직체"/>
-        <a:font script="Hans" typeface="华文中宋"/>
-        <a:font script="Hant" typeface="微軟正黑體"/>
-        <a:font script="Arab" typeface="Majalla UI"/>
+        <a:font script="Jpan" typeface="游ゴシック"/>
+        <a:font script="Hang" typeface="맑은 고딕"/>
+        <a:font script="Hans" typeface="等线"/>
+        <a:font script="Hant" typeface="新細明體"/>
+        <a:font script="Arab" typeface="Arial"/>
         <a:font script="Hebr" typeface="Arial"/>
         <a:font script="Thai" typeface="Cordia New"/>
         <a:font script="Ethi" typeface="Nyala"/>
@@ -3764,12 +5090,29 @@
         <a:font script="Laoo" typeface="DokChampa"/>
         <a:font script="Sinh" typeface="Iskoola Pota"/>
         <a:font script="Mong" typeface="Mongolian Baiti"/>
-        <a:font script="Viet" typeface="Tahoma"/>
+        <a:font script="Viet" typeface="Arial"/>
         <a:font script="Uigh" typeface="Microsoft Uighur"/>
         <a:font script="Geor" typeface="Sylfaen"/>
+        <a:font script="Armn" typeface="Arial"/>
+        <a:font script="Bugi" typeface="Leelawadee UI"/>
+        <a:font script="Bopo" typeface="Microsoft JhengHei"/>
+        <a:font script="Java" typeface="Javanese Text"/>
+        <a:font script="Lisu" typeface="Segoe UI"/>
+        <a:font script="Mymr" typeface="Myanmar Text"/>
+        <a:font script="Nkoo" typeface="Ebrima"/>
+        <a:font script="Olck" typeface="Nirmala UI"/>
+        <a:font script="Osma" typeface="Ebrima"/>
+        <a:font script="Phag" typeface="Phagspa"/>
+        <a:font script="Syrn" typeface="Estrangelo Edessa"/>
+        <a:font script="Syrj" typeface="Estrangelo Edessa"/>
+        <a:font script="Syre" typeface="Estrangelo Edessa"/>
+        <a:font script="Sora" typeface="Nirmala UI"/>
+        <a:font script="Tale" typeface="Microsoft Tai Le"/>
+        <a:font script="Talu" typeface="Microsoft New Tai Lue"/>
+        <a:font script="Tfng" typeface="Ebrima"/>
       </a:minorFont>
     </a:fontScheme>
-    <a:fmtScheme name="包裹">
+    <a:fmtScheme name="Office">
       <a:fillStyleLst>
         <a:solidFill>
           <a:schemeClr val="phClr"/>
@@ -3778,16 +5121,23 @@
           <a:gsLst>
             <a:gs pos="0">
               <a:schemeClr val="phClr">
-                <a:tint val="80000"/>
-                <a:satMod val="107000"/>
-                <a:lumMod val="103000"/>
+                <a:lumMod val="110000"/>
+                <a:satMod val="105000"/>
+                <a:tint val="67000"/>
+              </a:schemeClr>
+            </a:gs>
+            <a:gs pos="50000">
+              <a:schemeClr val="phClr">
+                <a:lumMod val="105000"/>
+                <a:satMod val="103000"/>
+                <a:tint val="73000"/>
               </a:schemeClr>
             </a:gs>
             <a:gs pos="100000">
               <a:schemeClr val="phClr">
-                <a:tint val="82000"/>
+                <a:lumMod val="105000"/>
                 <a:satMod val="109000"/>
-                <a:lumMod val="103000"/>
+                <a:tint val="81000"/>
               </a:schemeClr>
             </a:gs>
           </a:gsLst>
@@ -3797,23 +5147,23 @@
           <a:gsLst>
             <a:gs pos="0">
               <a:schemeClr val="phClr">
-                <a:tint val="97000"/>
-                <a:satMod val="100000"/>
+                <a:satMod val="103000"/>
                 <a:lumMod val="102000"/>
+                <a:tint val="94000"/>
               </a:schemeClr>
             </a:gs>
             <a:gs pos="50000">
               <a:schemeClr val="phClr">
+                <a:satMod val="110000"/>
+                <a:lumMod val="100000"/>
                 <a:shade val="100000"/>
-                <a:satMod val="103000"/>
-                <a:lumMod val="100000"/>
               </a:schemeClr>
             </a:gs>
             <a:gs pos="100000">
               <a:schemeClr val="phClr">
-                <a:shade val="93000"/>
-                <a:satMod val="110000"/>
                 <a:lumMod val="99000"/>
+                <a:satMod val="120000"/>
+                <a:shade val="78000"/>
               </a:schemeClr>
             </a:gs>
           </a:gsLst>
@@ -3826,18 +5176,21 @@
             <a:schemeClr val="phClr"/>
           </a:solidFill>
           <a:prstDash val="solid"/>
+          <a:miter lim="800000"/>
         </a:ln>
         <a:ln w="12700" cap="flat" cmpd="sng" algn="ctr">
           <a:solidFill>
             <a:schemeClr val="phClr"/>
           </a:solidFill>
           <a:prstDash val="solid"/>
+          <a:miter lim="800000"/>
         </a:ln>
-        <a:ln w="31750" cap="flat" cmpd="sng" algn="ctr">
+        <a:ln w="19050" cap="flat" cmpd="sng" algn="ctr">
           <a:solidFill>
             <a:schemeClr val="phClr"/>
           </a:solidFill>
           <a:prstDash val="solid"/>
+          <a:miter lim="800000"/>
         </a:ln>
       </a:lnStyleLst>
       <a:effectStyleLst>
@@ -3849,21 +5202,12 @@
         </a:effectStyle>
         <a:effectStyle>
           <a:effectLst>
-            <a:outerShdw blurRad="55880" dist="15240" dir="5400000" algn="ctr" rotWithShape="0">
+            <a:outerShdw blurRad="57150" dist="19050" dir="5400000" algn="ctr" rotWithShape="0">
               <a:srgbClr val="000000">
-                <a:alpha val="45000"/>
+                <a:alpha val="63000"/>
               </a:srgbClr>
             </a:outerShdw>
           </a:effectLst>
-          <a:scene3d>
-            <a:camera prst="orthographicFront">
-              <a:rot lat="0" lon="0" rev="0"/>
-            </a:camera>
-            <a:lightRig rig="brightRoom" dir="tl"/>
-          </a:scene3d>
-          <a:sp3d prstMaterial="dkEdge">
-            <a:bevelT w="0" h="0"/>
-          </a:sp3d>
         </a:effectStyle>
       </a:effectStyleLst>
       <a:bgFillStyleLst>
@@ -3880,24 +5224,28 @@
           <a:gsLst>
             <a:gs pos="0">
               <a:schemeClr val="phClr">
-                <a:tint val="97000"/>
-                <a:shade val="100000"/>
-                <a:satMod val="185000"/>
-                <a:lumMod val="120000"/>
+                <a:tint val="93000"/>
+                <a:satMod val="150000"/>
+                <a:shade val="98000"/>
+                <a:lumMod val="102000"/>
+              </a:schemeClr>
+            </a:gs>
+            <a:gs pos="50000">
+              <a:schemeClr val="phClr">
+                <a:tint val="98000"/>
+                <a:satMod val="130000"/>
+                <a:shade val="90000"/>
+                <a:lumMod val="103000"/>
               </a:schemeClr>
             </a:gs>
             <a:gs pos="100000">
               <a:schemeClr val="phClr">
-                <a:tint val="96000"/>
-                <a:shade val="95000"/>
-                <a:satMod val="215000"/>
-                <a:lumMod val="80000"/>
+                <a:shade val="63000"/>
+                <a:satMod val="120000"/>
               </a:schemeClr>
             </a:gs>
           </a:gsLst>
-          <a:path path="circle">
-            <a:fillToRect l="50000" t="55000" r="125000" b="100000"/>
-          </a:path>
+          <a:lin ang="5400000" scaled="0"/>
         </a:gradFill>
       </a:bgFillStyleLst>
     </a:fmtScheme>
@@ -3906,7 +5254,7 @@
   <a:extraClrSchemeLst/>
   <a:extLst>
     <a:ext uri="{05A4C25C-085E-4340-85A3-A5531E510DB2}">
-      <thm15:themeFamily xmlns:thm15="http://schemas.microsoft.com/office/thememl/2012/main" name="Parcel" id="{8BEC4385-4EB9-4D53-BFB5-0EA123736B6D}" vid="{0BDC4BB7-8AF9-46FD-8C32-AB93AC9C4100}"/>
+      <thm15:themeFamily xmlns:thm15="http://schemas.microsoft.com/office/thememl/2012/main" name="Office Theme" id="{62F939B6-93AF-4DB8-9C6B-D6C7DFDC589F}" vid="{4A3C46E8-61CC-4603-A589-7422A47A8E4A}"/>
     </a:ext>
   </a:extLst>
 </a:theme>

--- a/hw01.pptx
+++ b/hw01.pptx
@@ -204,7 +204,7 @@
           <a:p>
             <a:fld id="{97348BAD-384E-47E7-9DED-D2CE6DDD7321}" type="datetimeFigureOut">
               <a:rPr lang="zh-TW" altLang="en-US" smtClean="0"/>
-              <a:t>2024/10/13</a:t>
+              <a:t>2024/10/14</a:t>
             </a:fld>
             <a:endParaRPr lang="zh-TW" altLang="en-US"/>
           </a:p>
@@ -703,6 +703,646 @@
 </p:notes>
 </file>
 
+<file path=ppt/notesSlides/notesSlide3.xml><?xml version="1.0" encoding="utf-8"?>
+<p:notes xmlns:a="http://schemas.openxmlformats.org/drawingml/2006/main" xmlns:r="http://schemas.openxmlformats.org/officeDocument/2006/relationships" xmlns:p="http://schemas.openxmlformats.org/presentationml/2006/main">
+  <p:cSld>
+    <p:spTree>
+      <p:nvGrpSpPr>
+        <p:cNvPr id="1" name=""/>
+        <p:cNvGrpSpPr/>
+        <p:nvPr/>
+      </p:nvGrpSpPr>
+      <p:grpSpPr>
+        <a:xfrm>
+          <a:off x="0" y="0"/>
+          <a:ext cx="0" cy="0"/>
+          <a:chOff x="0" y="0"/>
+          <a:chExt cx="0" cy="0"/>
+        </a:xfrm>
+      </p:grpSpPr>
+      <p:sp>
+        <p:nvSpPr>
+          <p:cNvPr id="2" name="投影片影像版面配置區 1"/>
+          <p:cNvSpPr>
+            <a:spLocks noGrp="1" noRot="1" noChangeAspect="1"/>
+          </p:cNvSpPr>
+          <p:nvPr>
+            <p:ph type="sldImg"/>
+          </p:nvPr>
+        </p:nvSpPr>
+        <p:spPr/>
+      </p:sp>
+      <p:sp>
+        <p:nvSpPr>
+          <p:cNvPr id="3" name="備忘稿版面配置區 2"/>
+          <p:cNvSpPr>
+            <a:spLocks noGrp="1"/>
+          </p:cNvSpPr>
+          <p:nvPr>
+            <p:ph type="body" idx="1"/>
+          </p:nvPr>
+        </p:nvSpPr>
+        <p:spPr/>
+        <p:txBody>
+          <a:bodyPr/>
+          <a:lstStyle/>
+          <a:p>
+            <a:r>
+              <a:rPr lang="zh-TW" altLang="en-US" dirty="0"/>
+              <a:t>背景為了解決這些問題，我花了無數的時間進行測試、學習新的，並不斷重構我的程式碼，最終突破了這些技術，成功優化了系統，呈現努力的動作</a:t>
+            </a:r>
+          </a:p>
+          <a:p>
+            <a:endParaRPr lang="zh-TW" altLang="en-US" dirty="0"/>
+          </a:p>
+          <a:p>
+            <a:r>
+              <a:rPr lang="zh-TW" altLang="en-US" dirty="0"/>
+              <a:t>髮色與髮型：這個角色有藍色的髮型，頭髮鬆散但略有向上翹起，營造出年輕、活潑的感覺。</a:t>
+            </a:r>
+          </a:p>
+          <a:p>
+            <a:endParaRPr lang="zh-TW" altLang="en-US" dirty="0"/>
+          </a:p>
+          <a:p>
+            <a:r>
+              <a:rPr lang="zh-TW" altLang="en-US" dirty="0"/>
+              <a:t>臉部特徵：臉部近似簡單人物，膚色偏白。</a:t>
+            </a:r>
+          </a:p>
+          <a:p>
+            <a:endParaRPr lang="zh-TW" altLang="en-US" dirty="0"/>
+          </a:p>
+          <a:p>
+            <a:r>
+              <a:rPr lang="zh-TW" altLang="en-US" dirty="0"/>
+              <a:t>服裝：他穿著一件灰色的裙子，內搭白色襯衫，並打了一條紫色條紋的領帶，服裝搭配優雅，給人一種學生或年輕專業人士的感覺。</a:t>
+            </a:r>
+          </a:p>
+          <a:p>
+            <a:r>
+              <a:rPr lang="zh-TW" altLang="en-US" dirty="0"/>
+              <a:t>請與</a:t>
+            </a:r>
+            <a:r>
+              <a:rPr lang="en-US" altLang="zh-TW" dirty="0"/>
+              <a:t>Booth</a:t>
+            </a:r>
+            <a:r>
+              <a:rPr lang="zh-TW" altLang="en-US" dirty="0"/>
+              <a:t>的畫風一致</a:t>
+            </a:r>
+          </a:p>
+        </p:txBody>
+      </p:sp>
+      <p:sp>
+        <p:nvSpPr>
+          <p:cNvPr id="4" name="投影片編號版面配置區 3"/>
+          <p:cNvSpPr>
+            <a:spLocks noGrp="1"/>
+          </p:cNvSpPr>
+          <p:nvPr>
+            <p:ph type="sldNum" sz="quarter" idx="5"/>
+          </p:nvPr>
+        </p:nvSpPr>
+        <p:spPr/>
+        <p:txBody>
+          <a:bodyPr/>
+          <a:lstStyle/>
+          <a:p>
+            <a:fld id="{D0951802-1F6E-44D6-A682-F78D890A50A2}" type="slidenum">
+              <a:rPr lang="zh-TW" altLang="en-US" smtClean="0"/>
+              <a:t>4</a:t>
+            </a:fld>
+            <a:endParaRPr lang="zh-TW" altLang="en-US"/>
+          </a:p>
+        </p:txBody>
+      </p:sp>
+    </p:spTree>
+    <p:extLst>
+      <p:ext uri="{BB962C8B-B14F-4D97-AF65-F5344CB8AC3E}">
+        <p14:creationId xmlns:p14="http://schemas.microsoft.com/office/powerpoint/2010/main" val="3997684387"/>
+      </p:ext>
+    </p:extLst>
+  </p:cSld>
+  <p:clrMapOvr>
+    <a:masterClrMapping/>
+  </p:clrMapOvr>
+</p:notes>
+</file>
+
+<file path=ppt/notesSlides/notesSlide4.xml><?xml version="1.0" encoding="utf-8"?>
+<p:notes xmlns:a="http://schemas.openxmlformats.org/drawingml/2006/main" xmlns:r="http://schemas.openxmlformats.org/officeDocument/2006/relationships" xmlns:p="http://schemas.openxmlformats.org/presentationml/2006/main">
+  <p:cSld>
+    <p:spTree>
+      <p:nvGrpSpPr>
+        <p:cNvPr id="1" name=""/>
+        <p:cNvGrpSpPr/>
+        <p:nvPr/>
+      </p:nvGrpSpPr>
+      <p:grpSpPr>
+        <a:xfrm>
+          <a:off x="0" y="0"/>
+          <a:ext cx="0" cy="0"/>
+          <a:chOff x="0" y="0"/>
+          <a:chExt cx="0" cy="0"/>
+        </a:xfrm>
+      </p:grpSpPr>
+      <p:sp>
+        <p:nvSpPr>
+          <p:cNvPr id="2" name="投影片影像版面配置區 1"/>
+          <p:cNvSpPr>
+            <a:spLocks noGrp="1" noRot="1" noChangeAspect="1"/>
+          </p:cNvSpPr>
+          <p:nvPr>
+            <p:ph type="sldImg"/>
+          </p:nvPr>
+        </p:nvSpPr>
+        <p:spPr/>
+      </p:sp>
+      <p:sp>
+        <p:nvSpPr>
+          <p:cNvPr id="3" name="備忘稿版面配置區 2"/>
+          <p:cNvSpPr>
+            <a:spLocks noGrp="1"/>
+          </p:cNvSpPr>
+          <p:nvPr>
+            <p:ph type="body" idx="1"/>
+          </p:nvPr>
+        </p:nvSpPr>
+        <p:spPr/>
+        <p:txBody>
+          <a:bodyPr/>
+          <a:lstStyle/>
+          <a:p>
+            <a:r>
+              <a:rPr lang="zh-TW" altLang="en-US" dirty="0"/>
+              <a:t>背景我成功解決了技術難題，並在專案中取得了明顯的進展，這讓我對軟體工程的熱情和信心更加堅定，呈現努力後成功的喜悅感</a:t>
+            </a:r>
+          </a:p>
+          <a:p>
+            <a:endParaRPr lang="zh-TW" altLang="en-US" dirty="0"/>
+          </a:p>
+          <a:p>
+            <a:r>
+              <a:rPr lang="zh-TW" altLang="en-US" dirty="0"/>
+              <a:t>髮色與髮型：這個角色有藍色的髮型，頭髮鬆散但略有向上翹起，營造出年輕、活潑的感覺。</a:t>
+            </a:r>
+          </a:p>
+          <a:p>
+            <a:endParaRPr lang="zh-TW" altLang="en-US" dirty="0"/>
+          </a:p>
+          <a:p>
+            <a:r>
+              <a:rPr lang="zh-TW" altLang="en-US" dirty="0"/>
+              <a:t>臉部特徵：臉部近似簡單人物，膚色偏白。</a:t>
+            </a:r>
+          </a:p>
+          <a:p>
+            <a:endParaRPr lang="zh-TW" altLang="en-US" dirty="0"/>
+          </a:p>
+          <a:p>
+            <a:r>
+              <a:rPr lang="zh-TW" altLang="en-US" dirty="0"/>
+              <a:t>服裝：他穿著一件灰色的裙子，內搭白色襯衫，並打了一條紫色條紋的領帶，服裝搭配優雅，給人一種學生或年輕專業人士的感覺。</a:t>
+            </a:r>
+          </a:p>
+          <a:p>
+            <a:r>
+              <a:rPr lang="zh-TW" altLang="en-US" dirty="0"/>
+              <a:t>請與</a:t>
+            </a:r>
+            <a:r>
+              <a:rPr lang="en-US" altLang="zh-TW" dirty="0"/>
+              <a:t>Booth</a:t>
+            </a:r>
+            <a:r>
+              <a:rPr lang="zh-TW" altLang="en-US" dirty="0"/>
+              <a:t>的畫風一致</a:t>
+            </a:r>
+          </a:p>
+        </p:txBody>
+      </p:sp>
+      <p:sp>
+        <p:nvSpPr>
+          <p:cNvPr id="4" name="投影片編號版面配置區 3"/>
+          <p:cNvSpPr>
+            <a:spLocks noGrp="1"/>
+          </p:cNvSpPr>
+          <p:nvPr>
+            <p:ph type="sldNum" sz="quarter" idx="5"/>
+          </p:nvPr>
+        </p:nvSpPr>
+        <p:spPr/>
+        <p:txBody>
+          <a:bodyPr/>
+          <a:lstStyle/>
+          <a:p>
+            <a:fld id="{D0951802-1F6E-44D6-A682-F78D890A50A2}" type="slidenum">
+              <a:rPr lang="zh-TW" altLang="en-US" smtClean="0"/>
+              <a:t>5</a:t>
+            </a:fld>
+            <a:endParaRPr lang="zh-TW" altLang="en-US"/>
+          </a:p>
+        </p:txBody>
+      </p:sp>
+    </p:spTree>
+    <p:extLst>
+      <p:ext uri="{BB962C8B-B14F-4D97-AF65-F5344CB8AC3E}">
+        <p14:creationId xmlns:p14="http://schemas.microsoft.com/office/powerpoint/2010/main" val="2020286716"/>
+      </p:ext>
+    </p:extLst>
+  </p:cSld>
+  <p:clrMapOvr>
+    <a:masterClrMapping/>
+  </p:clrMapOvr>
+</p:notes>
+</file>
+
+<file path=ppt/notesSlides/notesSlide5.xml><?xml version="1.0" encoding="utf-8"?>
+<p:notes xmlns:a="http://schemas.openxmlformats.org/drawingml/2006/main" xmlns:r="http://schemas.openxmlformats.org/officeDocument/2006/relationships" xmlns:p="http://schemas.openxmlformats.org/presentationml/2006/main">
+  <p:cSld>
+    <p:spTree>
+      <p:nvGrpSpPr>
+        <p:cNvPr id="1" name=""/>
+        <p:cNvGrpSpPr/>
+        <p:nvPr/>
+      </p:nvGrpSpPr>
+      <p:grpSpPr>
+        <a:xfrm>
+          <a:off x="0" y="0"/>
+          <a:ext cx="0" cy="0"/>
+          <a:chOff x="0" y="0"/>
+          <a:chExt cx="0" cy="0"/>
+        </a:xfrm>
+      </p:grpSpPr>
+      <p:sp>
+        <p:nvSpPr>
+          <p:cNvPr id="2" name="投影片影像版面配置區 1"/>
+          <p:cNvSpPr>
+            <a:spLocks noGrp="1" noRot="1" noChangeAspect="1"/>
+          </p:cNvSpPr>
+          <p:nvPr>
+            <p:ph type="sldImg"/>
+          </p:nvPr>
+        </p:nvSpPr>
+        <p:spPr/>
+      </p:sp>
+      <p:sp>
+        <p:nvSpPr>
+          <p:cNvPr id="3" name="備忘稿版面配置區 2"/>
+          <p:cNvSpPr>
+            <a:spLocks noGrp="1"/>
+          </p:cNvSpPr>
+          <p:nvPr>
+            <p:ph type="body" idx="1"/>
+          </p:nvPr>
+        </p:nvSpPr>
+        <p:spPr/>
+        <p:txBody>
+          <a:bodyPr/>
+          <a:lstStyle/>
+          <a:p>
+            <a:r>
+              <a:rPr lang="zh-TW" altLang="en-US" dirty="0"/>
+              <a:t>背景為即使技術問題得到了初步解決，隨之而來的是如何更好地將我的解決方案應用到實際項目中，並且與團隊成員更好地協作，這帶來了新的挑戰，呈現壓力上身的感覺</a:t>
+            </a:r>
+          </a:p>
+          <a:p>
+            <a:endParaRPr lang="zh-TW" altLang="en-US" dirty="0"/>
+          </a:p>
+          <a:p>
+            <a:r>
+              <a:rPr lang="zh-TW" altLang="en-US" dirty="0"/>
+              <a:t>髮色與髮型：這個角色有藍色的髮型，頭髮鬆散但略有向上翹起，營造出年輕、活潑的感覺。</a:t>
+            </a:r>
+          </a:p>
+          <a:p>
+            <a:endParaRPr lang="zh-TW" altLang="en-US" dirty="0"/>
+          </a:p>
+          <a:p>
+            <a:r>
+              <a:rPr lang="zh-TW" altLang="en-US" dirty="0"/>
+              <a:t>臉部特徵：臉部近似簡單人物，膚色偏白。</a:t>
+            </a:r>
+          </a:p>
+          <a:p>
+            <a:endParaRPr lang="zh-TW" altLang="en-US" dirty="0"/>
+          </a:p>
+          <a:p>
+            <a:r>
+              <a:rPr lang="zh-TW" altLang="en-US" dirty="0"/>
+              <a:t>服裝：他穿著一件灰色的裙子，內搭白色襯衫，並打了一條紫色條紋的領帶，服裝搭配優雅，給人一種學生或年輕專業人士的感覺。</a:t>
+            </a:r>
+          </a:p>
+          <a:p>
+            <a:r>
+              <a:rPr lang="zh-TW" altLang="en-US" dirty="0"/>
+              <a:t>請與</a:t>
+            </a:r>
+            <a:r>
+              <a:rPr lang="en-US" altLang="zh-TW" dirty="0"/>
+              <a:t>Booth</a:t>
+            </a:r>
+            <a:r>
+              <a:rPr lang="zh-TW" altLang="en-US" dirty="0"/>
+              <a:t>的畫風一致</a:t>
+            </a:r>
+          </a:p>
+        </p:txBody>
+      </p:sp>
+      <p:sp>
+        <p:nvSpPr>
+          <p:cNvPr id="4" name="投影片編號版面配置區 3"/>
+          <p:cNvSpPr>
+            <a:spLocks noGrp="1"/>
+          </p:cNvSpPr>
+          <p:nvPr>
+            <p:ph type="sldNum" sz="quarter" idx="5"/>
+          </p:nvPr>
+        </p:nvSpPr>
+        <p:spPr/>
+        <p:txBody>
+          <a:bodyPr/>
+          <a:lstStyle/>
+          <a:p>
+            <a:fld id="{D0951802-1F6E-44D6-A682-F78D890A50A2}" type="slidenum">
+              <a:rPr lang="zh-TW" altLang="en-US" smtClean="0"/>
+              <a:t>6</a:t>
+            </a:fld>
+            <a:endParaRPr lang="zh-TW" altLang="en-US"/>
+          </a:p>
+        </p:txBody>
+      </p:sp>
+    </p:spTree>
+    <p:extLst>
+      <p:ext uri="{BB962C8B-B14F-4D97-AF65-F5344CB8AC3E}">
+        <p14:creationId xmlns:p14="http://schemas.microsoft.com/office/powerpoint/2010/main" val="1213154932"/>
+      </p:ext>
+    </p:extLst>
+  </p:cSld>
+  <p:clrMapOvr>
+    <a:masterClrMapping/>
+  </p:clrMapOvr>
+</p:notes>
+</file>
+
+<file path=ppt/notesSlides/notesSlide6.xml><?xml version="1.0" encoding="utf-8"?>
+<p:notes xmlns:a="http://schemas.openxmlformats.org/drawingml/2006/main" xmlns:r="http://schemas.openxmlformats.org/officeDocument/2006/relationships" xmlns:p="http://schemas.openxmlformats.org/presentationml/2006/main">
+  <p:cSld>
+    <p:spTree>
+      <p:nvGrpSpPr>
+        <p:cNvPr id="1" name=""/>
+        <p:cNvGrpSpPr/>
+        <p:nvPr/>
+      </p:nvGrpSpPr>
+      <p:grpSpPr>
+        <a:xfrm>
+          <a:off x="0" y="0"/>
+          <a:ext cx="0" cy="0"/>
+          <a:chOff x="0" y="0"/>
+          <a:chExt cx="0" cy="0"/>
+        </a:xfrm>
+      </p:grpSpPr>
+      <p:sp>
+        <p:nvSpPr>
+          <p:cNvPr id="2" name="投影片影像版面配置區 1"/>
+          <p:cNvSpPr>
+            <a:spLocks noGrp="1" noRot="1" noChangeAspect="1"/>
+          </p:cNvSpPr>
+          <p:nvPr>
+            <p:ph type="sldImg"/>
+          </p:nvPr>
+        </p:nvSpPr>
+        <p:spPr/>
+      </p:sp>
+      <p:sp>
+        <p:nvSpPr>
+          <p:cNvPr id="3" name="備忘稿版面配置區 2"/>
+          <p:cNvSpPr>
+            <a:spLocks noGrp="1"/>
+          </p:cNvSpPr>
+          <p:nvPr>
+            <p:ph type="body" idx="1"/>
+          </p:nvPr>
+        </p:nvSpPr>
+        <p:spPr/>
+        <p:txBody>
+          <a:bodyPr/>
+          <a:lstStyle/>
+          <a:p>
+            <a:r>
+              <a:rPr lang="zh-TW" altLang="en-US" dirty="0"/>
+              <a:t>背景為在與團隊合作的過程中，我逐漸認識到，軟體工程不僅僅是解決技術問題，更重要的是如何把複雜的技術轉化成簡單易用的工具，讓更多人受益，呈現意外收穫的美好</a:t>
+            </a:r>
+          </a:p>
+          <a:p>
+            <a:endParaRPr lang="zh-TW" altLang="en-US" dirty="0"/>
+          </a:p>
+          <a:p>
+            <a:r>
+              <a:rPr lang="zh-TW" altLang="en-US" dirty="0"/>
+              <a:t>髮色與髮型：這個角色有藍色的髮型，頭髮鬆散但略有向上翹起，營造出年輕、活潑的感覺。</a:t>
+            </a:r>
+          </a:p>
+          <a:p>
+            <a:endParaRPr lang="zh-TW" altLang="en-US" dirty="0"/>
+          </a:p>
+          <a:p>
+            <a:r>
+              <a:rPr lang="zh-TW" altLang="en-US" dirty="0"/>
+              <a:t>臉部特徵：臉部近似簡單人物，膚色偏白。</a:t>
+            </a:r>
+          </a:p>
+          <a:p>
+            <a:endParaRPr lang="zh-TW" altLang="en-US" dirty="0"/>
+          </a:p>
+          <a:p>
+            <a:r>
+              <a:rPr lang="zh-TW" altLang="en-US" dirty="0"/>
+              <a:t>服裝：他穿著一件灰色的裙子，內搭白色襯衫，並打了一條紫色條紋的領帶，服裝搭配優雅，給人一種學生或年輕專業人士的感覺。</a:t>
+            </a:r>
+          </a:p>
+          <a:p>
+            <a:r>
+              <a:rPr lang="zh-TW" altLang="en-US" dirty="0"/>
+              <a:t>請與</a:t>
+            </a:r>
+            <a:r>
+              <a:rPr lang="en-US" altLang="zh-TW" dirty="0"/>
+              <a:t>Booth</a:t>
+            </a:r>
+            <a:r>
+              <a:rPr lang="zh-TW" altLang="en-US" dirty="0"/>
+              <a:t>的畫風一致</a:t>
+            </a:r>
+          </a:p>
+        </p:txBody>
+      </p:sp>
+      <p:sp>
+        <p:nvSpPr>
+          <p:cNvPr id="4" name="投影片編號版面配置區 3"/>
+          <p:cNvSpPr>
+            <a:spLocks noGrp="1"/>
+          </p:cNvSpPr>
+          <p:nvPr>
+            <p:ph type="sldNum" sz="quarter" idx="5"/>
+          </p:nvPr>
+        </p:nvSpPr>
+        <p:spPr/>
+        <p:txBody>
+          <a:bodyPr/>
+          <a:lstStyle/>
+          <a:p>
+            <a:fld id="{D0951802-1F6E-44D6-A682-F78D890A50A2}" type="slidenum">
+              <a:rPr lang="zh-TW" altLang="en-US" smtClean="0"/>
+              <a:t>7</a:t>
+            </a:fld>
+            <a:endParaRPr lang="zh-TW" altLang="en-US"/>
+          </a:p>
+        </p:txBody>
+      </p:sp>
+    </p:spTree>
+    <p:extLst>
+      <p:ext uri="{BB962C8B-B14F-4D97-AF65-F5344CB8AC3E}">
+        <p14:creationId xmlns:p14="http://schemas.microsoft.com/office/powerpoint/2010/main" val="1126029554"/>
+      </p:ext>
+    </p:extLst>
+  </p:cSld>
+  <p:clrMapOvr>
+    <a:masterClrMapping/>
+  </p:clrMapOvr>
+</p:notes>
+</file>
+
+<file path=ppt/notesSlides/notesSlide7.xml><?xml version="1.0" encoding="utf-8"?>
+<p:notes xmlns:a="http://schemas.openxmlformats.org/drawingml/2006/main" xmlns:r="http://schemas.openxmlformats.org/officeDocument/2006/relationships" xmlns:p="http://schemas.openxmlformats.org/presentationml/2006/main">
+  <p:cSld>
+    <p:spTree>
+      <p:nvGrpSpPr>
+        <p:cNvPr id="1" name=""/>
+        <p:cNvGrpSpPr/>
+        <p:nvPr/>
+      </p:nvGrpSpPr>
+      <p:grpSpPr>
+        <a:xfrm>
+          <a:off x="0" y="0"/>
+          <a:ext cx="0" cy="0"/>
+          <a:chOff x="0" y="0"/>
+          <a:chExt cx="0" cy="0"/>
+        </a:xfrm>
+      </p:grpSpPr>
+      <p:sp>
+        <p:nvSpPr>
+          <p:cNvPr id="2" name="投影片影像版面配置區 1"/>
+          <p:cNvSpPr>
+            <a:spLocks noGrp="1" noRot="1" noChangeAspect="1"/>
+          </p:cNvSpPr>
+          <p:nvPr>
+            <p:ph type="sldImg"/>
+          </p:nvPr>
+        </p:nvSpPr>
+        <p:spPr/>
+      </p:sp>
+      <p:sp>
+        <p:nvSpPr>
+          <p:cNvPr id="3" name="備忘稿版面配置區 2"/>
+          <p:cNvSpPr>
+            <a:spLocks noGrp="1"/>
+          </p:cNvSpPr>
+          <p:nvPr>
+            <p:ph type="body" idx="1"/>
+          </p:nvPr>
+        </p:nvSpPr>
+        <p:spPr/>
+        <p:txBody>
+          <a:bodyPr/>
+          <a:lstStyle/>
+          <a:p>
+            <a:r>
+              <a:rPr lang="zh-TW" altLang="en-US" dirty="0"/>
+              <a:t>背景為最終，我決定將我的技術能力與分享精神結合，成為一名軟工研究生，並以虛擬偶像的形式分享軟體開發的知識，幫助更多人了解這個領域的奧妙與樂趣，呈現滿意的表情</a:t>
+            </a:r>
+          </a:p>
+          <a:p>
+            <a:endParaRPr lang="zh-TW" altLang="en-US" dirty="0"/>
+          </a:p>
+          <a:p>
+            <a:r>
+              <a:rPr lang="zh-TW" altLang="en-US" dirty="0"/>
+              <a:t>髮色與髮型：這個角色有藍色的髮型，頭髮鬆散但略有向上翹起，營造出年輕、活潑的感覺。</a:t>
+            </a:r>
+          </a:p>
+          <a:p>
+            <a:endParaRPr lang="zh-TW" altLang="en-US" dirty="0"/>
+          </a:p>
+          <a:p>
+            <a:r>
+              <a:rPr lang="zh-TW" altLang="en-US" dirty="0"/>
+              <a:t>臉部特徵：臉部近似簡單人物，膚色偏白。</a:t>
+            </a:r>
+          </a:p>
+          <a:p>
+            <a:endParaRPr lang="zh-TW" altLang="en-US" dirty="0"/>
+          </a:p>
+          <a:p>
+            <a:r>
+              <a:rPr lang="zh-TW" altLang="en-US" dirty="0"/>
+              <a:t>服裝：他穿著一件灰色的裙子，內搭白色襯衫，並打了一條紫色條紋的領帶，服裝搭配優雅，給人一種學生或年輕專業人士的感覺。</a:t>
+            </a:r>
+          </a:p>
+          <a:p>
+            <a:r>
+              <a:rPr lang="zh-TW" altLang="en-US" dirty="0"/>
+              <a:t>請與</a:t>
+            </a:r>
+            <a:r>
+              <a:rPr lang="en-US" altLang="zh-TW" dirty="0"/>
+              <a:t>Booth</a:t>
+            </a:r>
+            <a:r>
+              <a:rPr lang="zh-TW" altLang="en-US" dirty="0"/>
+              <a:t>的畫風一致</a:t>
+            </a:r>
+          </a:p>
+        </p:txBody>
+      </p:sp>
+      <p:sp>
+        <p:nvSpPr>
+          <p:cNvPr id="4" name="投影片編號版面配置區 3"/>
+          <p:cNvSpPr>
+            <a:spLocks noGrp="1"/>
+          </p:cNvSpPr>
+          <p:nvPr>
+            <p:ph type="sldNum" sz="quarter" idx="5"/>
+          </p:nvPr>
+        </p:nvSpPr>
+        <p:spPr/>
+        <p:txBody>
+          <a:bodyPr/>
+          <a:lstStyle/>
+          <a:p>
+            <a:fld id="{D0951802-1F6E-44D6-A682-F78D890A50A2}" type="slidenum">
+              <a:rPr lang="zh-TW" altLang="en-US" smtClean="0"/>
+              <a:t>8</a:t>
+            </a:fld>
+            <a:endParaRPr lang="zh-TW" altLang="en-US"/>
+          </a:p>
+        </p:txBody>
+      </p:sp>
+    </p:spTree>
+    <p:extLst>
+      <p:ext uri="{BB962C8B-B14F-4D97-AF65-F5344CB8AC3E}">
+        <p14:creationId xmlns:p14="http://schemas.microsoft.com/office/powerpoint/2010/main" val="1667609972"/>
+      </p:ext>
+    </p:extLst>
+  </p:cSld>
+  <p:clrMapOvr>
+    <a:masterClrMapping/>
+  </p:clrMapOvr>
+</p:notes>
+</file>
+
 <file path=ppt/slideLayouts/slideLayout1.xml><?xml version="1.0" encoding="utf-8"?>
 <p:sldLayout xmlns:a="http://schemas.openxmlformats.org/drawingml/2006/main" xmlns:r="http://schemas.openxmlformats.org/officeDocument/2006/relationships" xmlns:p="http://schemas.openxmlformats.org/presentationml/2006/main" type="title" preserve="1">
   <p:cSld name="標題投影片">
@@ -850,7 +1490,7 @@
           <a:p>
             <a:fld id="{17501BA0-6145-4220-BB20-E24A3FFD92E2}" type="datetimeFigureOut">
               <a:rPr lang="zh-TW" altLang="en-US" smtClean="0"/>
-              <a:t>2024/10/13</a:t>
+              <a:t>2024/10/14</a:t>
             </a:fld>
             <a:endParaRPr lang="zh-TW" altLang="en-US"/>
           </a:p>
@@ -1048,7 +1688,7 @@
           <a:p>
             <a:fld id="{17501BA0-6145-4220-BB20-E24A3FFD92E2}" type="datetimeFigureOut">
               <a:rPr lang="zh-TW" altLang="en-US" smtClean="0"/>
-              <a:t>2024/10/13</a:t>
+              <a:t>2024/10/14</a:t>
             </a:fld>
             <a:endParaRPr lang="zh-TW" altLang="en-US"/>
           </a:p>
@@ -1256,7 +1896,7 @@
           <a:p>
             <a:fld id="{17501BA0-6145-4220-BB20-E24A3FFD92E2}" type="datetimeFigureOut">
               <a:rPr lang="zh-TW" altLang="en-US" smtClean="0"/>
-              <a:t>2024/10/13</a:t>
+              <a:t>2024/10/14</a:t>
             </a:fld>
             <a:endParaRPr lang="zh-TW" altLang="en-US"/>
           </a:p>
@@ -1454,7 +2094,7 @@
           <a:p>
             <a:fld id="{17501BA0-6145-4220-BB20-E24A3FFD92E2}" type="datetimeFigureOut">
               <a:rPr lang="zh-TW" altLang="en-US" smtClean="0"/>
-              <a:t>2024/10/13</a:t>
+              <a:t>2024/10/14</a:t>
             </a:fld>
             <a:endParaRPr lang="zh-TW" altLang="en-US"/>
           </a:p>
@@ -1729,7 +2369,7 @@
           <a:p>
             <a:fld id="{17501BA0-6145-4220-BB20-E24A3FFD92E2}" type="datetimeFigureOut">
               <a:rPr lang="zh-TW" altLang="en-US" smtClean="0"/>
-              <a:t>2024/10/13</a:t>
+              <a:t>2024/10/14</a:t>
             </a:fld>
             <a:endParaRPr lang="zh-TW" altLang="en-US"/>
           </a:p>
@@ -1994,7 +2634,7 @@
           <a:p>
             <a:fld id="{17501BA0-6145-4220-BB20-E24A3FFD92E2}" type="datetimeFigureOut">
               <a:rPr lang="zh-TW" altLang="en-US" smtClean="0"/>
-              <a:t>2024/10/13</a:t>
+              <a:t>2024/10/14</a:t>
             </a:fld>
             <a:endParaRPr lang="zh-TW" altLang="en-US"/>
           </a:p>
@@ -2406,7 +3046,7 @@
           <a:p>
             <a:fld id="{17501BA0-6145-4220-BB20-E24A3FFD92E2}" type="datetimeFigureOut">
               <a:rPr lang="zh-TW" altLang="en-US" smtClean="0"/>
-              <a:t>2024/10/13</a:t>
+              <a:t>2024/10/14</a:t>
             </a:fld>
             <a:endParaRPr lang="zh-TW" altLang="en-US"/>
           </a:p>
@@ -2547,7 +3187,7 @@
           <a:p>
             <a:fld id="{17501BA0-6145-4220-BB20-E24A3FFD92E2}" type="datetimeFigureOut">
               <a:rPr lang="zh-TW" altLang="en-US" smtClean="0"/>
-              <a:t>2024/10/13</a:t>
+              <a:t>2024/10/14</a:t>
             </a:fld>
             <a:endParaRPr lang="zh-TW" altLang="en-US"/>
           </a:p>
@@ -2660,7 +3300,7 @@
           <a:p>
             <a:fld id="{17501BA0-6145-4220-BB20-E24A3FFD92E2}" type="datetimeFigureOut">
               <a:rPr lang="zh-TW" altLang="en-US" smtClean="0"/>
-              <a:t>2024/10/13</a:t>
+              <a:t>2024/10/14</a:t>
             </a:fld>
             <a:endParaRPr lang="zh-TW" altLang="en-US"/>
           </a:p>
@@ -2971,7 +3611,7 @@
           <a:p>
             <a:fld id="{17501BA0-6145-4220-BB20-E24A3FFD92E2}" type="datetimeFigureOut">
               <a:rPr lang="zh-TW" altLang="en-US" smtClean="0"/>
-              <a:t>2024/10/13</a:t>
+              <a:t>2024/10/14</a:t>
             </a:fld>
             <a:endParaRPr lang="zh-TW" altLang="en-US"/>
           </a:p>
@@ -3259,7 +3899,7 @@
           <a:p>
             <a:fld id="{17501BA0-6145-4220-BB20-E24A3FFD92E2}" type="datetimeFigureOut">
               <a:rPr lang="zh-TW" altLang="en-US" smtClean="0"/>
-              <a:t>2024/10/13</a:t>
+              <a:t>2024/10/14</a:t>
             </a:fld>
             <a:endParaRPr lang="zh-TW" altLang="en-US"/>
           </a:p>
@@ -3500,7 +4140,7 @@
           <a:p>
             <a:fld id="{17501BA0-6145-4220-BB20-E24A3FFD92E2}" type="datetimeFigureOut">
               <a:rPr lang="zh-TW" altLang="en-US" smtClean="0"/>
-              <a:t>2024/10/13</a:t>
+              <a:t>2024/10/14</a:t>
             </a:fld>
             <a:endParaRPr lang="zh-TW" altLang="en-US"/>
           </a:p>
@@ -4256,7 +4896,7 @@
     <p:bg>
       <p:bgPr>
         <a:blipFill>
-          <a:blip r:embed="rId2"/>
+          <a:blip r:embed="rId3"/>
           <a:tile tx="0" ty="0" sx="100000" sy="100000" flip="none" algn="tl"/>
         </a:blipFill>
         <a:effectLst/>
@@ -4321,6 +4961,42 @@
           </a:p>
         </p:txBody>
       </p:sp>
+      <p:pic>
+        <p:nvPicPr>
+          <p:cNvPr id="3" name="圖片 2">
+            <a:extLst>
+              <a:ext uri="{FF2B5EF4-FFF2-40B4-BE49-F238E27FC236}">
+                <a16:creationId xmlns:a16="http://schemas.microsoft.com/office/drawing/2014/main" id="{CECAA3EF-7FF0-4640-8236-FF34EC49E981}"/>
+              </a:ext>
+            </a:extLst>
+          </p:cNvPr>
+          <p:cNvPicPr>
+            <a:picLocks noChangeAspect="1"/>
+          </p:cNvPicPr>
+          <p:nvPr/>
+        </p:nvPicPr>
+        <p:blipFill>
+          <a:blip r:embed="rId4">
+            <a:extLst>
+              <a:ext uri="{28A0092B-C50C-407E-A947-70E740481C1C}">
+                <a14:useLocalDpi xmlns:a14="http://schemas.microsoft.com/office/drawing/2010/main" val="0"/>
+              </a:ext>
+            </a:extLst>
+          </a:blip>
+          <a:stretch>
+            <a:fillRect/>
+          </a:stretch>
+        </p:blipFill>
+        <p:spPr>
+          <a:xfrm>
+            <a:off x="301335" y="917863"/>
+            <a:ext cx="5836227" cy="5836227"/>
+          </a:xfrm>
+          <a:prstGeom prst="rect">
+            <a:avLst/>
+          </a:prstGeom>
+        </p:spPr>
+      </p:pic>
     </p:spTree>
     <p:extLst>
       <p:ext uri="{BB962C8B-B14F-4D97-AF65-F5344CB8AC3E}">
@@ -4340,7 +5016,7 @@
     <p:bg>
       <p:bgPr>
         <a:blipFill>
-          <a:blip r:embed="rId2"/>
+          <a:blip r:embed="rId3"/>
           <a:tile tx="0" ty="0" sx="100000" sy="100000" flip="none" algn="tl"/>
         </a:blipFill>
         <a:effectLst/>
@@ -4405,6 +5081,42 @@
           </a:p>
         </p:txBody>
       </p:sp>
+      <p:pic>
+        <p:nvPicPr>
+          <p:cNvPr id="3" name="圖片 2">
+            <a:extLst>
+              <a:ext uri="{FF2B5EF4-FFF2-40B4-BE49-F238E27FC236}">
+                <a16:creationId xmlns:a16="http://schemas.microsoft.com/office/drawing/2014/main" id="{B9F0BF80-0705-4E2C-B977-5D99A5403E01}"/>
+              </a:ext>
+            </a:extLst>
+          </p:cNvPr>
+          <p:cNvPicPr>
+            <a:picLocks noChangeAspect="1"/>
+          </p:cNvPicPr>
+          <p:nvPr/>
+        </p:nvPicPr>
+        <p:blipFill>
+          <a:blip r:embed="rId4">
+            <a:extLst>
+              <a:ext uri="{28A0092B-C50C-407E-A947-70E740481C1C}">
+                <a14:useLocalDpi xmlns:a14="http://schemas.microsoft.com/office/drawing/2010/main" val="0"/>
+              </a:ext>
+            </a:extLst>
+          </a:blip>
+          <a:stretch>
+            <a:fillRect/>
+          </a:stretch>
+        </p:blipFill>
+        <p:spPr>
+          <a:xfrm>
+            <a:off x="301336" y="959638"/>
+            <a:ext cx="5794664" cy="5794664"/>
+          </a:xfrm>
+          <a:prstGeom prst="rect">
+            <a:avLst/>
+          </a:prstGeom>
+        </p:spPr>
+      </p:pic>
     </p:spTree>
     <p:extLst>
       <p:ext uri="{BB962C8B-B14F-4D97-AF65-F5344CB8AC3E}">
@@ -4424,7 +5136,7 @@
     <p:bg>
       <p:bgPr>
         <a:blipFill>
-          <a:blip r:embed="rId2"/>
+          <a:blip r:embed="rId3"/>
           <a:tile tx="0" ty="0" sx="100000" sy="100000" flip="none" algn="tl"/>
         </a:blipFill>
         <a:effectLst/>
@@ -4489,6 +5201,42 @@
           </a:p>
         </p:txBody>
       </p:sp>
+      <p:pic>
+        <p:nvPicPr>
+          <p:cNvPr id="3" name="圖片 2">
+            <a:extLst>
+              <a:ext uri="{FF2B5EF4-FFF2-40B4-BE49-F238E27FC236}">
+                <a16:creationId xmlns:a16="http://schemas.microsoft.com/office/drawing/2014/main" id="{C33D6555-DC6D-44C4-B067-136888970140}"/>
+              </a:ext>
+            </a:extLst>
+          </p:cNvPr>
+          <p:cNvPicPr>
+            <a:picLocks noChangeAspect="1"/>
+          </p:cNvPicPr>
+          <p:nvPr/>
+        </p:nvPicPr>
+        <p:blipFill>
+          <a:blip r:embed="rId4">
+            <a:extLst>
+              <a:ext uri="{28A0092B-C50C-407E-A947-70E740481C1C}">
+                <a14:useLocalDpi xmlns:a14="http://schemas.microsoft.com/office/drawing/2010/main" val="0"/>
+              </a:ext>
+            </a:extLst>
+          </a:blip>
+          <a:stretch>
+            <a:fillRect/>
+          </a:stretch>
+        </p:blipFill>
+        <p:spPr>
+          <a:xfrm>
+            <a:off x="301336" y="959638"/>
+            <a:ext cx="5794664" cy="5794664"/>
+          </a:xfrm>
+          <a:prstGeom prst="rect">
+            <a:avLst/>
+          </a:prstGeom>
+        </p:spPr>
+      </p:pic>
     </p:spTree>
     <p:extLst>
       <p:ext uri="{BB962C8B-B14F-4D97-AF65-F5344CB8AC3E}">
@@ -4508,7 +5256,7 @@
     <p:bg>
       <p:bgPr>
         <a:blipFill>
-          <a:blip r:embed="rId2"/>
+          <a:blip r:embed="rId3"/>
           <a:tile tx="0" ty="0" sx="100000" sy="100000" flip="none" algn="tl"/>
         </a:blipFill>
         <a:effectLst/>
@@ -4573,6 +5321,42 @@
           </a:p>
         </p:txBody>
       </p:sp>
+      <p:pic>
+        <p:nvPicPr>
+          <p:cNvPr id="3" name="圖片 2">
+            <a:extLst>
+              <a:ext uri="{FF2B5EF4-FFF2-40B4-BE49-F238E27FC236}">
+                <a16:creationId xmlns:a16="http://schemas.microsoft.com/office/drawing/2014/main" id="{970CB57D-F5B0-4979-844B-178091FA60FC}"/>
+              </a:ext>
+            </a:extLst>
+          </p:cNvPr>
+          <p:cNvPicPr>
+            <a:picLocks noChangeAspect="1"/>
+          </p:cNvPicPr>
+          <p:nvPr/>
+        </p:nvPicPr>
+        <p:blipFill>
+          <a:blip r:embed="rId4">
+            <a:extLst>
+              <a:ext uri="{28A0092B-C50C-407E-A947-70E740481C1C}">
+                <a14:useLocalDpi xmlns:a14="http://schemas.microsoft.com/office/drawing/2010/main" val="0"/>
+              </a:ext>
+            </a:extLst>
+          </a:blip>
+          <a:stretch>
+            <a:fillRect/>
+          </a:stretch>
+        </p:blipFill>
+        <p:spPr>
+          <a:xfrm>
+            <a:off x="363682" y="959638"/>
+            <a:ext cx="5805055" cy="5805055"/>
+          </a:xfrm>
+          <a:prstGeom prst="rect">
+            <a:avLst/>
+          </a:prstGeom>
+        </p:spPr>
+      </p:pic>
     </p:spTree>
     <p:extLst>
       <p:ext uri="{BB962C8B-B14F-4D97-AF65-F5344CB8AC3E}">
@@ -4592,7 +5376,7 @@
     <p:bg>
       <p:bgPr>
         <a:blipFill>
-          <a:blip r:embed="rId2"/>
+          <a:blip r:embed="rId3"/>
           <a:tile tx="0" ty="0" sx="100000" sy="100000" flip="none" algn="tl"/>
         </a:blipFill>
         <a:effectLst/>
@@ -4657,6 +5441,42 @@
           </a:p>
         </p:txBody>
       </p:sp>
+      <p:pic>
+        <p:nvPicPr>
+          <p:cNvPr id="3" name="圖片 2">
+            <a:extLst>
+              <a:ext uri="{FF2B5EF4-FFF2-40B4-BE49-F238E27FC236}">
+                <a16:creationId xmlns:a16="http://schemas.microsoft.com/office/drawing/2014/main" id="{F05EBA31-8345-46FF-82E9-E33F92CD9A0A}"/>
+              </a:ext>
+            </a:extLst>
+          </p:cNvPr>
+          <p:cNvPicPr>
+            <a:picLocks noChangeAspect="1"/>
+          </p:cNvPicPr>
+          <p:nvPr/>
+        </p:nvPicPr>
+        <p:blipFill>
+          <a:blip r:embed="rId4">
+            <a:extLst>
+              <a:ext uri="{28A0092B-C50C-407E-A947-70E740481C1C}">
+                <a14:useLocalDpi xmlns:a14="http://schemas.microsoft.com/office/drawing/2010/main" val="0"/>
+              </a:ext>
+            </a:extLst>
+          </a:blip>
+          <a:stretch>
+            <a:fillRect/>
+          </a:stretch>
+        </p:blipFill>
+        <p:spPr>
+          <a:xfrm>
+            <a:off x="363682" y="959638"/>
+            <a:ext cx="5773882" cy="5773882"/>
+          </a:xfrm>
+          <a:prstGeom prst="rect">
+            <a:avLst/>
+          </a:prstGeom>
+        </p:spPr>
+      </p:pic>
     </p:spTree>
     <p:extLst>
       <p:ext uri="{BB962C8B-B14F-4D97-AF65-F5344CB8AC3E}">

--- a/hw01.pptx
+++ b/hw01.pptx
@@ -204,7 +204,7 @@
           <a:p>
             <a:fld id="{97348BAD-384E-47E7-9DED-D2CE6DDD7321}" type="datetimeFigureOut">
               <a:rPr lang="zh-TW" altLang="en-US" smtClean="0"/>
-              <a:t>2024/10/14</a:t>
+              <a:t>2024/10/17</a:t>
             </a:fld>
             <a:endParaRPr lang="zh-TW" altLang="en-US"/>
           </a:p>
@@ -1490,7 +1490,7 @@
           <a:p>
             <a:fld id="{17501BA0-6145-4220-BB20-E24A3FFD92E2}" type="datetimeFigureOut">
               <a:rPr lang="zh-TW" altLang="en-US" smtClean="0"/>
-              <a:t>2024/10/14</a:t>
+              <a:t>2024/10/17</a:t>
             </a:fld>
             <a:endParaRPr lang="zh-TW" altLang="en-US"/>
           </a:p>
@@ -1688,7 +1688,7 @@
           <a:p>
             <a:fld id="{17501BA0-6145-4220-BB20-E24A3FFD92E2}" type="datetimeFigureOut">
               <a:rPr lang="zh-TW" altLang="en-US" smtClean="0"/>
-              <a:t>2024/10/14</a:t>
+              <a:t>2024/10/17</a:t>
             </a:fld>
             <a:endParaRPr lang="zh-TW" altLang="en-US"/>
           </a:p>
@@ -1896,7 +1896,7 @@
           <a:p>
             <a:fld id="{17501BA0-6145-4220-BB20-E24A3FFD92E2}" type="datetimeFigureOut">
               <a:rPr lang="zh-TW" altLang="en-US" smtClean="0"/>
-              <a:t>2024/10/14</a:t>
+              <a:t>2024/10/17</a:t>
             </a:fld>
             <a:endParaRPr lang="zh-TW" altLang="en-US"/>
           </a:p>
@@ -2094,7 +2094,7 @@
           <a:p>
             <a:fld id="{17501BA0-6145-4220-BB20-E24A3FFD92E2}" type="datetimeFigureOut">
               <a:rPr lang="zh-TW" altLang="en-US" smtClean="0"/>
-              <a:t>2024/10/14</a:t>
+              <a:t>2024/10/17</a:t>
             </a:fld>
             <a:endParaRPr lang="zh-TW" altLang="en-US"/>
           </a:p>
@@ -2369,7 +2369,7 @@
           <a:p>
             <a:fld id="{17501BA0-6145-4220-BB20-E24A3FFD92E2}" type="datetimeFigureOut">
               <a:rPr lang="zh-TW" altLang="en-US" smtClean="0"/>
-              <a:t>2024/10/14</a:t>
+              <a:t>2024/10/17</a:t>
             </a:fld>
             <a:endParaRPr lang="zh-TW" altLang="en-US"/>
           </a:p>
@@ -2634,7 +2634,7 @@
           <a:p>
             <a:fld id="{17501BA0-6145-4220-BB20-E24A3FFD92E2}" type="datetimeFigureOut">
               <a:rPr lang="zh-TW" altLang="en-US" smtClean="0"/>
-              <a:t>2024/10/14</a:t>
+              <a:t>2024/10/17</a:t>
             </a:fld>
             <a:endParaRPr lang="zh-TW" altLang="en-US"/>
           </a:p>
@@ -3046,7 +3046,7 @@
           <a:p>
             <a:fld id="{17501BA0-6145-4220-BB20-E24A3FFD92E2}" type="datetimeFigureOut">
               <a:rPr lang="zh-TW" altLang="en-US" smtClean="0"/>
-              <a:t>2024/10/14</a:t>
+              <a:t>2024/10/17</a:t>
             </a:fld>
             <a:endParaRPr lang="zh-TW" altLang="en-US"/>
           </a:p>
@@ -3187,7 +3187,7 @@
           <a:p>
             <a:fld id="{17501BA0-6145-4220-BB20-E24A3FFD92E2}" type="datetimeFigureOut">
               <a:rPr lang="zh-TW" altLang="en-US" smtClean="0"/>
-              <a:t>2024/10/14</a:t>
+              <a:t>2024/10/17</a:t>
             </a:fld>
             <a:endParaRPr lang="zh-TW" altLang="en-US"/>
           </a:p>
@@ -3300,7 +3300,7 @@
           <a:p>
             <a:fld id="{17501BA0-6145-4220-BB20-E24A3FFD92E2}" type="datetimeFigureOut">
               <a:rPr lang="zh-TW" altLang="en-US" smtClean="0"/>
-              <a:t>2024/10/14</a:t>
+              <a:t>2024/10/17</a:t>
             </a:fld>
             <a:endParaRPr lang="zh-TW" altLang="en-US"/>
           </a:p>
@@ -3611,7 +3611,7 @@
           <a:p>
             <a:fld id="{17501BA0-6145-4220-BB20-E24A3FFD92E2}" type="datetimeFigureOut">
               <a:rPr lang="zh-TW" altLang="en-US" smtClean="0"/>
-              <a:t>2024/10/14</a:t>
+              <a:t>2024/10/17</a:t>
             </a:fld>
             <a:endParaRPr lang="zh-TW" altLang="en-US"/>
           </a:p>
@@ -3899,7 +3899,7 @@
           <a:p>
             <a:fld id="{17501BA0-6145-4220-BB20-E24A3FFD92E2}" type="datetimeFigureOut">
               <a:rPr lang="zh-TW" altLang="en-US" smtClean="0"/>
-              <a:t>2024/10/14</a:t>
+              <a:t>2024/10/17</a:t>
             </a:fld>
             <a:endParaRPr lang="zh-TW" altLang="en-US"/>
           </a:p>
@@ -4140,7 +4140,7 @@
           <a:p>
             <a:fld id="{17501BA0-6145-4220-BB20-E24A3FFD92E2}" type="datetimeFigureOut">
               <a:rPr lang="zh-TW" altLang="en-US" smtClean="0"/>
-              <a:t>2024/10/14</a:t>
+              <a:t>2024/10/17</a:t>
             </a:fld>
             <a:endParaRPr lang="zh-TW" altLang="en-US"/>
           </a:p>
